--- a/Py B - unit 3c.pptx
+++ b/Py B - unit 3c.pptx
@@ -6,15 +6,10 @@
   </p:sldMasterIdLst>
   <p:sldIdLst>
     <p:sldId id="256" r:id="rId2"/>
-    <p:sldId id="279" r:id="rId3"/>
-    <p:sldId id="271" r:id="rId4"/>
-    <p:sldId id="273" r:id="rId5"/>
-    <p:sldId id="277" r:id="rId6"/>
-    <p:sldId id="278" r:id="rId7"/>
-    <p:sldId id="272" r:id="rId8"/>
-    <p:sldId id="274" r:id="rId9"/>
-    <p:sldId id="276" r:id="rId10"/>
-    <p:sldId id="275" r:id="rId11"/>
+    <p:sldId id="287" r:id="rId3"/>
+    <p:sldId id="290" r:id="rId4"/>
+    <p:sldId id="289" r:id="rId5"/>
+    <p:sldId id="288" r:id="rId6"/>
   </p:sldIdLst>
   <p:sldSz cx="12192000" cy="6858000"/>
   <p:notesSz cx="6858000" cy="9144000"/>
@@ -121,23 +116,31 @@
 </p:presentation>
 </file>
 
+<file path=ppt/revisionInfo.xml><?xml version="1.0" encoding="utf-8"?>
+<p1510:revInfo xmlns:a="http://schemas.openxmlformats.org/drawingml/2006/main" xmlns:r="http://schemas.openxmlformats.org/officeDocument/2006/relationships" xmlns:p1510="http://schemas.microsoft.com/office/powerpoint/2015/10/main">
+  <p1510:revLst>
+    <p1510:client id="{5AB3C5AF-EDB0-41A6-82FB-01EC5FD91863}" v="7" dt="2021-10-13T06:15:51.609"/>
+  </p1510:revLst>
+</p1510:revInfo>
+</file>
+
 <file path=ppt/changesInfos/changesInfo1.xml><?xml version="1.0" encoding="utf-8"?>
 <pc:chgInfo xmlns:a="http://schemas.openxmlformats.org/drawingml/2006/main" xmlns:r="http://schemas.openxmlformats.org/officeDocument/2006/relationships" xmlns:ac="http://schemas.microsoft.com/office/drawing/2013/main/command" xmlns:pc="http://schemas.microsoft.com/office/powerpoint/2013/main/command">
   <pc:docChgLst>
-    <pc:chgData name="Li Lixiang" userId="6104bbfcb56aea79" providerId="LiveId" clId="{5CE64BD8-664E-494B-A2CB-3189DD4245E9}"/>
-    <pc:docChg chg="undo custSel addSld modSld">
-      <pc:chgData name="Li Lixiang" userId="6104bbfcb56aea79" providerId="LiveId" clId="{5CE64BD8-664E-494B-A2CB-3189DD4245E9}" dt="2021-03-04T04:18:52.496" v="3580" actId="20577"/>
+    <pc:chgData name="Li Lixiang" userId="6104bbfcb56aea79" providerId="LiveId" clId="{F70298FD-2AD7-45D7-8088-58CB9EF43D13}"/>
+    <pc:docChg chg="custSel addSld delSld modSld">
+      <pc:chgData name="Li Lixiang" userId="6104bbfcb56aea79" providerId="LiveId" clId="{F70298FD-2AD7-45D7-8088-58CB9EF43D13}" dt="2021-05-31T09:36:09.176" v="622" actId="1076"/>
       <pc:docMkLst>
         <pc:docMk/>
       </pc:docMkLst>
       <pc:sldChg chg="modSp mod">
-        <pc:chgData name="Li Lixiang" userId="6104bbfcb56aea79" providerId="LiveId" clId="{5CE64BD8-664E-494B-A2CB-3189DD4245E9}" dt="2021-03-04T04:18:52.496" v="3580" actId="20577"/>
+        <pc:chgData name="Li Lixiang" userId="6104bbfcb56aea79" providerId="LiveId" clId="{F70298FD-2AD7-45D7-8088-58CB9EF43D13}" dt="2021-05-31T09:15:34.148" v="17" actId="6549"/>
         <pc:sldMkLst>
           <pc:docMk/>
           <pc:sldMk cId="3650079851" sldId="256"/>
         </pc:sldMkLst>
         <pc:spChg chg="mod">
-          <ac:chgData name="Li Lixiang" userId="6104bbfcb56aea79" providerId="LiveId" clId="{5CE64BD8-664E-494B-A2CB-3189DD4245E9}" dt="2021-03-04T04:18:52.496" v="3580" actId="20577"/>
+          <ac:chgData name="Li Lixiang" userId="6104bbfcb56aea79" providerId="LiveId" clId="{F70298FD-2AD7-45D7-8088-58CB9EF43D13}" dt="2021-05-31T09:15:34.148" v="17" actId="6549"/>
           <ac:spMkLst>
             <pc:docMk/>
             <pc:sldMk cId="3650079851" sldId="256"/>
@@ -145,1415 +148,1722 @@
           </ac:spMkLst>
         </pc:spChg>
       </pc:sldChg>
-      <pc:sldChg chg="modSp mod">
-        <pc:chgData name="Li Lixiang" userId="6104bbfcb56aea79" providerId="LiveId" clId="{5CE64BD8-664E-494B-A2CB-3189DD4245E9}" dt="2021-02-27T04:11:33.214" v="990" actId="14100"/>
+      <pc:sldChg chg="addSp modSp mod">
+        <pc:chgData name="Li Lixiang" userId="6104bbfcb56aea79" providerId="LiveId" clId="{F70298FD-2AD7-45D7-8088-58CB9EF43D13}" dt="2021-05-31T09:27:54.694" v="431" actId="20577"/>
         <pc:sldMkLst>
           <pc:docMk/>
-          <pc:sldMk cId="1732110910" sldId="271"/>
+          <pc:sldMk cId="3575300521" sldId="285"/>
         </pc:sldMkLst>
         <pc:spChg chg="mod">
-          <ac:chgData name="Li Lixiang" userId="6104bbfcb56aea79" providerId="LiveId" clId="{5CE64BD8-664E-494B-A2CB-3189DD4245E9}" dt="2021-02-27T03:35:07.270" v="10" actId="20577"/>
+          <ac:chgData name="Li Lixiang" userId="6104bbfcb56aea79" providerId="LiveId" clId="{F70298FD-2AD7-45D7-8088-58CB9EF43D13}" dt="2021-05-31T09:15:46.123" v="35" actId="20577"/>
           <ac:spMkLst>
             <pc:docMk/>
-            <pc:sldMk cId="1732110910" sldId="271"/>
-            <ac:spMk id="2" creationId="{5EC01E2D-9CFE-4D5D-8863-3BA90731F07B}"/>
+            <pc:sldMk cId="3575300521" sldId="285"/>
+            <ac:spMk id="2" creationId="{D947D2DF-FCBF-47C3-9EC9-872096C568C7}"/>
           </ac:spMkLst>
         </pc:spChg>
         <pc:spChg chg="mod">
-          <ac:chgData name="Li Lixiang" userId="6104bbfcb56aea79" providerId="LiveId" clId="{5CE64BD8-664E-494B-A2CB-3189DD4245E9}" dt="2021-02-27T04:11:33.214" v="990" actId="14100"/>
+          <ac:chgData name="Li Lixiang" userId="6104bbfcb56aea79" providerId="LiveId" clId="{F70298FD-2AD7-45D7-8088-58CB9EF43D13}" dt="2021-05-31T09:27:54.694" v="431" actId="20577"/>
           <ac:spMkLst>
             <pc:docMk/>
-            <pc:sldMk cId="1732110910" sldId="271"/>
-            <ac:spMk id="9" creationId="{B3A91969-9FC0-40D6-97FB-CB169B0FD70D}"/>
+            <pc:sldMk cId="3575300521" sldId="285"/>
+            <ac:spMk id="28" creationId="{39D71EE6-7BB9-465D-AA60-A5E6C460D83A}"/>
+          </ac:spMkLst>
+        </pc:spChg>
+        <pc:picChg chg="add mod">
+          <ac:chgData name="Li Lixiang" userId="6104bbfcb56aea79" providerId="LiveId" clId="{F70298FD-2AD7-45D7-8088-58CB9EF43D13}" dt="2021-05-31T09:27:14.269" v="423" actId="1076"/>
+          <ac:picMkLst>
+            <pc:docMk/>
+            <pc:sldMk cId="3575300521" sldId="285"/>
+            <ac:picMk id="4" creationId="{CBA96F0E-66EF-4C03-92BD-9F4C88643A77}"/>
+          </ac:picMkLst>
+        </pc:picChg>
+      </pc:sldChg>
+      <pc:sldChg chg="del">
+        <pc:chgData name="Li Lixiang" userId="6104bbfcb56aea79" providerId="LiveId" clId="{F70298FD-2AD7-45D7-8088-58CB9EF43D13}" dt="2021-05-31T09:27:25.409" v="424" actId="47"/>
+        <pc:sldMkLst>
+          <pc:docMk/>
+          <pc:sldMk cId="1893043477" sldId="286"/>
+        </pc:sldMkLst>
+      </pc:sldChg>
+      <pc:sldChg chg="addSp delSp modSp add mod">
+        <pc:chgData name="Li Lixiang" userId="6104bbfcb56aea79" providerId="LiveId" clId="{F70298FD-2AD7-45D7-8088-58CB9EF43D13}" dt="2021-05-31T09:36:09.176" v="622" actId="1076"/>
+        <pc:sldMkLst>
+          <pc:docMk/>
+          <pc:sldMk cId="3697431923" sldId="286"/>
+        </pc:sldMkLst>
+        <pc:spChg chg="mod">
+          <ac:chgData name="Li Lixiang" userId="6104bbfcb56aea79" providerId="LiveId" clId="{F70298FD-2AD7-45D7-8088-58CB9EF43D13}" dt="2021-05-31T09:30:39.355" v="611" actId="14100"/>
+          <ac:spMkLst>
+            <pc:docMk/>
+            <pc:sldMk cId="3697431923" sldId="286"/>
+            <ac:spMk id="28" creationId="{39D71EE6-7BB9-465D-AA60-A5E6C460D83A}"/>
+          </ac:spMkLst>
+        </pc:spChg>
+        <pc:picChg chg="del">
+          <ac:chgData name="Li Lixiang" userId="6104bbfcb56aea79" providerId="LiveId" clId="{F70298FD-2AD7-45D7-8088-58CB9EF43D13}" dt="2021-05-31T09:28:18.567" v="433" actId="478"/>
+          <ac:picMkLst>
+            <pc:docMk/>
+            <pc:sldMk cId="3697431923" sldId="286"/>
+            <ac:picMk id="4" creationId="{CBA96F0E-66EF-4C03-92BD-9F4C88643A77}"/>
+          </ac:picMkLst>
+        </pc:picChg>
+        <pc:picChg chg="add del mod">
+          <ac:chgData name="Li Lixiang" userId="6104bbfcb56aea79" providerId="LiveId" clId="{F70298FD-2AD7-45D7-8088-58CB9EF43D13}" dt="2021-05-31T09:33:19.756" v="614" actId="478"/>
+          <ac:picMkLst>
+            <pc:docMk/>
+            <pc:sldMk cId="3697431923" sldId="286"/>
+            <ac:picMk id="5" creationId="{009D0F03-7E58-4563-9E29-585C6C90A1A2}"/>
+          </ac:picMkLst>
+        </pc:picChg>
+        <pc:picChg chg="add mod">
+          <ac:chgData name="Li Lixiang" userId="6104bbfcb56aea79" providerId="LiveId" clId="{F70298FD-2AD7-45D7-8088-58CB9EF43D13}" dt="2021-05-31T09:34:35.535" v="617" actId="1076"/>
+          <ac:picMkLst>
+            <pc:docMk/>
+            <pc:sldMk cId="3697431923" sldId="286"/>
+            <ac:picMk id="7" creationId="{F4A33654-7407-409D-B3F9-2C7A99630B34}"/>
+          </ac:picMkLst>
+        </pc:picChg>
+        <pc:picChg chg="add del mod">
+          <ac:chgData name="Li Lixiang" userId="6104bbfcb56aea79" providerId="LiveId" clId="{F70298FD-2AD7-45D7-8088-58CB9EF43D13}" dt="2021-05-31T09:34:58.364" v="620" actId="478"/>
+          <ac:picMkLst>
+            <pc:docMk/>
+            <pc:sldMk cId="3697431923" sldId="286"/>
+            <ac:picMk id="9" creationId="{50215898-C093-4DC4-8D62-89F2AA57748B}"/>
+          </ac:picMkLst>
+        </pc:picChg>
+        <pc:picChg chg="add mod">
+          <ac:chgData name="Li Lixiang" userId="6104bbfcb56aea79" providerId="LiveId" clId="{F70298FD-2AD7-45D7-8088-58CB9EF43D13}" dt="2021-05-31T09:36:09.176" v="622" actId="1076"/>
+          <ac:picMkLst>
+            <pc:docMk/>
+            <pc:sldMk cId="3697431923" sldId="286"/>
+            <ac:picMk id="10" creationId="{55ACCF36-8E04-4DBB-BE49-9E6FB5883DB3}"/>
+          </ac:picMkLst>
+        </pc:picChg>
+      </pc:sldChg>
+      <pc:sldChg chg="del">
+        <pc:chgData name="Li Lixiang" userId="6104bbfcb56aea79" providerId="LiveId" clId="{F70298FD-2AD7-45D7-8088-58CB9EF43D13}" dt="2021-05-31T09:27:26.477" v="425" actId="47"/>
+        <pc:sldMkLst>
+          <pc:docMk/>
+          <pc:sldMk cId="1566997948" sldId="287"/>
+        </pc:sldMkLst>
+      </pc:sldChg>
+      <pc:sldChg chg="del">
+        <pc:chgData name="Li Lixiang" userId="6104bbfcb56aea79" providerId="LiveId" clId="{F70298FD-2AD7-45D7-8088-58CB9EF43D13}" dt="2021-05-31T09:27:27.420" v="426" actId="47"/>
+        <pc:sldMkLst>
+          <pc:docMk/>
+          <pc:sldMk cId="1052484605" sldId="288"/>
+        </pc:sldMkLst>
+      </pc:sldChg>
+      <pc:sldChg chg="del">
+        <pc:chgData name="Li Lixiang" userId="6104bbfcb56aea79" providerId="LiveId" clId="{F70298FD-2AD7-45D7-8088-58CB9EF43D13}" dt="2021-05-31T09:27:28.444" v="427" actId="47"/>
+        <pc:sldMkLst>
+          <pc:docMk/>
+          <pc:sldMk cId="2441130311" sldId="289"/>
+        </pc:sldMkLst>
+      </pc:sldChg>
+      <pc:sldChg chg="del">
+        <pc:chgData name="Li Lixiang" userId="6104bbfcb56aea79" providerId="LiveId" clId="{F70298FD-2AD7-45D7-8088-58CB9EF43D13}" dt="2021-05-31T09:27:29.558" v="428" actId="47"/>
+        <pc:sldMkLst>
+          <pc:docMk/>
+          <pc:sldMk cId="1241975191" sldId="290"/>
+        </pc:sldMkLst>
+      </pc:sldChg>
+      <pc:sldChg chg="del">
+        <pc:chgData name="Li Lixiang" userId="6104bbfcb56aea79" providerId="LiveId" clId="{F70298FD-2AD7-45D7-8088-58CB9EF43D13}" dt="2021-05-31T09:27:30.433" v="429" actId="47"/>
+        <pc:sldMkLst>
+          <pc:docMk/>
+          <pc:sldMk cId="926358613" sldId="291"/>
+        </pc:sldMkLst>
+      </pc:sldChg>
+      <pc:sldChg chg="del">
+        <pc:chgData name="Li Lixiang" userId="6104bbfcb56aea79" providerId="LiveId" clId="{F70298FD-2AD7-45D7-8088-58CB9EF43D13}" dt="2021-05-31T09:27:31.451" v="430" actId="47"/>
+        <pc:sldMkLst>
+          <pc:docMk/>
+          <pc:sldMk cId="2762807510" sldId="292"/>
+        </pc:sldMkLst>
+      </pc:sldChg>
+    </pc:docChg>
+  </pc:docChgLst>
+  <pc:docChgLst>
+    <pc:chgData name="Li Lixiang" userId="6104bbfcb56aea79" providerId="LiveId" clId="{04C913BA-AFE4-4126-852F-044D0147B568}"/>
+    <pc:docChg chg="delSld modSld">
+      <pc:chgData name="Li Lixiang" userId="6104bbfcb56aea79" providerId="LiveId" clId="{04C913BA-AFE4-4126-852F-044D0147B568}" dt="2021-05-31T09:03:26.023" v="32" actId="47"/>
+      <pc:docMkLst>
+        <pc:docMk/>
+      </pc:docMkLst>
+      <pc:sldChg chg="modSp mod">
+        <pc:chgData name="Li Lixiang" userId="6104bbfcb56aea79" providerId="LiveId" clId="{04C913BA-AFE4-4126-852F-044D0147B568}" dt="2021-05-31T09:03:11.038" v="23" actId="20577"/>
+        <pc:sldMkLst>
+          <pc:docMk/>
+          <pc:sldMk cId="3650079851" sldId="256"/>
+        </pc:sldMkLst>
+        <pc:spChg chg="mod">
+          <ac:chgData name="Li Lixiang" userId="6104bbfcb56aea79" providerId="LiveId" clId="{04C913BA-AFE4-4126-852F-044D0147B568}" dt="2021-05-31T09:03:11.038" v="23" actId="20577"/>
+          <ac:spMkLst>
+            <pc:docMk/>
+            <pc:sldMk cId="3650079851" sldId="256"/>
+            <ac:spMk id="4" creationId="{8DE6899A-D842-4C9E-ADC1-B0C1377122EA}"/>
           </ac:spMkLst>
         </pc:spChg>
       </pc:sldChg>
-      <pc:sldChg chg="modSp add mod">
-        <pc:chgData name="Li Lixiang" userId="6104bbfcb56aea79" providerId="LiveId" clId="{5CE64BD8-664E-494B-A2CB-3189DD4245E9}" dt="2021-02-27T15:09:12.529" v="2637" actId="6549"/>
+      <pc:sldChg chg="del">
+        <pc:chgData name="Li Lixiang" userId="6104bbfcb56aea79" providerId="LiveId" clId="{04C913BA-AFE4-4126-852F-044D0147B568}" dt="2021-05-31T09:02:57.230" v="0" actId="47"/>
         <pc:sldMkLst>
           <pc:docMk/>
-          <pc:sldMk cId="2828961167" sldId="272"/>
+          <pc:sldMk cId="2854580649" sldId="257"/>
+        </pc:sldMkLst>
+      </pc:sldChg>
+      <pc:sldChg chg="del">
+        <pc:chgData name="Li Lixiang" userId="6104bbfcb56aea79" providerId="LiveId" clId="{04C913BA-AFE4-4126-852F-044D0147B568}" dt="2021-05-31T09:02:59.670" v="4" actId="47"/>
+        <pc:sldMkLst>
+          <pc:docMk/>
+          <pc:sldMk cId="3903523967" sldId="258"/>
+        </pc:sldMkLst>
+      </pc:sldChg>
+      <pc:sldChg chg="del">
+        <pc:chgData name="Li Lixiang" userId="6104bbfcb56aea79" providerId="LiveId" clId="{04C913BA-AFE4-4126-852F-044D0147B568}" dt="2021-05-31T09:02:58.566" v="2" actId="47"/>
+        <pc:sldMkLst>
+          <pc:docMk/>
+          <pc:sldMk cId="647322237" sldId="259"/>
+        </pc:sldMkLst>
+      </pc:sldChg>
+      <pc:sldChg chg="del">
+        <pc:chgData name="Li Lixiang" userId="6104bbfcb56aea79" providerId="LiveId" clId="{04C913BA-AFE4-4126-852F-044D0147B568}" dt="2021-05-31T09:03:00.898" v="6" actId="47"/>
+        <pc:sldMkLst>
+          <pc:docMk/>
+          <pc:sldMk cId="1167250398" sldId="260"/>
+        </pc:sldMkLst>
+      </pc:sldChg>
+      <pc:sldChg chg="del">
+        <pc:chgData name="Li Lixiang" userId="6104bbfcb56aea79" providerId="LiveId" clId="{04C913BA-AFE4-4126-852F-044D0147B568}" dt="2021-05-31T09:03:25.019" v="31" actId="47"/>
+        <pc:sldMkLst>
+          <pc:docMk/>
+          <pc:sldMk cId="2998306887" sldId="266"/>
+        </pc:sldMkLst>
+      </pc:sldChg>
+      <pc:sldChg chg="del">
+        <pc:chgData name="Li Lixiang" userId="6104bbfcb56aea79" providerId="LiveId" clId="{04C913BA-AFE4-4126-852F-044D0147B568}" dt="2021-05-31T09:02:58.018" v="1" actId="47"/>
+        <pc:sldMkLst>
+          <pc:docMk/>
+          <pc:sldMk cId="2133616112" sldId="267"/>
+        </pc:sldMkLst>
+      </pc:sldChg>
+      <pc:sldChg chg="del">
+        <pc:chgData name="Li Lixiang" userId="6104bbfcb56aea79" providerId="LiveId" clId="{04C913BA-AFE4-4126-852F-044D0147B568}" dt="2021-05-31T09:03:00.310" v="5" actId="47"/>
+        <pc:sldMkLst>
+          <pc:docMk/>
+          <pc:sldMk cId="3450450490" sldId="268"/>
+        </pc:sldMkLst>
+      </pc:sldChg>
+      <pc:sldChg chg="del">
+        <pc:chgData name="Li Lixiang" userId="6104bbfcb56aea79" providerId="LiveId" clId="{04C913BA-AFE4-4126-852F-044D0147B568}" dt="2021-05-31T09:03:03.027" v="10" actId="47"/>
+        <pc:sldMkLst>
+          <pc:docMk/>
+          <pc:sldMk cId="1777997471" sldId="269"/>
+        </pc:sldMkLst>
+      </pc:sldChg>
+      <pc:sldChg chg="del">
+        <pc:chgData name="Li Lixiang" userId="6104bbfcb56aea79" providerId="LiveId" clId="{04C913BA-AFE4-4126-852F-044D0147B568}" dt="2021-05-31T09:03:04.182" v="11" actId="47"/>
+        <pc:sldMkLst>
+          <pc:docMk/>
+          <pc:sldMk cId="237728322" sldId="270"/>
+        </pc:sldMkLst>
+      </pc:sldChg>
+      <pc:sldChg chg="del">
+        <pc:chgData name="Li Lixiang" userId="6104bbfcb56aea79" providerId="LiveId" clId="{04C913BA-AFE4-4126-852F-044D0147B568}" dt="2021-05-31T09:02:59.115" v="3" actId="47"/>
+        <pc:sldMkLst>
+          <pc:docMk/>
+          <pc:sldMk cId="584544023" sldId="271"/>
+        </pc:sldMkLst>
+      </pc:sldChg>
+      <pc:sldChg chg="del">
+        <pc:chgData name="Li Lixiang" userId="6104bbfcb56aea79" providerId="LiveId" clId="{04C913BA-AFE4-4126-852F-044D0147B568}" dt="2021-05-31T09:03:01.971" v="8" actId="47"/>
+        <pc:sldMkLst>
+          <pc:docMk/>
+          <pc:sldMk cId="3132061225" sldId="272"/>
+        </pc:sldMkLst>
+      </pc:sldChg>
+      <pc:sldChg chg="del">
+        <pc:chgData name="Li Lixiang" userId="6104bbfcb56aea79" providerId="LiveId" clId="{04C913BA-AFE4-4126-852F-044D0147B568}" dt="2021-05-31T09:03:26.023" v="32" actId="47"/>
+        <pc:sldMkLst>
+          <pc:docMk/>
+          <pc:sldMk cId="3363691834" sldId="273"/>
+        </pc:sldMkLst>
+      </pc:sldChg>
+      <pc:sldChg chg="del">
+        <pc:chgData name="Li Lixiang" userId="6104bbfcb56aea79" providerId="LiveId" clId="{04C913BA-AFE4-4126-852F-044D0147B568}" dt="2021-05-31T09:03:17.376" v="24" actId="47"/>
+        <pc:sldMkLst>
+          <pc:docMk/>
+          <pc:sldMk cId="3705451296" sldId="276"/>
+        </pc:sldMkLst>
+      </pc:sldChg>
+      <pc:sldChg chg="del">
+        <pc:chgData name="Li Lixiang" userId="6104bbfcb56aea79" providerId="LiveId" clId="{04C913BA-AFE4-4126-852F-044D0147B568}" dt="2021-05-31T09:03:17.922" v="25" actId="47"/>
+        <pc:sldMkLst>
+          <pc:docMk/>
+          <pc:sldMk cId="236255252" sldId="277"/>
+        </pc:sldMkLst>
+      </pc:sldChg>
+      <pc:sldChg chg="del">
+        <pc:chgData name="Li Lixiang" userId="6104bbfcb56aea79" providerId="LiveId" clId="{04C913BA-AFE4-4126-852F-044D0147B568}" dt="2021-05-31T09:03:18.507" v="26" actId="47"/>
+        <pc:sldMkLst>
+          <pc:docMk/>
+          <pc:sldMk cId="3382715189" sldId="278"/>
+        </pc:sldMkLst>
+      </pc:sldChg>
+      <pc:sldChg chg="del">
+        <pc:chgData name="Li Lixiang" userId="6104bbfcb56aea79" providerId="LiveId" clId="{04C913BA-AFE4-4126-852F-044D0147B568}" dt="2021-05-31T09:03:19.965" v="27" actId="47"/>
+        <pc:sldMkLst>
+          <pc:docMk/>
+          <pc:sldMk cId="3644787234" sldId="279"/>
+        </pc:sldMkLst>
+      </pc:sldChg>
+      <pc:sldChg chg="del">
+        <pc:chgData name="Li Lixiang" userId="6104bbfcb56aea79" providerId="LiveId" clId="{04C913BA-AFE4-4126-852F-044D0147B568}" dt="2021-05-31T09:03:21.307" v="28" actId="47"/>
+        <pc:sldMkLst>
+          <pc:docMk/>
+          <pc:sldMk cId="2458152062" sldId="280"/>
+        </pc:sldMkLst>
+      </pc:sldChg>
+      <pc:sldChg chg="del">
+        <pc:chgData name="Li Lixiang" userId="6104bbfcb56aea79" providerId="LiveId" clId="{04C913BA-AFE4-4126-852F-044D0147B568}" dt="2021-05-31T09:03:22.162" v="29" actId="47"/>
+        <pc:sldMkLst>
+          <pc:docMk/>
+          <pc:sldMk cId="285537872" sldId="281"/>
+        </pc:sldMkLst>
+      </pc:sldChg>
+      <pc:sldChg chg="del">
+        <pc:chgData name="Li Lixiang" userId="6104bbfcb56aea79" providerId="LiveId" clId="{04C913BA-AFE4-4126-852F-044D0147B568}" dt="2021-05-31T09:03:23.576" v="30" actId="47"/>
+        <pc:sldMkLst>
+          <pc:docMk/>
+          <pc:sldMk cId="1892396108" sldId="282"/>
+        </pc:sldMkLst>
+      </pc:sldChg>
+      <pc:sldChg chg="del">
+        <pc:chgData name="Li Lixiang" userId="6104bbfcb56aea79" providerId="LiveId" clId="{04C913BA-AFE4-4126-852F-044D0147B568}" dt="2021-05-31T09:03:01.446" v="7" actId="47"/>
+        <pc:sldMkLst>
+          <pc:docMk/>
+          <pc:sldMk cId="669132949" sldId="283"/>
+        </pc:sldMkLst>
+      </pc:sldChg>
+      <pc:sldChg chg="del">
+        <pc:chgData name="Li Lixiang" userId="6104bbfcb56aea79" providerId="LiveId" clId="{04C913BA-AFE4-4126-852F-044D0147B568}" dt="2021-05-31T09:03:02.402" v="9" actId="47"/>
+        <pc:sldMkLst>
+          <pc:docMk/>
+          <pc:sldMk cId="2287529749" sldId="284"/>
+        </pc:sldMkLst>
+      </pc:sldChg>
+    </pc:docChg>
+  </pc:docChgLst>
+  <pc:docChgLst>
+    <pc:chgData name="Li Lixiang" userId="6104bbfcb56aea79" providerId="LiveId" clId="{B9869770-D63A-48A8-902B-B8466ACE9F25}"/>
+    <pc:docChg chg="undo custSel addSld delSld modSld">
+      <pc:chgData name="Li Lixiang" userId="6104bbfcb56aea79" providerId="LiveId" clId="{B9869770-D63A-48A8-902B-B8466ACE9F25}" dt="2021-08-12T08:06:06.387" v="572" actId="1076"/>
+      <pc:docMkLst>
+        <pc:docMk/>
+      </pc:docMkLst>
+      <pc:sldChg chg="addSp delSp modSp new mod">
+        <pc:chgData name="Li Lixiang" userId="6104bbfcb56aea79" providerId="LiveId" clId="{B9869770-D63A-48A8-902B-B8466ACE9F25}" dt="2021-08-12T08:05:06.041" v="568" actId="1076"/>
+        <pc:sldMkLst>
+          <pc:docMk/>
+          <pc:sldMk cId="138813403" sldId="288"/>
         </pc:sldMkLst>
         <pc:spChg chg="mod">
-          <ac:chgData name="Li Lixiang" userId="6104bbfcb56aea79" providerId="LiveId" clId="{5CE64BD8-664E-494B-A2CB-3189DD4245E9}" dt="2021-02-27T13:14:13.601" v="1903" actId="20577"/>
+          <ac:chgData name="Li Lixiang" userId="6104bbfcb56aea79" providerId="LiveId" clId="{B9869770-D63A-48A8-902B-B8466ACE9F25}" dt="2021-08-12T07:51:51.553" v="18" actId="20577"/>
           <ac:spMkLst>
             <pc:docMk/>
-            <pc:sldMk cId="2828961167" sldId="272"/>
-            <ac:spMk id="2" creationId="{5EC01E2D-9CFE-4D5D-8863-3BA90731F07B}"/>
+            <pc:sldMk cId="138813403" sldId="288"/>
+            <ac:spMk id="2" creationId="{48E3133C-2D11-4AD1-B0B5-30549934DD31}"/>
+          </ac:spMkLst>
+        </pc:spChg>
+        <pc:spChg chg="add del mod">
+          <ac:chgData name="Li Lixiang" userId="6104bbfcb56aea79" providerId="LiveId" clId="{B9869770-D63A-48A8-902B-B8466ACE9F25}" dt="2021-08-12T07:57:14.019" v="315" actId="14100"/>
+          <ac:spMkLst>
+            <pc:docMk/>
+            <pc:sldMk cId="138813403" sldId="288"/>
+            <ac:spMk id="3" creationId="{17D0C3F3-5065-4C0B-9C49-527158490795}"/>
+          </ac:spMkLst>
+        </pc:spChg>
+        <pc:spChg chg="add del mod">
+          <ac:chgData name="Li Lixiang" userId="6104bbfcb56aea79" providerId="LiveId" clId="{B9869770-D63A-48A8-902B-B8466ACE9F25}" dt="2021-08-12T07:56:53.541" v="311" actId="478"/>
+          <ac:spMkLst>
+            <pc:docMk/>
+            <pc:sldMk cId="138813403" sldId="288"/>
+            <ac:spMk id="6" creationId="{88220F0E-E491-432A-BB7E-4122145D2DE2}"/>
+          </ac:spMkLst>
+        </pc:spChg>
+        <pc:spChg chg="add del mod">
+          <ac:chgData name="Li Lixiang" userId="6104bbfcb56aea79" providerId="LiveId" clId="{B9869770-D63A-48A8-902B-B8466ACE9F25}" dt="2021-08-12T07:56:51.341" v="310" actId="478"/>
+          <ac:spMkLst>
+            <pc:docMk/>
+            <pc:sldMk cId="138813403" sldId="288"/>
+            <ac:spMk id="7" creationId="{31FA97AA-272F-4A33-AB99-162408BFE507}"/>
+          </ac:spMkLst>
+        </pc:spChg>
+        <pc:spChg chg="add del mod">
+          <ac:chgData name="Li Lixiang" userId="6104bbfcb56aea79" providerId="LiveId" clId="{B9869770-D63A-48A8-902B-B8466ACE9F25}" dt="2021-08-12T07:55:42.502" v="296" actId="21"/>
+          <ac:spMkLst>
+            <pc:docMk/>
+            <pc:sldMk cId="138813403" sldId="288"/>
+            <ac:spMk id="8" creationId="{5C8AF123-B5C8-494E-AB8B-5327ECBE529B}"/>
+          </ac:spMkLst>
+        </pc:spChg>
+        <pc:picChg chg="add del mod">
+          <ac:chgData name="Li Lixiang" userId="6104bbfcb56aea79" providerId="LiveId" clId="{B9869770-D63A-48A8-902B-B8466ACE9F25}" dt="2021-08-12T08:05:00.488" v="564" actId="478"/>
+          <ac:picMkLst>
+            <pc:docMk/>
+            <pc:sldMk cId="138813403" sldId="288"/>
+            <ac:picMk id="5" creationId="{BD0CE8F1-939D-4B87-9ED9-55EFEB6461C7}"/>
+          </ac:picMkLst>
+        </pc:picChg>
+        <pc:picChg chg="add mod">
+          <ac:chgData name="Li Lixiang" userId="6104bbfcb56aea79" providerId="LiveId" clId="{B9869770-D63A-48A8-902B-B8466ACE9F25}" dt="2021-08-12T08:05:06.041" v="568" actId="1076"/>
+          <ac:picMkLst>
+            <pc:docMk/>
+            <pc:sldMk cId="138813403" sldId="288"/>
+            <ac:picMk id="6" creationId="{5E06AA65-3C39-469B-9A64-8C9D2DD6D5AE}"/>
+          </ac:picMkLst>
+        </pc:picChg>
+      </pc:sldChg>
+      <pc:sldChg chg="del">
+        <pc:chgData name="Li Lixiang" userId="6104bbfcb56aea79" providerId="LiveId" clId="{B9869770-D63A-48A8-902B-B8466ACE9F25}" dt="2021-08-12T07:36:47.666" v="0" actId="2696"/>
+        <pc:sldMkLst>
+          <pc:docMk/>
+          <pc:sldMk cId="1466285209" sldId="288"/>
+        </pc:sldMkLst>
+      </pc:sldChg>
+      <pc:sldChg chg="addSp delSp modSp add mod">
+        <pc:chgData name="Li Lixiang" userId="6104bbfcb56aea79" providerId="LiveId" clId="{B9869770-D63A-48A8-902B-B8466ACE9F25}" dt="2021-08-12T08:06:06.387" v="572" actId="1076"/>
+        <pc:sldMkLst>
+          <pc:docMk/>
+          <pc:sldMk cId="3838781653" sldId="289"/>
+        </pc:sldMkLst>
+        <pc:spChg chg="mod">
+          <ac:chgData name="Li Lixiang" userId="6104bbfcb56aea79" providerId="LiveId" clId="{B9869770-D63A-48A8-902B-B8466ACE9F25}" dt="2021-08-12T07:59:20.578" v="558" actId="20577"/>
+          <ac:spMkLst>
+            <pc:docMk/>
+            <pc:sldMk cId="3838781653" sldId="289"/>
+            <ac:spMk id="2" creationId="{D947D2DF-FCBF-47C3-9EC9-872096C568C7}"/>
           </ac:spMkLst>
         </pc:spChg>
         <pc:spChg chg="mod">
-          <ac:chgData name="Li Lixiang" userId="6104bbfcb56aea79" providerId="LiveId" clId="{5CE64BD8-664E-494B-A2CB-3189DD4245E9}" dt="2021-02-27T15:09:12.529" v="2637" actId="6549"/>
+          <ac:chgData name="Li Lixiang" userId="6104bbfcb56aea79" providerId="LiveId" clId="{B9869770-D63A-48A8-902B-B8466ACE9F25}" dt="2021-08-12T07:58:30.894" v="520" actId="20577"/>
           <ac:spMkLst>
             <pc:docMk/>
-            <pc:sldMk cId="2828961167" sldId="272"/>
-            <ac:spMk id="9" creationId="{B3A91969-9FC0-40D6-97FB-CB169B0FD70D}"/>
+            <pc:sldMk cId="3838781653" sldId="289"/>
+            <ac:spMk id="28" creationId="{39D71EE6-7BB9-465D-AA60-A5E6C460D83A}"/>
+          </ac:spMkLst>
+        </pc:spChg>
+        <pc:picChg chg="add del mod">
+          <ac:chgData name="Li Lixiang" userId="6104bbfcb56aea79" providerId="LiveId" clId="{B9869770-D63A-48A8-902B-B8466ACE9F25}" dt="2021-08-12T08:06:01.407" v="569" actId="478"/>
+          <ac:picMkLst>
+            <pc:docMk/>
+            <pc:sldMk cId="3838781653" sldId="289"/>
+            <ac:picMk id="4" creationId="{9EC372EC-AC5C-48B5-801C-EEFCF524F461}"/>
+          </ac:picMkLst>
+        </pc:picChg>
+        <pc:picChg chg="add mod">
+          <ac:chgData name="Li Lixiang" userId="6104bbfcb56aea79" providerId="LiveId" clId="{B9869770-D63A-48A8-902B-B8466ACE9F25}" dt="2021-08-12T08:06:06.387" v="572" actId="1076"/>
+          <ac:picMkLst>
+            <pc:docMk/>
+            <pc:sldMk cId="3838781653" sldId="289"/>
+            <ac:picMk id="5" creationId="{23A6D3FD-0510-4045-BA2A-CA4A2485A7FB}"/>
+          </ac:picMkLst>
+        </pc:picChg>
+      </pc:sldChg>
+    </pc:docChg>
+  </pc:docChgLst>
+  <pc:docChgLst>
+    <pc:chgData name="Li Lixiang" userId="6104bbfcb56aea79" providerId="LiveId" clId="{5AB3C5AF-EDB0-41A6-82FB-01EC5FD91863}"/>
+    <pc:docChg chg="custSel addSld delSld modSld">
+      <pc:chgData name="Li Lixiang" userId="6104bbfcb56aea79" providerId="LiveId" clId="{5AB3C5AF-EDB0-41A6-82FB-01EC5FD91863}" dt="2021-10-13T06:34:30.151" v="391" actId="20577"/>
+      <pc:docMkLst>
+        <pc:docMk/>
+      </pc:docMkLst>
+      <pc:sldChg chg="modSp mod">
+        <pc:chgData name="Li Lixiang" userId="6104bbfcb56aea79" providerId="LiveId" clId="{5AB3C5AF-EDB0-41A6-82FB-01EC5FD91863}" dt="2021-10-13T06:09:17.947" v="17" actId="20577"/>
+        <pc:sldMkLst>
+          <pc:docMk/>
+          <pc:sldMk cId="3650079851" sldId="256"/>
+        </pc:sldMkLst>
+        <pc:spChg chg="mod">
+          <ac:chgData name="Li Lixiang" userId="6104bbfcb56aea79" providerId="LiveId" clId="{5AB3C5AF-EDB0-41A6-82FB-01EC5FD91863}" dt="2021-10-13T06:09:17.947" v="17" actId="20577"/>
+          <ac:spMkLst>
+            <pc:docMk/>
+            <pc:sldMk cId="3650079851" sldId="256"/>
+            <ac:spMk id="4" creationId="{8DE6899A-D842-4C9E-ADC1-B0C1377122EA}"/>
           </ac:spMkLst>
         </pc:spChg>
       </pc:sldChg>
-      <pc:sldChg chg="add">
-        <pc:chgData name="Li Lixiang" userId="6104bbfcb56aea79" providerId="LiveId" clId="{5CE64BD8-664E-494B-A2CB-3189DD4245E9}" dt="2021-02-27T13:14:05.640" v="1892"/>
+      <pc:sldChg chg="del">
+        <pc:chgData name="Li Lixiang" userId="6104bbfcb56aea79" providerId="LiveId" clId="{5AB3C5AF-EDB0-41A6-82FB-01EC5FD91863}" dt="2021-10-13T06:09:24.077" v="18" actId="47"/>
         <pc:sldMkLst>
           <pc:docMk/>
-          <pc:sldMk cId="2389731973" sldId="273"/>
+          <pc:sldMk cId="3575300521" sldId="285"/>
         </pc:sldMkLst>
       </pc:sldChg>
-      <pc:sldChg chg="modSp add mod">
-        <pc:chgData name="Li Lixiang" userId="6104bbfcb56aea79" providerId="LiveId" clId="{5CE64BD8-664E-494B-A2CB-3189DD4245E9}" dt="2021-02-27T15:17:00.843" v="2916" actId="20577"/>
+      <pc:sldChg chg="del">
+        <pc:chgData name="Li Lixiang" userId="6104bbfcb56aea79" providerId="LiveId" clId="{5AB3C5AF-EDB0-41A6-82FB-01EC5FD91863}" dt="2021-10-13T06:09:24.835" v="19" actId="47"/>
         <pc:sldMkLst>
           <pc:docMk/>
-          <pc:sldMk cId="3109546512" sldId="274"/>
+          <pc:sldMk cId="3697431923" sldId="286"/>
+        </pc:sldMkLst>
+      </pc:sldChg>
+      <pc:sldChg chg="modSp mod">
+        <pc:chgData name="Li Lixiang" userId="6104bbfcb56aea79" providerId="LiveId" clId="{5AB3C5AF-EDB0-41A6-82FB-01EC5FD91863}" dt="2021-10-13T06:16:04.068" v="186" actId="27636"/>
+        <pc:sldMkLst>
+          <pc:docMk/>
+          <pc:sldMk cId="907979361" sldId="287"/>
         </pc:sldMkLst>
         <pc:spChg chg="mod">
-          <ac:chgData name="Li Lixiang" userId="6104bbfcb56aea79" providerId="LiveId" clId="{5CE64BD8-664E-494B-A2CB-3189DD4245E9}" dt="2021-02-27T15:14:41.686" v="2647" actId="20577"/>
+          <ac:chgData name="Li Lixiang" userId="6104bbfcb56aea79" providerId="LiveId" clId="{5AB3C5AF-EDB0-41A6-82FB-01EC5FD91863}" dt="2021-10-13T06:16:04.068" v="186" actId="27636"/>
           <ac:spMkLst>
             <pc:docMk/>
-            <pc:sldMk cId="3109546512" sldId="274"/>
-            <ac:spMk id="2" creationId="{5EC01E2D-9CFE-4D5D-8863-3BA90731F07B}"/>
+            <pc:sldMk cId="907979361" sldId="287"/>
+            <ac:spMk id="28" creationId="{39D71EE6-7BB9-465D-AA60-A5E6C460D83A}"/>
+          </ac:spMkLst>
+        </pc:spChg>
+      </pc:sldChg>
+      <pc:sldChg chg="modSp mod">
+        <pc:chgData name="Li Lixiang" userId="6104bbfcb56aea79" providerId="LiveId" clId="{5AB3C5AF-EDB0-41A6-82FB-01EC5FD91863}" dt="2021-10-13T06:34:30.151" v="391" actId="20577"/>
+        <pc:sldMkLst>
+          <pc:docMk/>
+          <pc:sldMk cId="138813403" sldId="288"/>
+        </pc:sldMkLst>
+        <pc:spChg chg="mod">
+          <ac:chgData name="Li Lixiang" userId="6104bbfcb56aea79" providerId="LiveId" clId="{5AB3C5AF-EDB0-41A6-82FB-01EC5FD91863}" dt="2021-10-13T06:34:30.151" v="391" actId="20577"/>
+          <ac:spMkLst>
+            <pc:docMk/>
+            <pc:sldMk cId="138813403" sldId="288"/>
+            <ac:spMk id="3" creationId="{17D0C3F3-5065-4C0B-9C49-527158490795}"/>
+          </ac:spMkLst>
+        </pc:spChg>
+      </pc:sldChg>
+      <pc:sldChg chg="addSp delSp modSp add mod">
+        <pc:chgData name="Li Lixiang" userId="6104bbfcb56aea79" providerId="LiveId" clId="{5AB3C5AF-EDB0-41A6-82FB-01EC5FD91863}" dt="2021-10-13T06:29:30.363" v="261" actId="5793"/>
+        <pc:sldMkLst>
+          <pc:docMk/>
+          <pc:sldMk cId="2638260007" sldId="290"/>
+        </pc:sldMkLst>
+        <pc:spChg chg="mod">
+          <ac:chgData name="Li Lixiang" userId="6104bbfcb56aea79" providerId="LiveId" clId="{5AB3C5AF-EDB0-41A6-82FB-01EC5FD91863}" dt="2021-10-13T06:09:45.376" v="25" actId="20577"/>
+          <ac:spMkLst>
+            <pc:docMk/>
+            <pc:sldMk cId="2638260007" sldId="290"/>
+            <ac:spMk id="2" creationId="{D947D2DF-FCBF-47C3-9EC9-872096C568C7}"/>
+          </ac:spMkLst>
+        </pc:spChg>
+        <pc:spChg chg="add del">
+          <ac:chgData name="Li Lixiang" userId="6104bbfcb56aea79" providerId="LiveId" clId="{5AB3C5AF-EDB0-41A6-82FB-01EC5FD91863}" dt="2021-10-13T06:15:51.609" v="179" actId="478"/>
+          <ac:spMkLst>
+            <pc:docMk/>
+            <pc:sldMk cId="2638260007" sldId="290"/>
+            <ac:spMk id="3" creationId="{B2A95F01-63D3-485E-B1A6-E3F0FD219BCF}"/>
+          </ac:spMkLst>
+        </pc:spChg>
+        <pc:spChg chg="add del mod">
+          <ac:chgData name="Li Lixiang" userId="6104bbfcb56aea79" providerId="LiveId" clId="{5AB3C5AF-EDB0-41A6-82FB-01EC5FD91863}" dt="2021-10-13T06:14:08.350" v="111"/>
+          <ac:spMkLst>
+            <pc:docMk/>
+            <pc:sldMk cId="2638260007" sldId="290"/>
+            <ac:spMk id="4" creationId="{3F7DF106-2BA4-475D-888A-D26D68859293}"/>
           </ac:spMkLst>
         </pc:spChg>
         <pc:spChg chg="mod">
-          <ac:chgData name="Li Lixiang" userId="6104bbfcb56aea79" providerId="LiveId" clId="{5CE64BD8-664E-494B-A2CB-3189DD4245E9}" dt="2021-02-27T15:17:00.843" v="2916" actId="20577"/>
+          <ac:chgData name="Li Lixiang" userId="6104bbfcb56aea79" providerId="LiveId" clId="{5AB3C5AF-EDB0-41A6-82FB-01EC5FD91863}" dt="2021-10-13T06:29:30.363" v="261" actId="5793"/>
           <ac:spMkLst>
             <pc:docMk/>
-            <pc:sldMk cId="3109546512" sldId="274"/>
-            <ac:spMk id="9" creationId="{B3A91969-9FC0-40D6-97FB-CB169B0FD70D}"/>
-          </ac:spMkLst>
-        </pc:spChg>
-      </pc:sldChg>
-      <pc:sldChg chg="modSp add mod">
-        <pc:chgData name="Li Lixiang" userId="6104bbfcb56aea79" providerId="LiveId" clId="{5CE64BD8-664E-494B-A2CB-3189DD4245E9}" dt="2021-02-28T05:33:09.839" v="3553" actId="20577"/>
-        <pc:sldMkLst>
-          <pc:docMk/>
-          <pc:sldMk cId="368533723" sldId="275"/>
-        </pc:sldMkLst>
-        <pc:spChg chg="mod">
-          <ac:chgData name="Li Lixiang" userId="6104bbfcb56aea79" providerId="LiveId" clId="{5CE64BD8-664E-494B-A2CB-3189DD4245E9}" dt="2021-02-27T15:16:26.635" v="2893" actId="20577"/>
-          <ac:spMkLst>
-            <pc:docMk/>
-            <pc:sldMk cId="368533723" sldId="275"/>
-            <ac:spMk id="2" creationId="{5EC01E2D-9CFE-4D5D-8863-3BA90731F07B}"/>
-          </ac:spMkLst>
-        </pc:spChg>
-        <pc:spChg chg="mod">
-          <ac:chgData name="Li Lixiang" userId="6104bbfcb56aea79" providerId="LiveId" clId="{5CE64BD8-664E-494B-A2CB-3189DD4245E9}" dt="2021-02-28T05:33:09.839" v="3553" actId="20577"/>
-          <ac:spMkLst>
-            <pc:docMk/>
-            <pc:sldMk cId="368533723" sldId="275"/>
-            <ac:spMk id="9" creationId="{B3A91969-9FC0-40D6-97FB-CB169B0FD70D}"/>
-          </ac:spMkLst>
-        </pc:spChg>
-      </pc:sldChg>
-      <pc:sldChg chg="modSp add mod">
-        <pc:chgData name="Li Lixiang" userId="6104bbfcb56aea79" providerId="LiveId" clId="{5CE64BD8-664E-494B-A2CB-3189DD4245E9}" dt="2021-02-28T04:57:41.301" v="3144" actId="20577"/>
-        <pc:sldMkLst>
-          <pc:docMk/>
-          <pc:sldMk cId="1878374054" sldId="276"/>
-        </pc:sldMkLst>
-        <pc:spChg chg="mod">
-          <ac:chgData name="Li Lixiang" userId="6104bbfcb56aea79" providerId="LiveId" clId="{5CE64BD8-664E-494B-A2CB-3189DD4245E9}" dt="2021-02-27T15:16:46.832" v="2904" actId="20577"/>
-          <ac:spMkLst>
-            <pc:docMk/>
-            <pc:sldMk cId="1878374054" sldId="276"/>
-            <ac:spMk id="2" creationId="{5EC01E2D-9CFE-4D5D-8863-3BA90731F07B}"/>
-          </ac:spMkLst>
-        </pc:spChg>
-        <pc:spChg chg="mod">
-          <ac:chgData name="Li Lixiang" userId="6104bbfcb56aea79" providerId="LiveId" clId="{5CE64BD8-664E-494B-A2CB-3189DD4245E9}" dt="2021-02-28T04:57:41.301" v="3144" actId="20577"/>
-          <ac:spMkLst>
-            <pc:docMk/>
-            <pc:sldMk cId="1878374054" sldId="276"/>
-            <ac:spMk id="9" creationId="{B3A91969-9FC0-40D6-97FB-CB169B0FD70D}"/>
+            <pc:sldMk cId="2638260007" sldId="290"/>
+            <ac:spMk id="28" creationId="{39D71EE6-7BB9-465D-AA60-A5E6C460D83A}"/>
           </ac:spMkLst>
         </pc:spChg>
       </pc:sldChg>
     </pc:docChg>
   </pc:docChgLst>
   <pc:docChgLst>
-    <pc:chgData name="Lixiang Li" userId="6104bbfcb56aea79" providerId="LiveId" clId="{61E43983-74B9-4925-A0C4-55DE45237742}"/>
-    <pc:docChg chg="custSel addSld modSld">
-      <pc:chgData name="Lixiang Li" userId="6104bbfcb56aea79" providerId="LiveId" clId="{61E43983-74B9-4925-A0C4-55DE45237742}" dt="2020-12-08T16:04:15.330" v="29" actId="14100"/>
+    <pc:chgData name="Li Lixiang" userId="6104bbfcb56aea79" providerId="LiveId" clId="{8FDA4049-A4B3-4306-826F-C3083162CE01}"/>
+    <pc:docChg chg="custSel addSld delSld modSld">
+      <pc:chgData name="Li Lixiang" userId="6104bbfcb56aea79" providerId="LiveId" clId="{8FDA4049-A4B3-4306-826F-C3083162CE01}" dt="2021-07-02T12:17:05.686" v="756" actId="1076"/>
       <pc:docMkLst>
         <pc:docMk/>
       </pc:docMkLst>
-      <pc:sldChg chg="delSp modSp">
-        <pc:chgData name="Lixiang Li" userId="6104bbfcb56aea79" providerId="LiveId" clId="{61E43983-74B9-4925-A0C4-55DE45237742}" dt="2020-12-08T15:02:02.217" v="15" actId="1036"/>
+      <pc:sldChg chg="modSp mod">
+        <pc:chgData name="Li Lixiang" userId="6104bbfcb56aea79" providerId="LiveId" clId="{8FDA4049-A4B3-4306-826F-C3083162CE01}" dt="2021-06-28T11:55:49.711" v="7" actId="20577"/>
         <pc:sldMkLst>
           <pc:docMk/>
-          <pc:sldMk cId="3326398716" sldId="260"/>
+          <pc:sldMk cId="3650079851" sldId="256"/>
         </pc:sldMkLst>
-        <pc:picChg chg="mod">
-          <ac:chgData name="Lixiang Li" userId="6104bbfcb56aea79" providerId="LiveId" clId="{61E43983-74B9-4925-A0C4-55DE45237742}" dt="2020-12-08T15:02:02.217" v="15" actId="1036"/>
+        <pc:spChg chg="mod">
+          <ac:chgData name="Li Lixiang" userId="6104bbfcb56aea79" providerId="LiveId" clId="{8FDA4049-A4B3-4306-826F-C3083162CE01}" dt="2021-06-28T11:55:49.711" v="7" actId="20577"/>
+          <ac:spMkLst>
+            <pc:docMk/>
+            <pc:sldMk cId="3650079851" sldId="256"/>
+            <ac:spMk id="4" creationId="{8DE6899A-D842-4C9E-ADC1-B0C1377122EA}"/>
+          </ac:spMkLst>
+        </pc:spChg>
+      </pc:sldChg>
+      <pc:sldChg chg="delSp modSp add mod">
+        <pc:chgData name="Li Lixiang" userId="6104bbfcb56aea79" providerId="LiveId" clId="{8FDA4049-A4B3-4306-826F-C3083162CE01}" dt="2021-07-02T08:16:19.879" v="519" actId="20577"/>
+        <pc:sldMkLst>
+          <pc:docMk/>
+          <pc:sldMk cId="907979361" sldId="287"/>
+        </pc:sldMkLst>
+        <pc:spChg chg="mod">
+          <ac:chgData name="Li Lixiang" userId="6104bbfcb56aea79" providerId="LiveId" clId="{8FDA4049-A4B3-4306-826F-C3083162CE01}" dt="2021-06-28T12:17:27.913" v="317" actId="20577"/>
+          <ac:spMkLst>
+            <pc:docMk/>
+            <pc:sldMk cId="907979361" sldId="287"/>
+            <ac:spMk id="2" creationId="{D947D2DF-FCBF-47C3-9EC9-872096C568C7}"/>
+          </ac:spMkLst>
+        </pc:spChg>
+        <pc:spChg chg="mod">
+          <ac:chgData name="Li Lixiang" userId="6104bbfcb56aea79" providerId="LiveId" clId="{8FDA4049-A4B3-4306-826F-C3083162CE01}" dt="2021-07-02T08:16:19.879" v="519" actId="20577"/>
+          <ac:spMkLst>
+            <pc:docMk/>
+            <pc:sldMk cId="907979361" sldId="287"/>
+            <ac:spMk id="28" creationId="{39D71EE6-7BB9-465D-AA60-A5E6C460D83A}"/>
+          </ac:spMkLst>
+        </pc:spChg>
+        <pc:picChg chg="del">
+          <ac:chgData name="Li Lixiang" userId="6104bbfcb56aea79" providerId="LiveId" clId="{8FDA4049-A4B3-4306-826F-C3083162CE01}" dt="2021-06-28T11:55:59.999" v="9" actId="478"/>
           <ac:picMkLst>
             <pc:docMk/>
-            <pc:sldMk cId="3326398716" sldId="260"/>
-            <ac:picMk id="3" creationId="{9A2E8B13-B22A-49AC-A050-813911B3E9EE}"/>
-          </ac:picMkLst>
-        </pc:picChg>
-        <pc:picChg chg="mod">
-          <ac:chgData name="Lixiang Li" userId="6104bbfcb56aea79" providerId="LiveId" clId="{61E43983-74B9-4925-A0C4-55DE45237742}" dt="2020-12-08T15:02:02.217" v="15" actId="1036"/>
-          <ac:picMkLst>
-            <pc:docMk/>
-            <pc:sldMk cId="3326398716" sldId="260"/>
-            <ac:picMk id="5" creationId="{F1D17BD7-6295-45FF-A531-7B1B911887E4}"/>
-          </ac:picMkLst>
-        </pc:picChg>
-        <pc:picChg chg="mod">
-          <ac:chgData name="Lixiang Li" userId="6104bbfcb56aea79" providerId="LiveId" clId="{61E43983-74B9-4925-A0C4-55DE45237742}" dt="2020-12-08T15:02:02.217" v="15" actId="1036"/>
-          <ac:picMkLst>
-            <pc:docMk/>
-            <pc:sldMk cId="3326398716" sldId="260"/>
-            <ac:picMk id="7" creationId="{249F4CA4-A5F7-4B45-AECE-8BF2367F185A}"/>
-          </ac:picMkLst>
-        </pc:picChg>
-        <pc:picChg chg="mod">
-          <ac:chgData name="Lixiang Li" userId="6104bbfcb56aea79" providerId="LiveId" clId="{61E43983-74B9-4925-A0C4-55DE45237742}" dt="2020-12-08T15:02:02.217" v="15" actId="1036"/>
-          <ac:picMkLst>
-            <pc:docMk/>
-            <pc:sldMk cId="3326398716" sldId="260"/>
-            <ac:picMk id="8" creationId="{D370D419-3E35-4D37-A45D-5FE39799715B}"/>
-          </ac:picMkLst>
-        </pc:picChg>
-        <pc:picChg chg="mod">
-          <ac:chgData name="Lixiang Li" userId="6104bbfcb56aea79" providerId="LiveId" clId="{61E43983-74B9-4925-A0C4-55DE45237742}" dt="2020-12-08T15:02:02.217" v="15" actId="1036"/>
-          <ac:picMkLst>
-            <pc:docMk/>
-            <pc:sldMk cId="3326398716" sldId="260"/>
-            <ac:picMk id="11" creationId="{E4387E32-B012-41C2-8519-ED0F839FC6A6}"/>
+            <pc:sldMk cId="907979361" sldId="287"/>
+            <ac:picMk id="7" creationId="{F4A33654-7407-409D-B3F9-2C7A99630B34}"/>
           </ac:picMkLst>
         </pc:picChg>
         <pc:picChg chg="del">
-          <ac:chgData name="Lixiang Li" userId="6104bbfcb56aea79" providerId="LiveId" clId="{61E43983-74B9-4925-A0C4-55DE45237742}" dt="2020-12-08T15:01:54.468" v="3" actId="478"/>
+          <ac:chgData name="Li Lixiang" userId="6104bbfcb56aea79" providerId="LiveId" clId="{8FDA4049-A4B3-4306-826F-C3083162CE01}" dt="2021-06-28T11:55:59.999" v="9" actId="478"/>
           <ac:picMkLst>
             <pc:docMk/>
-            <pc:sldMk cId="3326398716" sldId="260"/>
-            <ac:picMk id="13" creationId="{68ED13C4-3D7B-4777-B195-0214999EB535}"/>
+            <pc:sldMk cId="907979361" sldId="287"/>
+            <ac:picMk id="10" creationId="{55ACCF36-8E04-4DBB-BE49-9E6FB5883DB3}"/>
           </ac:picMkLst>
         </pc:picChg>
       </pc:sldChg>
-      <pc:sldChg chg="addSp delSp modSp add setBg">
-        <pc:chgData name="Lixiang Li" userId="6104bbfcb56aea79" providerId="LiveId" clId="{61E43983-74B9-4925-A0C4-55DE45237742}" dt="2020-12-08T16:04:15.330" v="29" actId="14100"/>
+      <pc:sldChg chg="modSp new del mod">
+        <pc:chgData name="Li Lixiang" userId="6104bbfcb56aea79" providerId="LiveId" clId="{8FDA4049-A4B3-4306-826F-C3083162CE01}" dt="2021-06-28T13:23:40.074" v="408" actId="47"/>
         <pc:sldMkLst>
           <pc:docMk/>
-          <pc:sldMk cId="2148867391" sldId="261"/>
+          <pc:sldMk cId="43952292" sldId="288"/>
         </pc:sldMkLst>
-        <pc:picChg chg="del">
-          <ac:chgData name="Lixiang Li" userId="6104bbfcb56aea79" providerId="LiveId" clId="{61E43983-74B9-4925-A0C4-55DE45237742}" dt="2020-12-08T15:02:07.420" v="16" actId="478"/>
+        <pc:spChg chg="mod">
+          <ac:chgData name="Li Lixiang" userId="6104bbfcb56aea79" providerId="LiveId" clId="{8FDA4049-A4B3-4306-826F-C3083162CE01}" dt="2021-06-28T12:42:03.837" v="341" actId="20577"/>
+          <ac:spMkLst>
+            <pc:docMk/>
+            <pc:sldMk cId="43952292" sldId="288"/>
+            <ac:spMk id="2" creationId="{D834CD72-5B31-4229-B37C-22F80A745995}"/>
+          </ac:spMkLst>
+        </pc:spChg>
+        <pc:spChg chg="mod">
+          <ac:chgData name="Li Lixiang" userId="6104bbfcb56aea79" providerId="LiveId" clId="{8FDA4049-A4B3-4306-826F-C3083162CE01}" dt="2021-06-28T12:43:32.713" v="407" actId="20577"/>
+          <ac:spMkLst>
+            <pc:docMk/>
+            <pc:sldMk cId="43952292" sldId="288"/>
+            <ac:spMk id="3" creationId="{16B8BCD1-B805-41D0-86C5-EBCA9F7794A7}"/>
+          </ac:spMkLst>
+        </pc:spChg>
+      </pc:sldChg>
+      <pc:sldChg chg="addSp modSp new mod">
+        <pc:chgData name="Li Lixiang" userId="6104bbfcb56aea79" providerId="LiveId" clId="{8FDA4049-A4B3-4306-826F-C3083162CE01}" dt="2021-07-02T12:17:05.686" v="756" actId="1076"/>
+        <pc:sldMkLst>
+          <pc:docMk/>
+          <pc:sldMk cId="1466285209" sldId="288"/>
+        </pc:sldMkLst>
+        <pc:spChg chg="mod">
+          <ac:chgData name="Li Lixiang" userId="6104bbfcb56aea79" providerId="LiveId" clId="{8FDA4049-A4B3-4306-826F-C3083162CE01}" dt="2021-07-02T12:06:55.193" v="554" actId="20577"/>
+          <ac:spMkLst>
+            <pc:docMk/>
+            <pc:sldMk cId="1466285209" sldId="288"/>
+            <ac:spMk id="2" creationId="{71EFE268-ED58-459E-9A77-F9480181D00F}"/>
+          </ac:spMkLst>
+        </pc:spChg>
+        <pc:spChg chg="mod">
+          <ac:chgData name="Li Lixiang" userId="6104bbfcb56aea79" providerId="LiveId" clId="{8FDA4049-A4B3-4306-826F-C3083162CE01}" dt="2021-07-02T12:17:04.309" v="755" actId="14100"/>
+          <ac:spMkLst>
+            <pc:docMk/>
+            <pc:sldMk cId="1466285209" sldId="288"/>
+            <ac:spMk id="3" creationId="{8F4FCF12-98B7-4059-8206-23321D32FA7E}"/>
+          </ac:spMkLst>
+        </pc:spChg>
+        <pc:picChg chg="add mod">
+          <ac:chgData name="Li Lixiang" userId="6104bbfcb56aea79" providerId="LiveId" clId="{8FDA4049-A4B3-4306-826F-C3083162CE01}" dt="2021-07-02T12:17:05.686" v="756" actId="1076"/>
           <ac:picMkLst>
             <pc:docMk/>
-            <pc:sldMk cId="2148867391" sldId="261"/>
-            <ac:picMk id="3" creationId="{9A2E8B13-B22A-49AC-A050-813911B3E9EE}"/>
-          </ac:picMkLst>
-        </pc:picChg>
-        <pc:picChg chg="add mod">
-          <ac:chgData name="Lixiang Li" userId="6104bbfcb56aea79" providerId="LiveId" clId="{61E43983-74B9-4925-A0C4-55DE45237742}" dt="2020-12-08T15:24:39.301" v="22" actId="1076"/>
-          <ac:picMkLst>
-            <pc:docMk/>
-            <pc:sldMk cId="2148867391" sldId="261"/>
-            <ac:picMk id="4" creationId="{77E1CBDB-A244-4638-903E-B45A5AA21B2F}"/>
-          </ac:picMkLst>
-        </pc:picChg>
-        <pc:picChg chg="del">
-          <ac:chgData name="Lixiang Li" userId="6104bbfcb56aea79" providerId="LiveId" clId="{61E43983-74B9-4925-A0C4-55DE45237742}" dt="2020-12-08T15:02:07.420" v="16" actId="478"/>
-          <ac:picMkLst>
-            <pc:docMk/>
-            <pc:sldMk cId="2148867391" sldId="261"/>
-            <ac:picMk id="5" creationId="{F1D17BD7-6295-45FF-A531-7B1B911887E4}"/>
-          </ac:picMkLst>
-        </pc:picChg>
-        <pc:picChg chg="add mod">
-          <ac:chgData name="Lixiang Li" userId="6104bbfcb56aea79" providerId="LiveId" clId="{61E43983-74B9-4925-A0C4-55DE45237742}" dt="2020-12-08T15:56:38.120" v="26" actId="1076"/>
-          <ac:picMkLst>
-            <pc:docMk/>
-            <pc:sldMk cId="2148867391" sldId="261"/>
-            <ac:picMk id="6" creationId="{C86922C7-D634-4139-A0CE-83A3BF872E28}"/>
-          </ac:picMkLst>
-        </pc:picChg>
-        <pc:picChg chg="del">
-          <ac:chgData name="Lixiang Li" userId="6104bbfcb56aea79" providerId="LiveId" clId="{61E43983-74B9-4925-A0C4-55DE45237742}" dt="2020-12-08T15:02:07.420" v="16" actId="478"/>
-          <ac:picMkLst>
-            <pc:docMk/>
-            <pc:sldMk cId="2148867391" sldId="261"/>
-            <ac:picMk id="7" creationId="{249F4CA4-A5F7-4B45-AECE-8BF2367F185A}"/>
-          </ac:picMkLst>
-        </pc:picChg>
-        <pc:picChg chg="del">
-          <ac:chgData name="Lixiang Li" userId="6104bbfcb56aea79" providerId="LiveId" clId="{61E43983-74B9-4925-A0C4-55DE45237742}" dt="2020-12-08T15:02:07.420" v="16" actId="478"/>
-          <ac:picMkLst>
-            <pc:docMk/>
-            <pc:sldMk cId="2148867391" sldId="261"/>
-            <ac:picMk id="8" creationId="{D370D419-3E35-4D37-A45D-5FE39799715B}"/>
-          </ac:picMkLst>
-        </pc:picChg>
-        <pc:picChg chg="add mod">
-          <ac:chgData name="Lixiang Li" userId="6104bbfcb56aea79" providerId="LiveId" clId="{61E43983-74B9-4925-A0C4-55DE45237742}" dt="2020-12-08T16:04:15.330" v="29" actId="14100"/>
-          <ac:picMkLst>
-            <pc:docMk/>
-            <pc:sldMk cId="2148867391" sldId="261"/>
-            <ac:picMk id="9" creationId="{FB5AD115-9B8B-450E-9A83-43D625FDC6CA}"/>
-          </ac:picMkLst>
-        </pc:picChg>
-        <pc:picChg chg="del">
-          <ac:chgData name="Lixiang Li" userId="6104bbfcb56aea79" providerId="LiveId" clId="{61E43983-74B9-4925-A0C4-55DE45237742}" dt="2020-12-08T15:02:07.420" v="16" actId="478"/>
-          <ac:picMkLst>
-            <pc:docMk/>
-            <pc:sldMk cId="2148867391" sldId="261"/>
-            <ac:picMk id="11" creationId="{E4387E32-B012-41C2-8519-ED0F839FC6A6}"/>
-          </ac:picMkLst>
-        </pc:picChg>
-        <pc:picChg chg="mod">
-          <ac:chgData name="Lixiang Li" userId="6104bbfcb56aea79" providerId="LiveId" clId="{61E43983-74B9-4925-A0C4-55DE45237742}" dt="2020-12-08T15:24:37.286" v="21" actId="14100"/>
-          <ac:picMkLst>
-            <pc:docMk/>
-            <pc:sldMk cId="2148867391" sldId="261"/>
-            <ac:picMk id="13" creationId="{68ED13C4-3D7B-4777-B195-0214999EB535}"/>
+            <pc:sldMk cId="1466285209" sldId="288"/>
+            <ac:picMk id="5" creationId="{EAA02629-8430-4591-90E9-F5F6DBED5BBE}"/>
           </ac:picMkLst>
         </pc:picChg>
       </pc:sldChg>
     </pc:docChg>
   </pc:docChgLst>
   <pc:docChgLst>
-    <pc:chgData name="Li Lixiang" userId="6104bbfcb56aea79" providerId="LiveId" clId="{B9446184-0E51-4ADC-8B7C-57AD638D7E44}"/>
-    <pc:docChg chg="custSel addSld delSld modSld sldOrd">
-      <pc:chgData name="Li Lixiang" userId="6104bbfcb56aea79" providerId="LiveId" clId="{B9446184-0E51-4ADC-8B7C-57AD638D7E44}" dt="2021-02-17T04:29:41.965" v="3123" actId="47"/>
+    <pc:chgData name="Li Lixiang" userId="6104bbfcb56aea79" providerId="LiveId" clId="{1586F562-4063-4BC9-BBAB-BD8B389D253D}"/>
+    <pc:docChg chg="addSld modSld">
+      <pc:chgData name="Li Lixiang" userId="6104bbfcb56aea79" providerId="LiveId" clId="{1586F562-4063-4BC9-BBAB-BD8B389D253D}" dt="2021-05-31T08:59:38.537" v="0"/>
       <pc:docMkLst>
         <pc:docMk/>
       </pc:docMkLst>
-      <pc:sldChg chg="addSp modSp del mod">
-        <pc:chgData name="Li Lixiang" userId="6104bbfcb56aea79" providerId="LiveId" clId="{B9446184-0E51-4ADC-8B7C-57AD638D7E44}" dt="2021-02-17T03:43:12.258" v="2902" actId="47"/>
+      <pc:sldChg chg="add">
+        <pc:chgData name="Li Lixiang" userId="6104bbfcb56aea79" providerId="LiveId" clId="{1586F562-4063-4BC9-BBAB-BD8B389D253D}" dt="2021-05-31T08:59:38.537" v="0"/>
         <pc:sldMkLst>
           <pc:docMk/>
-          <pc:sldMk cId="647322237" sldId="259"/>
+          <pc:sldMk cId="3575300521" sldId="285"/>
         </pc:sldMkLst>
-        <pc:spChg chg="mod">
-          <ac:chgData name="Li Lixiang" userId="6104bbfcb56aea79" providerId="LiveId" clId="{B9446184-0E51-4ADC-8B7C-57AD638D7E44}" dt="2021-02-13T10:01:05.233" v="5" actId="20577"/>
-          <ac:spMkLst>
-            <pc:docMk/>
-            <pc:sldMk cId="647322237" sldId="259"/>
-            <ac:spMk id="2" creationId="{5EC01E2D-9CFE-4D5D-8863-3BA90731F07B}"/>
-          </ac:spMkLst>
-        </pc:spChg>
-        <pc:spChg chg="mod">
-          <ac:chgData name="Li Lixiang" userId="6104bbfcb56aea79" providerId="LiveId" clId="{B9446184-0E51-4ADC-8B7C-57AD638D7E44}" dt="2021-02-13T10:05:05.379" v="415" actId="27636"/>
-          <ac:spMkLst>
-            <pc:docMk/>
-            <pc:sldMk cId="647322237" sldId="259"/>
-            <ac:spMk id="5" creationId="{24C6C14A-404A-46CC-BBB2-888A7B4B7C1A}"/>
-          </ac:spMkLst>
-        </pc:spChg>
-        <pc:picChg chg="add mod">
-          <ac:chgData name="Li Lixiang" userId="6104bbfcb56aea79" providerId="LiveId" clId="{B9446184-0E51-4ADC-8B7C-57AD638D7E44}" dt="2021-02-13T10:04:30.503" v="332" actId="1076"/>
-          <ac:picMkLst>
-            <pc:docMk/>
-            <pc:sldMk cId="647322237" sldId="259"/>
-            <ac:picMk id="4" creationId="{46A59891-6D14-4C16-9F9C-EA95FDCEEFC4}"/>
-          </ac:picMkLst>
-        </pc:picChg>
       </pc:sldChg>
-      <pc:sldChg chg="addSp delSp modSp del mod">
-        <pc:chgData name="Li Lixiang" userId="6104bbfcb56aea79" providerId="LiveId" clId="{B9446184-0E51-4ADC-8B7C-57AD638D7E44}" dt="2021-02-17T03:43:13.881" v="2903" actId="47"/>
+      <pc:sldChg chg="add">
+        <pc:chgData name="Li Lixiang" userId="6104bbfcb56aea79" providerId="LiveId" clId="{1586F562-4063-4BC9-BBAB-BD8B389D253D}" dt="2021-05-31T08:59:38.537" v="0"/>
         <pc:sldMkLst>
           <pc:docMk/>
-          <pc:sldMk cId="3957381771" sldId="263"/>
+          <pc:sldMk cId="1893043477" sldId="286"/>
         </pc:sldMkLst>
-        <pc:spChg chg="mod">
-          <ac:chgData name="Li Lixiang" userId="6104bbfcb56aea79" providerId="LiveId" clId="{B9446184-0E51-4ADC-8B7C-57AD638D7E44}" dt="2021-02-13T10:05:29.270" v="447" actId="20577"/>
-          <ac:spMkLst>
-            <pc:docMk/>
-            <pc:sldMk cId="3957381771" sldId="263"/>
-            <ac:spMk id="2" creationId="{5EC01E2D-9CFE-4D5D-8863-3BA90731F07B}"/>
-          </ac:spMkLst>
-        </pc:spChg>
-        <pc:spChg chg="del">
-          <ac:chgData name="Li Lixiang" userId="6104bbfcb56aea79" providerId="LiveId" clId="{B9446184-0E51-4ADC-8B7C-57AD638D7E44}" dt="2021-02-13T10:05:13.627" v="416" actId="478"/>
-          <ac:spMkLst>
-            <pc:docMk/>
-            <pc:sldMk cId="3957381771" sldId="263"/>
-            <ac:spMk id="8" creationId="{2591EF92-2BC2-453C-AE10-E7EA1FBB0758}"/>
-          </ac:spMkLst>
-        </pc:spChg>
-        <pc:spChg chg="mod">
-          <ac:chgData name="Li Lixiang" userId="6104bbfcb56aea79" providerId="LiveId" clId="{B9446184-0E51-4ADC-8B7C-57AD638D7E44}" dt="2021-02-13T10:06:50.768" v="573" actId="20577"/>
-          <ac:spMkLst>
-            <pc:docMk/>
-            <pc:sldMk cId="3957381771" sldId="263"/>
-            <ac:spMk id="9" creationId="{B3A91969-9FC0-40D6-97FB-CB169B0FD70D}"/>
-          </ac:spMkLst>
-        </pc:spChg>
-        <pc:picChg chg="add mod">
-          <ac:chgData name="Li Lixiang" userId="6104bbfcb56aea79" providerId="LiveId" clId="{B9446184-0E51-4ADC-8B7C-57AD638D7E44}" dt="2021-02-13T10:06:08.608" v="449" actId="1076"/>
-          <ac:picMkLst>
-            <pc:docMk/>
-            <pc:sldMk cId="3957381771" sldId="263"/>
-            <ac:picMk id="4" creationId="{707C2BDF-1151-4028-B04D-83827CF173DE}"/>
-          </ac:picMkLst>
-        </pc:picChg>
       </pc:sldChg>
-      <pc:sldChg chg="addSp delSp modSp add del mod setBg">
-        <pc:chgData name="Li Lixiang" userId="6104bbfcb56aea79" providerId="LiveId" clId="{B9446184-0E51-4ADC-8B7C-57AD638D7E44}" dt="2021-02-17T04:29:41.965" v="3123" actId="47"/>
+      <pc:sldChg chg="add">
+        <pc:chgData name="Li Lixiang" userId="6104bbfcb56aea79" providerId="LiveId" clId="{1586F562-4063-4BC9-BBAB-BD8B389D253D}" dt="2021-05-31T08:59:38.537" v="0"/>
         <pc:sldMkLst>
           <pc:docMk/>
-          <pc:sldMk cId="2891839758" sldId="264"/>
+          <pc:sldMk cId="1566997948" sldId="287"/>
         </pc:sldMkLst>
-        <pc:spChg chg="mod">
-          <ac:chgData name="Li Lixiang" userId="6104bbfcb56aea79" providerId="LiveId" clId="{B9446184-0E51-4ADC-8B7C-57AD638D7E44}" dt="2021-02-13T13:23:42.940" v="890" actId="26606"/>
-          <ac:spMkLst>
-            <pc:docMk/>
-            <pc:sldMk cId="2891839758" sldId="264"/>
-            <ac:spMk id="2" creationId="{5EC01E2D-9CFE-4D5D-8863-3BA90731F07B}"/>
-          </ac:spMkLst>
-        </pc:spChg>
-        <pc:spChg chg="mod">
-          <ac:chgData name="Li Lixiang" userId="6104bbfcb56aea79" providerId="LiveId" clId="{B9446184-0E51-4ADC-8B7C-57AD638D7E44}" dt="2021-02-13T13:23:42.940" v="890" actId="26606"/>
-          <ac:spMkLst>
-            <pc:docMk/>
-            <pc:sldMk cId="2891839758" sldId="264"/>
-            <ac:spMk id="9" creationId="{B3A91969-9FC0-40D6-97FB-CB169B0FD70D}"/>
-          </ac:spMkLst>
-        </pc:spChg>
-        <pc:picChg chg="del">
-          <ac:chgData name="Li Lixiang" userId="6104bbfcb56aea79" providerId="LiveId" clId="{B9446184-0E51-4ADC-8B7C-57AD638D7E44}" dt="2021-02-13T10:06:59.166" v="575" actId="478"/>
-          <ac:picMkLst>
-            <pc:docMk/>
-            <pc:sldMk cId="2891839758" sldId="264"/>
-            <ac:picMk id="4" creationId="{707C2BDF-1151-4028-B04D-83827CF173DE}"/>
-          </ac:picMkLst>
-        </pc:picChg>
-        <pc:picChg chg="add del mod">
-          <ac:chgData name="Li Lixiang" userId="6104bbfcb56aea79" providerId="LiveId" clId="{B9446184-0E51-4ADC-8B7C-57AD638D7E44}" dt="2021-02-13T13:21:30.474" v="887" actId="478"/>
-          <ac:picMkLst>
-            <pc:docMk/>
-            <pc:sldMk cId="2891839758" sldId="264"/>
-            <ac:picMk id="5" creationId="{E655F772-94E9-40A8-A00E-42625C761EF8}"/>
-          </ac:picMkLst>
-        </pc:picChg>
-        <pc:picChg chg="add mod">
-          <ac:chgData name="Li Lixiang" userId="6104bbfcb56aea79" providerId="LiveId" clId="{B9446184-0E51-4ADC-8B7C-57AD638D7E44}" dt="2021-02-13T13:23:50.155" v="892" actId="14100"/>
-          <ac:picMkLst>
-            <pc:docMk/>
-            <pc:sldMk cId="2891839758" sldId="264"/>
-            <ac:picMk id="7" creationId="{2DA901EC-B9ED-445F-8796-2A298A631CA2}"/>
-          </ac:picMkLst>
-        </pc:picChg>
       </pc:sldChg>
-      <pc:sldChg chg="modSp add del mod">
-        <pc:chgData name="Li Lixiang" userId="6104bbfcb56aea79" providerId="LiveId" clId="{B9446184-0E51-4ADC-8B7C-57AD638D7E44}" dt="2021-02-17T03:49:32.306" v="2905" actId="47"/>
+      <pc:sldChg chg="add">
+        <pc:chgData name="Li Lixiang" userId="6104bbfcb56aea79" providerId="LiveId" clId="{1586F562-4063-4BC9-BBAB-BD8B389D253D}" dt="2021-05-31T08:59:38.537" v="0"/>
         <pc:sldMkLst>
           <pc:docMk/>
-          <pc:sldMk cId="3556983529" sldId="265"/>
+          <pc:sldMk cId="1052484605" sldId="288"/>
         </pc:sldMkLst>
-        <pc:spChg chg="mod">
-          <ac:chgData name="Li Lixiang" userId="6104bbfcb56aea79" providerId="LiveId" clId="{B9446184-0E51-4ADC-8B7C-57AD638D7E44}" dt="2021-02-13T10:27:42.777" v="776" actId="20577"/>
-          <ac:spMkLst>
-            <pc:docMk/>
-            <pc:sldMk cId="3556983529" sldId="265"/>
-            <ac:spMk id="2" creationId="{5EC01E2D-9CFE-4D5D-8863-3BA90731F07B}"/>
-          </ac:spMkLst>
-        </pc:spChg>
-        <pc:spChg chg="mod">
-          <ac:chgData name="Li Lixiang" userId="6104bbfcb56aea79" providerId="LiveId" clId="{B9446184-0E51-4ADC-8B7C-57AD638D7E44}" dt="2021-02-13T14:40:37.005" v="1730" actId="20577"/>
-          <ac:spMkLst>
-            <pc:docMk/>
-            <pc:sldMk cId="3556983529" sldId="265"/>
-            <ac:spMk id="9" creationId="{B3A91969-9FC0-40D6-97FB-CB169B0FD70D}"/>
-          </ac:spMkLst>
-        </pc:spChg>
       </pc:sldChg>
-      <pc:sldChg chg="addSp delSp modSp add del mod setBg">
-        <pc:chgData name="Li Lixiang" userId="6104bbfcb56aea79" providerId="LiveId" clId="{B9446184-0E51-4ADC-8B7C-57AD638D7E44}" dt="2021-02-17T03:48:35.937" v="2904" actId="47"/>
+      <pc:sldChg chg="add">
+        <pc:chgData name="Li Lixiang" userId="6104bbfcb56aea79" providerId="LiveId" clId="{1586F562-4063-4BC9-BBAB-BD8B389D253D}" dt="2021-05-31T08:59:38.537" v="0"/>
         <pc:sldMkLst>
           <pc:docMk/>
-          <pc:sldMk cId="2510953356" sldId="266"/>
+          <pc:sldMk cId="2441130311" sldId="289"/>
         </pc:sldMkLst>
-        <pc:spChg chg="mod">
-          <ac:chgData name="Li Lixiang" userId="6104bbfcb56aea79" providerId="LiveId" clId="{B9446184-0E51-4ADC-8B7C-57AD638D7E44}" dt="2021-02-13T13:24:39.222" v="912" actId="20577"/>
-          <ac:spMkLst>
-            <pc:docMk/>
-            <pc:sldMk cId="2510953356" sldId="266"/>
-            <ac:spMk id="2" creationId="{5EC01E2D-9CFE-4D5D-8863-3BA90731F07B}"/>
-          </ac:spMkLst>
-        </pc:spChg>
-        <pc:spChg chg="mod">
-          <ac:chgData name="Li Lixiang" userId="6104bbfcb56aea79" providerId="LiveId" clId="{B9446184-0E51-4ADC-8B7C-57AD638D7E44}" dt="2021-02-13T14:15:10.839" v="1582" actId="27636"/>
-          <ac:spMkLst>
-            <pc:docMk/>
-            <pc:sldMk cId="2510953356" sldId="266"/>
-            <ac:spMk id="9" creationId="{B3A91969-9FC0-40D6-97FB-CB169B0FD70D}"/>
-          </ac:spMkLst>
-        </pc:spChg>
-        <pc:graphicFrameChg chg="add mod modGraphic">
-          <ac:chgData name="Li Lixiang" userId="6104bbfcb56aea79" providerId="LiveId" clId="{B9446184-0E51-4ADC-8B7C-57AD638D7E44}" dt="2021-02-13T13:45:29.151" v="1294" actId="1076"/>
-          <ac:graphicFrameMkLst>
-            <pc:docMk/>
-            <pc:sldMk cId="2510953356" sldId="266"/>
-            <ac:graphicFrameMk id="5" creationId="{485E8036-9BD6-4845-88C1-A13EE7B17B61}"/>
-          </ac:graphicFrameMkLst>
-        </pc:graphicFrameChg>
-        <pc:picChg chg="add mod">
-          <ac:chgData name="Li Lixiang" userId="6104bbfcb56aea79" providerId="LiveId" clId="{B9446184-0E51-4ADC-8B7C-57AD638D7E44}" dt="2021-02-13T13:45:24.342" v="1293" actId="1076"/>
-          <ac:picMkLst>
-            <pc:docMk/>
-            <pc:sldMk cId="2510953356" sldId="266"/>
-            <ac:picMk id="4" creationId="{5ED14188-1386-43D0-9190-649C1BFE0895}"/>
-          </ac:picMkLst>
-        </pc:picChg>
-        <pc:picChg chg="del">
-          <ac:chgData name="Li Lixiang" userId="6104bbfcb56aea79" providerId="LiveId" clId="{B9446184-0E51-4ADC-8B7C-57AD638D7E44}" dt="2021-02-13T13:24:30.822" v="894" actId="478"/>
-          <ac:picMkLst>
-            <pc:docMk/>
-            <pc:sldMk cId="2510953356" sldId="266"/>
-            <ac:picMk id="7" creationId="{2DA901EC-B9ED-445F-8796-2A298A631CA2}"/>
-          </ac:picMkLst>
-        </pc:picChg>
       </pc:sldChg>
-      <pc:sldChg chg="addSp delSp modSp add del mod ord">
-        <pc:chgData name="Li Lixiang" userId="6104bbfcb56aea79" providerId="LiveId" clId="{B9446184-0E51-4ADC-8B7C-57AD638D7E44}" dt="2021-02-17T04:25:49.901" v="2912" actId="47"/>
+      <pc:sldChg chg="add">
+        <pc:chgData name="Li Lixiang" userId="6104bbfcb56aea79" providerId="LiveId" clId="{1586F562-4063-4BC9-BBAB-BD8B389D253D}" dt="2021-05-31T08:59:38.537" v="0"/>
         <pc:sldMkLst>
           <pc:docMk/>
-          <pc:sldMk cId="2292985044" sldId="267"/>
+          <pc:sldMk cId="1241975191" sldId="290"/>
         </pc:sldMkLst>
-        <pc:spChg chg="mod">
-          <ac:chgData name="Li Lixiang" userId="6104bbfcb56aea79" providerId="LiveId" clId="{B9446184-0E51-4ADC-8B7C-57AD638D7E44}" dt="2021-02-13T15:24:45.578" v="2269" actId="14100"/>
-          <ac:spMkLst>
-            <pc:docMk/>
-            <pc:sldMk cId="2292985044" sldId="267"/>
-            <ac:spMk id="2" creationId="{5EC01E2D-9CFE-4D5D-8863-3BA90731F07B}"/>
-          </ac:spMkLst>
-        </pc:spChg>
-        <pc:spChg chg="mod">
-          <ac:chgData name="Li Lixiang" userId="6104bbfcb56aea79" providerId="LiveId" clId="{B9446184-0E51-4ADC-8B7C-57AD638D7E44}" dt="2021-02-13T15:24:48.843" v="2270" actId="14100"/>
-          <ac:spMkLst>
-            <pc:docMk/>
-            <pc:sldMk cId="2292985044" sldId="267"/>
-            <ac:spMk id="9" creationId="{B3A91969-9FC0-40D6-97FB-CB169B0FD70D}"/>
-          </ac:spMkLst>
-        </pc:spChg>
-        <pc:graphicFrameChg chg="add del mod modGraphic">
-          <ac:chgData name="Li Lixiang" userId="6104bbfcb56aea79" providerId="LiveId" clId="{B9446184-0E51-4ADC-8B7C-57AD638D7E44}" dt="2021-02-17T04:22:47.138" v="2908" actId="478"/>
-          <ac:graphicFrameMkLst>
-            <pc:docMk/>
-            <pc:sldMk cId="2292985044" sldId="267"/>
-            <ac:graphicFrameMk id="3" creationId="{D84780B3-319D-492D-A007-9A07BDBD415B}"/>
-          </ac:graphicFrameMkLst>
-        </pc:graphicFrameChg>
-        <pc:graphicFrameChg chg="del">
-          <ac:chgData name="Li Lixiang" userId="6104bbfcb56aea79" providerId="LiveId" clId="{B9446184-0E51-4ADC-8B7C-57AD638D7E44}" dt="2021-02-13T14:26:53.922" v="1584" actId="478"/>
-          <ac:graphicFrameMkLst>
-            <pc:docMk/>
-            <pc:sldMk cId="2292985044" sldId="267"/>
-            <ac:graphicFrameMk id="5" creationId="{485E8036-9BD6-4845-88C1-A13EE7B17B61}"/>
-          </ac:graphicFrameMkLst>
-        </pc:graphicFrameChg>
-        <pc:picChg chg="del">
-          <ac:chgData name="Li Lixiang" userId="6104bbfcb56aea79" providerId="LiveId" clId="{B9446184-0E51-4ADC-8B7C-57AD638D7E44}" dt="2021-02-13T14:26:54.789" v="1585" actId="478"/>
-          <ac:picMkLst>
-            <pc:docMk/>
-            <pc:sldMk cId="2292985044" sldId="267"/>
-            <ac:picMk id="4" creationId="{5ED14188-1386-43D0-9190-649C1BFE0895}"/>
-          </ac:picMkLst>
-        </pc:picChg>
-        <pc:picChg chg="add mod">
-          <ac:chgData name="Li Lixiang" userId="6104bbfcb56aea79" providerId="LiveId" clId="{B9446184-0E51-4ADC-8B7C-57AD638D7E44}" dt="2021-02-17T04:24:15.909" v="2911" actId="1076"/>
-          <ac:picMkLst>
-            <pc:docMk/>
-            <pc:sldMk cId="2292985044" sldId="267"/>
-            <ac:picMk id="5" creationId="{631E7553-A011-4B43-A638-C8BB45BD456D}"/>
-          </ac:picMkLst>
-        </pc:picChg>
-        <pc:picChg chg="add del mod">
-          <ac:chgData name="Li Lixiang" userId="6104bbfcb56aea79" providerId="LiveId" clId="{B9446184-0E51-4ADC-8B7C-57AD638D7E44}" dt="2021-02-17T04:22:47.138" v="2908" actId="478"/>
-          <ac:picMkLst>
-            <pc:docMk/>
-            <pc:sldMk cId="2292985044" sldId="267"/>
-            <ac:picMk id="7" creationId="{D684A5AE-6CD5-441A-8FA2-6E81CC81E54E}"/>
-          </ac:picMkLst>
-        </pc:picChg>
       </pc:sldChg>
-      <pc:sldChg chg="modSp add del mod">
-        <pc:chgData name="Li Lixiang" userId="6104bbfcb56aea79" providerId="LiveId" clId="{B9446184-0E51-4ADC-8B7C-57AD638D7E44}" dt="2021-02-17T03:49:37.036" v="2906" actId="47"/>
+      <pc:sldChg chg="add">
+        <pc:chgData name="Li Lixiang" userId="6104bbfcb56aea79" providerId="LiveId" clId="{1586F562-4063-4BC9-BBAB-BD8B389D253D}" dt="2021-05-31T08:59:38.537" v="0"/>
         <pc:sldMkLst>
           <pc:docMk/>
-          <pc:sldMk cId="2280381234" sldId="268"/>
+          <pc:sldMk cId="926358613" sldId="291"/>
         </pc:sldMkLst>
-        <pc:spChg chg="mod">
-          <ac:chgData name="Li Lixiang" userId="6104bbfcb56aea79" providerId="LiveId" clId="{B9446184-0E51-4ADC-8B7C-57AD638D7E44}" dt="2021-02-13T14:41:35.703" v="1740" actId="20577"/>
-          <ac:spMkLst>
-            <pc:docMk/>
-            <pc:sldMk cId="2280381234" sldId="268"/>
-            <ac:spMk id="2" creationId="{5EC01E2D-9CFE-4D5D-8863-3BA90731F07B}"/>
-          </ac:spMkLst>
-        </pc:spChg>
-        <pc:spChg chg="mod">
-          <ac:chgData name="Li Lixiang" userId="6104bbfcb56aea79" providerId="LiveId" clId="{B9446184-0E51-4ADC-8B7C-57AD638D7E44}" dt="2021-02-13T14:42:35.210" v="1892" actId="20577"/>
-          <ac:spMkLst>
-            <pc:docMk/>
-            <pc:sldMk cId="2280381234" sldId="268"/>
-            <ac:spMk id="9" creationId="{B3A91969-9FC0-40D6-97FB-CB169B0FD70D}"/>
-          </ac:spMkLst>
-        </pc:spChg>
       </pc:sldChg>
-      <pc:sldChg chg="modSp add del mod">
-        <pc:chgData name="Li Lixiang" userId="6104bbfcb56aea79" providerId="LiveId" clId="{B9446184-0E51-4ADC-8B7C-57AD638D7E44}" dt="2021-02-17T03:49:43.502" v="2907" actId="47"/>
+      <pc:sldChg chg="add">
+        <pc:chgData name="Li Lixiang" userId="6104bbfcb56aea79" providerId="LiveId" clId="{1586F562-4063-4BC9-BBAB-BD8B389D253D}" dt="2021-05-31T08:59:38.537" v="0"/>
         <pc:sldMkLst>
           <pc:docMk/>
-          <pc:sldMk cId="2033969740" sldId="269"/>
-        </pc:sldMkLst>
-        <pc:spChg chg="mod">
-          <ac:chgData name="Li Lixiang" userId="6104bbfcb56aea79" providerId="LiveId" clId="{B9446184-0E51-4ADC-8B7C-57AD638D7E44}" dt="2021-02-13T14:48:05.593" v="2150" actId="20577"/>
-          <ac:spMkLst>
-            <pc:docMk/>
-            <pc:sldMk cId="2033969740" sldId="269"/>
-            <ac:spMk id="2" creationId="{5EC01E2D-9CFE-4D5D-8863-3BA90731F07B}"/>
-          </ac:spMkLst>
-        </pc:spChg>
-        <pc:spChg chg="mod">
-          <ac:chgData name="Li Lixiang" userId="6104bbfcb56aea79" providerId="LiveId" clId="{B9446184-0E51-4ADC-8B7C-57AD638D7E44}" dt="2021-02-13T14:47:47.391" v="2137" actId="20577"/>
-          <ac:spMkLst>
-            <pc:docMk/>
-            <pc:sldMk cId="2033969740" sldId="269"/>
-            <ac:spMk id="9" creationId="{B3A91969-9FC0-40D6-97FB-CB169B0FD70D}"/>
-          </ac:spMkLst>
-        </pc:spChg>
-      </pc:sldChg>
-      <pc:sldChg chg="modSp add del mod ord">
-        <pc:chgData name="Li Lixiang" userId="6104bbfcb56aea79" providerId="LiveId" clId="{B9446184-0E51-4ADC-8B7C-57AD638D7E44}" dt="2021-02-17T04:29:28.935" v="3118" actId="47"/>
-        <pc:sldMkLst>
-          <pc:docMk/>
-          <pc:sldMk cId="1819763317" sldId="270"/>
-        </pc:sldMkLst>
-        <pc:spChg chg="mod">
-          <ac:chgData name="Li Lixiang" userId="6104bbfcb56aea79" providerId="LiveId" clId="{B9446184-0E51-4ADC-8B7C-57AD638D7E44}" dt="2021-02-17T04:26:30.696" v="2945" actId="20577"/>
-          <ac:spMkLst>
-            <pc:docMk/>
-            <pc:sldMk cId="1819763317" sldId="270"/>
-            <ac:spMk id="2" creationId="{5EC01E2D-9CFE-4D5D-8863-3BA90731F07B}"/>
-          </ac:spMkLst>
-        </pc:spChg>
-        <pc:spChg chg="mod">
-          <ac:chgData name="Li Lixiang" userId="6104bbfcb56aea79" providerId="LiveId" clId="{B9446184-0E51-4ADC-8B7C-57AD638D7E44}" dt="2021-02-17T04:27:48.927" v="3117" actId="20577"/>
-          <ac:spMkLst>
-            <pc:docMk/>
-            <pc:sldMk cId="1819763317" sldId="270"/>
-            <ac:spMk id="9" creationId="{B3A91969-9FC0-40D6-97FB-CB169B0FD70D}"/>
-          </ac:spMkLst>
-        </pc:spChg>
-      </pc:sldChg>
-      <pc:sldChg chg="modSp add mod ord">
-        <pc:chgData name="Li Lixiang" userId="6104bbfcb56aea79" providerId="LiveId" clId="{B9446184-0E51-4ADC-8B7C-57AD638D7E44}" dt="2021-02-17T04:29:40.598" v="3122"/>
-        <pc:sldMkLst>
-          <pc:docMk/>
-          <pc:sldMk cId="1732110910" sldId="271"/>
-        </pc:sldMkLst>
-        <pc:spChg chg="mod">
-          <ac:chgData name="Li Lixiang" userId="6104bbfcb56aea79" providerId="LiveId" clId="{B9446184-0E51-4ADC-8B7C-57AD638D7E44}" dt="2021-02-13T15:28:01.081" v="2716" actId="5793"/>
-          <ac:spMkLst>
-            <pc:docMk/>
-            <pc:sldMk cId="1732110910" sldId="271"/>
-            <ac:spMk id="2" creationId="{5EC01E2D-9CFE-4D5D-8863-3BA90731F07B}"/>
-          </ac:spMkLst>
-        </pc:spChg>
-        <pc:spChg chg="mod">
-          <ac:chgData name="Li Lixiang" userId="6104bbfcb56aea79" providerId="LiveId" clId="{B9446184-0E51-4ADC-8B7C-57AD638D7E44}" dt="2021-02-13T15:29:21.921" v="2901" actId="14100"/>
-          <ac:spMkLst>
-            <pc:docMk/>
-            <pc:sldMk cId="1732110910" sldId="271"/>
-            <ac:spMk id="9" creationId="{B3A91969-9FC0-40D6-97FB-CB169B0FD70D}"/>
-          </ac:spMkLst>
-        </pc:spChg>
-      </pc:sldChg>
-    </pc:docChg>
-  </pc:docChgLst>
-  <pc:docChgLst>
-    <pc:chgData name="Li Lixiang" userId="6104bbfcb56aea79" providerId="LiveId" clId="{FECF4F7C-DF95-421A-A1E7-C94248E73D75}"/>
-    <pc:docChg chg="modSld">
-      <pc:chgData name="Li Lixiang" userId="6104bbfcb56aea79" providerId="LiveId" clId="{FECF4F7C-DF95-421A-A1E7-C94248E73D75}" dt="2021-06-28T11:42:53.192" v="1" actId="20577"/>
-      <pc:docMkLst>
-        <pc:docMk/>
-      </pc:docMkLst>
-      <pc:sldChg chg="modSp mod">
-        <pc:chgData name="Li Lixiang" userId="6104bbfcb56aea79" providerId="LiveId" clId="{FECF4F7C-DF95-421A-A1E7-C94248E73D75}" dt="2021-06-28T11:42:53.192" v="1" actId="20577"/>
-        <pc:sldMkLst>
-          <pc:docMk/>
-          <pc:sldMk cId="3650079851" sldId="256"/>
-        </pc:sldMkLst>
-        <pc:spChg chg="mod">
-          <ac:chgData name="Li Lixiang" userId="6104bbfcb56aea79" providerId="LiveId" clId="{FECF4F7C-DF95-421A-A1E7-C94248E73D75}" dt="2021-06-28T11:42:53.192" v="1" actId="20577"/>
-          <ac:spMkLst>
-            <pc:docMk/>
-            <pc:sldMk cId="3650079851" sldId="256"/>
-            <ac:spMk id="4" creationId="{8DE6899A-D842-4C9E-ADC1-B0C1377122EA}"/>
-          </ac:spMkLst>
-        </pc:spChg>
-      </pc:sldChg>
-    </pc:docChg>
-  </pc:docChgLst>
-  <pc:docChgLst>
-    <pc:chgData name="Li Lixiang" userId="6104bbfcb56aea79" providerId="LiveId" clId="{3D3ACAA3-0668-4630-B75C-0D115881036C}"/>
-    <pc:docChg chg="modSld">
-      <pc:chgData name="Li Lixiang" userId="6104bbfcb56aea79" providerId="LiveId" clId="{3D3ACAA3-0668-4630-B75C-0D115881036C}" dt="2021-09-02T03:34:28.158" v="39" actId="20577"/>
-      <pc:docMkLst>
-        <pc:docMk/>
-      </pc:docMkLst>
-      <pc:sldChg chg="modSp mod">
-        <pc:chgData name="Li Lixiang" userId="6104bbfcb56aea79" providerId="LiveId" clId="{3D3ACAA3-0668-4630-B75C-0D115881036C}" dt="2021-08-28T02:38:56.089" v="0" actId="20577"/>
-        <pc:sldMkLst>
-          <pc:docMk/>
-          <pc:sldMk cId="3650079851" sldId="256"/>
-        </pc:sldMkLst>
-        <pc:spChg chg="mod">
-          <ac:chgData name="Li Lixiang" userId="6104bbfcb56aea79" providerId="LiveId" clId="{3D3ACAA3-0668-4630-B75C-0D115881036C}" dt="2021-08-28T02:38:56.089" v="0" actId="20577"/>
-          <ac:spMkLst>
-            <pc:docMk/>
-            <pc:sldMk cId="3650079851" sldId="256"/>
-            <ac:spMk id="4" creationId="{8DE6899A-D842-4C9E-ADC1-B0C1377122EA}"/>
-          </ac:spMkLst>
-        </pc:spChg>
-      </pc:sldChg>
-      <pc:sldChg chg="modSp mod">
-        <pc:chgData name="Li Lixiang" userId="6104bbfcb56aea79" providerId="LiveId" clId="{3D3ACAA3-0668-4630-B75C-0D115881036C}" dt="2021-09-02T03:34:28.158" v="39" actId="20577"/>
-        <pc:sldMkLst>
-          <pc:docMk/>
-          <pc:sldMk cId="2828961167" sldId="272"/>
-        </pc:sldMkLst>
-        <pc:spChg chg="mod">
-          <ac:chgData name="Li Lixiang" userId="6104bbfcb56aea79" providerId="LiveId" clId="{3D3ACAA3-0668-4630-B75C-0D115881036C}" dt="2021-09-02T03:34:28.158" v="39" actId="20577"/>
-          <ac:spMkLst>
-            <pc:docMk/>
-            <pc:sldMk cId="2828961167" sldId="272"/>
-            <ac:spMk id="9" creationId="{B3A91969-9FC0-40D6-97FB-CB169B0FD70D}"/>
-          </ac:spMkLst>
-        </pc:spChg>
-      </pc:sldChg>
-      <pc:sldChg chg="modSp mod">
-        <pc:chgData name="Li Lixiang" userId="6104bbfcb56aea79" providerId="LiveId" clId="{3D3ACAA3-0668-4630-B75C-0D115881036C}" dt="2021-09-02T03:33:14.845" v="8" actId="20577"/>
-        <pc:sldMkLst>
-          <pc:docMk/>
-          <pc:sldMk cId="2389731973" sldId="273"/>
-        </pc:sldMkLst>
-        <pc:spChg chg="mod">
-          <ac:chgData name="Li Lixiang" userId="6104bbfcb56aea79" providerId="LiveId" clId="{3D3ACAA3-0668-4630-B75C-0D115881036C}" dt="2021-09-02T03:33:14.845" v="8" actId="20577"/>
-          <ac:spMkLst>
-            <pc:docMk/>
-            <pc:sldMk cId="2389731973" sldId="273"/>
-            <ac:spMk id="9" creationId="{B3A91969-9FC0-40D6-97FB-CB169B0FD70D}"/>
-          </ac:spMkLst>
-        </pc:spChg>
-      </pc:sldChg>
-      <pc:sldChg chg="modSp mod">
-        <pc:chgData name="Li Lixiang" userId="6104bbfcb56aea79" providerId="LiveId" clId="{3D3ACAA3-0668-4630-B75C-0D115881036C}" dt="2021-09-02T03:30:47.518" v="6" actId="20577"/>
-        <pc:sldMkLst>
-          <pc:docMk/>
-          <pc:sldMk cId="796817006" sldId="279"/>
-        </pc:sldMkLst>
-        <pc:spChg chg="mod">
-          <ac:chgData name="Li Lixiang" userId="6104bbfcb56aea79" providerId="LiveId" clId="{3D3ACAA3-0668-4630-B75C-0D115881036C}" dt="2021-09-02T03:30:47.518" v="6" actId="20577"/>
-          <ac:spMkLst>
-            <pc:docMk/>
-            <pc:sldMk cId="796817006" sldId="279"/>
-            <ac:spMk id="9" creationId="{B3A91969-9FC0-40D6-97FB-CB169B0FD70D}"/>
-          </ac:spMkLst>
-        </pc:spChg>
-      </pc:sldChg>
-    </pc:docChg>
-  </pc:docChgLst>
-  <pc:docChgLst>
-    <pc:chgData name="Lixiang Li" userId="6104bbfcb56aea79" providerId="LiveId" clId="{6BC0D5EB-607F-4DB9-99E5-A13ABFAD001D}"/>
-    <pc:docChg chg="custSel delSld modSld">
-      <pc:chgData name="Lixiang Li" userId="6104bbfcb56aea79" providerId="LiveId" clId="{6BC0D5EB-607F-4DB9-99E5-A13ABFAD001D}" dt="2020-12-15T00:13:58.669" v="180" actId="20577"/>
-      <pc:docMkLst>
-        <pc:docMk/>
-      </pc:docMkLst>
-      <pc:sldChg chg="modSp">
-        <pc:chgData name="Lixiang Li" userId="6104bbfcb56aea79" providerId="LiveId" clId="{6BC0D5EB-607F-4DB9-99E5-A13ABFAD001D}" dt="2020-12-15T00:13:58.669" v="180" actId="20577"/>
-        <pc:sldMkLst>
-          <pc:docMk/>
-          <pc:sldMk cId="3650079851" sldId="256"/>
-        </pc:sldMkLst>
-        <pc:spChg chg="mod">
-          <ac:chgData name="Lixiang Li" userId="6104bbfcb56aea79" providerId="LiveId" clId="{6BC0D5EB-607F-4DB9-99E5-A13ABFAD001D}" dt="2020-12-15T00:13:58.669" v="180" actId="20577"/>
-          <ac:spMkLst>
-            <pc:docMk/>
-            <pc:sldMk cId="3650079851" sldId="256"/>
-            <ac:spMk id="4" creationId="{8DE6899A-D842-4C9E-ADC1-B0C1377122EA}"/>
-          </ac:spMkLst>
-        </pc:spChg>
-      </pc:sldChg>
-      <pc:sldChg chg="delSp modSp">
-        <pc:chgData name="Lixiang Li" userId="6104bbfcb56aea79" providerId="LiveId" clId="{6BC0D5EB-607F-4DB9-99E5-A13ABFAD001D}" dt="2020-12-14T22:52:23.937" v="169" actId="14100"/>
-        <pc:sldMkLst>
-          <pc:docMk/>
-          <pc:sldMk cId="647322237" sldId="259"/>
-        </pc:sldMkLst>
-        <pc:spChg chg="mod">
-          <ac:chgData name="Lixiang Li" userId="6104bbfcb56aea79" providerId="LiveId" clId="{6BC0D5EB-607F-4DB9-99E5-A13ABFAD001D}" dt="2020-12-14T22:50:24.631" v="3" actId="20577"/>
-          <ac:spMkLst>
-            <pc:docMk/>
-            <pc:sldMk cId="647322237" sldId="259"/>
-            <ac:spMk id="2" creationId="{5EC01E2D-9CFE-4D5D-8863-3BA90731F07B}"/>
-          </ac:spMkLst>
-        </pc:spChg>
-        <pc:spChg chg="mod">
-          <ac:chgData name="Lixiang Li" userId="6104bbfcb56aea79" providerId="LiveId" clId="{6BC0D5EB-607F-4DB9-99E5-A13ABFAD001D}" dt="2020-12-14T22:52:23.937" v="169" actId="14100"/>
-          <ac:spMkLst>
-            <pc:docMk/>
-            <pc:sldMk cId="647322237" sldId="259"/>
-            <ac:spMk id="5" creationId="{24C6C14A-404A-46CC-BBB2-888A7B4B7C1A}"/>
-          </ac:spMkLst>
-        </pc:spChg>
-        <pc:spChg chg="del">
-          <ac:chgData name="Lixiang Li" userId="6104bbfcb56aea79" providerId="LiveId" clId="{6BC0D5EB-607F-4DB9-99E5-A13ABFAD001D}" dt="2020-12-14T22:51:14.759" v="43" actId="478"/>
-          <ac:spMkLst>
-            <pc:docMk/>
-            <pc:sldMk cId="647322237" sldId="259"/>
-            <ac:spMk id="6" creationId="{D0C5FDE8-A0A7-4F4A-B6D3-DE90CACE1D87}"/>
-          </ac:spMkLst>
-        </pc:spChg>
-        <pc:spChg chg="del">
-          <ac:chgData name="Lixiang Li" userId="6104bbfcb56aea79" providerId="LiveId" clId="{6BC0D5EB-607F-4DB9-99E5-A13ABFAD001D}" dt="2020-12-14T22:51:16.966" v="44" actId="478"/>
-          <ac:spMkLst>
-            <pc:docMk/>
-            <pc:sldMk cId="647322237" sldId="259"/>
-            <ac:spMk id="7" creationId="{7BE76294-9726-4502-BC30-0173654453C6}"/>
-          </ac:spMkLst>
-        </pc:spChg>
-      </pc:sldChg>
-      <pc:sldChg chg="del">
-        <pc:chgData name="Lixiang Li" userId="6104bbfcb56aea79" providerId="LiveId" clId="{6BC0D5EB-607F-4DB9-99E5-A13ABFAD001D}" dt="2020-12-14T23:06:58.542" v="170" actId="2696"/>
-        <pc:sldMkLst>
-          <pc:docMk/>
-          <pc:sldMk cId="216162942" sldId="261"/>
-        </pc:sldMkLst>
-      </pc:sldChg>
-      <pc:sldChg chg="del">
-        <pc:chgData name="Lixiang Li" userId="6104bbfcb56aea79" providerId="LiveId" clId="{6BC0D5EB-607F-4DB9-99E5-A13ABFAD001D}" dt="2020-12-14T23:06:59.215" v="171" actId="2696"/>
-        <pc:sldMkLst>
-          <pc:docMk/>
-          <pc:sldMk cId="2222432816" sldId="262"/>
-        </pc:sldMkLst>
-      </pc:sldChg>
-      <pc:sldChg chg="addSp delSp modSp">
-        <pc:chgData name="Lixiang Li" userId="6104bbfcb56aea79" providerId="LiveId" clId="{6BC0D5EB-607F-4DB9-99E5-A13ABFAD001D}" dt="2020-12-14T23:07:18.240" v="179" actId="20577"/>
-        <pc:sldMkLst>
-          <pc:docMk/>
-          <pc:sldMk cId="3957381771" sldId="263"/>
-        </pc:sldMkLst>
-        <pc:spChg chg="mod">
-          <ac:chgData name="Lixiang Li" userId="6104bbfcb56aea79" providerId="LiveId" clId="{6BC0D5EB-607F-4DB9-99E5-A13ABFAD001D}" dt="2020-12-14T23:07:18.240" v="179" actId="20577"/>
-          <ac:spMkLst>
-            <pc:docMk/>
-            <pc:sldMk cId="3957381771" sldId="263"/>
-            <ac:spMk id="2" creationId="{5EC01E2D-9CFE-4D5D-8863-3BA90731F07B}"/>
-          </ac:spMkLst>
-        </pc:spChg>
-        <pc:spChg chg="del">
-          <ac:chgData name="Lixiang Li" userId="6104bbfcb56aea79" providerId="LiveId" clId="{6BC0D5EB-607F-4DB9-99E5-A13ABFAD001D}" dt="2020-12-14T23:07:03.017" v="172" actId="478"/>
-          <ac:spMkLst>
-            <pc:docMk/>
-            <pc:sldMk cId="3957381771" sldId="263"/>
-            <ac:spMk id="4" creationId="{42B4B2D1-5C3D-4C3D-9D41-ADE902E53137}"/>
-          </ac:spMkLst>
-        </pc:spChg>
-        <pc:spChg chg="del">
-          <ac:chgData name="Lixiang Li" userId="6104bbfcb56aea79" providerId="LiveId" clId="{6BC0D5EB-607F-4DB9-99E5-A13ABFAD001D}" dt="2020-12-14T23:07:03.017" v="172" actId="478"/>
-          <ac:spMkLst>
-            <pc:docMk/>
-            <pc:sldMk cId="3957381771" sldId="263"/>
-            <ac:spMk id="5" creationId="{24C6C14A-404A-46CC-BBB2-888A7B4B7C1A}"/>
-          </ac:spMkLst>
-        </pc:spChg>
-        <pc:spChg chg="add mod">
-          <ac:chgData name="Lixiang Li" userId="6104bbfcb56aea79" providerId="LiveId" clId="{6BC0D5EB-607F-4DB9-99E5-A13ABFAD001D}" dt="2020-12-14T23:07:03.017" v="172" actId="478"/>
-          <ac:spMkLst>
-            <pc:docMk/>
-            <pc:sldMk cId="3957381771" sldId="263"/>
-            <ac:spMk id="9" creationId="{B3A91969-9FC0-40D6-97FB-CB169B0FD70D}"/>
-          </ac:spMkLst>
-        </pc:spChg>
-        <pc:graphicFrameChg chg="del">
-          <ac:chgData name="Lixiang Li" userId="6104bbfcb56aea79" providerId="LiveId" clId="{6BC0D5EB-607F-4DB9-99E5-A13ABFAD001D}" dt="2020-12-14T23:07:06.576" v="173" actId="478"/>
-          <ac:graphicFrameMkLst>
-            <pc:docMk/>
-            <pc:sldMk cId="3957381771" sldId="263"/>
-            <ac:graphicFrameMk id="3" creationId="{7DA18F9D-C006-4166-B205-D7B35D668CB9}"/>
-          </ac:graphicFrameMkLst>
-        </pc:graphicFrameChg>
-        <pc:graphicFrameChg chg="del">
-          <ac:chgData name="Lixiang Li" userId="6104bbfcb56aea79" providerId="LiveId" clId="{6BC0D5EB-607F-4DB9-99E5-A13ABFAD001D}" dt="2020-12-14T23:07:03.017" v="172" actId="478"/>
-          <ac:graphicFrameMkLst>
-            <pc:docMk/>
-            <pc:sldMk cId="3957381771" sldId="263"/>
-            <ac:graphicFrameMk id="6" creationId="{374DFA12-6158-4BE8-9A6C-CEF6E24771E3}"/>
-          </ac:graphicFrameMkLst>
-        </pc:graphicFrameChg>
-        <pc:graphicFrameChg chg="del">
-          <ac:chgData name="Lixiang Li" userId="6104bbfcb56aea79" providerId="LiveId" clId="{6BC0D5EB-607F-4DB9-99E5-A13ABFAD001D}" dt="2020-12-14T23:07:03.017" v="172" actId="478"/>
-          <ac:graphicFrameMkLst>
-            <pc:docMk/>
-            <pc:sldMk cId="3957381771" sldId="263"/>
-            <ac:graphicFrameMk id="7" creationId="{2C31C464-B89D-457F-8317-34D7C44C4E28}"/>
-          </ac:graphicFrameMkLst>
-        </pc:graphicFrameChg>
-      </pc:sldChg>
-      <pc:sldChg chg="del">
-        <pc:chgData name="Lixiang Li" userId="6104bbfcb56aea79" providerId="LiveId" clId="{6BC0D5EB-607F-4DB9-99E5-A13ABFAD001D}" dt="2020-12-14T23:07:09.289" v="174" actId="2696"/>
-        <pc:sldMkLst>
-          <pc:docMk/>
-          <pc:sldMk cId="753221471" sldId="264"/>
+          <pc:sldMk cId="2762807510" sldId="292"/>
         </pc:sldMkLst>
       </pc:sldChg>
     </pc:docChg>
   </pc:docChgLst>
   <pc:docChgLst>
-    <pc:chgData name="Li Lixiang" userId="6104bbfcb56aea79" providerId="LiveId" clId="{071FCB63-C3B8-4D0E-9D77-42FB0FCF0B6E}"/>
-    <pc:docChg chg="custSel modSld">
-      <pc:chgData name="Li Lixiang" userId="6104bbfcb56aea79" providerId="LiveId" clId="{071FCB63-C3B8-4D0E-9D77-42FB0FCF0B6E}" dt="2021-02-27T03:05:10.520" v="311" actId="27636"/>
+    <pc:chgData name="Li Lixiang" userId="6104bbfcb56aea79" providerId="LiveId" clId="{195C821F-1926-4771-8AF3-DE34471BCA3B}"/>
+    <pc:docChg chg="custSel addSld modSld sldOrd">
+      <pc:chgData name="Li Lixiang" userId="6104bbfcb56aea79" providerId="LiveId" clId="{195C821F-1926-4771-8AF3-DE34471BCA3B}" dt="2021-04-21T11:57:25.193" v="2223" actId="20577"/>
       <pc:docMkLst>
         <pc:docMk/>
       </pc:docMkLst>
       <pc:sldChg chg="modSp mod">
-        <pc:chgData name="Li Lixiang" userId="6104bbfcb56aea79" providerId="LiveId" clId="{071FCB63-C3B8-4D0E-9D77-42FB0FCF0B6E}" dt="2021-02-27T02:59:22.364" v="1" actId="20577"/>
+        <pc:chgData name="Li Lixiang" userId="6104bbfcb56aea79" providerId="LiveId" clId="{195C821F-1926-4771-8AF3-DE34471BCA3B}" dt="2021-02-09T07:46:33.305" v="1313" actId="1076"/>
         <pc:sldMkLst>
           <pc:docMk/>
-          <pc:sldMk cId="3650079851" sldId="256"/>
+          <pc:sldMk cId="2854580649" sldId="257"/>
+        </pc:sldMkLst>
+        <pc:spChg chg="mod ord">
+          <ac:chgData name="Li Lixiang" userId="6104bbfcb56aea79" providerId="LiveId" clId="{195C821F-1926-4771-8AF3-DE34471BCA3B}" dt="2021-02-09T07:46:26.326" v="1311" actId="167"/>
+          <ac:spMkLst>
+            <pc:docMk/>
+            <pc:sldMk cId="2854580649" sldId="257"/>
+            <ac:spMk id="3" creationId="{7060439F-2729-478E-B95F-230482B50AA1}"/>
+          </ac:spMkLst>
+        </pc:spChg>
+        <pc:spChg chg="mod">
+          <ac:chgData name="Li Lixiang" userId="6104bbfcb56aea79" providerId="LiveId" clId="{195C821F-1926-4771-8AF3-DE34471BCA3B}" dt="2021-02-09T07:46:33.305" v="1313" actId="1076"/>
+          <ac:spMkLst>
+            <pc:docMk/>
+            <pc:sldMk cId="2854580649" sldId="257"/>
+            <ac:spMk id="5" creationId="{26928568-CB66-459F-99EA-7CB2555F4D7F}"/>
+          </ac:spMkLst>
+        </pc:spChg>
+        <pc:picChg chg="mod">
+          <ac:chgData name="Li Lixiang" userId="6104bbfcb56aea79" providerId="LiveId" clId="{195C821F-1926-4771-8AF3-DE34471BCA3B}" dt="2021-02-09T07:46:29.401" v="1312" actId="1076"/>
+          <ac:picMkLst>
+            <pc:docMk/>
+            <pc:sldMk cId="2854580649" sldId="257"/>
+            <ac:picMk id="6" creationId="{F83CCE3F-562B-45E2-AC5D-E13C127B03DA}"/>
+          </ac:picMkLst>
+        </pc:picChg>
+      </pc:sldChg>
+      <pc:sldChg chg="addSp delSp modSp mod">
+        <pc:chgData name="Li Lixiang" userId="6104bbfcb56aea79" providerId="LiveId" clId="{195C821F-1926-4771-8AF3-DE34471BCA3B}" dt="2021-04-03T11:16:58.436" v="1534" actId="478"/>
+        <pc:sldMkLst>
+          <pc:docMk/>
+          <pc:sldMk cId="3903523967" sldId="258"/>
         </pc:sldMkLst>
         <pc:spChg chg="mod">
-          <ac:chgData name="Li Lixiang" userId="6104bbfcb56aea79" providerId="LiveId" clId="{071FCB63-C3B8-4D0E-9D77-42FB0FCF0B6E}" dt="2021-02-27T02:59:22.364" v="1" actId="20577"/>
+          <ac:chgData name="Li Lixiang" userId="6104bbfcb56aea79" providerId="LiveId" clId="{195C821F-1926-4771-8AF3-DE34471BCA3B}" dt="2021-01-19T02:34:16.254" v="16" actId="20577"/>
           <ac:spMkLst>
             <pc:docMk/>
-            <pc:sldMk cId="3650079851" sldId="256"/>
-            <ac:spMk id="4" creationId="{8DE6899A-D842-4C9E-ADC1-B0C1377122EA}"/>
+            <pc:sldMk cId="3903523967" sldId="258"/>
+            <ac:spMk id="3" creationId="{7060439F-2729-478E-B95F-230482B50AA1}"/>
           </ac:spMkLst>
         </pc:spChg>
+        <pc:spChg chg="del">
+          <ac:chgData name="Li Lixiang" userId="6104bbfcb56aea79" providerId="LiveId" clId="{195C821F-1926-4771-8AF3-DE34471BCA3B}" dt="2021-01-19T02:34:21.762" v="18" actId="478"/>
+          <ac:spMkLst>
+            <pc:docMk/>
+            <pc:sldMk cId="3903523967" sldId="258"/>
+            <ac:spMk id="6" creationId="{E4DBFA76-697A-4623-9E8D-2FFA324C5F1E}"/>
+          </ac:spMkLst>
+        </pc:spChg>
+        <pc:picChg chg="del">
+          <ac:chgData name="Li Lixiang" userId="6104bbfcb56aea79" providerId="LiveId" clId="{195C821F-1926-4771-8AF3-DE34471BCA3B}" dt="2021-01-19T02:34:20.149" v="17" actId="478"/>
+          <ac:picMkLst>
+            <pc:docMk/>
+            <pc:sldMk cId="3903523967" sldId="258"/>
+            <ac:picMk id="7" creationId="{F528F419-646C-4121-9531-6A58ECF5D916}"/>
+          </ac:picMkLst>
+        </pc:picChg>
+        <pc:picChg chg="add mod">
+          <ac:chgData name="Li Lixiang" userId="6104bbfcb56aea79" providerId="LiveId" clId="{195C821F-1926-4771-8AF3-DE34471BCA3B}" dt="2021-01-19T02:34:25.884" v="19" actId="14100"/>
+          <ac:picMkLst>
+            <pc:docMk/>
+            <pc:sldMk cId="3903523967" sldId="258"/>
+            <ac:picMk id="1026" creationId="{52F45C9F-3865-41B0-ACE6-90BA792701EF}"/>
+          </ac:picMkLst>
+        </pc:picChg>
+        <pc:inkChg chg="add del">
+          <ac:chgData name="Li Lixiang" userId="6104bbfcb56aea79" providerId="LiveId" clId="{195C821F-1926-4771-8AF3-DE34471BCA3B}" dt="2021-02-13T09:48:02.624" v="1316" actId="478"/>
+          <ac:inkMkLst>
+            <pc:docMk/>
+            <pc:sldMk cId="3903523967" sldId="258"/>
+            <ac:inkMk id="4" creationId="{0DF619EA-1F5C-47D1-82C9-95A03EAD2679}"/>
+          </ac:inkMkLst>
+        </pc:inkChg>
+        <pc:inkChg chg="add del">
+          <ac:chgData name="Li Lixiang" userId="6104bbfcb56aea79" providerId="LiveId" clId="{195C821F-1926-4771-8AF3-DE34471BCA3B}" dt="2021-04-03T11:16:58.436" v="1534" actId="478"/>
+          <ac:inkMkLst>
+            <pc:docMk/>
+            <pc:sldMk cId="3903523967" sldId="258"/>
+            <ac:inkMk id="4" creationId="{6914EE9E-FEAC-45FF-8992-B82FF321FF50}"/>
+          </ac:inkMkLst>
+        </pc:inkChg>
+      </pc:sldChg>
+      <pc:sldChg chg="addSp delSp mod">
+        <pc:chgData name="Li Lixiang" userId="6104bbfcb56aea79" providerId="LiveId" clId="{195C821F-1926-4771-8AF3-DE34471BCA3B}" dt="2021-04-03T11:10:15.431" v="1532" actId="478"/>
+        <pc:sldMkLst>
+          <pc:docMk/>
+          <pc:sldMk cId="647322237" sldId="259"/>
+        </pc:sldMkLst>
+        <pc:inkChg chg="add del">
+          <ac:chgData name="Li Lixiang" userId="6104bbfcb56aea79" providerId="LiveId" clId="{195C821F-1926-4771-8AF3-DE34471BCA3B}" dt="2021-04-03T11:10:15.431" v="1532" actId="478"/>
+          <ac:inkMkLst>
+            <pc:docMk/>
+            <pc:sldMk cId="647322237" sldId="259"/>
+            <ac:inkMk id="4" creationId="{CD82BB32-7956-44C1-96D4-04458022C85A}"/>
+          </ac:inkMkLst>
+        </pc:inkChg>
+      </pc:sldChg>
+      <pc:sldChg chg="addSp delSp mod">
+        <pc:chgData name="Li Lixiang" userId="6104bbfcb56aea79" providerId="LiveId" clId="{195C821F-1926-4771-8AF3-DE34471BCA3B}" dt="2021-02-18T08:18:24.232" v="1318" actId="478"/>
+        <pc:sldMkLst>
+          <pc:docMk/>
+          <pc:sldMk cId="1167250398" sldId="260"/>
+        </pc:sldMkLst>
+        <pc:inkChg chg="add del">
+          <ac:chgData name="Li Lixiang" userId="6104bbfcb56aea79" providerId="LiveId" clId="{195C821F-1926-4771-8AF3-DE34471BCA3B}" dt="2021-02-18T08:18:24.232" v="1318" actId="478"/>
+          <ac:inkMkLst>
+            <pc:docMk/>
+            <pc:sldMk cId="1167250398" sldId="260"/>
+            <ac:inkMk id="4" creationId="{99AADF1E-63F7-4990-A08C-3DDE0074AE08}"/>
+          </ac:inkMkLst>
+        </pc:inkChg>
       </pc:sldChg>
       <pc:sldChg chg="modSp mod">
-        <pc:chgData name="Li Lixiang" userId="6104bbfcb56aea79" providerId="LiveId" clId="{071FCB63-C3B8-4D0E-9D77-42FB0FCF0B6E}" dt="2021-02-27T03:05:10.520" v="311" actId="27636"/>
+        <pc:chgData name="Li Lixiang" userId="6104bbfcb56aea79" providerId="LiveId" clId="{195C821F-1926-4771-8AF3-DE34471BCA3B}" dt="2021-01-05T04:01:19.613" v="1" actId="732"/>
         <pc:sldMkLst>
           <pc:docMk/>
-          <pc:sldMk cId="1732110910" sldId="271"/>
+          <pc:sldMk cId="2998306887" sldId="266"/>
+        </pc:sldMkLst>
+        <pc:picChg chg="mod modCrop">
+          <ac:chgData name="Li Lixiang" userId="6104bbfcb56aea79" providerId="LiveId" clId="{195C821F-1926-4771-8AF3-DE34471BCA3B}" dt="2021-01-05T04:01:19.613" v="1" actId="732"/>
+          <ac:picMkLst>
+            <pc:docMk/>
+            <pc:sldMk cId="2998306887" sldId="266"/>
+            <ac:picMk id="5" creationId="{13607EAE-1653-4C12-B8D5-0FC08194D12C}"/>
+          </ac:picMkLst>
+        </pc:picChg>
+      </pc:sldChg>
+      <pc:sldChg chg="addSp mod">
+        <pc:chgData name="Li Lixiang" userId="6104bbfcb56aea79" providerId="LiveId" clId="{195C821F-1926-4771-8AF3-DE34471BCA3B}" dt="2021-02-02T13:55:29.251" v="252" actId="9405"/>
+        <pc:sldMkLst>
+          <pc:docMk/>
+          <pc:sldMk cId="2133616112" sldId="267"/>
+        </pc:sldMkLst>
+        <pc:inkChg chg="add">
+          <ac:chgData name="Li Lixiang" userId="6104bbfcb56aea79" providerId="LiveId" clId="{195C821F-1926-4771-8AF3-DE34471BCA3B}" dt="2021-02-02T13:55:29.251" v="252" actId="9405"/>
+          <ac:inkMkLst>
+            <pc:docMk/>
+            <pc:sldMk cId="2133616112" sldId="267"/>
+            <ac:inkMk id="5" creationId="{725CE1A2-0EAB-4903-A990-E1B99EF21BB3}"/>
+          </ac:inkMkLst>
+        </pc:inkChg>
+      </pc:sldChg>
+      <pc:sldChg chg="addSp delSp modSp add mod">
+        <pc:chgData name="Li Lixiang" userId="6104bbfcb56aea79" providerId="LiveId" clId="{195C821F-1926-4771-8AF3-DE34471BCA3B}" dt="2021-02-09T08:22:32.982" v="1315" actId="9405"/>
+        <pc:sldMkLst>
+          <pc:docMk/>
+          <pc:sldMk cId="3450450490" sldId="268"/>
         </pc:sldMkLst>
         <pc:spChg chg="mod">
-          <ac:chgData name="Li Lixiang" userId="6104bbfcb56aea79" providerId="LiveId" clId="{071FCB63-C3B8-4D0E-9D77-42FB0FCF0B6E}" dt="2021-02-27T03:01:43.777" v="27" actId="20577"/>
+          <ac:chgData name="Li Lixiang" userId="6104bbfcb56aea79" providerId="LiveId" clId="{195C821F-1926-4771-8AF3-DE34471BCA3B}" dt="2021-02-06T12:31:50.308" v="264" actId="14100"/>
           <ac:spMkLst>
             <pc:docMk/>
-            <pc:sldMk cId="1732110910" sldId="271"/>
+            <pc:sldMk cId="3450450490" sldId="268"/>
+            <ac:spMk id="6" creationId="{E4DBFA76-697A-4623-9E8D-2FFA324C5F1E}"/>
+          </ac:spMkLst>
+        </pc:spChg>
+        <pc:picChg chg="add del ord">
+          <ac:chgData name="Li Lixiang" userId="6104bbfcb56aea79" providerId="LiveId" clId="{195C821F-1926-4771-8AF3-DE34471BCA3B}" dt="2021-02-06T12:31:41.670" v="261" actId="478"/>
+          <ac:picMkLst>
+            <pc:docMk/>
+            <pc:sldMk cId="3450450490" sldId="268"/>
+            <ac:picMk id="5" creationId="{70291EF7-72DF-4DD3-B564-C8EA10E727D4}"/>
+          </ac:picMkLst>
+        </pc:picChg>
+        <pc:picChg chg="del">
+          <ac:chgData name="Li Lixiang" userId="6104bbfcb56aea79" providerId="LiveId" clId="{195C821F-1926-4771-8AF3-DE34471BCA3B}" dt="2021-02-06T12:29:10.636" v="253" actId="478"/>
+          <ac:picMkLst>
+            <pc:docMk/>
+            <pc:sldMk cId="3450450490" sldId="268"/>
+            <ac:picMk id="7" creationId="{F528F419-646C-4121-9531-6A58ECF5D916}"/>
+          </ac:picMkLst>
+        </pc:picChg>
+        <pc:picChg chg="add mod ord">
+          <ac:chgData name="Li Lixiang" userId="6104bbfcb56aea79" providerId="LiveId" clId="{195C821F-1926-4771-8AF3-DE34471BCA3B}" dt="2021-02-06T12:31:46.541" v="263" actId="1076"/>
+          <ac:picMkLst>
+            <pc:docMk/>
+            <pc:sldMk cId="3450450490" sldId="268"/>
+            <ac:picMk id="9" creationId="{9EA71C3C-F5F7-4DEC-A1C8-A141A1515314}"/>
+          </ac:picMkLst>
+        </pc:picChg>
+        <pc:picChg chg="del">
+          <ac:chgData name="Li Lixiang" userId="6104bbfcb56aea79" providerId="LiveId" clId="{195C821F-1926-4771-8AF3-DE34471BCA3B}" dt="2021-01-19T02:34:03.687" v="4" actId="478"/>
+          <ac:picMkLst>
+            <pc:docMk/>
+            <pc:sldMk cId="3450450490" sldId="268"/>
+            <ac:picMk id="1026" creationId="{52F45C9F-3865-41B0-ACE6-90BA792701EF}"/>
+          </ac:picMkLst>
+        </pc:picChg>
+        <pc:inkChg chg="add">
+          <ac:chgData name="Li Lixiang" userId="6104bbfcb56aea79" providerId="LiveId" clId="{195C821F-1926-4771-8AF3-DE34471BCA3B}" dt="2021-02-09T08:22:32.982" v="1315" actId="9405"/>
+          <ac:inkMkLst>
+            <pc:docMk/>
+            <pc:sldMk cId="3450450490" sldId="268"/>
+            <ac:inkMk id="4" creationId="{2CCD9326-0229-4263-8D81-3D8917EA5A88}"/>
+          </ac:inkMkLst>
+        </pc:inkChg>
+      </pc:sldChg>
+      <pc:sldChg chg="add">
+        <pc:chgData name="Li Lixiang" userId="6104bbfcb56aea79" providerId="LiveId" clId="{195C821F-1926-4771-8AF3-DE34471BCA3B}" dt="2021-01-30T04:52:06.175" v="20"/>
+        <pc:sldMkLst>
+          <pc:docMk/>
+          <pc:sldMk cId="1777997471" sldId="269"/>
+        </pc:sldMkLst>
+      </pc:sldChg>
+      <pc:sldChg chg="addSp delSp add mod">
+        <pc:chgData name="Li Lixiang" userId="6104bbfcb56aea79" providerId="LiveId" clId="{195C821F-1926-4771-8AF3-DE34471BCA3B}" dt="2021-02-18T08:23:01.821" v="1320" actId="478"/>
+        <pc:sldMkLst>
+          <pc:docMk/>
+          <pc:sldMk cId="237728322" sldId="270"/>
+        </pc:sldMkLst>
+        <pc:inkChg chg="add del">
+          <ac:chgData name="Li Lixiang" userId="6104bbfcb56aea79" providerId="LiveId" clId="{195C821F-1926-4771-8AF3-DE34471BCA3B}" dt="2021-02-18T08:23:01.821" v="1320" actId="478"/>
+          <ac:inkMkLst>
+            <pc:docMk/>
+            <pc:sldMk cId="237728322" sldId="270"/>
+            <ac:inkMk id="5" creationId="{272BF278-179C-4028-9276-326ABE6978AE}"/>
+          </ac:inkMkLst>
+        </pc:inkChg>
+      </pc:sldChg>
+      <pc:sldChg chg="addSp delSp modSp add mod">
+        <pc:chgData name="Li Lixiang" userId="6104bbfcb56aea79" providerId="LiveId" clId="{195C821F-1926-4771-8AF3-DE34471BCA3B}" dt="2021-02-02T10:41:00.805" v="251" actId="20577"/>
+        <pc:sldMkLst>
+          <pc:docMk/>
+          <pc:sldMk cId="584544023" sldId="271"/>
+        </pc:sldMkLst>
+        <pc:spChg chg="mod">
+          <ac:chgData name="Li Lixiang" userId="6104bbfcb56aea79" providerId="LiveId" clId="{195C821F-1926-4771-8AF3-DE34471BCA3B}" dt="2021-02-02T10:41:00.805" v="251" actId="20577"/>
+          <ac:spMkLst>
+            <pc:docMk/>
+            <pc:sldMk cId="584544023" sldId="271"/>
+            <ac:spMk id="3" creationId="{7060439F-2729-478E-B95F-230482B50AA1}"/>
+          </ac:spMkLst>
+        </pc:spChg>
+        <pc:picChg chg="del">
+          <ac:chgData name="Li Lixiang" userId="6104bbfcb56aea79" providerId="LiveId" clId="{195C821F-1926-4771-8AF3-DE34471BCA3B}" dt="2021-02-02T10:29:56.870" v="35" actId="478"/>
+          <ac:picMkLst>
+            <pc:docMk/>
+            <pc:sldMk cId="584544023" sldId="271"/>
+            <ac:picMk id="5" creationId="{1D894D49-A68F-4EBD-9C2A-4095DC4B6C25}"/>
+          </ac:picMkLst>
+        </pc:picChg>
+        <pc:picChg chg="add mod">
+          <ac:chgData name="Li Lixiang" userId="6104bbfcb56aea79" providerId="LiveId" clId="{195C821F-1926-4771-8AF3-DE34471BCA3B}" dt="2021-02-02T10:39:37.096" v="190" actId="1076"/>
+          <ac:picMkLst>
+            <pc:docMk/>
+            <pc:sldMk cId="584544023" sldId="271"/>
+            <ac:picMk id="6" creationId="{1B87C686-F99F-4BE2-B83A-C389598920D6}"/>
+          </ac:picMkLst>
+        </pc:picChg>
+      </pc:sldChg>
+      <pc:sldChg chg="addSp delSp modSp add mod ord">
+        <pc:chgData name="Li Lixiang" userId="6104bbfcb56aea79" providerId="LiveId" clId="{195C821F-1926-4771-8AF3-DE34471BCA3B}" dt="2021-04-21T11:51:01.379" v="1936" actId="20577"/>
+        <pc:sldMkLst>
+          <pc:docMk/>
+          <pc:sldMk cId="3132061225" sldId="272"/>
+        </pc:sldMkLst>
+        <pc:spChg chg="mod">
+          <ac:chgData name="Li Lixiang" userId="6104bbfcb56aea79" providerId="LiveId" clId="{195C821F-1926-4771-8AF3-DE34471BCA3B}" dt="2021-04-21T11:36:24.966" v="1587" actId="20577"/>
+          <ac:spMkLst>
+            <pc:docMk/>
+            <pc:sldMk cId="3132061225" sldId="272"/>
             <ac:spMk id="2" creationId="{5EC01E2D-9CFE-4D5D-8863-3BA90731F07B}"/>
           </ac:spMkLst>
         </pc:spChg>
         <pc:spChg chg="mod">
-          <ac:chgData name="Li Lixiang" userId="6104bbfcb56aea79" providerId="LiveId" clId="{071FCB63-C3B8-4D0E-9D77-42FB0FCF0B6E}" dt="2021-02-27T03:05:10.520" v="311" actId="27636"/>
+          <ac:chgData name="Li Lixiang" userId="6104bbfcb56aea79" providerId="LiveId" clId="{195C821F-1926-4771-8AF3-DE34471BCA3B}" dt="2021-04-21T11:51:01.379" v="1936" actId="20577"/>
           <ac:spMkLst>
             <pc:docMk/>
-            <pc:sldMk cId="1732110910" sldId="271"/>
-            <ac:spMk id="9" creationId="{B3A91969-9FC0-40D6-97FB-CB169B0FD70D}"/>
+            <pc:sldMk cId="3132061225" sldId="272"/>
+            <ac:spMk id="3" creationId="{7060439F-2729-478E-B95F-230482B50AA1}"/>
           </ac:spMkLst>
         </pc:spChg>
-      </pc:sldChg>
-    </pc:docChg>
-  </pc:docChgLst>
-  <pc:docChgLst>
-    <pc:chgData name="Lixiang Li" userId="6104bbfcb56aea79" providerId="LiveId" clId="{2CE6F3B1-AFEC-403E-A251-D5A89A7872DA}"/>
-    <pc:docChg chg="custSel addSld delSld modSld sldOrd modMainMaster">
-      <pc:chgData name="Lixiang Li" userId="6104bbfcb56aea79" providerId="LiveId" clId="{2CE6F3B1-AFEC-403E-A251-D5A89A7872DA}" dt="2020-12-13T20:17:13.728" v="2551" actId="20577"/>
-      <pc:docMkLst>
-        <pc:docMk/>
-      </pc:docMkLst>
-      <pc:sldChg chg="modSp">
-        <pc:chgData name="Lixiang Li" userId="6104bbfcb56aea79" providerId="LiveId" clId="{2CE6F3B1-AFEC-403E-A251-D5A89A7872DA}" dt="2020-12-09T23:01:07.035" v="0" actId="20577"/>
-        <pc:sldMkLst>
-          <pc:docMk/>
-          <pc:sldMk cId="3650079851" sldId="256"/>
-        </pc:sldMkLst>
-        <pc:spChg chg="mod">
-          <ac:chgData name="Lixiang Li" userId="6104bbfcb56aea79" providerId="LiveId" clId="{2CE6F3B1-AFEC-403E-A251-D5A89A7872DA}" dt="2020-12-09T23:01:07.035" v="0" actId="20577"/>
-          <ac:spMkLst>
-            <pc:docMk/>
-            <pc:sldMk cId="3650079851" sldId="256"/>
-            <ac:spMk id="4" creationId="{8DE6899A-D842-4C9E-ADC1-B0C1377122EA}"/>
-          </ac:spMkLst>
-        </pc:spChg>
-      </pc:sldChg>
-      <pc:sldChg chg="addSp delSp modSp">
-        <pc:chgData name="Lixiang Li" userId="6104bbfcb56aea79" providerId="LiveId" clId="{2CE6F3B1-AFEC-403E-A251-D5A89A7872DA}" dt="2020-12-13T01:54:44.517" v="2246" actId="20577"/>
-        <pc:sldMkLst>
-          <pc:docMk/>
-          <pc:sldMk cId="647322237" sldId="259"/>
-        </pc:sldMkLst>
-        <pc:spChg chg="mod">
-          <ac:chgData name="Lixiang Li" userId="6104bbfcb56aea79" providerId="LiveId" clId="{2CE6F3B1-AFEC-403E-A251-D5A89A7872DA}" dt="2020-12-09T23:01:25.824" v="18" actId="20577"/>
-          <ac:spMkLst>
-            <pc:docMk/>
-            <pc:sldMk cId="647322237" sldId="259"/>
-            <ac:spMk id="2" creationId="{5EC01E2D-9CFE-4D5D-8863-3BA90731F07B}"/>
-          </ac:spMkLst>
-        </pc:spChg>
-        <pc:spChg chg="add del mod">
-          <ac:chgData name="Lixiang Li" userId="6104bbfcb56aea79" providerId="LiveId" clId="{2CE6F3B1-AFEC-403E-A251-D5A89A7872DA}" dt="2020-12-09T23:01:41.060" v="19"/>
-          <ac:spMkLst>
-            <pc:docMk/>
-            <pc:sldMk cId="647322237" sldId="259"/>
-            <ac:spMk id="3" creationId="{1B8293E4-861A-44C6-9A64-9E62199E01D2}"/>
-          </ac:spMkLst>
-        </pc:spChg>
-        <pc:spChg chg="add del mod">
-          <ac:chgData name="Lixiang Li" userId="6104bbfcb56aea79" providerId="LiveId" clId="{2CE6F3B1-AFEC-403E-A251-D5A89A7872DA}" dt="2020-12-10T12:32:51.820" v="508" actId="478"/>
-          <ac:spMkLst>
-            <pc:docMk/>
-            <pc:sldMk cId="647322237" sldId="259"/>
-            <ac:spMk id="3" creationId="{C1507CA5-0229-4B3E-87B8-C596914CF496}"/>
-          </ac:spMkLst>
-        </pc:spChg>
-        <pc:spChg chg="add mod">
-          <ac:chgData name="Lixiang Li" userId="6104bbfcb56aea79" providerId="LiveId" clId="{2CE6F3B1-AFEC-403E-A251-D5A89A7872DA}" dt="2020-12-10T12:22:37.990" v="501" actId="14100"/>
-          <ac:spMkLst>
-            <pc:docMk/>
-            <pc:sldMk cId="647322237" sldId="259"/>
-            <ac:spMk id="5" creationId="{24C6C14A-404A-46CC-BBB2-888A7B4B7C1A}"/>
-          </ac:spMkLst>
-        </pc:spChg>
-        <pc:spChg chg="add mod">
-          <ac:chgData name="Lixiang Li" userId="6104bbfcb56aea79" providerId="LiveId" clId="{2CE6F3B1-AFEC-403E-A251-D5A89A7872DA}" dt="2020-12-10T12:34:15.340" v="591" actId="1076"/>
-          <ac:spMkLst>
-            <pc:docMk/>
-            <pc:sldMk cId="647322237" sldId="259"/>
-            <ac:spMk id="6" creationId="{D0C5FDE8-A0A7-4F4A-B6D3-DE90CACE1D87}"/>
-          </ac:spMkLst>
-        </pc:spChg>
-        <pc:spChg chg="add mod">
-          <ac:chgData name="Lixiang Li" userId="6104bbfcb56aea79" providerId="LiveId" clId="{2CE6F3B1-AFEC-403E-A251-D5A89A7872DA}" dt="2020-12-13T01:54:44.517" v="2246" actId="20577"/>
-          <ac:spMkLst>
-            <pc:docMk/>
-            <pc:sldMk cId="647322237" sldId="259"/>
-            <ac:spMk id="7" creationId="{7BE76294-9726-4502-BC30-0173654453C6}"/>
-          </ac:spMkLst>
-        </pc:spChg>
-        <pc:spChg chg="del">
-          <ac:chgData name="Lixiang Li" userId="6104bbfcb56aea79" providerId="LiveId" clId="{2CE6F3B1-AFEC-403E-A251-D5A89A7872DA}" dt="2020-12-09T23:01:14.767" v="1" actId="478"/>
-          <ac:spMkLst>
-            <pc:docMk/>
-            <pc:sldMk cId="647322237" sldId="259"/>
-            <ac:spMk id="98" creationId="{13459EB2-FF5C-4227-9F7E-F8CCD713CE75}"/>
-          </ac:spMkLst>
-        </pc:spChg>
-        <pc:spChg chg="del">
-          <ac:chgData name="Lixiang Li" userId="6104bbfcb56aea79" providerId="LiveId" clId="{2CE6F3B1-AFEC-403E-A251-D5A89A7872DA}" dt="2020-12-09T23:01:14.767" v="1" actId="478"/>
-          <ac:spMkLst>
-            <pc:docMk/>
-            <pc:sldMk cId="647322237" sldId="259"/>
-            <ac:spMk id="104" creationId="{2AB42286-B657-455A-A6D9-698C1391D194}"/>
-          </ac:spMkLst>
-        </pc:spChg>
-        <pc:spChg chg="del">
-          <ac:chgData name="Lixiang Li" userId="6104bbfcb56aea79" providerId="LiveId" clId="{2CE6F3B1-AFEC-403E-A251-D5A89A7872DA}" dt="2020-12-09T23:01:14.767" v="1" actId="478"/>
-          <ac:spMkLst>
-            <pc:docMk/>
-            <pc:sldMk cId="647322237" sldId="259"/>
-            <ac:spMk id="105" creationId="{2D6126B7-CB1D-4FBF-B48D-A34A4B76FE40}"/>
-          </ac:spMkLst>
-        </pc:spChg>
-        <pc:spChg chg="del">
-          <ac:chgData name="Lixiang Li" userId="6104bbfcb56aea79" providerId="LiveId" clId="{2CE6F3B1-AFEC-403E-A251-D5A89A7872DA}" dt="2020-12-09T23:01:14.767" v="1" actId="478"/>
-          <ac:spMkLst>
-            <pc:docMk/>
-            <pc:sldMk cId="647322237" sldId="259"/>
-            <ac:spMk id="106" creationId="{1F1ADD05-1121-4D7D-8580-3AC4A820EFD4}"/>
-          </ac:spMkLst>
-        </pc:spChg>
+        <pc:picChg chg="add mod">
+          <ac:chgData name="Li Lixiang" userId="6104bbfcb56aea79" providerId="LiveId" clId="{195C821F-1926-4771-8AF3-DE34471BCA3B}" dt="2021-02-07T14:16:18.505" v="485" actId="1076"/>
+          <ac:picMkLst>
+            <pc:docMk/>
+            <pc:sldMk cId="3132061225" sldId="272"/>
+            <ac:picMk id="5" creationId="{908D5F42-F128-41C6-901B-32741920691C}"/>
+          </ac:picMkLst>
+        </pc:picChg>
         <pc:picChg chg="del">
-          <ac:chgData name="Lixiang Li" userId="6104bbfcb56aea79" providerId="LiveId" clId="{2CE6F3B1-AFEC-403E-A251-D5A89A7872DA}" dt="2020-12-09T23:01:14.767" v="1" actId="478"/>
+          <ac:chgData name="Li Lixiang" userId="6104bbfcb56aea79" providerId="LiveId" clId="{195C821F-1926-4771-8AF3-DE34471BCA3B}" dt="2021-02-07T13:04:47.705" v="274" actId="478"/>
           <ac:picMkLst>
             <pc:docMk/>
-            <pc:sldMk cId="647322237" sldId="259"/>
-            <ac:picMk id="4" creationId="{B52944A6-B585-45B8-99FC-08E1453A2822}"/>
+            <pc:sldMk cId="3132061225" sldId="272"/>
+            <ac:picMk id="7" creationId="{0E87A0D6-15A7-456C-81C7-000C78E2DA00}"/>
           </ac:picMkLst>
         </pc:picChg>
       </pc:sldChg>
-      <pc:sldChg chg="modSp add del setBg">
-        <pc:chgData name="Lixiang Li" userId="6104bbfcb56aea79" providerId="LiveId" clId="{2CE6F3B1-AFEC-403E-A251-D5A89A7872DA}" dt="2020-12-13T02:33:27.674" v="2247" actId="2696"/>
+      <pc:sldChg chg="addSp delSp modSp add mod">
+        <pc:chgData name="Li Lixiang" userId="6104bbfcb56aea79" providerId="LiveId" clId="{195C821F-1926-4771-8AF3-DE34471BCA3B}" dt="2021-03-02T08:31:32.267" v="1339" actId="20577"/>
         <pc:sldMkLst>
           <pc:docMk/>
-          <pc:sldMk cId="2949389888" sldId="260"/>
+          <pc:sldMk cId="3363691834" sldId="273"/>
         </pc:sldMkLst>
         <pc:spChg chg="mod">
-          <ac:chgData name="Lixiang Li" userId="6104bbfcb56aea79" providerId="LiveId" clId="{2CE6F3B1-AFEC-403E-A251-D5A89A7872DA}" dt="2020-12-12T23:06:00.407" v="1446" actId="20577"/>
+          <ac:chgData name="Li Lixiang" userId="6104bbfcb56aea79" providerId="LiveId" clId="{195C821F-1926-4771-8AF3-DE34471BCA3B}" dt="2021-02-07T23:04:34.949" v="760" actId="20577"/>
           <ac:spMkLst>
             <pc:docMk/>
-            <pc:sldMk cId="2949389888" sldId="260"/>
-            <ac:spMk id="2" creationId="{5EC01E2D-9CFE-4D5D-8863-3BA90731F07B}"/>
-          </ac:spMkLst>
-        </pc:spChg>
-      </pc:sldChg>
-      <pc:sldChg chg="delSp del">
-        <pc:chgData name="Lixiang Li" userId="6104bbfcb56aea79" providerId="LiveId" clId="{2CE6F3B1-AFEC-403E-A251-D5A89A7872DA}" dt="2020-12-09T23:03:18.316" v="24" actId="2696"/>
-        <pc:sldMkLst>
-          <pc:docMk/>
-          <pc:sldMk cId="3326398716" sldId="260"/>
-        </pc:sldMkLst>
-        <pc:picChg chg="del">
-          <ac:chgData name="Lixiang Li" userId="6104bbfcb56aea79" providerId="LiveId" clId="{2CE6F3B1-AFEC-403E-A251-D5A89A7872DA}" dt="2020-12-09T23:03:14.184" v="22" actId="478"/>
-          <ac:picMkLst>
-            <pc:docMk/>
-            <pc:sldMk cId="3326398716" sldId="260"/>
-            <ac:picMk id="3" creationId="{9A2E8B13-B22A-49AC-A050-813911B3E9EE}"/>
-          </ac:picMkLst>
-        </pc:picChg>
-        <pc:picChg chg="del">
-          <ac:chgData name="Lixiang Li" userId="6104bbfcb56aea79" providerId="LiveId" clId="{2CE6F3B1-AFEC-403E-A251-D5A89A7872DA}" dt="2020-12-09T23:03:14.184" v="22" actId="478"/>
-          <ac:picMkLst>
-            <pc:docMk/>
-            <pc:sldMk cId="3326398716" sldId="260"/>
-            <ac:picMk id="5" creationId="{F1D17BD7-6295-45FF-A531-7B1B911887E4}"/>
-          </ac:picMkLst>
-        </pc:picChg>
-        <pc:picChg chg="del">
-          <ac:chgData name="Lixiang Li" userId="6104bbfcb56aea79" providerId="LiveId" clId="{2CE6F3B1-AFEC-403E-A251-D5A89A7872DA}" dt="2020-12-09T23:03:14.184" v="22" actId="478"/>
-          <ac:picMkLst>
-            <pc:docMk/>
-            <pc:sldMk cId="3326398716" sldId="260"/>
-            <ac:picMk id="7" creationId="{249F4CA4-A5F7-4B45-AECE-8BF2367F185A}"/>
-          </ac:picMkLst>
-        </pc:picChg>
-        <pc:picChg chg="del">
-          <ac:chgData name="Lixiang Li" userId="6104bbfcb56aea79" providerId="LiveId" clId="{2CE6F3B1-AFEC-403E-A251-D5A89A7872DA}" dt="2020-12-09T23:03:14.184" v="22" actId="478"/>
-          <ac:picMkLst>
-            <pc:docMk/>
-            <pc:sldMk cId="3326398716" sldId="260"/>
-            <ac:picMk id="8" creationId="{D370D419-3E35-4D37-A45D-5FE39799715B}"/>
-          </ac:picMkLst>
-        </pc:picChg>
-        <pc:picChg chg="del">
-          <ac:chgData name="Lixiang Li" userId="6104bbfcb56aea79" providerId="LiveId" clId="{2CE6F3B1-AFEC-403E-A251-D5A89A7872DA}" dt="2020-12-09T23:03:14.184" v="22" actId="478"/>
-          <ac:picMkLst>
-            <pc:docMk/>
-            <pc:sldMk cId="3326398716" sldId="260"/>
-            <ac:picMk id="11" creationId="{E4387E32-B012-41C2-8519-ED0F839FC6A6}"/>
-          </ac:picMkLst>
-        </pc:picChg>
-      </pc:sldChg>
-      <pc:sldChg chg="modSp add ord">
-        <pc:chgData name="Lixiang Li" userId="6104bbfcb56aea79" providerId="LiveId" clId="{2CE6F3B1-AFEC-403E-A251-D5A89A7872DA}" dt="2020-12-12T23:06:36.565" v="1494" actId="20577"/>
-        <pc:sldMkLst>
-          <pc:docMk/>
-          <pc:sldMk cId="216162942" sldId="261"/>
-        </pc:sldMkLst>
-        <pc:spChg chg="mod">
-          <ac:chgData name="Lixiang Li" userId="6104bbfcb56aea79" providerId="LiveId" clId="{2CE6F3B1-AFEC-403E-A251-D5A89A7872DA}" dt="2020-12-12T23:06:36.565" v="1494" actId="20577"/>
-          <ac:spMkLst>
-            <pc:docMk/>
-            <pc:sldMk cId="216162942" sldId="261"/>
+            <pc:sldMk cId="3363691834" sldId="273"/>
             <ac:spMk id="2" creationId="{5EC01E2D-9CFE-4D5D-8863-3BA90731F07B}"/>
           </ac:spMkLst>
         </pc:spChg>
         <pc:spChg chg="mod">
-          <ac:chgData name="Lixiang Li" userId="6104bbfcb56aea79" providerId="LiveId" clId="{2CE6F3B1-AFEC-403E-A251-D5A89A7872DA}" dt="2020-12-11T12:59:30.665" v="1258" actId="313"/>
+          <ac:chgData name="Li Lixiang" userId="6104bbfcb56aea79" providerId="LiveId" clId="{195C821F-1926-4771-8AF3-DE34471BCA3B}" dt="2021-03-02T08:31:32.267" v="1339" actId="20577"/>
           <ac:spMkLst>
             <pc:docMk/>
-            <pc:sldMk cId="216162942" sldId="261"/>
-            <ac:spMk id="5" creationId="{24C6C14A-404A-46CC-BBB2-888A7B4B7C1A}"/>
+            <pc:sldMk cId="3363691834" sldId="273"/>
+            <ac:spMk id="3" creationId="{7060439F-2729-478E-B95F-230482B50AA1}"/>
           </ac:spMkLst>
         </pc:spChg>
-      </pc:sldChg>
-      <pc:sldChg chg="delSp del">
-        <pc:chgData name="Lixiang Li" userId="6104bbfcb56aea79" providerId="LiveId" clId="{2CE6F3B1-AFEC-403E-A251-D5A89A7872DA}" dt="2020-12-09T23:03:19.296" v="25" actId="2696"/>
-        <pc:sldMkLst>
-          <pc:docMk/>
-          <pc:sldMk cId="2148867391" sldId="261"/>
-        </pc:sldMkLst>
+        <pc:grpChg chg="del mod">
+          <ac:chgData name="Li Lixiang" userId="6104bbfcb56aea79" providerId="LiveId" clId="{195C821F-1926-4771-8AF3-DE34471BCA3B}" dt="2021-02-18T08:36:18.254" v="1335" actId="478"/>
+          <ac:grpSpMkLst>
+            <pc:docMk/>
+            <pc:sldMk cId="3363691834" sldId="273"/>
+            <ac:grpSpMk id="18" creationId="{811237F5-10B5-4289-86E0-F499EE247AEB}"/>
+          </ac:grpSpMkLst>
+        </pc:grpChg>
         <pc:picChg chg="del">
-          <ac:chgData name="Lixiang Li" userId="6104bbfcb56aea79" providerId="LiveId" clId="{2CE6F3B1-AFEC-403E-A251-D5A89A7872DA}" dt="2020-12-09T23:03:17.031" v="23" actId="478"/>
+          <ac:chgData name="Li Lixiang" userId="6104bbfcb56aea79" providerId="LiveId" clId="{195C821F-1926-4771-8AF3-DE34471BCA3B}" dt="2021-02-07T16:16:52.918" v="700" actId="478"/>
           <ac:picMkLst>
             <pc:docMk/>
-            <pc:sldMk cId="2148867391" sldId="261"/>
-            <ac:picMk id="4" creationId="{77E1CBDB-A244-4638-903E-B45A5AA21B2F}"/>
+            <pc:sldMk cId="3363691834" sldId="273"/>
+            <ac:picMk id="4" creationId="{E6E0ADD3-234C-4276-A71D-680100949D67}"/>
           </ac:picMkLst>
         </pc:picChg>
         <pc:picChg chg="del">
-          <ac:chgData name="Lixiang Li" userId="6104bbfcb56aea79" providerId="LiveId" clId="{2CE6F3B1-AFEC-403E-A251-D5A89A7872DA}" dt="2020-12-09T23:03:17.031" v="23" actId="478"/>
+          <ac:chgData name="Li Lixiang" userId="6104bbfcb56aea79" providerId="LiveId" clId="{195C821F-1926-4771-8AF3-DE34471BCA3B}" dt="2021-02-07T16:16:53.642" v="701" actId="478"/>
           <ac:picMkLst>
             <pc:docMk/>
-            <pc:sldMk cId="2148867391" sldId="261"/>
-            <ac:picMk id="6" creationId="{C86922C7-D634-4139-A0CE-83A3BF872E28}"/>
+            <pc:sldMk cId="3363691834" sldId="273"/>
+            <ac:picMk id="5" creationId="{13607EAE-1653-4C12-B8D5-0FC08194D12C}"/>
           </ac:picMkLst>
         </pc:picChg>
-        <pc:picChg chg="del">
-          <ac:chgData name="Lixiang Li" userId="6104bbfcb56aea79" providerId="LiveId" clId="{2CE6F3B1-AFEC-403E-A251-D5A89A7872DA}" dt="2020-12-09T23:03:17.031" v="23" actId="478"/>
+        <pc:picChg chg="add mod">
+          <ac:chgData name="Li Lixiang" userId="6104bbfcb56aea79" providerId="LiveId" clId="{195C821F-1926-4771-8AF3-DE34471BCA3B}" dt="2021-02-07T23:07:39.472" v="1182" actId="1076"/>
           <ac:picMkLst>
             <pc:docMk/>
-            <pc:sldMk cId="2148867391" sldId="261"/>
-            <ac:picMk id="9" creationId="{FB5AD115-9B8B-450E-9A83-43D625FDC6CA}"/>
+            <pc:sldMk cId="3363691834" sldId="273"/>
+            <ac:picMk id="7" creationId="{1B852F2C-B36A-4A6D-8B38-9B31899B8FA6}"/>
           </ac:picMkLst>
         </pc:picChg>
-        <pc:picChg chg="del">
-          <ac:chgData name="Lixiang Li" userId="6104bbfcb56aea79" providerId="LiveId" clId="{2CE6F3B1-AFEC-403E-A251-D5A89A7872DA}" dt="2020-12-09T23:03:17.031" v="23" actId="478"/>
+        <pc:inkChg chg="add del">
+          <ac:chgData name="Li Lixiang" userId="6104bbfcb56aea79" providerId="LiveId" clId="{195C821F-1926-4771-8AF3-DE34471BCA3B}" dt="2021-03-02T08:24:47.382" v="1337" actId="478"/>
+          <ac:inkMkLst>
+            <pc:docMk/>
+            <pc:sldMk cId="3363691834" sldId="273"/>
+            <ac:inkMk id="4" creationId="{363C64BF-BA4F-4528-9699-A73B96B29E62}"/>
+          </ac:inkMkLst>
+        </pc:inkChg>
+        <pc:inkChg chg="add mod">
+          <ac:chgData name="Li Lixiang" userId="6104bbfcb56aea79" providerId="LiveId" clId="{195C821F-1926-4771-8AF3-DE34471BCA3B}" dt="2021-02-18T08:36:06.757" v="1334"/>
+          <ac:inkMkLst>
+            <pc:docMk/>
+            <pc:sldMk cId="3363691834" sldId="273"/>
+            <ac:inkMk id="4" creationId="{6A6E8F62-4724-45FC-B8E6-C7F3086A93BA}"/>
+          </ac:inkMkLst>
+        </pc:inkChg>
+        <pc:inkChg chg="add mod">
+          <ac:chgData name="Li Lixiang" userId="6104bbfcb56aea79" providerId="LiveId" clId="{195C821F-1926-4771-8AF3-DE34471BCA3B}" dt="2021-02-18T08:36:06.757" v="1334"/>
+          <ac:inkMkLst>
+            <pc:docMk/>
+            <pc:sldMk cId="3363691834" sldId="273"/>
+            <ac:inkMk id="5" creationId="{31AA2D2D-4BAB-496A-A34E-1D989B73F4E5}"/>
+          </ac:inkMkLst>
+        </pc:inkChg>
+        <pc:inkChg chg="add mod">
+          <ac:chgData name="Li Lixiang" userId="6104bbfcb56aea79" providerId="LiveId" clId="{195C821F-1926-4771-8AF3-DE34471BCA3B}" dt="2021-02-18T08:36:06.757" v="1334"/>
+          <ac:inkMkLst>
+            <pc:docMk/>
+            <pc:sldMk cId="3363691834" sldId="273"/>
+            <ac:inkMk id="6" creationId="{AE63B066-B6A8-498B-9797-1F523D0C942D}"/>
+          </ac:inkMkLst>
+        </pc:inkChg>
+        <pc:inkChg chg="add mod">
+          <ac:chgData name="Li Lixiang" userId="6104bbfcb56aea79" providerId="LiveId" clId="{195C821F-1926-4771-8AF3-DE34471BCA3B}" dt="2021-02-18T08:36:06.757" v="1334"/>
+          <ac:inkMkLst>
+            <pc:docMk/>
+            <pc:sldMk cId="3363691834" sldId="273"/>
+            <ac:inkMk id="8" creationId="{FEA15D0C-80C7-45B4-A8BE-8D57ABDDD256}"/>
+          </ac:inkMkLst>
+        </pc:inkChg>
+        <pc:inkChg chg="add mod">
+          <ac:chgData name="Li Lixiang" userId="6104bbfcb56aea79" providerId="LiveId" clId="{195C821F-1926-4771-8AF3-DE34471BCA3B}" dt="2021-02-18T08:36:06.757" v="1334"/>
+          <ac:inkMkLst>
+            <pc:docMk/>
+            <pc:sldMk cId="3363691834" sldId="273"/>
+            <ac:inkMk id="9" creationId="{BFD4C135-42A3-43A6-927D-D8DDE44D005A}"/>
+          </ac:inkMkLst>
+        </pc:inkChg>
+        <pc:inkChg chg="add mod">
+          <ac:chgData name="Li Lixiang" userId="6104bbfcb56aea79" providerId="LiveId" clId="{195C821F-1926-4771-8AF3-DE34471BCA3B}" dt="2021-02-18T08:36:06.757" v="1334"/>
+          <ac:inkMkLst>
+            <pc:docMk/>
+            <pc:sldMk cId="3363691834" sldId="273"/>
+            <ac:inkMk id="10" creationId="{8E8D9F76-864C-4AC2-B55A-0E67C6E8AFBD}"/>
+          </ac:inkMkLst>
+        </pc:inkChg>
+        <pc:inkChg chg="add mod">
+          <ac:chgData name="Li Lixiang" userId="6104bbfcb56aea79" providerId="LiveId" clId="{195C821F-1926-4771-8AF3-DE34471BCA3B}" dt="2021-02-18T08:36:06.757" v="1334"/>
+          <ac:inkMkLst>
+            <pc:docMk/>
+            <pc:sldMk cId="3363691834" sldId="273"/>
+            <ac:inkMk id="11" creationId="{B962EFA2-2C25-49B6-99EF-B1C2C62C031C}"/>
+          </ac:inkMkLst>
+        </pc:inkChg>
+        <pc:inkChg chg="add mod">
+          <ac:chgData name="Li Lixiang" userId="6104bbfcb56aea79" providerId="LiveId" clId="{195C821F-1926-4771-8AF3-DE34471BCA3B}" dt="2021-02-18T08:36:06.757" v="1334"/>
+          <ac:inkMkLst>
+            <pc:docMk/>
+            <pc:sldMk cId="3363691834" sldId="273"/>
+            <ac:inkMk id="12" creationId="{6A26A69D-507C-4F73-9B26-B41034D69808}"/>
+          </ac:inkMkLst>
+        </pc:inkChg>
+        <pc:inkChg chg="add mod">
+          <ac:chgData name="Li Lixiang" userId="6104bbfcb56aea79" providerId="LiveId" clId="{195C821F-1926-4771-8AF3-DE34471BCA3B}" dt="2021-02-18T08:36:06.757" v="1334"/>
+          <ac:inkMkLst>
+            <pc:docMk/>
+            <pc:sldMk cId="3363691834" sldId="273"/>
+            <ac:inkMk id="13" creationId="{19954703-C256-470B-B8BD-ABB9352F94FE}"/>
+          </ac:inkMkLst>
+        </pc:inkChg>
+        <pc:inkChg chg="add mod">
+          <ac:chgData name="Li Lixiang" userId="6104bbfcb56aea79" providerId="LiveId" clId="{195C821F-1926-4771-8AF3-DE34471BCA3B}" dt="2021-02-18T08:36:06.757" v="1334"/>
+          <ac:inkMkLst>
+            <pc:docMk/>
+            <pc:sldMk cId="3363691834" sldId="273"/>
+            <ac:inkMk id="14" creationId="{62961DA8-97BB-470F-BB0C-9C8770AF4956}"/>
+          </ac:inkMkLst>
+        </pc:inkChg>
+        <pc:inkChg chg="add mod">
+          <ac:chgData name="Li Lixiang" userId="6104bbfcb56aea79" providerId="LiveId" clId="{195C821F-1926-4771-8AF3-DE34471BCA3B}" dt="2021-02-18T08:36:06.757" v="1334"/>
+          <ac:inkMkLst>
+            <pc:docMk/>
+            <pc:sldMk cId="3363691834" sldId="273"/>
+            <ac:inkMk id="15" creationId="{D93E9F0E-7CA4-45F8-9E19-4B8A851D8D57}"/>
+          </ac:inkMkLst>
+        </pc:inkChg>
+        <pc:inkChg chg="add mod">
+          <ac:chgData name="Li Lixiang" userId="6104bbfcb56aea79" providerId="LiveId" clId="{195C821F-1926-4771-8AF3-DE34471BCA3B}" dt="2021-02-18T08:36:06.757" v="1334"/>
+          <ac:inkMkLst>
+            <pc:docMk/>
+            <pc:sldMk cId="3363691834" sldId="273"/>
+            <ac:inkMk id="16" creationId="{96281312-CD78-4FCC-A8BF-D42ED3239AAB}"/>
+          </ac:inkMkLst>
+        </pc:inkChg>
+        <pc:inkChg chg="add mod">
+          <ac:chgData name="Li Lixiang" userId="6104bbfcb56aea79" providerId="LiveId" clId="{195C821F-1926-4771-8AF3-DE34471BCA3B}" dt="2021-02-18T08:36:06.757" v="1334"/>
+          <ac:inkMkLst>
+            <pc:docMk/>
+            <pc:sldMk cId="3363691834" sldId="273"/>
+            <ac:inkMk id="17" creationId="{E2A77390-FE99-4A8E-AFD5-D84350FF2696}"/>
+          </ac:inkMkLst>
+        </pc:inkChg>
+      </pc:sldChg>
+      <pc:sldChg chg="add">
+        <pc:chgData name="Li Lixiang" userId="6104bbfcb56aea79" providerId="LiveId" clId="{195C821F-1926-4771-8AF3-DE34471BCA3B}" dt="2021-03-04T06:21:58.700" v="1340"/>
+        <pc:sldMkLst>
+          <pc:docMk/>
+          <pc:sldMk cId="3705451296" sldId="276"/>
+        </pc:sldMkLst>
+      </pc:sldChg>
+      <pc:sldChg chg="add">
+        <pc:chgData name="Li Lixiang" userId="6104bbfcb56aea79" providerId="LiveId" clId="{195C821F-1926-4771-8AF3-DE34471BCA3B}" dt="2021-03-04T06:21:58.700" v="1340"/>
+        <pc:sldMkLst>
+          <pc:docMk/>
+          <pc:sldMk cId="236255252" sldId="277"/>
+        </pc:sldMkLst>
+      </pc:sldChg>
+      <pc:sldChg chg="addSp modSp add mod">
+        <pc:chgData name="Li Lixiang" userId="6104bbfcb56aea79" providerId="LiveId" clId="{195C821F-1926-4771-8AF3-DE34471BCA3B}" dt="2021-03-09T08:24:39.294" v="1481" actId="9405"/>
+        <pc:sldMkLst>
+          <pc:docMk/>
+          <pc:sldMk cId="3382715189" sldId="278"/>
+        </pc:sldMkLst>
+        <pc:spChg chg="mod">
+          <ac:chgData name="Li Lixiang" userId="6104bbfcb56aea79" providerId="LiveId" clId="{195C821F-1926-4771-8AF3-DE34471BCA3B}" dt="2021-03-09T08:23:34.131" v="1479" actId="20577"/>
+          <ac:spMkLst>
+            <pc:docMk/>
+            <pc:sldMk cId="3382715189" sldId="278"/>
+            <ac:spMk id="6" creationId="{EC7E49AC-AA90-4955-A874-01EA25A7FD1A}"/>
+          </ac:spMkLst>
+        </pc:spChg>
+        <pc:spChg chg="mod">
+          <ac:chgData name="Li Lixiang" userId="6104bbfcb56aea79" providerId="LiveId" clId="{195C821F-1926-4771-8AF3-DE34471BCA3B}" dt="2021-03-09T08:23:36.267" v="1480" actId="20577"/>
+          <ac:spMkLst>
+            <pc:docMk/>
+            <pc:sldMk cId="3382715189" sldId="278"/>
+            <ac:spMk id="20" creationId="{453F1D08-A157-46E4-848C-C4178F2EECC2}"/>
+          </ac:spMkLst>
+        </pc:spChg>
+        <pc:spChg chg="mod">
+          <ac:chgData name="Li Lixiang" userId="6104bbfcb56aea79" providerId="LiveId" clId="{195C821F-1926-4771-8AF3-DE34471BCA3B}" dt="2021-03-09T08:23:30.948" v="1478" actId="20577"/>
+          <ac:spMkLst>
+            <pc:docMk/>
+            <pc:sldMk cId="3382715189" sldId="278"/>
+            <ac:spMk id="26" creationId="{EEA3ADC2-BCDD-4416-9184-995966377ADD}"/>
+          </ac:spMkLst>
+        </pc:spChg>
+        <pc:inkChg chg="add">
+          <ac:chgData name="Li Lixiang" userId="6104bbfcb56aea79" providerId="LiveId" clId="{195C821F-1926-4771-8AF3-DE34471BCA3B}" dt="2021-03-09T08:24:39.294" v="1481" actId="9405"/>
+          <ac:inkMkLst>
+            <pc:docMk/>
+            <pc:sldMk cId="3382715189" sldId="278"/>
+            <ac:inkMk id="2" creationId="{2FBA5FE7-4846-4634-A0F9-60BA1D6CA186}"/>
+          </ac:inkMkLst>
+        </pc:inkChg>
+      </pc:sldChg>
+      <pc:sldChg chg="addSp modSp add mod">
+        <pc:chgData name="Li Lixiang" userId="6104bbfcb56aea79" providerId="LiveId" clId="{195C821F-1926-4771-8AF3-DE34471BCA3B}" dt="2021-03-09T07:27:37.304" v="1374" actId="14100"/>
+        <pc:sldMkLst>
+          <pc:docMk/>
+          <pc:sldMk cId="3644787234" sldId="279"/>
+        </pc:sldMkLst>
+        <pc:spChg chg="mod">
+          <ac:chgData name="Li Lixiang" userId="6104bbfcb56aea79" providerId="LiveId" clId="{195C821F-1926-4771-8AF3-DE34471BCA3B}" dt="2021-03-09T07:27:14.098" v="1366" actId="20577"/>
+          <ac:spMkLst>
+            <pc:docMk/>
+            <pc:sldMk cId="3644787234" sldId="279"/>
+            <ac:spMk id="12" creationId="{359852D0-62F3-449C-9A3C-37EDC2BA791D}"/>
+          </ac:spMkLst>
+        </pc:spChg>
+        <pc:cxnChg chg="add mod">
+          <ac:chgData name="Li Lixiang" userId="6104bbfcb56aea79" providerId="LiveId" clId="{195C821F-1926-4771-8AF3-DE34471BCA3B}" dt="2021-03-09T07:26:40.071" v="1345" actId="14100"/>
+          <ac:cxnSpMkLst>
+            <pc:docMk/>
+            <pc:sldMk cId="3644787234" sldId="279"/>
+            <ac:cxnSpMk id="28" creationId="{2644271E-D836-4B39-8748-161641279B52}"/>
+          </ac:cxnSpMkLst>
+        </pc:cxnChg>
+        <pc:cxnChg chg="mod">
+          <ac:chgData name="Li Lixiang" userId="6104bbfcb56aea79" providerId="LiveId" clId="{195C821F-1926-4771-8AF3-DE34471BCA3B}" dt="2021-03-09T07:27:37.304" v="1374" actId="14100"/>
+          <ac:cxnSpMkLst>
+            <pc:docMk/>
+            <pc:sldMk cId="3644787234" sldId="279"/>
+            <ac:cxnSpMk id="31" creationId="{0B326028-8702-4326-A1A6-5FE462B6BCE1}"/>
+          </ac:cxnSpMkLst>
+        </pc:cxnChg>
+        <pc:cxnChg chg="add mod">
+          <ac:chgData name="Li Lixiang" userId="6104bbfcb56aea79" providerId="LiveId" clId="{195C821F-1926-4771-8AF3-DE34471BCA3B}" dt="2021-03-09T07:27:06.397" v="1353" actId="14100"/>
+          <ac:cxnSpMkLst>
+            <pc:docMk/>
+            <pc:sldMk cId="3644787234" sldId="279"/>
+            <ac:cxnSpMk id="32" creationId="{06AADE20-D76E-4253-9764-732C4E45C766}"/>
+          </ac:cxnSpMkLst>
+        </pc:cxnChg>
+        <pc:cxnChg chg="add mod">
+          <ac:chgData name="Li Lixiang" userId="6104bbfcb56aea79" providerId="LiveId" clId="{195C821F-1926-4771-8AF3-DE34471BCA3B}" dt="2021-03-09T07:27:03.450" v="1352" actId="14100"/>
+          <ac:cxnSpMkLst>
+            <pc:docMk/>
+            <pc:sldMk cId="3644787234" sldId="279"/>
+            <ac:cxnSpMk id="34" creationId="{0DBA160D-623D-4D3C-96F4-2892396462DB}"/>
+          </ac:cxnSpMkLst>
+        </pc:cxnChg>
+        <pc:cxnChg chg="mod">
+          <ac:chgData name="Li Lixiang" userId="6104bbfcb56aea79" providerId="LiveId" clId="{195C821F-1926-4771-8AF3-DE34471BCA3B}" dt="2021-03-09T07:26:32.613" v="1342" actId="14100"/>
+          <ac:cxnSpMkLst>
+            <pc:docMk/>
+            <pc:sldMk cId="3644787234" sldId="279"/>
+            <ac:cxnSpMk id="35" creationId="{FD171C20-EAB2-402A-8E4E-E449D2250A04}"/>
+          </ac:cxnSpMkLst>
+        </pc:cxnChg>
+        <pc:cxnChg chg="add mod">
+          <ac:chgData name="Li Lixiang" userId="6104bbfcb56aea79" providerId="LiveId" clId="{195C821F-1926-4771-8AF3-DE34471BCA3B}" dt="2021-03-09T07:27:35.318" v="1373" actId="1076"/>
+          <ac:cxnSpMkLst>
+            <pc:docMk/>
+            <pc:sldMk cId="3644787234" sldId="279"/>
+            <ac:cxnSpMk id="38" creationId="{6F0B6288-9D7C-465D-8C0A-AC99D68095EB}"/>
+          </ac:cxnSpMkLst>
+        </pc:cxnChg>
+      </pc:sldChg>
+      <pc:sldChg chg="addSp modSp add mod">
+        <pc:chgData name="Li Lixiang" userId="6104bbfcb56aea79" providerId="LiveId" clId="{195C821F-1926-4771-8AF3-DE34471BCA3B}" dt="2021-03-09T07:28:35.151" v="1388" actId="1076"/>
+        <pc:sldMkLst>
+          <pc:docMk/>
+          <pc:sldMk cId="2458152062" sldId="280"/>
+        </pc:sldMkLst>
+        <pc:spChg chg="mod">
+          <ac:chgData name="Li Lixiang" userId="6104bbfcb56aea79" providerId="LiveId" clId="{195C821F-1926-4771-8AF3-DE34471BCA3B}" dt="2021-03-09T07:28:35.151" v="1388" actId="1076"/>
+          <ac:spMkLst>
+            <pc:docMk/>
+            <pc:sldMk cId="2458152062" sldId="280"/>
+            <ac:spMk id="13" creationId="{0EA72161-C1EA-40C0-8FAC-5C968E34C1C9}"/>
+          </ac:spMkLst>
+        </pc:spChg>
+        <pc:cxnChg chg="mod">
+          <ac:chgData name="Li Lixiang" userId="6104bbfcb56aea79" providerId="LiveId" clId="{195C821F-1926-4771-8AF3-DE34471BCA3B}" dt="2021-03-09T07:27:56.996" v="1375" actId="14100"/>
+          <ac:cxnSpMkLst>
+            <pc:docMk/>
+            <pc:sldMk cId="2458152062" sldId="280"/>
+            <ac:cxnSpMk id="26" creationId="{12617041-DC45-4440-BA90-FB7B34E7F8B0}"/>
+          </ac:cxnSpMkLst>
+        </pc:cxnChg>
+        <pc:cxnChg chg="add mod">
+          <ac:chgData name="Li Lixiang" userId="6104bbfcb56aea79" providerId="LiveId" clId="{195C821F-1926-4771-8AF3-DE34471BCA3B}" dt="2021-03-09T07:28:04.867" v="1378" actId="14100"/>
+          <ac:cxnSpMkLst>
+            <pc:docMk/>
+            <pc:sldMk cId="2458152062" sldId="280"/>
+            <ac:cxnSpMk id="28" creationId="{62707383-3601-4D0F-8D3A-295135011D27}"/>
+          </ac:cxnSpMkLst>
+        </pc:cxnChg>
+        <pc:cxnChg chg="add mod">
+          <ac:chgData name="Li Lixiang" userId="6104bbfcb56aea79" providerId="LiveId" clId="{195C821F-1926-4771-8AF3-DE34471BCA3B}" dt="2021-03-09T07:28:13.237" v="1381" actId="14100"/>
+          <ac:cxnSpMkLst>
+            <pc:docMk/>
+            <pc:sldMk cId="2458152062" sldId="280"/>
+            <ac:cxnSpMk id="29" creationId="{778E111C-279D-439B-8C20-F3FD6D8B6784}"/>
+          </ac:cxnSpMkLst>
+        </pc:cxnChg>
+        <pc:cxnChg chg="add mod">
+          <ac:chgData name="Li Lixiang" userId="6104bbfcb56aea79" providerId="LiveId" clId="{195C821F-1926-4771-8AF3-DE34471BCA3B}" dt="2021-03-09T07:28:21.235" v="1384" actId="14100"/>
+          <ac:cxnSpMkLst>
+            <pc:docMk/>
+            <pc:sldMk cId="2458152062" sldId="280"/>
+            <ac:cxnSpMk id="30" creationId="{A88D8729-0E30-4A32-9D34-CE8A509266F1}"/>
+          </ac:cxnSpMkLst>
+        </pc:cxnChg>
+        <pc:cxnChg chg="add mod">
+          <ac:chgData name="Li Lixiang" userId="6104bbfcb56aea79" providerId="LiveId" clId="{195C821F-1926-4771-8AF3-DE34471BCA3B}" dt="2021-03-09T07:28:28.361" v="1387" actId="14100"/>
+          <ac:cxnSpMkLst>
+            <pc:docMk/>
+            <pc:sldMk cId="2458152062" sldId="280"/>
+            <ac:cxnSpMk id="31" creationId="{10DDFD75-ABC1-44D7-9075-E2B336D7C793}"/>
+          </ac:cxnSpMkLst>
+        </pc:cxnChg>
+      </pc:sldChg>
+      <pc:sldChg chg="addSp delSp modSp add mod">
+        <pc:chgData name="Li Lixiang" userId="6104bbfcb56aea79" providerId="LiveId" clId="{195C821F-1926-4771-8AF3-DE34471BCA3B}" dt="2021-03-09T08:57:17.039" v="1530" actId="1076"/>
+        <pc:sldMkLst>
+          <pc:docMk/>
+          <pc:sldMk cId="285537872" sldId="281"/>
+        </pc:sldMkLst>
+        <pc:spChg chg="mod">
+          <ac:chgData name="Li Lixiang" userId="6104bbfcb56aea79" providerId="LiveId" clId="{195C821F-1926-4771-8AF3-DE34471BCA3B}" dt="2021-03-09T07:29:25.066" v="1393" actId="1076"/>
+          <ac:spMkLst>
+            <pc:docMk/>
+            <pc:sldMk cId="285537872" sldId="281"/>
+            <ac:spMk id="6" creationId="{FC0D0CCC-2669-4BEA-A601-191B398B36E1}"/>
+          </ac:spMkLst>
+        </pc:spChg>
+        <pc:spChg chg="mod">
+          <ac:chgData name="Li Lixiang" userId="6104bbfcb56aea79" providerId="LiveId" clId="{195C821F-1926-4771-8AF3-DE34471BCA3B}" dt="2021-03-09T07:29:25.066" v="1393" actId="1076"/>
+          <ac:spMkLst>
+            <pc:docMk/>
+            <pc:sldMk cId="285537872" sldId="281"/>
+            <ac:spMk id="7" creationId="{A746A457-C064-4608-A75D-14BEAD167399}"/>
+          </ac:spMkLst>
+        </pc:spChg>
+        <pc:spChg chg="mod">
+          <ac:chgData name="Li Lixiang" userId="6104bbfcb56aea79" providerId="LiveId" clId="{195C821F-1926-4771-8AF3-DE34471BCA3B}" dt="2021-03-09T07:29:25.066" v="1393" actId="1076"/>
+          <ac:spMkLst>
+            <pc:docMk/>
+            <pc:sldMk cId="285537872" sldId="281"/>
+            <ac:spMk id="8" creationId="{9212197E-F0EC-40DC-B152-B3FF50CD06A2}"/>
+          </ac:spMkLst>
+        </pc:spChg>
+        <pc:spChg chg="mod">
+          <ac:chgData name="Li Lixiang" userId="6104bbfcb56aea79" providerId="LiveId" clId="{195C821F-1926-4771-8AF3-DE34471BCA3B}" dt="2021-03-09T07:30:27.952" v="1428" actId="20577"/>
+          <ac:spMkLst>
+            <pc:docMk/>
+            <pc:sldMk cId="285537872" sldId="281"/>
+            <ac:spMk id="9" creationId="{30257987-5DAD-4BA9-A19E-34AE3588C3FA}"/>
+          </ac:spMkLst>
+        </pc:spChg>
+        <pc:spChg chg="mod">
+          <ac:chgData name="Li Lixiang" userId="6104bbfcb56aea79" providerId="LiveId" clId="{195C821F-1926-4771-8AF3-DE34471BCA3B}" dt="2021-03-09T07:29:25.066" v="1393" actId="1076"/>
+          <ac:spMkLst>
+            <pc:docMk/>
+            <pc:sldMk cId="285537872" sldId="281"/>
+            <ac:spMk id="12" creationId="{F3D6C0E8-2A0F-474F-AB5C-1591CE9F7BA4}"/>
+          </ac:spMkLst>
+        </pc:spChg>
+        <pc:spChg chg="mod">
+          <ac:chgData name="Li Lixiang" userId="6104bbfcb56aea79" providerId="LiveId" clId="{195C821F-1926-4771-8AF3-DE34471BCA3B}" dt="2021-03-09T07:29:25.066" v="1393" actId="1076"/>
+          <ac:spMkLst>
+            <pc:docMk/>
+            <pc:sldMk cId="285537872" sldId="281"/>
+            <ac:spMk id="13" creationId="{BD5B4E6B-DF6F-4677-8F67-77480FEF4F81}"/>
+          </ac:spMkLst>
+        </pc:spChg>
+        <pc:spChg chg="mod">
+          <ac:chgData name="Li Lixiang" userId="6104bbfcb56aea79" providerId="LiveId" clId="{195C821F-1926-4771-8AF3-DE34471BCA3B}" dt="2021-03-09T08:56:23.325" v="1515" actId="1035"/>
+          <ac:spMkLst>
+            <pc:docMk/>
+            <pc:sldMk cId="285537872" sldId="281"/>
+            <ac:spMk id="15" creationId="{5958AB10-02A6-4C5A-8A2B-B02B08F72D77}"/>
+          </ac:spMkLst>
+        </pc:spChg>
+        <pc:spChg chg="mod">
+          <ac:chgData name="Li Lixiang" userId="6104bbfcb56aea79" providerId="LiveId" clId="{195C821F-1926-4771-8AF3-DE34471BCA3B}" dt="2021-03-09T08:56:23.325" v="1515" actId="1035"/>
+          <ac:spMkLst>
+            <pc:docMk/>
+            <pc:sldMk cId="285537872" sldId="281"/>
+            <ac:spMk id="16" creationId="{FAC802A5-0CD8-4EF7-AE34-50E9AB57E124}"/>
+          </ac:spMkLst>
+        </pc:spChg>
+        <pc:spChg chg="mod">
+          <ac:chgData name="Li Lixiang" userId="6104bbfcb56aea79" providerId="LiveId" clId="{195C821F-1926-4771-8AF3-DE34471BCA3B}" dt="2021-03-09T08:56:16.164" v="1487" actId="1076"/>
+          <ac:spMkLst>
+            <pc:docMk/>
+            <pc:sldMk cId="285537872" sldId="281"/>
+            <ac:spMk id="22" creationId="{EAA6405C-ED05-4EDD-B178-DC8CC115F19E}"/>
+          </ac:spMkLst>
+        </pc:spChg>
+        <pc:spChg chg="mod">
+          <ac:chgData name="Li Lixiang" userId="6104bbfcb56aea79" providerId="LiveId" clId="{195C821F-1926-4771-8AF3-DE34471BCA3B}" dt="2021-03-09T08:56:16.164" v="1487" actId="1076"/>
+          <ac:spMkLst>
+            <pc:docMk/>
+            <pc:sldMk cId="285537872" sldId="281"/>
+            <ac:spMk id="23" creationId="{5B6C7A4B-5BA3-443E-9E9E-C0611BF48403}"/>
+          </ac:spMkLst>
+        </pc:spChg>
+        <pc:spChg chg="mod">
+          <ac:chgData name="Li Lixiang" userId="6104bbfcb56aea79" providerId="LiveId" clId="{195C821F-1926-4771-8AF3-DE34471BCA3B}" dt="2021-03-09T07:29:25.066" v="1393" actId="1076"/>
+          <ac:spMkLst>
+            <pc:docMk/>
+            <pc:sldMk cId="285537872" sldId="281"/>
+            <ac:spMk id="25" creationId="{09B7A4DE-2355-4DD5-BCF8-A15F6CFBF7C2}"/>
+          </ac:spMkLst>
+        </pc:spChg>
+        <pc:spChg chg="mod">
+          <ac:chgData name="Li Lixiang" userId="6104bbfcb56aea79" providerId="LiveId" clId="{195C821F-1926-4771-8AF3-DE34471BCA3B}" dt="2021-03-09T08:55:52.317" v="1482" actId="1076"/>
+          <ac:spMkLst>
+            <pc:docMk/>
+            <pc:sldMk cId="285537872" sldId="281"/>
+            <ac:spMk id="26" creationId="{6AAF631B-B978-44F0-B1E3-3DBFEF31F077}"/>
+          </ac:spMkLst>
+        </pc:spChg>
+        <pc:spChg chg="mod">
+          <ac:chgData name="Li Lixiang" userId="6104bbfcb56aea79" providerId="LiveId" clId="{195C821F-1926-4771-8AF3-DE34471BCA3B}" dt="2021-03-09T08:56:08.008" v="1485" actId="1076"/>
+          <ac:spMkLst>
+            <pc:docMk/>
+            <pc:sldMk cId="285537872" sldId="281"/>
+            <ac:spMk id="34" creationId="{F6621DD6-D25D-44E1-A83A-F2563D1E2B38}"/>
+          </ac:spMkLst>
+        </pc:spChg>
+        <pc:cxnChg chg="mod">
+          <ac:chgData name="Li Lixiang" userId="6104bbfcb56aea79" providerId="LiveId" clId="{195C821F-1926-4771-8AF3-DE34471BCA3B}" dt="2021-03-09T07:29:25.066" v="1393" actId="1076"/>
+          <ac:cxnSpMkLst>
+            <pc:docMk/>
+            <pc:sldMk cId="285537872" sldId="281"/>
+            <ac:cxnSpMk id="5" creationId="{8325B56B-D1AC-4695-8640-7C03829625A6}"/>
+          </ac:cxnSpMkLst>
+        </pc:cxnChg>
+        <pc:cxnChg chg="mod">
+          <ac:chgData name="Li Lixiang" userId="6104bbfcb56aea79" providerId="LiveId" clId="{195C821F-1926-4771-8AF3-DE34471BCA3B}" dt="2021-03-09T07:29:25.066" v="1393" actId="1076"/>
+          <ac:cxnSpMkLst>
+            <pc:docMk/>
+            <pc:sldMk cId="285537872" sldId="281"/>
+            <ac:cxnSpMk id="10" creationId="{9ED289DF-696E-4540-A9FF-9E633C550570}"/>
+          </ac:cxnSpMkLst>
+        </pc:cxnChg>
+        <pc:cxnChg chg="mod">
+          <ac:chgData name="Li Lixiang" userId="6104bbfcb56aea79" providerId="LiveId" clId="{195C821F-1926-4771-8AF3-DE34471BCA3B}" dt="2021-03-09T07:29:25.066" v="1393" actId="1076"/>
+          <ac:cxnSpMkLst>
+            <pc:docMk/>
+            <pc:sldMk cId="285537872" sldId="281"/>
+            <ac:cxnSpMk id="11" creationId="{98082AB3-1EB6-4C6B-A40F-107875C4A3D6}"/>
+          </ac:cxnSpMkLst>
+        </pc:cxnChg>
+        <pc:cxnChg chg="mod">
+          <ac:chgData name="Li Lixiang" userId="6104bbfcb56aea79" providerId="LiveId" clId="{195C821F-1926-4771-8AF3-DE34471BCA3B}" dt="2021-03-09T08:56:40.624" v="1519" actId="14100"/>
+          <ac:cxnSpMkLst>
+            <pc:docMk/>
+            <pc:sldMk cId="285537872" sldId="281"/>
+            <ac:cxnSpMk id="14" creationId="{11A77050-2D33-45BB-B660-851CB91A6836}"/>
+          </ac:cxnSpMkLst>
+        </pc:cxnChg>
+        <pc:cxnChg chg="mod">
+          <ac:chgData name="Li Lixiang" userId="6104bbfcb56aea79" providerId="LiveId" clId="{195C821F-1926-4771-8AF3-DE34471BCA3B}" dt="2021-03-09T08:57:06.972" v="1527" actId="14100"/>
+          <ac:cxnSpMkLst>
+            <pc:docMk/>
+            <pc:sldMk cId="285537872" sldId="281"/>
+            <ac:cxnSpMk id="17" creationId="{04E85CB1-8137-4003-A3F8-FCF9B3009718}"/>
+          </ac:cxnSpMkLst>
+        </pc:cxnChg>
+        <pc:cxnChg chg="mod">
+          <ac:chgData name="Li Lixiang" userId="6104bbfcb56aea79" providerId="LiveId" clId="{195C821F-1926-4771-8AF3-DE34471BCA3B}" dt="2021-03-09T08:57:09.137" v="1528" actId="1076"/>
+          <ac:cxnSpMkLst>
+            <pc:docMk/>
+            <pc:sldMk cId="285537872" sldId="281"/>
+            <ac:cxnSpMk id="18" creationId="{314FB4ED-227F-4BBB-A0D5-56128173FE68}"/>
+          </ac:cxnSpMkLst>
+        </pc:cxnChg>
+        <pc:cxnChg chg="mod">
+          <ac:chgData name="Li Lixiang" userId="6104bbfcb56aea79" providerId="LiveId" clId="{195C821F-1926-4771-8AF3-DE34471BCA3B}" dt="2021-03-09T08:56:59.148" v="1525" actId="14100"/>
+          <ac:cxnSpMkLst>
+            <pc:docMk/>
+            <pc:sldMk cId="285537872" sldId="281"/>
+            <ac:cxnSpMk id="27" creationId="{D06EBD9A-3D81-41A2-BB4F-1A70BCF60EB0}"/>
+          </ac:cxnSpMkLst>
+        </pc:cxnChg>
+        <pc:cxnChg chg="add mod">
+          <ac:chgData name="Li Lixiang" userId="6104bbfcb56aea79" providerId="LiveId" clId="{195C821F-1926-4771-8AF3-DE34471BCA3B}" dt="2021-03-09T08:57:03.211" v="1526" actId="14100"/>
+          <ac:cxnSpMkLst>
+            <pc:docMk/>
+            <pc:sldMk cId="285537872" sldId="281"/>
+            <ac:cxnSpMk id="28" creationId="{B772D5BB-1828-4E84-96C2-22401232B89E}"/>
+          </ac:cxnSpMkLst>
+        </pc:cxnChg>
+        <pc:cxnChg chg="mod">
+          <ac:chgData name="Li Lixiang" userId="6104bbfcb56aea79" providerId="LiveId" clId="{195C821F-1926-4771-8AF3-DE34471BCA3B}" dt="2021-03-09T08:56:52.790" v="1523" actId="1076"/>
+          <ac:cxnSpMkLst>
+            <pc:docMk/>
+            <pc:sldMk cId="285537872" sldId="281"/>
+            <ac:cxnSpMk id="30" creationId="{12048B38-71EC-4D93-BF08-D0AFA8091354}"/>
+          </ac:cxnSpMkLst>
+        </pc:cxnChg>
+        <pc:cxnChg chg="add mod">
+          <ac:chgData name="Li Lixiang" userId="6104bbfcb56aea79" providerId="LiveId" clId="{195C821F-1926-4771-8AF3-DE34471BCA3B}" dt="2021-03-09T07:29:46.878" v="1401" actId="14100"/>
+          <ac:cxnSpMkLst>
+            <pc:docMk/>
+            <pc:sldMk cId="285537872" sldId="281"/>
+            <ac:cxnSpMk id="31" creationId="{53E443F1-F449-411D-BCD0-DD7FEDA204AD}"/>
+          </ac:cxnSpMkLst>
+        </pc:cxnChg>
+        <pc:cxnChg chg="mod">
+          <ac:chgData name="Li Lixiang" userId="6104bbfcb56aea79" providerId="LiveId" clId="{195C821F-1926-4771-8AF3-DE34471BCA3B}" dt="2021-03-09T07:29:25.066" v="1393" actId="1076"/>
+          <ac:cxnSpMkLst>
+            <pc:docMk/>
+            <pc:sldMk cId="285537872" sldId="281"/>
+            <ac:cxnSpMk id="35" creationId="{D43F7C11-7FB4-44A3-9FEF-D23988968543}"/>
+          </ac:cxnSpMkLst>
+        </pc:cxnChg>
+        <pc:cxnChg chg="mod">
+          <ac:chgData name="Li Lixiang" userId="6104bbfcb56aea79" providerId="LiveId" clId="{195C821F-1926-4771-8AF3-DE34471BCA3B}" dt="2021-03-09T08:56:36.396" v="1518" actId="14100"/>
+          <ac:cxnSpMkLst>
+            <pc:docMk/>
+            <pc:sldMk cId="285537872" sldId="281"/>
+            <ac:cxnSpMk id="37" creationId="{C57E4C2F-39B9-4760-BBF8-151F3595360B}"/>
+          </ac:cxnSpMkLst>
+        </pc:cxnChg>
+        <pc:cxnChg chg="add mod">
+          <ac:chgData name="Li Lixiang" userId="6104bbfcb56aea79" providerId="LiveId" clId="{195C821F-1926-4771-8AF3-DE34471BCA3B}" dt="2021-03-09T08:57:17.039" v="1530" actId="1076"/>
+          <ac:cxnSpMkLst>
+            <pc:docMk/>
+            <pc:sldMk cId="285537872" sldId="281"/>
+            <ac:cxnSpMk id="38" creationId="{C415907B-D1F5-4495-921A-9F0CBAC202B7}"/>
+          </ac:cxnSpMkLst>
+        </pc:cxnChg>
+        <pc:cxnChg chg="del mod">
+          <ac:chgData name="Li Lixiang" userId="6104bbfcb56aea79" providerId="LiveId" clId="{195C821F-1926-4771-8AF3-DE34471BCA3B}" dt="2021-03-09T07:29:59.876" v="1404" actId="478"/>
+          <ac:cxnSpMkLst>
+            <pc:docMk/>
+            <pc:sldMk cId="285537872" sldId="281"/>
+            <ac:cxnSpMk id="39" creationId="{90CD62E6-DAB2-4904-BC5C-AE6EF319F7FD}"/>
+          </ac:cxnSpMkLst>
+        </pc:cxnChg>
+      </pc:sldChg>
+      <pc:sldChg chg="addSp modSp add mod">
+        <pc:chgData name="Li Lixiang" userId="6104bbfcb56aea79" providerId="LiveId" clId="{195C821F-1926-4771-8AF3-DE34471BCA3B}" dt="2021-03-09T07:32:05.458" v="1476" actId="14100"/>
+        <pc:sldMkLst>
+          <pc:docMk/>
+          <pc:sldMk cId="1892396108" sldId="282"/>
+        </pc:sldMkLst>
+        <pc:spChg chg="mod">
+          <ac:chgData name="Li Lixiang" userId="6104bbfcb56aea79" providerId="LiveId" clId="{195C821F-1926-4771-8AF3-DE34471BCA3B}" dt="2021-03-09T07:30:38.353" v="1448" actId="20577"/>
+          <ac:spMkLst>
+            <pc:docMk/>
+            <pc:sldMk cId="1892396108" sldId="282"/>
+            <ac:spMk id="5" creationId="{D94FFDDE-535E-4D07-B182-BD631BF44496}"/>
+          </ac:spMkLst>
+        </pc:spChg>
+        <pc:spChg chg="mod">
+          <ac:chgData name="Li Lixiang" userId="6104bbfcb56aea79" providerId="LiveId" clId="{195C821F-1926-4771-8AF3-DE34471BCA3B}" dt="2021-03-09T07:31:54.206" v="1471" actId="1036"/>
+          <ac:spMkLst>
+            <pc:docMk/>
+            <pc:sldMk cId="1892396108" sldId="282"/>
+            <ac:spMk id="15" creationId="{AC59B6B3-C02F-4BD0-9A4C-15B6C4436BE5}"/>
+          </ac:spMkLst>
+        </pc:spChg>
+        <pc:spChg chg="mod">
+          <ac:chgData name="Li Lixiang" userId="6104bbfcb56aea79" providerId="LiveId" clId="{195C821F-1926-4771-8AF3-DE34471BCA3B}" dt="2021-03-09T07:31:54.206" v="1471" actId="1036"/>
+          <ac:spMkLst>
+            <pc:docMk/>
+            <pc:sldMk cId="1892396108" sldId="282"/>
+            <ac:spMk id="16" creationId="{F64131FC-0923-4D66-9833-72B2FCF513AB}"/>
+          </ac:spMkLst>
+        </pc:spChg>
+        <pc:cxnChg chg="mod">
+          <ac:chgData name="Li Lixiang" userId="6104bbfcb56aea79" providerId="LiveId" clId="{195C821F-1926-4771-8AF3-DE34471BCA3B}" dt="2021-03-09T07:31:56.684" v="1472" actId="14100"/>
+          <ac:cxnSpMkLst>
+            <pc:docMk/>
+            <pc:sldMk cId="1892396108" sldId="282"/>
+            <ac:cxnSpMk id="14" creationId="{9441F248-E968-4E40-9E77-CF1CB29F3067}"/>
+          </ac:cxnSpMkLst>
+        </pc:cxnChg>
+        <pc:cxnChg chg="mod">
+          <ac:chgData name="Li Lixiang" userId="6104bbfcb56aea79" providerId="LiveId" clId="{195C821F-1926-4771-8AF3-DE34471BCA3B}" dt="2021-03-09T07:31:59.185" v="1473" actId="1076"/>
+          <ac:cxnSpMkLst>
+            <pc:docMk/>
+            <pc:sldMk cId="1892396108" sldId="282"/>
+            <ac:cxnSpMk id="17" creationId="{AFB67960-98DE-4EA6-8FF5-1D3649D95746}"/>
+          </ac:cxnSpMkLst>
+        </pc:cxnChg>
+        <pc:cxnChg chg="mod">
+          <ac:chgData name="Li Lixiang" userId="6104bbfcb56aea79" providerId="LiveId" clId="{195C821F-1926-4771-8AF3-DE34471BCA3B}" dt="2021-03-09T07:31:33.020" v="1451" actId="14100"/>
+          <ac:cxnSpMkLst>
+            <pc:docMk/>
+            <pc:sldMk cId="1892396108" sldId="282"/>
+            <ac:cxnSpMk id="18" creationId="{CA38E5EA-9BA7-4219-90E4-9BCB71450CEB}"/>
+          </ac:cxnSpMkLst>
+        </pc:cxnChg>
+        <pc:cxnChg chg="add mod">
+          <ac:chgData name="Li Lixiang" userId="6104bbfcb56aea79" providerId="LiveId" clId="{195C821F-1926-4771-8AF3-DE34471BCA3B}" dt="2021-03-09T07:31:48.086" v="1456" actId="14100"/>
+          <ac:cxnSpMkLst>
+            <pc:docMk/>
+            <pc:sldMk cId="1892396108" sldId="282"/>
+            <ac:cxnSpMk id="29" creationId="{BF356109-5CBD-45B5-B8BC-CCFBEE083AF4}"/>
+          </ac:cxnSpMkLst>
+        </pc:cxnChg>
+        <pc:cxnChg chg="add mod">
+          <ac:chgData name="Li Lixiang" userId="6104bbfcb56aea79" providerId="LiveId" clId="{195C821F-1926-4771-8AF3-DE34471BCA3B}" dt="2021-03-09T07:32:05.458" v="1476" actId="14100"/>
+          <ac:cxnSpMkLst>
+            <pc:docMk/>
+            <pc:sldMk cId="1892396108" sldId="282"/>
+            <ac:cxnSpMk id="34" creationId="{BC1BEA40-776B-4C96-A76E-DC0F971EF9E9}"/>
+          </ac:cxnSpMkLst>
+        </pc:cxnChg>
+      </pc:sldChg>
+      <pc:sldChg chg="addSp modSp new mod">
+        <pc:chgData name="Li Lixiang" userId="6104bbfcb56aea79" providerId="LiveId" clId="{195C821F-1926-4771-8AF3-DE34471BCA3B}" dt="2021-04-21T11:48:17.938" v="1798" actId="20577"/>
+        <pc:sldMkLst>
+          <pc:docMk/>
+          <pc:sldMk cId="669132949" sldId="283"/>
+        </pc:sldMkLst>
+        <pc:spChg chg="mod">
+          <ac:chgData name="Li Lixiang" userId="6104bbfcb56aea79" providerId="LiveId" clId="{195C821F-1926-4771-8AF3-DE34471BCA3B}" dt="2021-04-21T11:36:36.373" v="1597" actId="20577"/>
+          <ac:spMkLst>
+            <pc:docMk/>
+            <pc:sldMk cId="669132949" sldId="283"/>
+            <ac:spMk id="2" creationId="{14EFA843-92B7-4487-8339-8E373E6C34B3}"/>
+          </ac:spMkLst>
+        </pc:spChg>
+        <pc:spChg chg="mod">
+          <ac:chgData name="Li Lixiang" userId="6104bbfcb56aea79" providerId="LiveId" clId="{195C821F-1926-4771-8AF3-DE34471BCA3B}" dt="2021-04-21T11:48:17.938" v="1798" actId="20577"/>
+          <ac:spMkLst>
+            <pc:docMk/>
+            <pc:sldMk cId="669132949" sldId="283"/>
+            <ac:spMk id="3" creationId="{A2885D93-780F-42B8-9741-8CE90F391413}"/>
+          </ac:spMkLst>
+        </pc:spChg>
+        <pc:picChg chg="add mod">
+          <ac:chgData name="Li Lixiang" userId="6104bbfcb56aea79" providerId="LiveId" clId="{195C821F-1926-4771-8AF3-DE34471BCA3B}" dt="2021-04-21T11:47:59.782" v="1790" actId="1076"/>
           <ac:picMkLst>
             <pc:docMk/>
-            <pc:sldMk cId="2148867391" sldId="261"/>
-            <ac:picMk id="13" creationId="{68ED13C4-3D7B-4777-B195-0214999EB535}"/>
+            <pc:sldMk cId="669132949" sldId="283"/>
+            <ac:picMk id="5" creationId="{2914B5C8-9E72-45D8-95C5-FD2BA37DF8C0}"/>
           </ac:picMkLst>
         </pc:picChg>
       </pc:sldChg>
-      <pc:sldChg chg="modSp add">
-        <pc:chgData name="Lixiang Li" userId="6104bbfcb56aea79" providerId="LiveId" clId="{2CE6F3B1-AFEC-403E-A251-D5A89A7872DA}" dt="2020-12-12T23:06:44.333" v="1496" actId="20577"/>
+      <pc:sldChg chg="addSp delSp modSp add mod">
+        <pc:chgData name="Li Lixiang" userId="6104bbfcb56aea79" providerId="LiveId" clId="{195C821F-1926-4771-8AF3-DE34471BCA3B}" dt="2021-04-21T11:57:25.193" v="2223" actId="20577"/>
         <pc:sldMkLst>
           <pc:docMk/>
-          <pc:sldMk cId="2222432816" sldId="262"/>
+          <pc:sldMk cId="2287529749" sldId="284"/>
         </pc:sldMkLst>
         <pc:spChg chg="mod">
-          <ac:chgData name="Lixiang Li" userId="6104bbfcb56aea79" providerId="LiveId" clId="{2CE6F3B1-AFEC-403E-A251-D5A89A7872DA}" dt="2020-12-12T23:06:44.333" v="1496" actId="20577"/>
+          <ac:chgData name="Li Lixiang" userId="6104bbfcb56aea79" providerId="LiveId" clId="{195C821F-1926-4771-8AF3-DE34471BCA3B}" dt="2021-04-21T11:49:41.970" v="1818" actId="20577"/>
           <ac:spMkLst>
             <pc:docMk/>
-            <pc:sldMk cId="2222432816" sldId="262"/>
+            <pc:sldMk cId="2287529749" sldId="284"/>
             <ac:spMk id="2" creationId="{5EC01E2D-9CFE-4D5D-8863-3BA90731F07B}"/>
           </ac:spMkLst>
         </pc:spChg>
         <pc:spChg chg="mod">
-          <ac:chgData name="Lixiang Li" userId="6104bbfcb56aea79" providerId="LiveId" clId="{2CE6F3B1-AFEC-403E-A251-D5A89A7872DA}" dt="2020-12-11T13:02:51.339" v="1430" actId="20577"/>
+          <ac:chgData name="Li Lixiang" userId="6104bbfcb56aea79" providerId="LiveId" clId="{195C821F-1926-4771-8AF3-DE34471BCA3B}" dt="2021-04-21T11:57:25.193" v="2223" actId="20577"/>
           <ac:spMkLst>
             <pc:docMk/>
-            <pc:sldMk cId="2222432816" sldId="262"/>
-            <ac:spMk id="5" creationId="{24C6C14A-404A-46CC-BBB2-888A7B4B7C1A}"/>
+            <pc:sldMk cId="2287529749" sldId="284"/>
+            <ac:spMk id="3" creationId="{7060439F-2729-478E-B95F-230482B50AA1}"/>
           </ac:spMkLst>
         </pc:spChg>
-      </pc:sldChg>
-      <pc:sldChg chg="addSp modSp add ord">
-        <pc:chgData name="Lixiang Li" userId="6104bbfcb56aea79" providerId="LiveId" clId="{2CE6F3B1-AFEC-403E-A251-D5A89A7872DA}" dt="2020-12-13T01:53:51.157" v="2206" actId="1036"/>
-        <pc:sldMkLst>
-          <pc:docMk/>
-          <pc:sldMk cId="3957381771" sldId="263"/>
-        </pc:sldMkLst>
-        <pc:spChg chg="add mod">
-          <ac:chgData name="Lixiang Li" userId="6104bbfcb56aea79" providerId="LiveId" clId="{2CE6F3B1-AFEC-403E-A251-D5A89A7872DA}" dt="2020-12-13T01:52:40.999" v="1926" actId="1076"/>
-          <ac:spMkLst>
-            <pc:docMk/>
-            <pc:sldMk cId="3957381771" sldId="263"/>
-            <ac:spMk id="4" creationId="{42B4B2D1-5C3D-4C3D-9D41-ADE902E53137}"/>
-          </ac:spMkLst>
-        </pc:spChg>
-        <pc:spChg chg="mod">
-          <ac:chgData name="Lixiang Li" userId="6104bbfcb56aea79" providerId="LiveId" clId="{2CE6F3B1-AFEC-403E-A251-D5A89A7872DA}" dt="2020-12-13T01:52:48.881" v="1929" actId="14100"/>
-          <ac:spMkLst>
-            <pc:docMk/>
-            <pc:sldMk cId="3957381771" sldId="263"/>
-            <ac:spMk id="5" creationId="{24C6C14A-404A-46CC-BBB2-888A7B4B7C1A}"/>
-          </ac:spMkLst>
-        </pc:spChg>
-        <pc:spChg chg="add mod">
-          <ac:chgData name="Lixiang Li" userId="6104bbfcb56aea79" providerId="LiveId" clId="{2CE6F3B1-AFEC-403E-A251-D5A89A7872DA}" dt="2020-12-13T01:53:51.157" v="2206" actId="1036"/>
-          <ac:spMkLst>
-            <pc:docMk/>
-            <pc:sldMk cId="3957381771" sldId="263"/>
-            <ac:spMk id="8" creationId="{2591EF92-2BC2-453C-AE10-E7EA1FBB0758}"/>
-          </ac:spMkLst>
-        </pc:spChg>
-        <pc:graphicFrameChg chg="add mod">
-          <ac:chgData name="Lixiang Li" userId="6104bbfcb56aea79" providerId="LiveId" clId="{2CE6F3B1-AFEC-403E-A251-D5A89A7872DA}" dt="2020-12-13T01:52:44.330" v="1927" actId="1076"/>
-          <ac:graphicFrameMkLst>
-            <pc:docMk/>
-            <pc:sldMk cId="3957381771" sldId="263"/>
-            <ac:graphicFrameMk id="3" creationId="{7DA18F9D-C006-4166-B205-D7B35D668CB9}"/>
-          </ac:graphicFrameMkLst>
-        </pc:graphicFrameChg>
-        <pc:graphicFrameChg chg="add mod">
-          <ac:chgData name="Lixiang Li" userId="6104bbfcb56aea79" providerId="LiveId" clId="{2CE6F3B1-AFEC-403E-A251-D5A89A7872DA}" dt="2020-12-13T01:52:40.999" v="1926" actId="1076"/>
-          <ac:graphicFrameMkLst>
-            <pc:docMk/>
-            <pc:sldMk cId="3957381771" sldId="263"/>
-            <ac:graphicFrameMk id="6" creationId="{374DFA12-6158-4BE8-9A6C-CEF6E24771E3}"/>
-          </ac:graphicFrameMkLst>
-        </pc:graphicFrameChg>
-        <pc:graphicFrameChg chg="add mod">
-          <ac:chgData name="Lixiang Li" userId="6104bbfcb56aea79" providerId="LiveId" clId="{2CE6F3B1-AFEC-403E-A251-D5A89A7872DA}" dt="2020-12-13T01:52:40.999" v="1926" actId="1076"/>
-          <ac:graphicFrameMkLst>
-            <pc:docMk/>
-            <pc:sldMk cId="3957381771" sldId="263"/>
-            <ac:graphicFrameMk id="7" creationId="{2C31C464-B89D-457F-8317-34D7C44C4E28}"/>
-          </ac:graphicFrameMkLst>
-        </pc:graphicFrameChg>
-      </pc:sldChg>
-      <pc:sldChg chg="modSp add">
-        <pc:chgData name="Lixiang Li" userId="6104bbfcb56aea79" providerId="LiveId" clId="{2CE6F3B1-AFEC-403E-A251-D5A89A7872DA}" dt="2020-12-13T20:17:13.728" v="2551" actId="20577"/>
-        <pc:sldMkLst>
-          <pc:docMk/>
-          <pc:sldMk cId="753221471" sldId="264"/>
-        </pc:sldMkLst>
-        <pc:spChg chg="mod">
-          <ac:chgData name="Lixiang Li" userId="6104bbfcb56aea79" providerId="LiveId" clId="{2CE6F3B1-AFEC-403E-A251-D5A89A7872DA}" dt="2020-12-13T20:15:23.897" v="2260" actId="20577"/>
-          <ac:spMkLst>
-            <pc:docMk/>
-            <pc:sldMk cId="753221471" sldId="264"/>
-            <ac:spMk id="2" creationId="{AFD5830E-5CE7-4FE5-9D60-0BE3A2A2D315}"/>
-          </ac:spMkLst>
-        </pc:spChg>
-        <pc:spChg chg="mod">
-          <ac:chgData name="Lixiang Li" userId="6104bbfcb56aea79" providerId="LiveId" clId="{2CE6F3B1-AFEC-403E-A251-D5A89A7872DA}" dt="2020-12-13T20:17:13.728" v="2551" actId="20577"/>
-          <ac:spMkLst>
-            <pc:docMk/>
-            <pc:sldMk cId="753221471" sldId="264"/>
-            <ac:spMk id="3" creationId="{565849A6-BD79-4075-97FF-2729875645FE}"/>
-          </ac:spMkLst>
-        </pc:spChg>
-      </pc:sldChg>
-      <pc:sldMasterChg chg="modSp modSldLayout">
-        <pc:chgData name="Lixiang Li" userId="6104bbfcb56aea79" providerId="LiveId" clId="{2CE6F3B1-AFEC-403E-A251-D5A89A7872DA}" dt="2020-12-09T23:02:40.071" v="21" actId="242"/>
-        <pc:sldMasterMkLst>
-          <pc:docMk/>
-          <pc:sldMasterMk cId="0" sldId="2147483648"/>
-        </pc:sldMasterMkLst>
-        <pc:spChg chg="mod">
-          <ac:chgData name="Lixiang Li" userId="6104bbfcb56aea79" providerId="LiveId" clId="{2CE6F3B1-AFEC-403E-A251-D5A89A7872DA}" dt="2020-12-09T23:02:12.046" v="20" actId="242"/>
-          <ac:spMkLst>
-            <pc:docMk/>
-            <pc:sldMasterMk cId="0" sldId="2147483648"/>
-            <ac:spMk id="3" creationId="{00000000-0000-0000-0000-000000000000}"/>
-          </ac:spMkLst>
-        </pc:spChg>
-        <pc:sldLayoutChg chg="modSp">
-          <pc:chgData name="Lixiang Li" userId="6104bbfcb56aea79" providerId="LiveId" clId="{2CE6F3B1-AFEC-403E-A251-D5A89A7872DA}" dt="2020-12-09T23:02:40.071" v="21" actId="242"/>
-          <pc:sldLayoutMkLst>
-            <pc:docMk/>
-            <pc:sldMasterMk cId="0" sldId="2147483648"/>
-            <pc:sldLayoutMk cId="0" sldId="2147483650"/>
-          </pc:sldLayoutMkLst>
-          <pc:spChg chg="mod">
-            <ac:chgData name="Lixiang Li" userId="6104bbfcb56aea79" providerId="LiveId" clId="{2CE6F3B1-AFEC-403E-A251-D5A89A7872DA}" dt="2020-12-09T23:02:40.071" v="21" actId="242"/>
-            <ac:spMkLst>
-              <pc:docMk/>
-              <pc:sldMasterMk cId="0" sldId="2147483648"/>
-              <pc:sldLayoutMk cId="0" sldId="2147483650"/>
-              <ac:spMk id="3" creationId="{00000000-0000-0000-0000-000000000000}"/>
-            </ac:spMkLst>
-          </pc:spChg>
-        </pc:sldLayoutChg>
-      </pc:sldMasterChg>
-    </pc:docChg>
-  </pc:docChgLst>
-  <pc:docChgLst>
-    <pc:chgData name="Li Lixiang" userId="6104bbfcb56aea79" providerId="LiveId" clId="{C264A2B5-62E8-41A3-AC8C-3290B0C302EA}"/>
-    <pc:docChg chg="undo redo custSel addSld modSld sldOrd">
-      <pc:chgData name="Li Lixiang" userId="6104bbfcb56aea79" providerId="LiveId" clId="{C264A2B5-62E8-41A3-AC8C-3290B0C302EA}" dt="2021-05-17T10:37:42.894" v="953"/>
-      <pc:docMkLst>
-        <pc:docMk/>
-      </pc:docMkLst>
-      <pc:sldChg chg="modSp mod">
-        <pc:chgData name="Li Lixiang" userId="6104bbfcb56aea79" providerId="LiveId" clId="{C264A2B5-62E8-41A3-AC8C-3290B0C302EA}" dt="2021-05-17T08:27:19.182" v="10" actId="20577"/>
-        <pc:sldMkLst>
-          <pc:docMk/>
-          <pc:sldMk cId="3650079851" sldId="256"/>
-        </pc:sldMkLst>
-        <pc:spChg chg="mod">
-          <ac:chgData name="Li Lixiang" userId="6104bbfcb56aea79" providerId="LiveId" clId="{C264A2B5-62E8-41A3-AC8C-3290B0C302EA}" dt="2021-05-17T08:27:19.182" v="10" actId="20577"/>
-          <ac:spMkLst>
-            <pc:docMk/>
-            <pc:sldMk cId="3650079851" sldId="256"/>
-            <ac:spMk id="4" creationId="{8DE6899A-D842-4C9E-ADC1-B0C1377122EA}"/>
-          </ac:spMkLst>
-        </pc:spChg>
-      </pc:sldChg>
-      <pc:sldChg chg="ord">
-        <pc:chgData name="Li Lixiang" userId="6104bbfcb56aea79" providerId="LiveId" clId="{C264A2B5-62E8-41A3-AC8C-3290B0C302EA}" dt="2021-05-17T10:37:17.707" v="945"/>
-        <pc:sldMkLst>
-          <pc:docMk/>
-          <pc:sldMk cId="2389731973" sldId="273"/>
-        </pc:sldMkLst>
-      </pc:sldChg>
-      <pc:sldChg chg="modSp add mod ord">
-        <pc:chgData name="Li Lixiang" userId="6104bbfcb56aea79" providerId="LiveId" clId="{C264A2B5-62E8-41A3-AC8C-3290B0C302EA}" dt="2021-05-17T10:37:40.462" v="951"/>
-        <pc:sldMkLst>
-          <pc:docMk/>
-          <pc:sldMk cId="386236625" sldId="277"/>
-        </pc:sldMkLst>
-        <pc:spChg chg="mod">
-          <ac:chgData name="Li Lixiang" userId="6104bbfcb56aea79" providerId="LiveId" clId="{C264A2B5-62E8-41A3-AC8C-3290B0C302EA}" dt="2021-05-17T08:33:20.416" v="15" actId="20577"/>
-          <ac:spMkLst>
-            <pc:docMk/>
-            <pc:sldMk cId="386236625" sldId="277"/>
-            <ac:spMk id="2" creationId="{5EC01E2D-9CFE-4D5D-8863-3BA90731F07B}"/>
-          </ac:spMkLst>
-        </pc:spChg>
-        <pc:spChg chg="mod">
-          <ac:chgData name="Li Lixiang" userId="6104bbfcb56aea79" providerId="LiveId" clId="{C264A2B5-62E8-41A3-AC8C-3290B0C302EA}" dt="2021-05-17T09:06:35.265" v="632" actId="20577"/>
-          <ac:spMkLst>
-            <pc:docMk/>
-            <pc:sldMk cId="386236625" sldId="277"/>
-            <ac:spMk id="9" creationId="{B3A91969-9FC0-40D6-97FB-CB169B0FD70D}"/>
-          </ac:spMkLst>
-        </pc:spChg>
-      </pc:sldChg>
-      <pc:sldChg chg="modSp add mod ord">
-        <pc:chgData name="Li Lixiang" userId="6104bbfcb56aea79" providerId="LiveId" clId="{C264A2B5-62E8-41A3-AC8C-3290B0C302EA}" dt="2021-05-17T10:37:42.894" v="953"/>
-        <pc:sldMkLst>
-          <pc:docMk/>
-          <pc:sldMk cId="1470482827" sldId="278"/>
-        </pc:sldMkLst>
-        <pc:spChg chg="mod">
-          <ac:chgData name="Li Lixiang" userId="6104bbfcb56aea79" providerId="LiveId" clId="{C264A2B5-62E8-41A3-AC8C-3290B0C302EA}" dt="2021-05-17T09:11:08.893" v="640" actId="20577"/>
-          <ac:spMkLst>
-            <pc:docMk/>
-            <pc:sldMk cId="1470482827" sldId="278"/>
-            <ac:spMk id="2" creationId="{5EC01E2D-9CFE-4D5D-8863-3BA90731F07B}"/>
-          </ac:spMkLst>
-        </pc:spChg>
-        <pc:spChg chg="mod">
-          <ac:chgData name="Li Lixiang" userId="6104bbfcb56aea79" providerId="LiveId" clId="{C264A2B5-62E8-41A3-AC8C-3290B0C302EA}" dt="2021-05-17T10:36:42.844" v="943" actId="20577"/>
-          <ac:spMkLst>
-            <pc:docMk/>
-            <pc:sldMk cId="1470482827" sldId="278"/>
-            <ac:spMk id="9" creationId="{B3A91969-9FC0-40D6-97FB-CB169B0FD70D}"/>
-          </ac:spMkLst>
-        </pc:spChg>
-      </pc:sldChg>
-    </pc:docChg>
-  </pc:docChgLst>
-  <pc:docChgLst>
-    <pc:chgData name="Li Lixiang" userId="6104bbfcb56aea79" providerId="LiveId" clId="{A099C6D8-1B0D-49ED-A352-7F394CFD410C}"/>
-    <pc:docChg chg="custSel addSld modSld sldOrd">
-      <pc:chgData name="Li Lixiang" userId="6104bbfcb56aea79" providerId="LiveId" clId="{A099C6D8-1B0D-49ED-A352-7F394CFD410C}" dt="2021-08-12T07:28:18.412" v="374" actId="20577"/>
-      <pc:docMkLst>
-        <pc:docMk/>
-      </pc:docMkLst>
-      <pc:sldChg chg="modSp mod">
-        <pc:chgData name="Li Lixiang" userId="6104bbfcb56aea79" providerId="LiveId" clId="{A099C6D8-1B0D-49ED-A352-7F394CFD410C}" dt="2021-08-12T07:28:18.412" v="374" actId="20577"/>
-        <pc:sldMkLst>
-          <pc:docMk/>
-          <pc:sldMk cId="3650079851" sldId="256"/>
-        </pc:sldMkLst>
-        <pc:spChg chg="mod">
-          <ac:chgData name="Li Lixiang" userId="6104bbfcb56aea79" providerId="LiveId" clId="{A099C6D8-1B0D-49ED-A352-7F394CFD410C}" dt="2021-08-12T07:28:18.412" v="374" actId="20577"/>
-          <ac:spMkLst>
-            <pc:docMk/>
-            <pc:sldMk cId="3650079851" sldId="256"/>
-            <ac:spMk id="4" creationId="{8DE6899A-D842-4C9E-ADC1-B0C1377122EA}"/>
-          </ac:spMkLst>
-        </pc:spChg>
-      </pc:sldChg>
-      <pc:sldChg chg="modSp mod ord">
-        <pc:chgData name="Li Lixiang" userId="6104bbfcb56aea79" providerId="LiveId" clId="{A099C6D8-1B0D-49ED-A352-7F394CFD410C}" dt="2021-08-11T13:13:46.487" v="372"/>
-        <pc:sldMkLst>
-          <pc:docMk/>
-          <pc:sldMk cId="1732110910" sldId="271"/>
-        </pc:sldMkLst>
-        <pc:spChg chg="mod">
-          <ac:chgData name="Li Lixiang" userId="6104bbfcb56aea79" providerId="LiveId" clId="{A099C6D8-1B0D-49ED-A352-7F394CFD410C}" dt="2021-08-11T11:47:34.317" v="11" actId="20577"/>
-          <ac:spMkLst>
-            <pc:docMk/>
-            <pc:sldMk cId="1732110910" sldId="271"/>
-            <ac:spMk id="2" creationId="{5EC01E2D-9CFE-4D5D-8863-3BA90731F07B}"/>
-          </ac:spMkLst>
-        </pc:spChg>
-        <pc:spChg chg="mod">
-          <ac:chgData name="Li Lixiang" userId="6104bbfcb56aea79" providerId="LiveId" clId="{A099C6D8-1B0D-49ED-A352-7F394CFD410C}" dt="2021-08-11T13:13:30.513" v="370" actId="20577"/>
-          <ac:spMkLst>
-            <pc:docMk/>
-            <pc:sldMk cId="1732110910" sldId="271"/>
-            <ac:spMk id="9" creationId="{B3A91969-9FC0-40D6-97FB-CB169B0FD70D}"/>
-          </ac:spMkLst>
-        </pc:spChg>
-      </pc:sldChg>
-      <pc:sldChg chg="add">
-        <pc:chgData name="Li Lixiang" userId="6104bbfcb56aea79" providerId="LiveId" clId="{A099C6D8-1B0D-49ED-A352-7F394CFD410C}" dt="2021-08-11T11:47:28.291" v="0"/>
-        <pc:sldMkLst>
-          <pc:docMk/>
-          <pc:sldMk cId="796817006" sldId="279"/>
-        </pc:sldMkLst>
+        <pc:picChg chg="del">
+          <ac:chgData name="Li Lixiang" userId="6104bbfcb56aea79" providerId="LiveId" clId="{195C821F-1926-4771-8AF3-DE34471BCA3B}" dt="2021-04-21T11:49:46.138" v="1819" actId="478"/>
+          <ac:picMkLst>
+            <pc:docMk/>
+            <pc:sldMk cId="2287529749" sldId="284"/>
+            <ac:picMk id="5" creationId="{908D5F42-F128-41C6-901B-32741920691C}"/>
+          </ac:picMkLst>
+        </pc:picChg>
+        <pc:picChg chg="add mod">
+          <ac:chgData name="Li Lixiang" userId="6104bbfcb56aea79" providerId="LiveId" clId="{195C821F-1926-4771-8AF3-DE34471BCA3B}" dt="2021-04-21T11:55:40.654" v="1939" actId="1076"/>
+          <ac:picMkLst>
+            <pc:docMk/>
+            <pc:sldMk cId="2287529749" sldId="284"/>
+            <ac:picMk id="6" creationId="{CBC54361-79AA-4580-8754-25F061500C04}"/>
+          </ac:picMkLst>
+        </pc:picChg>
       </pc:sldChg>
     </pc:docChg>
   </pc:docChgLst>
@@ -1790,7 +2100,7 @@
             <a:fld id="{B61BEF0D-F0BB-DE4B-95CE-6DB70DBA9567}" type="datetimeFigureOut">
               <a:rPr lang="en-US" dirty="0"/>
               <a:pPr/>
-              <a:t>9/2/2021</a:t>
+              <a:t>10/13/2021</a:t>
             </a:fld>
             <a:endParaRPr lang="en-US" dirty="0"/>
           </a:p>
@@ -2121,7 +2431,7 @@
             <a:fld id="{B61BEF0D-F0BB-DE4B-95CE-6DB70DBA9567}" type="datetimeFigureOut">
               <a:rPr lang="en-US" dirty="0"/>
               <a:pPr/>
-              <a:t>9/2/2021</a:t>
+              <a:t>10/13/2021</a:t>
             </a:fld>
             <a:endParaRPr lang="en-US" dirty="0"/>
           </a:p>
@@ -2396,7 +2706,7 @@
             <a:fld id="{B61BEF0D-F0BB-DE4B-95CE-6DB70DBA9567}" type="datetimeFigureOut">
               <a:rPr lang="en-US" dirty="0"/>
               <a:pPr/>
-              <a:t>9/2/2021</a:t>
+              <a:t>10/13/2021</a:t>
             </a:fld>
             <a:endParaRPr lang="en-US" dirty="0"/>
           </a:p>
@@ -2961,7 +3271,7 @@
             <a:fld id="{B61BEF0D-F0BB-DE4B-95CE-6DB70DBA9567}" type="datetimeFigureOut">
               <a:rPr lang="en-US" dirty="0"/>
               <a:pPr/>
-              <a:t>9/2/2021</a:t>
+              <a:t>10/13/2021</a:t>
             </a:fld>
             <a:endParaRPr lang="en-US" dirty="0"/>
           </a:p>
@@ -3236,7 +3546,7 @@
             <a:fld id="{B61BEF0D-F0BB-DE4B-95CE-6DB70DBA9567}" type="datetimeFigureOut">
               <a:rPr lang="en-US" dirty="0"/>
               <a:pPr/>
-              <a:t>9/2/2021</a:t>
+              <a:t>10/13/2021</a:t>
             </a:fld>
             <a:endParaRPr lang="en-US" dirty="0"/>
           </a:p>
@@ -3795,7 +4105,7 @@
             <a:fld id="{B61BEF0D-F0BB-DE4B-95CE-6DB70DBA9567}" type="datetimeFigureOut">
               <a:rPr lang="en-US" dirty="0"/>
               <a:pPr/>
-              <a:t>9/2/2021</a:t>
+              <a:t>10/13/2021</a:t>
             </a:fld>
             <a:endParaRPr lang="en-US" dirty="0"/>
           </a:p>
@@ -4119,7 +4429,7 @@
             <a:fld id="{B61BEF0D-F0BB-DE4B-95CE-6DB70DBA9567}" type="datetimeFigureOut">
               <a:rPr lang="en-US" dirty="0"/>
               <a:pPr/>
-              <a:t>9/2/2021</a:t>
+              <a:t>10/13/2021</a:t>
             </a:fld>
             <a:endParaRPr lang="en-US" dirty="0"/>
           </a:p>
@@ -4293,7 +4603,7 @@
             <a:fld id="{B61BEF0D-F0BB-DE4B-95CE-6DB70DBA9567}" type="datetimeFigureOut">
               <a:rPr lang="en-US" dirty="0"/>
               <a:pPr/>
-              <a:t>9/2/2021</a:t>
+              <a:t>10/13/2021</a:t>
             </a:fld>
             <a:endParaRPr lang="en-US" dirty="0"/>
           </a:p>
@@ -4528,7 +4838,7 @@
             <a:fld id="{B61BEF0D-F0BB-DE4B-95CE-6DB70DBA9567}" type="datetimeFigureOut">
               <a:rPr lang="en-US" dirty="0"/>
               <a:pPr/>
-              <a:t>9/2/2021</a:t>
+              <a:t>10/13/2021</a:t>
             </a:fld>
             <a:endParaRPr lang="en-US" dirty="0"/>
           </a:p>
@@ -4667,40 +4977,40 @@
         </p:nvSpPr>
         <p:spPr/>
         <p:txBody>
-          <a:bodyPr anchor="t"/>
+          <a:bodyPr anchor="ctr"/>
           <a:lstStyle/>
           <a:p>
             <a:pPr lvl="0"/>
             <a:r>
-              <a:rPr lang="zh-CN" altLang="en-US" dirty="0"/>
+              <a:rPr lang="zh-CN" altLang="en-US"/>
               <a:t>单击此处编辑母版文本样式</a:t>
             </a:r>
           </a:p>
           <a:p>
             <a:pPr lvl="1"/>
             <a:r>
-              <a:rPr lang="zh-CN" altLang="en-US" dirty="0"/>
+              <a:rPr lang="zh-CN" altLang="en-US"/>
               <a:t>二级</a:t>
             </a:r>
           </a:p>
           <a:p>
             <a:pPr lvl="2"/>
             <a:r>
-              <a:rPr lang="zh-CN" altLang="en-US" dirty="0"/>
+              <a:rPr lang="zh-CN" altLang="en-US"/>
               <a:t>三级</a:t>
             </a:r>
           </a:p>
           <a:p>
             <a:pPr lvl="3"/>
             <a:r>
-              <a:rPr lang="zh-CN" altLang="en-US" dirty="0"/>
+              <a:rPr lang="zh-CN" altLang="en-US"/>
               <a:t>四级</a:t>
             </a:r>
           </a:p>
           <a:p>
             <a:pPr lvl="4"/>
             <a:r>
-              <a:rPr lang="zh-CN" altLang="en-US" dirty="0"/>
+              <a:rPr lang="zh-CN" altLang="en-US"/>
               <a:t>五级</a:t>
             </a:r>
             <a:endParaRPr lang="en-US" dirty="0"/>
@@ -4725,7 +5035,7 @@
             <a:fld id="{B61BEF0D-F0BB-DE4B-95CE-6DB70DBA9567}" type="datetimeFigureOut">
               <a:rPr lang="en-US" dirty="0"/>
               <a:pPr/>
-              <a:t>9/2/2021</a:t>
+              <a:t>10/13/2021</a:t>
             </a:fld>
             <a:endParaRPr lang="en-US" dirty="0"/>
           </a:p>
@@ -4998,7 +5308,7 @@
             <a:fld id="{B61BEF0D-F0BB-DE4B-95CE-6DB70DBA9567}" type="datetimeFigureOut">
               <a:rPr lang="en-US" dirty="0"/>
               <a:pPr/>
-              <a:t>9/2/2021</a:t>
+              <a:t>10/13/2021</a:t>
             </a:fld>
             <a:endParaRPr lang="en-US" dirty="0"/>
           </a:p>
@@ -5261,7 +5571,7 @@
             <a:fld id="{B61BEF0D-F0BB-DE4B-95CE-6DB70DBA9567}" type="datetimeFigureOut">
               <a:rPr lang="en-US" dirty="0"/>
               <a:pPr/>
-              <a:t>9/2/2021</a:t>
+              <a:t>10/13/2021</a:t>
             </a:fld>
             <a:endParaRPr lang="en-US" dirty="0"/>
           </a:p>
@@ -5632,7 +5942,7 @@
             <a:fld id="{B61BEF0D-F0BB-DE4B-95CE-6DB70DBA9567}" type="datetimeFigureOut">
               <a:rPr lang="en-US" dirty="0"/>
               <a:pPr/>
-              <a:t>9/2/2021</a:t>
+              <a:t>10/13/2021</a:t>
             </a:fld>
             <a:endParaRPr lang="en-US" dirty="0"/>
           </a:p>
@@ -5777,7 +6087,7 @@
             <a:fld id="{B61BEF0D-F0BB-DE4B-95CE-6DB70DBA9567}" type="datetimeFigureOut">
               <a:rPr lang="en-US" dirty="0"/>
               <a:pPr/>
-              <a:t>9/2/2021</a:t>
+              <a:t>10/13/2021</a:t>
             </a:fld>
             <a:endParaRPr lang="en-US" dirty="0"/>
           </a:p>
@@ -5899,7 +6209,7 @@
             <a:fld id="{B61BEF0D-F0BB-DE4B-95CE-6DB70DBA9567}" type="datetimeFigureOut">
               <a:rPr lang="en-US" dirty="0"/>
               <a:pPr/>
-              <a:t>9/2/2021</a:t>
+              <a:t>10/13/2021</a:t>
             </a:fld>
             <a:endParaRPr lang="en-US" dirty="0"/>
           </a:p>
@@ -6181,7 +6491,7 @@
             <a:fld id="{B61BEF0D-F0BB-DE4B-95CE-6DB70DBA9567}" type="datetimeFigureOut">
               <a:rPr lang="en-US" dirty="0"/>
               <a:pPr/>
-              <a:t>9/2/2021</a:t>
+              <a:t>10/13/2021</a:t>
             </a:fld>
             <a:endParaRPr lang="en-US" dirty="0"/>
           </a:p>
@@ -6502,7 +6812,7 @@
             <a:fld id="{B61BEF0D-F0BB-DE4B-95CE-6DB70DBA9567}" type="datetimeFigureOut">
               <a:rPr lang="en-US" dirty="0"/>
               <a:pPr/>
-              <a:t>9/2/2021</a:t>
+              <a:t>10/13/2021</a:t>
             </a:fld>
             <a:endParaRPr lang="en-US" dirty="0"/>
           </a:p>
@@ -6635,7 +6945,7 @@
           </a:prstGeom>
         </p:spPr>
         <p:txBody>
-          <a:bodyPr vert="horz" lIns="91440" tIns="45720" rIns="91440" bIns="45720" rtlCol="0" anchor="t">
+          <a:bodyPr vert="horz" lIns="91440" tIns="45720" rIns="91440" bIns="45720" rtlCol="0" anchor="ctr">
             <a:normAutofit/>
           </a:bodyPr>
           <a:lstStyle/>
@@ -6713,7 +7023,7 @@
             <a:fld id="{B61BEF0D-F0BB-DE4B-95CE-6DB70DBA9567}" type="datetimeFigureOut">
               <a:rPr lang="en-US" dirty="0"/>
               <a:pPr/>
-              <a:t>9/2/2021</a:t>
+              <a:t>10/13/2021</a:t>
             </a:fld>
             <a:endParaRPr lang="en-US" dirty="0"/>
           </a:p>
@@ -7273,21 +7583,14 @@
           <a:lstStyle/>
           <a:p>
             <a:r>
-              <a:rPr lang="en-MY"/>
-              <a:t>unit 3B </a:t>
-            </a:r>
-            <a:r>
               <a:rPr lang="en-MY" dirty="0"/>
-              <a:t>– file </a:t>
+              <a:t>unit 3a – stdin/</a:t>
             </a:r>
             <a:r>
               <a:rPr lang="en-MY" dirty="0" err="1"/>
-              <a:t>i</a:t>
-            </a:r>
-            <a:r>
-              <a:rPr lang="en-MY" dirty="0"/>
-              <a:t>/o, CSV file, JSON file</a:t>
-            </a:r>
+              <a:t>stdout</a:t>
+            </a:r>
+            <a:endParaRPr lang="en-MY" dirty="0"/>
           </a:p>
         </p:txBody>
       </p:sp>
@@ -7295,127 +7598,6 @@
     <p:extLst>
       <p:ext uri="{BB962C8B-B14F-4D97-AF65-F5344CB8AC3E}">
         <p14:creationId xmlns:p14="http://schemas.microsoft.com/office/powerpoint/2010/main" val="3650079851"/>
-      </p:ext>
-    </p:extLst>
-  </p:cSld>
-  <p:clrMapOvr>
-    <a:masterClrMapping/>
-  </p:clrMapOvr>
-</p:sld>
-</file>
-
-<file path=ppt/slides/slide10.xml><?xml version="1.0" encoding="utf-8"?>
-<p:sld xmlns:a="http://schemas.openxmlformats.org/drawingml/2006/main" xmlns:r="http://schemas.openxmlformats.org/officeDocument/2006/relationships" xmlns:p="http://schemas.openxmlformats.org/presentationml/2006/main">
-  <p:cSld>
-    <p:spTree>
-      <p:nvGrpSpPr>
-        <p:cNvPr id="1" name=""/>
-        <p:cNvGrpSpPr/>
-        <p:nvPr/>
-      </p:nvGrpSpPr>
-      <p:grpSpPr>
-        <a:xfrm>
-          <a:off x="0" y="0"/>
-          <a:ext cx="0" cy="0"/>
-          <a:chOff x="0" y="0"/>
-          <a:chExt cx="0" cy="0"/>
-        </a:xfrm>
-      </p:grpSpPr>
-      <p:sp>
-        <p:nvSpPr>
-          <p:cNvPr id="2" name="标题 1">
-            <a:extLst>
-              <a:ext uri="{FF2B5EF4-FFF2-40B4-BE49-F238E27FC236}">
-                <a16:creationId xmlns:a16="http://schemas.microsoft.com/office/drawing/2014/main" id="{5EC01E2D-9CFE-4D5D-8863-3BA90731F07B}"/>
-              </a:ext>
-            </a:extLst>
-          </p:cNvPr>
-          <p:cNvSpPr>
-            <a:spLocks noGrp="1"/>
-          </p:cNvSpPr>
-          <p:nvPr>
-            <p:ph type="title"/>
-          </p:nvPr>
-        </p:nvSpPr>
-        <p:spPr/>
-        <p:txBody>
-          <a:bodyPr/>
-          <a:lstStyle/>
-          <a:p>
-            <a:r>
-              <a:rPr lang="en-US" altLang="zh-CN" dirty="0"/>
-              <a:t>CSV data analysis</a:t>
-            </a:r>
-            <a:endParaRPr lang="en-MY" dirty="0"/>
-          </a:p>
-        </p:txBody>
-      </p:sp>
-      <p:sp>
-        <p:nvSpPr>
-          <p:cNvPr id="9" name="内容占位符 8">
-            <a:extLst>
-              <a:ext uri="{FF2B5EF4-FFF2-40B4-BE49-F238E27FC236}">
-                <a16:creationId xmlns:a16="http://schemas.microsoft.com/office/drawing/2014/main" id="{B3A91969-9FC0-40D6-97FB-CB169B0FD70D}"/>
-              </a:ext>
-            </a:extLst>
-          </p:cNvPr>
-          <p:cNvSpPr>
-            <a:spLocks noGrp="1"/>
-          </p:cNvSpPr>
-          <p:nvPr>
-            <p:ph idx="1"/>
-          </p:nvPr>
-        </p:nvSpPr>
-        <p:spPr>
-          <a:xfrm>
-            <a:off x="685802" y="2142067"/>
-            <a:ext cx="10411285" cy="2650067"/>
-          </a:xfrm>
-        </p:spPr>
-        <p:txBody>
-          <a:bodyPr>
-            <a:normAutofit/>
-          </a:bodyPr>
-          <a:lstStyle/>
-          <a:p>
-            <a:r>
-              <a:rPr lang="en-US" dirty="0"/>
-              <a:t>Use csv reader to read all csv file and get need column data for process (use list to store the data)</a:t>
-            </a:r>
-          </a:p>
-          <a:p>
-            <a:r>
-              <a:rPr lang="en-US" dirty="0"/>
-              <a:t>Process the data, find top sales movie and show the result in bar graph.</a:t>
-            </a:r>
-          </a:p>
-          <a:p>
-            <a:r>
-              <a:rPr lang="en-US" dirty="0"/>
-              <a:t>Process the data and get yearly total movie sales, use plot to show the yearly </a:t>
-            </a:r>
-            <a:r>
-              <a:rPr lang="en-US"/>
-              <a:t>sales trend.</a:t>
-            </a:r>
-            <a:endParaRPr lang="en-US" dirty="0"/>
-          </a:p>
-          <a:p>
-            <a:r>
-              <a:rPr lang="en-US" dirty="0"/>
-              <a:t>Process the IMDB movie review score, and use histogram to show the distribution.</a:t>
-            </a:r>
-          </a:p>
-          <a:p>
-            <a:pPr lvl="1"/>
-            <a:endParaRPr lang="en-US" dirty="0"/>
-          </a:p>
-        </p:txBody>
-      </p:sp>
-    </p:spTree>
-    <p:extLst>
-      <p:ext uri="{BB962C8B-B14F-4D97-AF65-F5344CB8AC3E}">
-        <p14:creationId xmlns:p14="http://schemas.microsoft.com/office/powerpoint/2010/main" val="368533723"/>
       </p:ext>
     </p:extLst>
   </p:cSld>
@@ -7444,10 +7626,10 @@
       </p:grpSpPr>
       <p:sp>
         <p:nvSpPr>
-          <p:cNvPr id="2" name="标题 1">
+          <p:cNvPr id="2" name="Title 1">
             <a:extLst>
               <a:ext uri="{FF2B5EF4-FFF2-40B4-BE49-F238E27FC236}">
-                <a16:creationId xmlns:a16="http://schemas.microsoft.com/office/drawing/2014/main" id="{5EC01E2D-9CFE-4D5D-8863-3BA90731F07B}"/>
+                <a16:creationId xmlns:a16="http://schemas.microsoft.com/office/drawing/2014/main" id="{D947D2DF-FCBF-47C3-9EC9-872096C568C7}"/>
               </a:ext>
             </a:extLst>
           </p:cNvPr>
@@ -7464,16 +7646,8 @@
           <a:lstStyle/>
           <a:p>
             <a:r>
-              <a:rPr lang="en-US" altLang="zh-CN" dirty="0"/>
-              <a:t>File </a:t>
-            </a:r>
-            <a:r>
-              <a:rPr lang="en-US" altLang="zh-CN" dirty="0" err="1"/>
-              <a:t>i</a:t>
-            </a:r>
-            <a:r>
-              <a:rPr lang="en-US" altLang="zh-CN" dirty="0"/>
-              <a:t>/o</a:t>
+              <a:rPr lang="en-US" dirty="0"/>
+              <a:t>What is stdin and how to use it</a:t>
             </a:r>
             <a:endParaRPr lang="en-MY" dirty="0"/>
           </a:p>
@@ -7481,10 +7655,10 @@
       </p:sp>
       <p:sp>
         <p:nvSpPr>
-          <p:cNvPr id="9" name="内容占位符 8">
+          <p:cNvPr id="28" name="内容占位符 2">
             <a:extLst>
               <a:ext uri="{FF2B5EF4-FFF2-40B4-BE49-F238E27FC236}">
-                <a16:creationId xmlns:a16="http://schemas.microsoft.com/office/drawing/2014/main" id="{B3A91969-9FC0-40D6-97FB-CB169B0FD70D}"/>
+                <a16:creationId xmlns:a16="http://schemas.microsoft.com/office/drawing/2014/main" id="{39D71EE6-7BB9-465D-AA60-A5E6C460D83A}"/>
               </a:ext>
             </a:extLst>
           </p:cNvPr>
@@ -7498,131 +7672,342 @@
         <p:spPr>
           <a:xfrm>
             <a:off x="685802" y="2142067"/>
-            <a:ext cx="11245786" cy="4240978"/>
+            <a:ext cx="8172972" cy="3170162"/>
           </a:xfrm>
         </p:spPr>
         <p:txBody>
-          <a:bodyPr>
+          <a:bodyPr anchor="t">
             <a:normAutofit/>
           </a:bodyPr>
           <a:lstStyle/>
           <a:p>
+            <a:pPr marL="0" indent="0">
+              <a:buNone/>
+            </a:pPr>
             <a:r>
               <a:rPr lang="en-US" dirty="0"/>
-              <a:t>Python file function: (file opened with ‘r’, or ‘r+’ )</a:t>
+              <a:t>Stdin is one input device, for human to send information into computer</a:t>
+            </a:r>
+          </a:p>
+          <a:p>
+            <a:r>
+              <a:rPr lang="en-US" dirty="0"/>
+              <a:t>Use </a:t>
+            </a:r>
+            <a:r>
+              <a:rPr lang="en-US" b="1" dirty="0">
+                <a:solidFill>
+                  <a:srgbClr val="FFFF00"/>
+                </a:solidFill>
+              </a:rPr>
+              <a:t>input()</a:t>
+            </a:r>
+            <a:r>
+              <a:rPr lang="en-US" dirty="0"/>
+              <a:t> function in python. (a build-in function, no need import anything)</a:t>
+            </a:r>
+          </a:p>
+          <a:p>
+            <a:r>
+              <a:rPr lang="en-US" dirty="0"/>
+              <a:t>Use </a:t>
+            </a:r>
+            <a:r>
+              <a:rPr lang="en-US" b="1" dirty="0" err="1">
+                <a:solidFill>
+                  <a:srgbClr val="FFFF00"/>
+                </a:solidFill>
+              </a:rPr>
+              <a:t>sys.stdin</a:t>
+            </a:r>
+            <a:r>
+              <a:rPr lang="en-US" b="1" dirty="0">
+                <a:solidFill>
+                  <a:srgbClr val="FFFF00"/>
+                </a:solidFill>
+              </a:rPr>
+              <a:t> </a:t>
+            </a:r>
+            <a:r>
+              <a:rPr lang="en-US" dirty="0"/>
+              <a:t>device. (need import sys)</a:t>
+            </a:r>
+          </a:p>
+          <a:p>
+            <a:r>
+              <a:rPr lang="en-US" dirty="0"/>
+              <a:t>User </a:t>
+            </a:r>
+            <a:r>
+              <a:rPr lang="en-US" b="1" dirty="0" err="1">
+                <a:solidFill>
+                  <a:srgbClr val="FFFF00"/>
+                </a:solidFill>
+              </a:rPr>
+              <a:t>fileinput</a:t>
+            </a:r>
+            <a:r>
+              <a:rPr lang="en-US" b="1" dirty="0">
+                <a:solidFill>
+                  <a:srgbClr val="FFFF00"/>
+                </a:solidFill>
+              </a:rPr>
+              <a:t> </a:t>
+            </a:r>
+            <a:r>
+              <a:rPr lang="en-US" dirty="0"/>
+              <a:t>module. (need import </a:t>
+            </a:r>
+            <a:r>
+              <a:rPr lang="en-US" dirty="0" err="1"/>
+              <a:t>fileinput</a:t>
+            </a:r>
+            <a:r>
+              <a:rPr lang="en-US" dirty="0"/>
+              <a:t>)</a:t>
             </a:r>
           </a:p>
           <a:p>
             <a:pPr lvl="1"/>
             <a:r>
+              <a:rPr lang="en-US" dirty="0" err="1"/>
+              <a:t>fileinput.input</a:t>
+            </a:r>
+            <a:r>
               <a:rPr lang="en-US" dirty="0"/>
-              <a:t>open(), close()</a:t>
-            </a:r>
-          </a:p>
-          <a:p>
+              <a:t>(), </a:t>
+            </a:r>
+            <a:r>
+              <a:rPr lang="en-US" dirty="0" err="1"/>
+              <a:t>fileinput.close</a:t>
+            </a:r>
             <a:r>
               <a:rPr lang="en-US" dirty="0"/>
-              <a:t>To get the content of the file:</a:t>
+              <a:t>(), and for loop to read line by line.</a:t>
             </a:r>
           </a:p>
           <a:p>
             <a:pPr lvl="1"/>
             <a:r>
-              <a:rPr lang="en-US" dirty="0"/>
-              <a:t>for </a:t>
-            </a:r>
-            <a:r>
-              <a:rPr lang="en-US" dirty="0" err="1"/>
-              <a:t>each_line</a:t>
-            </a:r>
-            <a:r>
-              <a:rPr lang="en-US" dirty="0"/>
-              <a:t> in file:      # get </a:t>
-            </a:r>
-            <a:r>
-              <a:rPr lang="en-US" dirty="0" err="1"/>
-              <a:t>each_line</a:t>
-            </a:r>
-            <a:r>
-              <a:rPr lang="en-US" dirty="0"/>
-              <a:t> of the file object. </a:t>
-            </a:r>
-            <a:r>
-              <a:rPr lang="en-US" dirty="0" err="1"/>
-              <a:t>each_line</a:t>
-            </a:r>
-            <a:r>
-              <a:rPr lang="en-US" dirty="0"/>
-              <a:t> is str.</a:t>
-            </a:r>
+              <a:rPr kumimoji="0" lang="en-US" altLang="en-US" sz="1600" b="0" i="0" u="none" strike="noStrike" cap="none" normalizeH="0" baseline="0" dirty="0" err="1">
+                <a:ln>
+                  <a:noFill/>
+                </a:ln>
+                <a:effectLst/>
+                <a:latin typeface="Arial" panose="020B0604020202020204" pitchFamily="34" charset="0"/>
+                <a:ea typeface="Lucida Grande"/>
+              </a:rPr>
+              <a:t>fileinput.input</a:t>
+            </a:r>
+            <a:r>
+              <a:rPr kumimoji="0" lang="en-US" altLang="en-US" sz="1600" b="0" i="0" u="none" strike="noStrike" cap="none" normalizeH="0" baseline="0" dirty="0">
+                <a:ln>
+                  <a:noFill/>
+                </a:ln>
+                <a:effectLst/>
+                <a:latin typeface="Arial" panose="020B0604020202020204" pitchFamily="34" charset="0"/>
+                <a:ea typeface="Lucida Grande"/>
+              </a:rPr>
+              <a:t>() with no actual file specified, it will iterates over the lines of </a:t>
+            </a:r>
+            <a:r>
+              <a:rPr kumimoji="0" lang="en-US" altLang="en-US" sz="1600" b="0" i="0" u="none" strike="noStrike" cap="none" normalizeH="0" baseline="0" dirty="0">
+                <a:ln>
+                  <a:noFill/>
+                </a:ln>
+                <a:solidFill>
+                  <a:srgbClr val="FFFF00"/>
+                </a:solidFill>
+                <a:effectLst/>
+                <a:latin typeface="Arial" panose="020B0604020202020204" pitchFamily="34" charset="0"/>
+                <a:ea typeface="Lucida Grande"/>
+              </a:rPr>
+              <a:t>all files listed in </a:t>
+            </a:r>
+            <a:r>
+              <a:rPr kumimoji="0" lang="en-US" altLang="en-US" sz="1400" b="0" i="0" u="none" strike="noStrike" cap="none" normalizeH="0" baseline="0" dirty="0" err="1">
+                <a:ln>
+                  <a:noFill/>
+                </a:ln>
+                <a:solidFill>
+                  <a:srgbClr val="FFFF00"/>
+                </a:solidFill>
+                <a:effectLst/>
+                <a:latin typeface="Courier New" panose="02070309020205020404" pitchFamily="49" charset="0"/>
+                <a:cs typeface="Courier New" panose="02070309020205020404" pitchFamily="49" charset="0"/>
+              </a:rPr>
+              <a:t>sys.argv</a:t>
+            </a:r>
+            <a:r>
+              <a:rPr kumimoji="0" lang="en-US" altLang="en-US" sz="1400" b="0" i="0" u="none" strike="noStrike" cap="none" normalizeH="0" baseline="0" dirty="0">
+                <a:ln>
+                  <a:noFill/>
+                </a:ln>
+                <a:solidFill>
+                  <a:srgbClr val="FFFF00"/>
+                </a:solidFill>
+                <a:effectLst/>
+                <a:latin typeface="Courier New" panose="02070309020205020404" pitchFamily="49" charset="0"/>
+                <a:cs typeface="Courier New" panose="02070309020205020404" pitchFamily="49" charset="0"/>
+              </a:rPr>
+              <a:t>[1:]</a:t>
+            </a:r>
+            <a:r>
+              <a:rPr kumimoji="0" lang="en-US" altLang="en-US" sz="1600" b="0" i="0" u="none" strike="noStrike" cap="none" normalizeH="0" baseline="0" dirty="0">
+                <a:ln>
+                  <a:noFill/>
+                </a:ln>
+                <a:effectLst/>
+                <a:ea typeface="Lucida Grande"/>
+              </a:rPr>
+              <a:t>, </a:t>
+            </a:r>
+            <a:r>
+              <a:rPr kumimoji="0" lang="en-US" altLang="en-US" sz="1600" b="0" i="0" u="none" strike="noStrike" cap="none" normalizeH="0" baseline="0" dirty="0">
+                <a:ln>
+                  <a:noFill/>
+                </a:ln>
+                <a:solidFill>
+                  <a:srgbClr val="FFFF00"/>
+                </a:solidFill>
+                <a:effectLst/>
+                <a:ea typeface="Lucida Grande"/>
+              </a:rPr>
+              <a:t>defaulting to</a:t>
+            </a:r>
+            <a:r>
+              <a:rPr kumimoji="0" lang="en-US" altLang="en-US" sz="1600" b="0" i="0" u="none" strike="noStrike" cap="none" normalizeH="0" baseline="0" dirty="0">
+                <a:ln>
+                  <a:noFill/>
+                </a:ln>
+                <a:solidFill>
+                  <a:srgbClr val="FFFF00"/>
+                </a:solidFill>
+                <a:effectLst/>
+                <a:latin typeface="Arial" panose="020B0604020202020204" pitchFamily="34" charset="0"/>
+                <a:ea typeface="Lucida Grande"/>
+              </a:rPr>
+              <a:t> </a:t>
+            </a:r>
+            <a:r>
+              <a:rPr kumimoji="0" lang="en-US" altLang="en-US" sz="1400" b="0" i="0" u="none" strike="noStrike" cap="none" normalizeH="0" baseline="0" dirty="0" err="1">
+                <a:ln>
+                  <a:noFill/>
+                </a:ln>
+                <a:solidFill>
+                  <a:srgbClr val="FFFF00"/>
+                </a:solidFill>
+                <a:effectLst/>
+                <a:latin typeface="Courier New" panose="02070309020205020404" pitchFamily="49" charset="0"/>
+                <a:cs typeface="Courier New" panose="02070309020205020404" pitchFamily="49" charset="0"/>
+              </a:rPr>
+              <a:t>sys.stdin</a:t>
+            </a:r>
+            <a:r>
+              <a:rPr kumimoji="0" lang="en-US" altLang="en-US" sz="1600" b="0" i="0" u="none" strike="noStrike" cap="none" normalizeH="0" baseline="0" dirty="0">
+                <a:ln>
+                  <a:noFill/>
+                </a:ln>
+                <a:solidFill>
+                  <a:srgbClr val="FFFF00"/>
+                </a:solidFill>
+                <a:effectLst/>
+                <a:ea typeface="Lucida Grande"/>
+              </a:rPr>
+              <a:t> </a:t>
+            </a:r>
+            <a:r>
+              <a:rPr kumimoji="0" lang="en-US" altLang="en-US" sz="1600" b="0" i="0" u="none" strike="noStrike" cap="none" normalizeH="0" baseline="0" dirty="0">
+                <a:ln>
+                  <a:noFill/>
+                </a:ln>
+                <a:effectLst/>
+                <a:latin typeface="Arial" panose="020B0604020202020204" pitchFamily="34" charset="0"/>
+                <a:ea typeface="Lucida Grande"/>
+              </a:rPr>
+              <a:t>if the list is empty. If a filename is </a:t>
+            </a:r>
+            <a:r>
+              <a:rPr kumimoji="0" lang="en-US" altLang="en-US" sz="1400" b="0" i="0" u="none" strike="noStrike" cap="none" normalizeH="0" baseline="0" dirty="0">
+                <a:ln>
+                  <a:noFill/>
+                </a:ln>
+                <a:effectLst/>
+                <a:latin typeface="Courier New" panose="02070309020205020404" pitchFamily="49" charset="0"/>
+                <a:cs typeface="Courier New" panose="02070309020205020404" pitchFamily="49" charset="0"/>
+              </a:rPr>
+              <a:t>'-'</a:t>
+            </a:r>
+            <a:r>
+              <a:rPr kumimoji="0" lang="en-US" altLang="en-US" sz="1600" b="0" i="0" u="none" strike="noStrike" cap="none" normalizeH="0" baseline="0" dirty="0">
+                <a:ln>
+                  <a:noFill/>
+                </a:ln>
+                <a:effectLst/>
+                <a:ea typeface="Lucida Grande"/>
+              </a:rPr>
+              <a:t>, it is also replaced by</a:t>
+            </a:r>
+            <a:r>
+              <a:rPr kumimoji="0" lang="en-US" altLang="en-US" sz="1600" b="0" i="0" u="none" strike="noStrike" cap="none" normalizeH="0" baseline="0" dirty="0">
+                <a:ln>
+                  <a:noFill/>
+                </a:ln>
+                <a:effectLst/>
+                <a:latin typeface="Arial" panose="020B0604020202020204" pitchFamily="34" charset="0"/>
+                <a:ea typeface="Lucida Grande"/>
+              </a:rPr>
+              <a:t> </a:t>
+            </a:r>
+            <a:r>
+              <a:rPr kumimoji="0" lang="en-US" altLang="en-US" sz="1400" b="0" i="0" u="none" strike="noStrike" cap="none" normalizeH="0" baseline="0" dirty="0" err="1">
+                <a:ln>
+                  <a:noFill/>
+                </a:ln>
+                <a:effectLst/>
+                <a:latin typeface="Courier New" panose="02070309020205020404" pitchFamily="49" charset="0"/>
+                <a:cs typeface="Courier New" panose="02070309020205020404" pitchFamily="49" charset="0"/>
+              </a:rPr>
+              <a:t>sys.stdin</a:t>
+            </a:r>
+            <a:r>
+              <a:rPr kumimoji="0" lang="en-US" altLang="en-US" sz="1600" b="0" i="0" u="none" strike="noStrike" cap="none" normalizeH="0" baseline="0" dirty="0">
+                <a:ln>
+                  <a:noFill/>
+                </a:ln>
+                <a:effectLst/>
+                <a:ea typeface="Lucida Grande"/>
+              </a:rPr>
+              <a:t> </a:t>
+            </a:r>
+            <a:r>
+              <a:rPr kumimoji="0" lang="en-US" altLang="en-US" sz="1000" b="0" i="0" u="none" strike="noStrike" cap="none" normalizeH="0" baseline="0" dirty="0">
+                <a:ln>
+                  <a:noFill/>
+                </a:ln>
+                <a:effectLst/>
+                <a:latin typeface="Arial" panose="020B0604020202020204" pitchFamily="34" charset="0"/>
+              </a:rPr>
+              <a:t> </a:t>
+            </a:r>
+            <a:endParaRPr kumimoji="0" lang="en-US" altLang="en-US" sz="2400" b="0" i="0" u="none" strike="noStrike" cap="none" normalizeH="0" baseline="0" dirty="0">
+              <a:ln>
+                <a:noFill/>
+              </a:ln>
+              <a:effectLst/>
+              <a:latin typeface="Arial" panose="020B0604020202020204" pitchFamily="34" charset="0"/>
+            </a:endParaRPr>
           </a:p>
           <a:p>
             <a:pPr lvl="1"/>
-            <a:r>
-              <a:rPr lang="en-US" dirty="0" err="1"/>
-              <a:t>file.read</a:t>
-            </a:r>
-            <a:r>
-              <a:rPr lang="en-US" dirty="0"/>
-              <a:t>()                        # get the whole content of the file, return str. Or can specify how many characters to read.</a:t>
-            </a:r>
-          </a:p>
-          <a:p>
-            <a:pPr lvl="1"/>
-            <a:r>
-              <a:rPr lang="en-US" dirty="0" err="1"/>
-              <a:t>file.readline</a:t>
-            </a:r>
-            <a:r>
-              <a:rPr lang="en-US" dirty="0"/>
-              <a:t>()                 # get one line of the file, return str. When file end, return empty str</a:t>
-            </a:r>
-          </a:p>
-          <a:p>
-            <a:pPr lvl="1"/>
-            <a:r>
-              <a:rPr lang="en-US" dirty="0" err="1"/>
-              <a:t>File.readlines</a:t>
-            </a:r>
-            <a:r>
-              <a:rPr lang="en-US" dirty="0"/>
-              <a:t>()               # get whole content and return a list contain all lines</a:t>
-            </a:r>
-          </a:p>
-          <a:p>
-            <a:r>
-              <a:rPr lang="en-US" dirty="0"/>
-              <a:t>To write to the file: (file opened with ‘w’, or ‘r+’)</a:t>
-            </a:r>
-          </a:p>
-          <a:p>
-            <a:pPr lvl="1"/>
-            <a:r>
-              <a:rPr lang="en-US" dirty="0" err="1"/>
-              <a:t>file.write</a:t>
-            </a:r>
-            <a:r>
-              <a:rPr lang="en-US" dirty="0"/>
-              <a:t>()                      # write a str content into the file. (new line must use ‘\n’. python will write the exact content of str)</a:t>
-            </a:r>
-          </a:p>
-          <a:p>
-            <a:pPr lvl="1"/>
-            <a:r>
-              <a:rPr lang="en-US" dirty="0" err="1"/>
-              <a:t>file.close</a:t>
-            </a:r>
-            <a:r>
-              <a:rPr lang="en-US" dirty="0"/>
-              <a:t>()                      # close the file object, terminate all resources in use.</a:t>
-            </a:r>
+            <a:endParaRPr lang="en-US" dirty="0"/>
           </a:p>
         </p:txBody>
       </p:sp>
     </p:spTree>
     <p:extLst>
       <p:ext uri="{BB962C8B-B14F-4D97-AF65-F5344CB8AC3E}">
-        <p14:creationId xmlns:p14="http://schemas.microsoft.com/office/powerpoint/2010/main" val="796817006"/>
+        <p14:creationId xmlns:p14="http://schemas.microsoft.com/office/powerpoint/2010/main" val="907979361"/>
       </p:ext>
     </p:extLst>
   </p:cSld>
@@ -7651,10 +8036,10 @@
       </p:grpSpPr>
       <p:sp>
         <p:nvSpPr>
-          <p:cNvPr id="2" name="标题 1">
+          <p:cNvPr id="2" name="Title 1">
             <a:extLst>
               <a:ext uri="{FF2B5EF4-FFF2-40B4-BE49-F238E27FC236}">
-                <a16:creationId xmlns:a16="http://schemas.microsoft.com/office/drawing/2014/main" id="{5EC01E2D-9CFE-4D5D-8863-3BA90731F07B}"/>
+                <a16:creationId xmlns:a16="http://schemas.microsoft.com/office/drawing/2014/main" id="{D947D2DF-FCBF-47C3-9EC9-872096C568C7}"/>
               </a:ext>
             </a:extLst>
           </p:cNvPr>
@@ -7671,8 +8056,16 @@
           <a:lstStyle/>
           <a:p>
             <a:r>
+              <a:rPr lang="en-US" dirty="0"/>
+              <a:t>What is </a:t>
+            </a:r>
+            <a:r>
               <a:rPr lang="en-US" dirty="0" err="1"/>
-              <a:t>pathlib</a:t>
+              <a:t>stdout</a:t>
+            </a:r>
+            <a:r>
+              <a:rPr lang="en-US" dirty="0"/>
+              <a:t> and how to use it</a:t>
             </a:r>
             <a:endParaRPr lang="en-MY" dirty="0"/>
           </a:p>
@@ -7680,10 +8073,10 @@
       </p:sp>
       <p:sp>
         <p:nvSpPr>
-          <p:cNvPr id="9" name="内容占位符 8">
+          <p:cNvPr id="28" name="内容占位符 2">
             <a:extLst>
               <a:ext uri="{FF2B5EF4-FFF2-40B4-BE49-F238E27FC236}">
-                <a16:creationId xmlns:a16="http://schemas.microsoft.com/office/drawing/2014/main" id="{B3A91969-9FC0-40D6-97FB-CB169B0FD70D}"/>
+                <a16:creationId xmlns:a16="http://schemas.microsoft.com/office/drawing/2014/main" id="{39D71EE6-7BB9-465D-AA60-A5E6C460D83A}"/>
               </a:ext>
             </a:extLst>
           </p:cNvPr>
@@ -7696,78 +8089,100 @@
         </p:nvSpPr>
         <p:spPr>
           <a:xfrm>
-            <a:off x="685802" y="2142067"/>
-            <a:ext cx="11245786" cy="4240978"/>
+            <a:off x="685801" y="2142067"/>
+            <a:ext cx="9259387" cy="2749973"/>
           </a:xfrm>
         </p:spPr>
         <p:txBody>
-          <a:bodyPr>
+          <a:bodyPr anchor="t">
             <a:normAutofit/>
           </a:bodyPr>
           <a:lstStyle/>
           <a:p>
+            <a:pPr marL="0" indent="0">
+              <a:buNone/>
+            </a:pPr>
+            <a:r>
+              <a:rPr lang="en-US" dirty="0" err="1"/>
+              <a:t>stdout</a:t>
+            </a:r>
             <a:r>
               <a:rPr lang="en-US" dirty="0"/>
-              <a:t>A new package in python which gives easy way specify the path and file name.</a:t>
+              <a:t> is one output device, for computer to send information so that human can read</a:t>
+            </a:r>
+          </a:p>
+          <a:p>
+            <a:r>
+              <a:rPr lang="en-US" dirty="0"/>
+              <a:t>Use </a:t>
+            </a:r>
+            <a:r>
+              <a:rPr lang="en-US" b="1" dirty="0">
+                <a:solidFill>
+                  <a:srgbClr val="FFFF00"/>
+                </a:solidFill>
+              </a:rPr>
+              <a:t>print()</a:t>
+            </a:r>
+            <a:r>
+              <a:rPr lang="en-US" dirty="0"/>
+              <a:t> function in python. (a build-in function, no need import anything)</a:t>
+            </a:r>
+          </a:p>
+          <a:p>
+            <a:r>
+              <a:rPr lang="en-US" dirty="0"/>
+              <a:t>Use </a:t>
+            </a:r>
+            <a:r>
+              <a:rPr lang="en-US" b="1" dirty="0" err="1">
+                <a:solidFill>
+                  <a:srgbClr val="FFFF00"/>
+                </a:solidFill>
+              </a:rPr>
+              <a:t>sys.stdout</a:t>
+            </a:r>
+            <a:r>
+              <a:rPr lang="en-US" b="1" dirty="0">
+                <a:solidFill>
+                  <a:srgbClr val="FFFF00"/>
+                </a:solidFill>
+              </a:rPr>
+              <a:t> </a:t>
+            </a:r>
+            <a:r>
+              <a:rPr lang="en-US" dirty="0"/>
+              <a:t>device. (need import sys)</a:t>
+            </a:r>
+          </a:p>
+          <a:p>
+            <a:pPr lvl="1"/>
+            <a:r>
+              <a:rPr lang="en-US" dirty="0" err="1"/>
+              <a:t>sys.stdout.write</a:t>
+            </a:r>
+            <a:r>
+              <a:rPr lang="en-US" dirty="0"/>
+              <a:t>(“the message you want to output to </a:t>
+            </a:r>
+            <a:r>
+              <a:rPr lang="en-US" dirty="0" err="1"/>
+              <a:t>stdout</a:t>
+            </a:r>
+            <a:r>
+              <a:rPr lang="en-US" dirty="0"/>
+              <a:t>…”)</a:t>
             </a:r>
           </a:p>
           <a:p>
             <a:endParaRPr lang="en-US" dirty="0"/>
-          </a:p>
-          <a:p>
-            <a:r>
-              <a:rPr lang="en-US" dirty="0"/>
-              <a:t>Support ‘/’ to be used for specifying path.</a:t>
-            </a:r>
-          </a:p>
-          <a:p>
-            <a:endParaRPr lang="en-US" dirty="0"/>
-          </a:p>
-          <a:p>
-            <a:r>
-              <a:rPr lang="en-US" dirty="0"/>
-              <a:t>Has various </a:t>
-            </a:r>
-            <a:r>
-              <a:rPr lang="en-US" dirty="0" err="1"/>
-              <a:t>mathods</a:t>
-            </a:r>
-            <a:r>
-              <a:rPr lang="en-US" dirty="0"/>
-              <a:t> to help make file search, open, and process</a:t>
-            </a:r>
-          </a:p>
-          <a:p>
-            <a:pPr lvl="1"/>
-            <a:r>
-              <a:rPr lang="en-US" dirty="0" err="1"/>
-              <a:t>iterdir</a:t>
-            </a:r>
-            <a:r>
-              <a:rPr lang="en-US" dirty="0"/>
-              <a:t>()</a:t>
-            </a:r>
-          </a:p>
-          <a:p>
-            <a:pPr lvl="1"/>
-            <a:r>
-              <a:rPr lang="en-US" dirty="0"/>
-              <a:t>open()</a:t>
-            </a:r>
-          </a:p>
-          <a:p>
-            <a:pPr lvl="1"/>
-            <a:r>
-              <a:rPr lang="en-US" dirty="0"/>
-              <a:t>exists()</a:t>
-            </a:r>
           </a:p>
         </p:txBody>
       </p:sp>
     </p:spTree>
     <p:extLst>
       <p:ext uri="{BB962C8B-B14F-4D97-AF65-F5344CB8AC3E}">
-        <p14:creationId xmlns:p14="http://schemas.microsoft.com/office/powerpoint/2010/main" val="1732110910"/>
+        <p14:creationId xmlns:p14="http://schemas.microsoft.com/office/powerpoint/2010/main" val="2638260007"/>
       </p:ext>
     </p:extLst>
   </p:cSld>
@@ -7796,10 +8211,10 @@
       </p:grpSpPr>
       <p:sp>
         <p:nvSpPr>
-          <p:cNvPr id="2" name="标题 1">
+          <p:cNvPr id="2" name="Title 1">
             <a:extLst>
               <a:ext uri="{FF2B5EF4-FFF2-40B4-BE49-F238E27FC236}">
-                <a16:creationId xmlns:a16="http://schemas.microsoft.com/office/drawing/2014/main" id="{5EC01E2D-9CFE-4D5D-8863-3BA90731F07B}"/>
+                <a16:creationId xmlns:a16="http://schemas.microsoft.com/office/drawing/2014/main" id="{D947D2DF-FCBF-47C3-9EC9-872096C568C7}"/>
               </a:ext>
             </a:extLst>
           </p:cNvPr>
@@ -7816,8 +8231,8 @@
           <a:lstStyle/>
           <a:p>
             <a:r>
-              <a:rPr lang="en-US" altLang="zh-CN" dirty="0"/>
-              <a:t>Word analysis</a:t>
+              <a:rPr lang="en-US" dirty="0"/>
+              <a:t>Command line redirection of input/output</a:t>
             </a:r>
             <a:endParaRPr lang="en-MY" dirty="0"/>
           </a:p>
@@ -7825,10 +8240,10 @@
       </p:sp>
       <p:sp>
         <p:nvSpPr>
-          <p:cNvPr id="9" name="内容占位符 8">
+          <p:cNvPr id="28" name="内容占位符 2">
             <a:extLst>
               <a:ext uri="{FF2B5EF4-FFF2-40B4-BE49-F238E27FC236}">
-                <a16:creationId xmlns:a16="http://schemas.microsoft.com/office/drawing/2014/main" id="{B3A91969-9FC0-40D6-97FB-CB169B0FD70D}"/>
+                <a16:creationId xmlns:a16="http://schemas.microsoft.com/office/drawing/2014/main" id="{39D71EE6-7BB9-465D-AA60-A5E6C460D83A}"/>
               </a:ext>
             </a:extLst>
           </p:cNvPr>
@@ -7842,36 +8257,70 @@
         <p:spPr>
           <a:xfrm>
             <a:off x="685802" y="2142067"/>
-            <a:ext cx="10411285" cy="2650067"/>
+            <a:ext cx="8172972" cy="2749973"/>
           </a:xfrm>
         </p:spPr>
         <p:txBody>
-          <a:bodyPr>
+          <a:bodyPr anchor="t">
             <a:normAutofit/>
           </a:bodyPr>
           <a:lstStyle/>
           <a:p>
             <a:r>
               <a:rPr lang="en-US" dirty="0"/>
-              <a:t>Open file to read the text</a:t>
-            </a:r>
-          </a:p>
-          <a:p>
+              <a:t>Command line ‘&gt;’ redirect </a:t>
+            </a:r>
+            <a:r>
+              <a:rPr lang="en-US" dirty="0" err="1"/>
+              <a:t>stdout</a:t>
+            </a:r>
             <a:r>
               <a:rPr lang="en-US" dirty="0"/>
-              <a:t>Count each word how many times appeared</a:t>
-            </a:r>
-          </a:p>
-          <a:p>
-            <a:pPr lvl="1"/>
-            <a:endParaRPr lang="en-US" dirty="0"/>
-          </a:p>
-        </p:txBody>
-      </p:sp>
+              <a:t> to a file</a:t>
+            </a:r>
+          </a:p>
+          <a:p>
+            <a:r>
+              <a:rPr lang="en-US" dirty="0"/>
+              <a:t>Command line ‘&lt;‘ redirect stdin from a file</a:t>
+            </a:r>
+          </a:p>
+        </p:txBody>
+      </p:sp>
+      <p:pic>
+        <p:nvPicPr>
+          <p:cNvPr id="5" name="Picture 4">
+            <a:extLst>
+              <a:ext uri="{FF2B5EF4-FFF2-40B4-BE49-F238E27FC236}">
+                <a16:creationId xmlns:a16="http://schemas.microsoft.com/office/drawing/2014/main" id="{23A6D3FD-0510-4045-BA2A-CA4A2485A7FB}"/>
+              </a:ext>
+            </a:extLst>
+          </p:cNvPr>
+          <p:cNvPicPr>
+            <a:picLocks noChangeAspect="1"/>
+          </p:cNvPicPr>
+          <p:nvPr/>
+        </p:nvPicPr>
+        <p:blipFill>
+          <a:blip r:embed="rId2"/>
+          <a:stretch>
+            <a:fillRect/>
+          </a:stretch>
+        </p:blipFill>
+        <p:spPr>
+          <a:xfrm>
+            <a:off x="848967" y="3595223"/>
+            <a:ext cx="8497486" cy="1009791"/>
+          </a:xfrm>
+          <a:prstGeom prst="rect">
+            <a:avLst/>
+          </a:prstGeom>
+        </p:spPr>
+      </p:pic>
     </p:spTree>
     <p:extLst>
       <p:ext uri="{BB962C8B-B14F-4D97-AF65-F5344CB8AC3E}">
-        <p14:creationId xmlns:p14="http://schemas.microsoft.com/office/powerpoint/2010/main" val="2389731973"/>
+        <p14:creationId xmlns:p14="http://schemas.microsoft.com/office/powerpoint/2010/main" val="3838781653"/>
       </p:ext>
     </p:extLst>
   </p:cSld>
@@ -7900,10 +8349,10 @@
       </p:grpSpPr>
       <p:sp>
         <p:nvSpPr>
-          <p:cNvPr id="2" name="标题 1">
+          <p:cNvPr id="2" name="Title 1">
             <a:extLst>
               <a:ext uri="{FF2B5EF4-FFF2-40B4-BE49-F238E27FC236}">
-                <a16:creationId xmlns:a16="http://schemas.microsoft.com/office/drawing/2014/main" id="{5EC01E2D-9CFE-4D5D-8863-3BA90731F07B}"/>
+                <a16:creationId xmlns:a16="http://schemas.microsoft.com/office/drawing/2014/main" id="{48E3133C-2D11-4AD1-B0B5-30549934DD31}"/>
               </a:ext>
             </a:extLst>
           </p:cNvPr>
@@ -7920,8 +8369,8 @@
           <a:lstStyle/>
           <a:p>
             <a:r>
-              <a:rPr lang="en-US" altLang="zh-CN" dirty="0"/>
-              <a:t>json module</a:t>
+              <a:rPr lang="en-US" dirty="0" err="1"/>
+              <a:t>fileinput</a:t>
             </a:r>
             <a:endParaRPr lang="en-MY" dirty="0"/>
           </a:p>
@@ -7929,10 +8378,10 @@
       </p:sp>
       <p:sp>
         <p:nvSpPr>
-          <p:cNvPr id="9" name="内容占位符 8">
+          <p:cNvPr id="3" name="Content Placeholder 2">
             <a:extLst>
               <a:ext uri="{FF2B5EF4-FFF2-40B4-BE49-F238E27FC236}">
-                <a16:creationId xmlns:a16="http://schemas.microsoft.com/office/drawing/2014/main" id="{B3A91969-9FC0-40D6-97FB-CB169B0FD70D}"/>
+                <a16:creationId xmlns:a16="http://schemas.microsoft.com/office/drawing/2014/main" id="{17D0C3F3-5065-4C0B-9C49-527158490795}"/>
               </a:ext>
             </a:extLst>
           </p:cNvPr>
@@ -7945,657 +8394,113 @@
         </p:nvSpPr>
         <p:spPr>
           <a:xfrm>
-            <a:off x="685802" y="1812022"/>
-            <a:ext cx="10505112" cy="4530055"/>
+            <a:off x="685801" y="1920725"/>
+            <a:ext cx="10131425" cy="1963298"/>
           </a:xfrm>
         </p:spPr>
         <p:txBody>
-          <a:bodyPr>
-            <a:normAutofit fontScale="92500" lnSpcReduction="10000"/>
+          <a:bodyPr anchor="t">
+            <a:normAutofit lnSpcReduction="10000"/>
           </a:bodyPr>
           <a:lstStyle/>
           <a:p>
             <a:r>
               <a:rPr lang="en-US" dirty="0"/>
-              <a:t>.json files.</a:t>
-            </a:r>
-          </a:p>
-          <a:p>
-            <a:pPr lvl="1"/>
+              <a:t>The </a:t>
+            </a:r>
+            <a:r>
+              <a:rPr lang="en-US" dirty="0" err="1"/>
+              <a:t>fileinput</a:t>
+            </a:r>
             <a:r>
               <a:rPr lang="en-US" dirty="0"/>
-              <a:t>JavaScript Object Notation.</a:t>
-            </a:r>
-          </a:p>
-          <a:p>
-            <a:pPr lvl="1"/>
+              <a:t>: can read from a list of files, file name specified by </a:t>
+            </a:r>
+            <a:r>
+              <a:rPr lang="en-US" dirty="0" err="1"/>
+              <a:t>args</a:t>
+            </a:r>
+            <a:r>
+              <a:rPr lang="en-US" dirty="0"/>
+              <a:t>[1:]</a:t>
+            </a:r>
+          </a:p>
+          <a:p>
+            <a:r>
+              <a:rPr lang="en-US" dirty="0"/>
+              <a:t>If have ‘-’, this will be stdin</a:t>
+            </a:r>
+          </a:p>
+          <a:p>
+            <a:r>
+              <a:rPr lang="en-US" dirty="0"/>
+              <a:t>If have no </a:t>
+            </a:r>
+            <a:r>
+              <a:rPr lang="en-US" dirty="0" err="1"/>
+              <a:t>args</a:t>
+            </a:r>
+            <a:r>
+              <a:rPr lang="en-US" dirty="0"/>
+              <a:t>[1] and after, default will read from stdin.</a:t>
+            </a:r>
+          </a:p>
+          <a:p>
+            <a:r>
+              <a:rPr lang="en-MY" dirty="0" err="1"/>
+              <a:t>Ctrl+z</a:t>
+            </a:r>
             <a:r>
               <a:rPr lang="en-MY" dirty="0"/>
-              <a:t>a syntax for storing and exchanging data. Is text, written with JavaScript object notation</a:t>
-            </a:r>
-            <a:endParaRPr lang="en-US" dirty="0"/>
-          </a:p>
-          <a:p>
+              <a:t> as EOF from stdin, if run the program in windows cmd.</a:t>
+            </a:r>
+          </a:p>
+          <a:p>
+            <a:r>
+              <a:rPr lang="en-MY" dirty="0" err="1"/>
+              <a:t>Ctrl+d</a:t>
+            </a:r>
             <a:r>
               <a:rPr lang="en-MY" dirty="0"/>
-              <a:t>JSON Syntax Rules</a:t>
-            </a:r>
-          </a:p>
-          <a:p>
-            <a:pPr lvl="1"/>
-            <a:r>
-              <a:rPr lang="en-MY" dirty="0"/>
-              <a:t>Data is in name/value pairs. Using double quotes for name. if value is string also use double quotes</a:t>
-            </a:r>
-          </a:p>
-          <a:p>
-            <a:pPr lvl="1"/>
-            <a:r>
-              <a:rPr lang="en-MY" dirty="0"/>
-              <a:t>Data is separated by commas</a:t>
-            </a:r>
-          </a:p>
-          <a:p>
-            <a:pPr lvl="1"/>
-            <a:r>
-              <a:rPr lang="en-MY" dirty="0"/>
-              <a:t>Curly braces hold objects</a:t>
-            </a:r>
-          </a:p>
-          <a:p>
-            <a:pPr lvl="1"/>
-            <a:r>
-              <a:rPr lang="en-MY" dirty="0"/>
-              <a:t>Square brackets hold arrays</a:t>
-            </a:r>
-            <a:endParaRPr lang="en-US" dirty="0"/>
-          </a:p>
-          <a:p>
-            <a:r>
-              <a:rPr lang="en-US" dirty="0"/>
-              <a:t>Python module json for support json file processing.</a:t>
-            </a:r>
-          </a:p>
-          <a:p>
-            <a:r>
-              <a:rPr lang="en-US" dirty="0"/>
-              <a:t>import json</a:t>
-            </a:r>
-          </a:p>
-          <a:p>
-            <a:pPr lvl="1"/>
-            <a:r>
-              <a:rPr lang="en-US" dirty="0" err="1"/>
-              <a:t>json.loads</a:t>
-            </a:r>
-            <a:r>
-              <a:rPr lang="en-US" dirty="0"/>
-              <a:t>(), will parse the json string text data and give python </a:t>
-            </a:r>
-            <a:r>
-              <a:rPr lang="en-US" dirty="0" err="1"/>
-              <a:t>dict</a:t>
-            </a:r>
-            <a:r>
-              <a:rPr lang="en-US" dirty="0"/>
-              <a:t> </a:t>
-            </a:r>
-          </a:p>
-          <a:p>
-            <a:pPr lvl="1"/>
-            <a:r>
-              <a:rPr lang="en-US" dirty="0" err="1"/>
-              <a:t>json.dumps</a:t>
-            </a:r>
-            <a:r>
-              <a:rPr lang="en-US" dirty="0"/>
-              <a:t>(), take a python dictionary obj, and return a string of json syntax. Can send to other server, or write it to file for storage.</a:t>
-            </a:r>
-          </a:p>
-        </p:txBody>
-      </p:sp>
+              <a:t> as EOF from stdin, if run the program in IDLE shell.</a:t>
+            </a:r>
+          </a:p>
+        </p:txBody>
+      </p:sp>
+      <p:pic>
+        <p:nvPicPr>
+          <p:cNvPr id="6" name="Picture 5" descr="Text&#10;&#10;Description automatically generated">
+            <a:extLst>
+              <a:ext uri="{FF2B5EF4-FFF2-40B4-BE49-F238E27FC236}">
+                <a16:creationId xmlns:a16="http://schemas.microsoft.com/office/drawing/2014/main" id="{5E06AA65-3C39-469B-9A64-8C9D2DD6D5AE}"/>
+              </a:ext>
+            </a:extLst>
+          </p:cNvPr>
+          <p:cNvPicPr>
+            <a:picLocks noChangeAspect="1"/>
+          </p:cNvPicPr>
+          <p:nvPr/>
+        </p:nvPicPr>
+        <p:blipFill>
+          <a:blip r:embed="rId2"/>
+          <a:stretch>
+            <a:fillRect/>
+          </a:stretch>
+        </p:blipFill>
+        <p:spPr>
+          <a:xfrm>
+            <a:off x="767351" y="4133555"/>
+            <a:ext cx="8459381" cy="2114845"/>
+          </a:xfrm>
+          <a:prstGeom prst="rect">
+            <a:avLst/>
+          </a:prstGeom>
+        </p:spPr>
+      </p:pic>
     </p:spTree>
     <p:extLst>
       <p:ext uri="{BB962C8B-B14F-4D97-AF65-F5344CB8AC3E}">
-        <p14:creationId xmlns:p14="http://schemas.microsoft.com/office/powerpoint/2010/main" val="386236625"/>
-      </p:ext>
-    </p:extLst>
-  </p:cSld>
-  <p:clrMapOvr>
-    <a:masterClrMapping/>
-  </p:clrMapOvr>
-</p:sld>
-</file>
-
-<file path=ppt/slides/slide6.xml><?xml version="1.0" encoding="utf-8"?>
-<p:sld xmlns:a="http://schemas.openxmlformats.org/drawingml/2006/main" xmlns:r="http://schemas.openxmlformats.org/officeDocument/2006/relationships" xmlns:p="http://schemas.openxmlformats.org/presentationml/2006/main">
-  <p:cSld>
-    <p:spTree>
-      <p:nvGrpSpPr>
-        <p:cNvPr id="1" name=""/>
-        <p:cNvGrpSpPr/>
-        <p:nvPr/>
-      </p:nvGrpSpPr>
-      <p:grpSpPr>
-        <a:xfrm>
-          <a:off x="0" y="0"/>
-          <a:ext cx="0" cy="0"/>
-          <a:chOff x="0" y="0"/>
-          <a:chExt cx="0" cy="0"/>
-        </a:xfrm>
-      </p:grpSpPr>
-      <p:sp>
-        <p:nvSpPr>
-          <p:cNvPr id="2" name="标题 1">
-            <a:extLst>
-              <a:ext uri="{FF2B5EF4-FFF2-40B4-BE49-F238E27FC236}">
-                <a16:creationId xmlns:a16="http://schemas.microsoft.com/office/drawing/2014/main" id="{5EC01E2D-9CFE-4D5D-8863-3BA90731F07B}"/>
-              </a:ext>
-            </a:extLst>
-          </p:cNvPr>
-          <p:cNvSpPr>
-            <a:spLocks noGrp="1"/>
-          </p:cNvSpPr>
-          <p:nvPr>
-            <p:ph type="title"/>
-          </p:nvPr>
-        </p:nvSpPr>
-        <p:spPr/>
-        <p:txBody>
-          <a:bodyPr/>
-          <a:lstStyle/>
-          <a:p>
-            <a:r>
-              <a:rPr lang="en-US" altLang="zh-CN" dirty="0"/>
-              <a:t>anagram</a:t>
-            </a:r>
-            <a:endParaRPr lang="en-MY" dirty="0"/>
-          </a:p>
-        </p:txBody>
-      </p:sp>
-      <p:sp>
-        <p:nvSpPr>
-          <p:cNvPr id="9" name="内容占位符 8">
-            <a:extLst>
-              <a:ext uri="{FF2B5EF4-FFF2-40B4-BE49-F238E27FC236}">
-                <a16:creationId xmlns:a16="http://schemas.microsoft.com/office/drawing/2014/main" id="{B3A91969-9FC0-40D6-97FB-CB169B0FD70D}"/>
-              </a:ext>
-            </a:extLst>
-          </p:cNvPr>
-          <p:cNvSpPr>
-            <a:spLocks noGrp="1"/>
-          </p:cNvSpPr>
-          <p:nvPr>
-            <p:ph idx="1"/>
-          </p:nvPr>
-        </p:nvSpPr>
-        <p:spPr>
-          <a:xfrm>
-            <a:off x="685802" y="2142067"/>
-            <a:ext cx="10411285" cy="2650067"/>
-          </a:xfrm>
-        </p:spPr>
-        <p:txBody>
-          <a:bodyPr>
-            <a:normAutofit/>
-          </a:bodyPr>
-          <a:lstStyle/>
-          <a:p>
-            <a:r>
-              <a:rPr lang="en-US" dirty="0"/>
-              <a:t>Anagram is a word/phrase game by rearranging the letters.</a:t>
-            </a:r>
-          </a:p>
-          <a:p>
-            <a:endParaRPr lang="en-US" dirty="0"/>
-          </a:p>
-          <a:p>
-            <a:r>
-              <a:rPr lang="en-US" dirty="0"/>
-              <a:t>The game plays like this:</a:t>
-            </a:r>
-          </a:p>
-          <a:p>
-            <a:pPr lvl="1"/>
-            <a:r>
-              <a:rPr lang="en-US" dirty="0"/>
-              <a:t>Prompt to the player with the rearranged word, and give a hint: the meaning of the word</a:t>
-            </a:r>
-          </a:p>
-          <a:p>
-            <a:pPr lvl="1"/>
-            <a:r>
-              <a:rPr lang="en-US" dirty="0"/>
-              <a:t>Let the player to guest what is the original word.</a:t>
-            </a:r>
-          </a:p>
-          <a:p>
-            <a:pPr lvl="1"/>
-            <a:endParaRPr lang="en-US" dirty="0"/>
-          </a:p>
-        </p:txBody>
-      </p:sp>
-    </p:spTree>
-    <p:extLst>
-      <p:ext uri="{BB962C8B-B14F-4D97-AF65-F5344CB8AC3E}">
-        <p14:creationId xmlns:p14="http://schemas.microsoft.com/office/powerpoint/2010/main" val="1470482827"/>
-      </p:ext>
-    </p:extLst>
-  </p:cSld>
-  <p:clrMapOvr>
-    <a:masterClrMapping/>
-  </p:clrMapOvr>
-</p:sld>
-</file>
-
-<file path=ppt/slides/slide7.xml><?xml version="1.0" encoding="utf-8"?>
-<p:sld xmlns:a="http://schemas.openxmlformats.org/drawingml/2006/main" xmlns:r="http://schemas.openxmlformats.org/officeDocument/2006/relationships" xmlns:p="http://schemas.openxmlformats.org/presentationml/2006/main">
-  <p:cSld>
-    <p:spTree>
-      <p:nvGrpSpPr>
-        <p:cNvPr id="1" name=""/>
-        <p:cNvGrpSpPr/>
-        <p:nvPr/>
-      </p:nvGrpSpPr>
-      <p:grpSpPr>
-        <a:xfrm>
-          <a:off x="0" y="0"/>
-          <a:ext cx="0" cy="0"/>
-          <a:chOff x="0" y="0"/>
-          <a:chExt cx="0" cy="0"/>
-        </a:xfrm>
-      </p:grpSpPr>
-      <p:sp>
-        <p:nvSpPr>
-          <p:cNvPr id="2" name="标题 1">
-            <a:extLst>
-              <a:ext uri="{FF2B5EF4-FFF2-40B4-BE49-F238E27FC236}">
-                <a16:creationId xmlns:a16="http://schemas.microsoft.com/office/drawing/2014/main" id="{5EC01E2D-9CFE-4D5D-8863-3BA90731F07B}"/>
-              </a:ext>
-            </a:extLst>
-          </p:cNvPr>
-          <p:cNvSpPr>
-            <a:spLocks noGrp="1"/>
-          </p:cNvSpPr>
-          <p:nvPr>
-            <p:ph type="title"/>
-          </p:nvPr>
-        </p:nvSpPr>
-        <p:spPr/>
-        <p:txBody>
-          <a:bodyPr/>
-          <a:lstStyle/>
-          <a:p>
-            <a:r>
-              <a:rPr lang="en-US" altLang="zh-CN" dirty="0"/>
-              <a:t>Csv module</a:t>
-            </a:r>
-            <a:endParaRPr lang="en-MY" dirty="0"/>
-          </a:p>
-        </p:txBody>
-      </p:sp>
-      <p:sp>
-        <p:nvSpPr>
-          <p:cNvPr id="9" name="内容占位符 8">
-            <a:extLst>
-              <a:ext uri="{FF2B5EF4-FFF2-40B4-BE49-F238E27FC236}">
-                <a16:creationId xmlns:a16="http://schemas.microsoft.com/office/drawing/2014/main" id="{B3A91969-9FC0-40D6-97FB-CB169B0FD70D}"/>
-              </a:ext>
-            </a:extLst>
-          </p:cNvPr>
-          <p:cNvSpPr>
-            <a:spLocks noGrp="1"/>
-          </p:cNvSpPr>
-          <p:nvPr>
-            <p:ph idx="1"/>
-          </p:nvPr>
-        </p:nvSpPr>
-        <p:spPr>
-          <a:xfrm>
-            <a:off x="685802" y="2142067"/>
-            <a:ext cx="10411285" cy="3424232"/>
-          </a:xfrm>
-        </p:spPr>
-        <p:txBody>
-          <a:bodyPr>
-            <a:normAutofit/>
-          </a:bodyPr>
-          <a:lstStyle/>
-          <a:p>
-            <a:r>
-              <a:rPr lang="en-US" dirty="0"/>
-              <a:t>.csv files, are comma-separated values. Is a text file, each line is a row record, and each column in one record, records are separated by comma. </a:t>
-            </a:r>
-            <a:r>
-              <a:rPr lang="en-US"/>
-              <a:t>(Tabular data)</a:t>
-            </a:r>
-            <a:endParaRPr lang="en-US" dirty="0"/>
-          </a:p>
-          <a:p>
-            <a:r>
-              <a:rPr lang="en-US" dirty="0"/>
-              <a:t>.csv is an import format to exchange data, since many program/software can deal with it. Microsoft excel support this file format.</a:t>
-            </a:r>
-          </a:p>
-          <a:p>
-            <a:r>
-              <a:rPr lang="en-US" dirty="0"/>
-              <a:t>Python module csv for support csv file processing.</a:t>
-            </a:r>
-          </a:p>
-          <a:p>
-            <a:r>
-              <a:rPr lang="en-US" dirty="0"/>
-              <a:t>import csv</a:t>
-            </a:r>
-          </a:p>
-          <a:p>
-            <a:pPr lvl="1"/>
-            <a:r>
-              <a:rPr lang="en-US" dirty="0" err="1"/>
-              <a:t>csv.reader</a:t>
-            </a:r>
-            <a:r>
-              <a:rPr lang="en-US" dirty="0"/>
-              <a:t>(), create a reader, which is </a:t>
-            </a:r>
-            <a:r>
-              <a:rPr lang="en-US" dirty="0" err="1"/>
-              <a:t>iterable</a:t>
-            </a:r>
-            <a:r>
-              <a:rPr lang="en-US" dirty="0"/>
-              <a:t>, gives one row each iteration</a:t>
-            </a:r>
-          </a:p>
-          <a:p>
-            <a:pPr lvl="1"/>
-            <a:r>
-              <a:rPr lang="en-US" dirty="0" err="1"/>
-              <a:t>csv.writer</a:t>
-            </a:r>
-            <a:r>
-              <a:rPr lang="en-US" dirty="0"/>
-              <a:t>(), create a writer. </a:t>
-            </a:r>
-            <a:r>
-              <a:rPr lang="en-US" dirty="0" err="1"/>
-              <a:t>writerow</a:t>
-            </a:r>
-            <a:r>
-              <a:rPr lang="en-US" dirty="0"/>
-              <a:t>() function will write a row of data into file. File should using newline=‘’</a:t>
-            </a:r>
-          </a:p>
-        </p:txBody>
-      </p:sp>
-    </p:spTree>
-    <p:extLst>
-      <p:ext uri="{BB962C8B-B14F-4D97-AF65-F5344CB8AC3E}">
-        <p14:creationId xmlns:p14="http://schemas.microsoft.com/office/powerpoint/2010/main" val="2828961167"/>
-      </p:ext>
-    </p:extLst>
-  </p:cSld>
-  <p:clrMapOvr>
-    <a:masterClrMapping/>
-  </p:clrMapOvr>
-</p:sld>
-</file>
-
-<file path=ppt/slides/slide8.xml><?xml version="1.0" encoding="utf-8"?>
-<p:sld xmlns:a="http://schemas.openxmlformats.org/drawingml/2006/main" xmlns:r="http://schemas.openxmlformats.org/officeDocument/2006/relationships" xmlns:p="http://schemas.openxmlformats.org/presentationml/2006/main">
-  <p:cSld>
-    <p:spTree>
-      <p:nvGrpSpPr>
-        <p:cNvPr id="1" name=""/>
-        <p:cNvGrpSpPr/>
-        <p:nvPr/>
-      </p:nvGrpSpPr>
-      <p:grpSpPr>
-        <a:xfrm>
-          <a:off x="0" y="0"/>
-          <a:ext cx="0" cy="0"/>
-          <a:chOff x="0" y="0"/>
-          <a:chExt cx="0" cy="0"/>
-        </a:xfrm>
-      </p:grpSpPr>
-      <p:sp>
-        <p:nvSpPr>
-          <p:cNvPr id="2" name="标题 1">
-            <a:extLst>
-              <a:ext uri="{FF2B5EF4-FFF2-40B4-BE49-F238E27FC236}">
-                <a16:creationId xmlns:a16="http://schemas.microsoft.com/office/drawing/2014/main" id="{5EC01E2D-9CFE-4D5D-8863-3BA90731F07B}"/>
-              </a:ext>
-            </a:extLst>
-          </p:cNvPr>
-          <p:cNvSpPr>
-            <a:spLocks noGrp="1"/>
-          </p:cNvSpPr>
-          <p:nvPr>
-            <p:ph type="title"/>
-          </p:nvPr>
-        </p:nvSpPr>
-        <p:spPr/>
-        <p:txBody>
-          <a:bodyPr/>
-          <a:lstStyle/>
-          <a:p>
-            <a:r>
-              <a:rPr lang="en-US" altLang="zh-CN" dirty="0" err="1"/>
-              <a:t>itertools</a:t>
-            </a:r>
-            <a:r>
-              <a:rPr lang="en-US" altLang="zh-CN" dirty="0"/>
-              <a:t> module</a:t>
-            </a:r>
-            <a:endParaRPr lang="en-MY" dirty="0"/>
-          </a:p>
-        </p:txBody>
-      </p:sp>
-      <p:sp>
-        <p:nvSpPr>
-          <p:cNvPr id="9" name="内容占位符 8">
-            <a:extLst>
-              <a:ext uri="{FF2B5EF4-FFF2-40B4-BE49-F238E27FC236}">
-                <a16:creationId xmlns:a16="http://schemas.microsoft.com/office/drawing/2014/main" id="{B3A91969-9FC0-40D6-97FB-CB169B0FD70D}"/>
-              </a:ext>
-            </a:extLst>
-          </p:cNvPr>
-          <p:cNvSpPr>
-            <a:spLocks noGrp="1"/>
-          </p:cNvSpPr>
-          <p:nvPr>
-            <p:ph idx="1"/>
-          </p:nvPr>
-        </p:nvSpPr>
-        <p:spPr>
-          <a:xfrm>
-            <a:off x="685802" y="2142067"/>
-            <a:ext cx="10411285" cy="3424232"/>
-          </a:xfrm>
-        </p:spPr>
-        <p:txBody>
-          <a:bodyPr>
-            <a:normAutofit/>
-          </a:bodyPr>
-          <a:lstStyle/>
-          <a:p>
-            <a:r>
-              <a:rPr lang="en-US" dirty="0"/>
-              <a:t>import </a:t>
-            </a:r>
-            <a:r>
-              <a:rPr lang="en-US" dirty="0" err="1"/>
-              <a:t>itertools</a:t>
-            </a:r>
-            <a:endParaRPr lang="en-US" dirty="0"/>
-          </a:p>
-          <a:p>
-            <a:pPr lvl="1"/>
-            <a:r>
-              <a:rPr lang="en-US" dirty="0"/>
-              <a:t>Lots of helper function to do more efficient iteration over </a:t>
-            </a:r>
-            <a:r>
-              <a:rPr lang="en-US" dirty="0" err="1"/>
-              <a:t>iterables</a:t>
-            </a:r>
-            <a:endParaRPr lang="en-US" dirty="0"/>
-          </a:p>
-          <a:p>
-            <a:pPr lvl="1"/>
-            <a:r>
-              <a:rPr lang="en-US" dirty="0"/>
-              <a:t>Use </a:t>
-            </a:r>
-            <a:r>
-              <a:rPr lang="en-US" dirty="0" err="1"/>
-              <a:t>islice</a:t>
-            </a:r>
-            <a:r>
-              <a:rPr lang="en-US" dirty="0"/>
-              <a:t>() can efficiently iterate over part of the list.</a:t>
-            </a:r>
-          </a:p>
-        </p:txBody>
-      </p:sp>
-    </p:spTree>
-    <p:extLst>
-      <p:ext uri="{BB962C8B-B14F-4D97-AF65-F5344CB8AC3E}">
-        <p14:creationId xmlns:p14="http://schemas.microsoft.com/office/powerpoint/2010/main" val="3109546512"/>
-      </p:ext>
-    </p:extLst>
-  </p:cSld>
-  <p:clrMapOvr>
-    <a:masterClrMapping/>
-  </p:clrMapOvr>
-</p:sld>
-</file>
-
-<file path=ppt/slides/slide9.xml><?xml version="1.0" encoding="utf-8"?>
-<p:sld xmlns:a="http://schemas.openxmlformats.org/drawingml/2006/main" xmlns:r="http://schemas.openxmlformats.org/officeDocument/2006/relationships" xmlns:p="http://schemas.openxmlformats.org/presentationml/2006/main">
-  <p:cSld>
-    <p:spTree>
-      <p:nvGrpSpPr>
-        <p:cNvPr id="1" name=""/>
-        <p:cNvGrpSpPr/>
-        <p:nvPr/>
-      </p:nvGrpSpPr>
-      <p:grpSpPr>
-        <a:xfrm>
-          <a:off x="0" y="0"/>
-          <a:ext cx="0" cy="0"/>
-          <a:chOff x="0" y="0"/>
-          <a:chExt cx="0" cy="0"/>
-        </a:xfrm>
-      </p:grpSpPr>
-      <p:sp>
-        <p:nvSpPr>
-          <p:cNvPr id="2" name="标题 1">
-            <a:extLst>
-              <a:ext uri="{FF2B5EF4-FFF2-40B4-BE49-F238E27FC236}">
-                <a16:creationId xmlns:a16="http://schemas.microsoft.com/office/drawing/2014/main" id="{5EC01E2D-9CFE-4D5D-8863-3BA90731F07B}"/>
-              </a:ext>
-            </a:extLst>
-          </p:cNvPr>
-          <p:cNvSpPr>
-            <a:spLocks noGrp="1"/>
-          </p:cNvSpPr>
-          <p:nvPr>
-            <p:ph type="title"/>
-          </p:nvPr>
-        </p:nvSpPr>
-        <p:spPr/>
-        <p:txBody>
-          <a:bodyPr/>
-          <a:lstStyle/>
-          <a:p>
-            <a:r>
-              <a:rPr lang="en-US" altLang="zh-CN" dirty="0"/>
-              <a:t>matplotlib module</a:t>
-            </a:r>
-            <a:endParaRPr lang="en-MY" dirty="0"/>
-          </a:p>
-        </p:txBody>
-      </p:sp>
-      <p:sp>
-        <p:nvSpPr>
-          <p:cNvPr id="9" name="内容占位符 8">
-            <a:extLst>
-              <a:ext uri="{FF2B5EF4-FFF2-40B4-BE49-F238E27FC236}">
-                <a16:creationId xmlns:a16="http://schemas.microsoft.com/office/drawing/2014/main" id="{B3A91969-9FC0-40D6-97FB-CB169B0FD70D}"/>
-              </a:ext>
-            </a:extLst>
-          </p:cNvPr>
-          <p:cNvSpPr>
-            <a:spLocks noGrp="1"/>
-          </p:cNvSpPr>
-          <p:nvPr>
-            <p:ph idx="1"/>
-          </p:nvPr>
-        </p:nvSpPr>
-        <p:spPr>
-          <a:xfrm>
-            <a:off x="685802" y="2142067"/>
-            <a:ext cx="10411285" cy="3424232"/>
-          </a:xfrm>
-        </p:spPr>
-        <p:txBody>
-          <a:bodyPr>
-            <a:normAutofit/>
-          </a:bodyPr>
-          <a:lstStyle/>
-          <a:p>
-            <a:r>
-              <a:rPr lang="en-US" dirty="0"/>
-              <a:t>pip install matplotlib</a:t>
-            </a:r>
-          </a:p>
-          <a:p>
-            <a:r>
-              <a:rPr lang="en-US" dirty="0"/>
-              <a:t>import matplotlib</a:t>
-            </a:r>
-          </a:p>
-          <a:p>
-            <a:r>
-              <a:rPr lang="en-US" dirty="0"/>
-              <a:t>Import </a:t>
-            </a:r>
-            <a:r>
-              <a:rPr lang="en-US" dirty="0" err="1"/>
-              <a:t>matplotlib.pyplot</a:t>
-            </a:r>
-            <a:endParaRPr lang="en-US" dirty="0"/>
-          </a:p>
-          <a:p>
-            <a:pPr lvl="1"/>
-            <a:r>
-              <a:rPr lang="en-US" dirty="0"/>
-              <a:t>Create figure object.</a:t>
-            </a:r>
-          </a:p>
-          <a:p>
-            <a:pPr lvl="1"/>
-            <a:r>
-              <a:rPr lang="en-US" dirty="0"/>
-              <a:t>Add axis object.</a:t>
-            </a:r>
-          </a:p>
-          <a:p>
-            <a:pPr lvl="1"/>
-            <a:r>
-              <a:rPr lang="en-US" dirty="0"/>
-              <a:t>Plot graph, set other attributes (title, axis labels, tick labels, legend, etc.)</a:t>
-            </a:r>
-          </a:p>
-        </p:txBody>
-      </p:sp>
-    </p:spTree>
-    <p:extLst>
-      <p:ext uri="{BB962C8B-B14F-4D97-AF65-F5344CB8AC3E}">
-        <p14:creationId xmlns:p14="http://schemas.microsoft.com/office/powerpoint/2010/main" val="1878374054"/>
+        <p14:creationId xmlns:p14="http://schemas.microsoft.com/office/powerpoint/2010/main" val="138813403"/>
       </p:ext>
     </p:extLst>
   </p:cSld>

--- a/Py B - unit 3c.pptx
+++ b/Py B - unit 3c.pptx
@@ -116,175 +116,8 @@
 </p:presentation>
 </file>
 
-<file path=ppt/revisionInfo.xml><?xml version="1.0" encoding="utf-8"?>
-<p1510:revInfo xmlns:a="http://schemas.openxmlformats.org/drawingml/2006/main" xmlns:r="http://schemas.openxmlformats.org/officeDocument/2006/relationships" xmlns:p1510="http://schemas.microsoft.com/office/powerpoint/2015/10/main">
-  <p1510:revLst>
-    <p1510:client id="{5AB3C5AF-EDB0-41A6-82FB-01EC5FD91863}" v="7" dt="2021-10-13T06:15:51.609"/>
-  </p1510:revLst>
-</p1510:revInfo>
-</file>
-
 <file path=ppt/changesInfos/changesInfo1.xml><?xml version="1.0" encoding="utf-8"?>
 <pc:chgInfo xmlns:a="http://schemas.openxmlformats.org/drawingml/2006/main" xmlns:r="http://schemas.openxmlformats.org/officeDocument/2006/relationships" xmlns:ac="http://schemas.microsoft.com/office/drawing/2013/main/command" xmlns:pc="http://schemas.microsoft.com/office/powerpoint/2013/main/command">
-  <pc:docChgLst>
-    <pc:chgData name="Li Lixiang" userId="6104bbfcb56aea79" providerId="LiveId" clId="{F70298FD-2AD7-45D7-8088-58CB9EF43D13}"/>
-    <pc:docChg chg="custSel addSld delSld modSld">
-      <pc:chgData name="Li Lixiang" userId="6104bbfcb56aea79" providerId="LiveId" clId="{F70298FD-2AD7-45D7-8088-58CB9EF43D13}" dt="2021-05-31T09:36:09.176" v="622" actId="1076"/>
-      <pc:docMkLst>
-        <pc:docMk/>
-      </pc:docMkLst>
-      <pc:sldChg chg="modSp mod">
-        <pc:chgData name="Li Lixiang" userId="6104bbfcb56aea79" providerId="LiveId" clId="{F70298FD-2AD7-45D7-8088-58CB9EF43D13}" dt="2021-05-31T09:15:34.148" v="17" actId="6549"/>
-        <pc:sldMkLst>
-          <pc:docMk/>
-          <pc:sldMk cId="3650079851" sldId="256"/>
-        </pc:sldMkLst>
-        <pc:spChg chg="mod">
-          <ac:chgData name="Li Lixiang" userId="6104bbfcb56aea79" providerId="LiveId" clId="{F70298FD-2AD7-45D7-8088-58CB9EF43D13}" dt="2021-05-31T09:15:34.148" v="17" actId="6549"/>
-          <ac:spMkLst>
-            <pc:docMk/>
-            <pc:sldMk cId="3650079851" sldId="256"/>
-            <ac:spMk id="4" creationId="{8DE6899A-D842-4C9E-ADC1-B0C1377122EA}"/>
-          </ac:spMkLst>
-        </pc:spChg>
-      </pc:sldChg>
-      <pc:sldChg chg="addSp modSp mod">
-        <pc:chgData name="Li Lixiang" userId="6104bbfcb56aea79" providerId="LiveId" clId="{F70298FD-2AD7-45D7-8088-58CB9EF43D13}" dt="2021-05-31T09:27:54.694" v="431" actId="20577"/>
-        <pc:sldMkLst>
-          <pc:docMk/>
-          <pc:sldMk cId="3575300521" sldId="285"/>
-        </pc:sldMkLst>
-        <pc:spChg chg="mod">
-          <ac:chgData name="Li Lixiang" userId="6104bbfcb56aea79" providerId="LiveId" clId="{F70298FD-2AD7-45D7-8088-58CB9EF43D13}" dt="2021-05-31T09:15:46.123" v="35" actId="20577"/>
-          <ac:spMkLst>
-            <pc:docMk/>
-            <pc:sldMk cId="3575300521" sldId="285"/>
-            <ac:spMk id="2" creationId="{D947D2DF-FCBF-47C3-9EC9-872096C568C7}"/>
-          </ac:spMkLst>
-        </pc:spChg>
-        <pc:spChg chg="mod">
-          <ac:chgData name="Li Lixiang" userId="6104bbfcb56aea79" providerId="LiveId" clId="{F70298FD-2AD7-45D7-8088-58CB9EF43D13}" dt="2021-05-31T09:27:54.694" v="431" actId="20577"/>
-          <ac:spMkLst>
-            <pc:docMk/>
-            <pc:sldMk cId="3575300521" sldId="285"/>
-            <ac:spMk id="28" creationId="{39D71EE6-7BB9-465D-AA60-A5E6C460D83A}"/>
-          </ac:spMkLst>
-        </pc:spChg>
-        <pc:picChg chg="add mod">
-          <ac:chgData name="Li Lixiang" userId="6104bbfcb56aea79" providerId="LiveId" clId="{F70298FD-2AD7-45D7-8088-58CB9EF43D13}" dt="2021-05-31T09:27:14.269" v="423" actId="1076"/>
-          <ac:picMkLst>
-            <pc:docMk/>
-            <pc:sldMk cId="3575300521" sldId="285"/>
-            <ac:picMk id="4" creationId="{CBA96F0E-66EF-4C03-92BD-9F4C88643A77}"/>
-          </ac:picMkLst>
-        </pc:picChg>
-      </pc:sldChg>
-      <pc:sldChg chg="del">
-        <pc:chgData name="Li Lixiang" userId="6104bbfcb56aea79" providerId="LiveId" clId="{F70298FD-2AD7-45D7-8088-58CB9EF43D13}" dt="2021-05-31T09:27:25.409" v="424" actId="47"/>
-        <pc:sldMkLst>
-          <pc:docMk/>
-          <pc:sldMk cId="1893043477" sldId="286"/>
-        </pc:sldMkLst>
-      </pc:sldChg>
-      <pc:sldChg chg="addSp delSp modSp add mod">
-        <pc:chgData name="Li Lixiang" userId="6104bbfcb56aea79" providerId="LiveId" clId="{F70298FD-2AD7-45D7-8088-58CB9EF43D13}" dt="2021-05-31T09:36:09.176" v="622" actId="1076"/>
-        <pc:sldMkLst>
-          <pc:docMk/>
-          <pc:sldMk cId="3697431923" sldId="286"/>
-        </pc:sldMkLst>
-        <pc:spChg chg="mod">
-          <ac:chgData name="Li Lixiang" userId="6104bbfcb56aea79" providerId="LiveId" clId="{F70298FD-2AD7-45D7-8088-58CB9EF43D13}" dt="2021-05-31T09:30:39.355" v="611" actId="14100"/>
-          <ac:spMkLst>
-            <pc:docMk/>
-            <pc:sldMk cId="3697431923" sldId="286"/>
-            <ac:spMk id="28" creationId="{39D71EE6-7BB9-465D-AA60-A5E6C460D83A}"/>
-          </ac:spMkLst>
-        </pc:spChg>
-        <pc:picChg chg="del">
-          <ac:chgData name="Li Lixiang" userId="6104bbfcb56aea79" providerId="LiveId" clId="{F70298FD-2AD7-45D7-8088-58CB9EF43D13}" dt="2021-05-31T09:28:18.567" v="433" actId="478"/>
-          <ac:picMkLst>
-            <pc:docMk/>
-            <pc:sldMk cId="3697431923" sldId="286"/>
-            <ac:picMk id="4" creationId="{CBA96F0E-66EF-4C03-92BD-9F4C88643A77}"/>
-          </ac:picMkLst>
-        </pc:picChg>
-        <pc:picChg chg="add del mod">
-          <ac:chgData name="Li Lixiang" userId="6104bbfcb56aea79" providerId="LiveId" clId="{F70298FD-2AD7-45D7-8088-58CB9EF43D13}" dt="2021-05-31T09:33:19.756" v="614" actId="478"/>
-          <ac:picMkLst>
-            <pc:docMk/>
-            <pc:sldMk cId="3697431923" sldId="286"/>
-            <ac:picMk id="5" creationId="{009D0F03-7E58-4563-9E29-585C6C90A1A2}"/>
-          </ac:picMkLst>
-        </pc:picChg>
-        <pc:picChg chg="add mod">
-          <ac:chgData name="Li Lixiang" userId="6104bbfcb56aea79" providerId="LiveId" clId="{F70298FD-2AD7-45D7-8088-58CB9EF43D13}" dt="2021-05-31T09:34:35.535" v="617" actId="1076"/>
-          <ac:picMkLst>
-            <pc:docMk/>
-            <pc:sldMk cId="3697431923" sldId="286"/>
-            <ac:picMk id="7" creationId="{F4A33654-7407-409D-B3F9-2C7A99630B34}"/>
-          </ac:picMkLst>
-        </pc:picChg>
-        <pc:picChg chg="add del mod">
-          <ac:chgData name="Li Lixiang" userId="6104bbfcb56aea79" providerId="LiveId" clId="{F70298FD-2AD7-45D7-8088-58CB9EF43D13}" dt="2021-05-31T09:34:58.364" v="620" actId="478"/>
-          <ac:picMkLst>
-            <pc:docMk/>
-            <pc:sldMk cId="3697431923" sldId="286"/>
-            <ac:picMk id="9" creationId="{50215898-C093-4DC4-8D62-89F2AA57748B}"/>
-          </ac:picMkLst>
-        </pc:picChg>
-        <pc:picChg chg="add mod">
-          <ac:chgData name="Li Lixiang" userId="6104bbfcb56aea79" providerId="LiveId" clId="{F70298FD-2AD7-45D7-8088-58CB9EF43D13}" dt="2021-05-31T09:36:09.176" v="622" actId="1076"/>
-          <ac:picMkLst>
-            <pc:docMk/>
-            <pc:sldMk cId="3697431923" sldId="286"/>
-            <ac:picMk id="10" creationId="{55ACCF36-8E04-4DBB-BE49-9E6FB5883DB3}"/>
-          </ac:picMkLst>
-        </pc:picChg>
-      </pc:sldChg>
-      <pc:sldChg chg="del">
-        <pc:chgData name="Li Lixiang" userId="6104bbfcb56aea79" providerId="LiveId" clId="{F70298FD-2AD7-45D7-8088-58CB9EF43D13}" dt="2021-05-31T09:27:26.477" v="425" actId="47"/>
-        <pc:sldMkLst>
-          <pc:docMk/>
-          <pc:sldMk cId="1566997948" sldId="287"/>
-        </pc:sldMkLst>
-      </pc:sldChg>
-      <pc:sldChg chg="del">
-        <pc:chgData name="Li Lixiang" userId="6104bbfcb56aea79" providerId="LiveId" clId="{F70298FD-2AD7-45D7-8088-58CB9EF43D13}" dt="2021-05-31T09:27:27.420" v="426" actId="47"/>
-        <pc:sldMkLst>
-          <pc:docMk/>
-          <pc:sldMk cId="1052484605" sldId="288"/>
-        </pc:sldMkLst>
-      </pc:sldChg>
-      <pc:sldChg chg="del">
-        <pc:chgData name="Li Lixiang" userId="6104bbfcb56aea79" providerId="LiveId" clId="{F70298FD-2AD7-45D7-8088-58CB9EF43D13}" dt="2021-05-31T09:27:28.444" v="427" actId="47"/>
-        <pc:sldMkLst>
-          <pc:docMk/>
-          <pc:sldMk cId="2441130311" sldId="289"/>
-        </pc:sldMkLst>
-      </pc:sldChg>
-      <pc:sldChg chg="del">
-        <pc:chgData name="Li Lixiang" userId="6104bbfcb56aea79" providerId="LiveId" clId="{F70298FD-2AD7-45D7-8088-58CB9EF43D13}" dt="2021-05-31T09:27:29.558" v="428" actId="47"/>
-        <pc:sldMkLst>
-          <pc:docMk/>
-          <pc:sldMk cId="1241975191" sldId="290"/>
-        </pc:sldMkLst>
-      </pc:sldChg>
-      <pc:sldChg chg="del">
-        <pc:chgData name="Li Lixiang" userId="6104bbfcb56aea79" providerId="LiveId" clId="{F70298FD-2AD7-45D7-8088-58CB9EF43D13}" dt="2021-05-31T09:27:30.433" v="429" actId="47"/>
-        <pc:sldMkLst>
-          <pc:docMk/>
-          <pc:sldMk cId="926358613" sldId="291"/>
-        </pc:sldMkLst>
-      </pc:sldChg>
-      <pc:sldChg chg="del">
-        <pc:chgData name="Li Lixiang" userId="6104bbfcb56aea79" providerId="LiveId" clId="{F70298FD-2AD7-45D7-8088-58CB9EF43D13}" dt="2021-05-31T09:27:31.451" v="430" actId="47"/>
-        <pc:sldMkLst>
-          <pc:docMk/>
-          <pc:sldMk cId="2762807510" sldId="292"/>
-        </pc:sldMkLst>
-      </pc:sldChg>
-    </pc:docChg>
-  </pc:docChgLst>
   <pc:docChgLst>
     <pc:chgData name="Li Lixiang" userId="6104bbfcb56aea79" providerId="LiveId" clId="{04C913BA-AFE4-4126-852F-044D0147B568}"/>
     <pc:docChg chg="delSld modSld">
@@ -457,124 +290,6 @@
     </pc:docChg>
   </pc:docChgLst>
   <pc:docChgLst>
-    <pc:chgData name="Li Lixiang" userId="6104bbfcb56aea79" providerId="LiveId" clId="{B9869770-D63A-48A8-902B-B8466ACE9F25}"/>
-    <pc:docChg chg="undo custSel addSld delSld modSld">
-      <pc:chgData name="Li Lixiang" userId="6104bbfcb56aea79" providerId="LiveId" clId="{B9869770-D63A-48A8-902B-B8466ACE9F25}" dt="2021-08-12T08:06:06.387" v="572" actId="1076"/>
-      <pc:docMkLst>
-        <pc:docMk/>
-      </pc:docMkLst>
-      <pc:sldChg chg="addSp delSp modSp new mod">
-        <pc:chgData name="Li Lixiang" userId="6104bbfcb56aea79" providerId="LiveId" clId="{B9869770-D63A-48A8-902B-B8466ACE9F25}" dt="2021-08-12T08:05:06.041" v="568" actId="1076"/>
-        <pc:sldMkLst>
-          <pc:docMk/>
-          <pc:sldMk cId="138813403" sldId="288"/>
-        </pc:sldMkLst>
-        <pc:spChg chg="mod">
-          <ac:chgData name="Li Lixiang" userId="6104bbfcb56aea79" providerId="LiveId" clId="{B9869770-D63A-48A8-902B-B8466ACE9F25}" dt="2021-08-12T07:51:51.553" v="18" actId="20577"/>
-          <ac:spMkLst>
-            <pc:docMk/>
-            <pc:sldMk cId="138813403" sldId="288"/>
-            <ac:spMk id="2" creationId="{48E3133C-2D11-4AD1-B0B5-30549934DD31}"/>
-          </ac:spMkLst>
-        </pc:spChg>
-        <pc:spChg chg="add del mod">
-          <ac:chgData name="Li Lixiang" userId="6104bbfcb56aea79" providerId="LiveId" clId="{B9869770-D63A-48A8-902B-B8466ACE9F25}" dt="2021-08-12T07:57:14.019" v="315" actId="14100"/>
-          <ac:spMkLst>
-            <pc:docMk/>
-            <pc:sldMk cId="138813403" sldId="288"/>
-            <ac:spMk id="3" creationId="{17D0C3F3-5065-4C0B-9C49-527158490795}"/>
-          </ac:spMkLst>
-        </pc:spChg>
-        <pc:spChg chg="add del mod">
-          <ac:chgData name="Li Lixiang" userId="6104bbfcb56aea79" providerId="LiveId" clId="{B9869770-D63A-48A8-902B-B8466ACE9F25}" dt="2021-08-12T07:56:53.541" v="311" actId="478"/>
-          <ac:spMkLst>
-            <pc:docMk/>
-            <pc:sldMk cId="138813403" sldId="288"/>
-            <ac:spMk id="6" creationId="{88220F0E-E491-432A-BB7E-4122145D2DE2}"/>
-          </ac:spMkLst>
-        </pc:spChg>
-        <pc:spChg chg="add del mod">
-          <ac:chgData name="Li Lixiang" userId="6104bbfcb56aea79" providerId="LiveId" clId="{B9869770-D63A-48A8-902B-B8466ACE9F25}" dt="2021-08-12T07:56:51.341" v="310" actId="478"/>
-          <ac:spMkLst>
-            <pc:docMk/>
-            <pc:sldMk cId="138813403" sldId="288"/>
-            <ac:spMk id="7" creationId="{31FA97AA-272F-4A33-AB99-162408BFE507}"/>
-          </ac:spMkLst>
-        </pc:spChg>
-        <pc:spChg chg="add del mod">
-          <ac:chgData name="Li Lixiang" userId="6104bbfcb56aea79" providerId="LiveId" clId="{B9869770-D63A-48A8-902B-B8466ACE9F25}" dt="2021-08-12T07:55:42.502" v="296" actId="21"/>
-          <ac:spMkLst>
-            <pc:docMk/>
-            <pc:sldMk cId="138813403" sldId="288"/>
-            <ac:spMk id="8" creationId="{5C8AF123-B5C8-494E-AB8B-5327ECBE529B}"/>
-          </ac:spMkLst>
-        </pc:spChg>
-        <pc:picChg chg="add del mod">
-          <ac:chgData name="Li Lixiang" userId="6104bbfcb56aea79" providerId="LiveId" clId="{B9869770-D63A-48A8-902B-B8466ACE9F25}" dt="2021-08-12T08:05:00.488" v="564" actId="478"/>
-          <ac:picMkLst>
-            <pc:docMk/>
-            <pc:sldMk cId="138813403" sldId="288"/>
-            <ac:picMk id="5" creationId="{BD0CE8F1-939D-4B87-9ED9-55EFEB6461C7}"/>
-          </ac:picMkLst>
-        </pc:picChg>
-        <pc:picChg chg="add mod">
-          <ac:chgData name="Li Lixiang" userId="6104bbfcb56aea79" providerId="LiveId" clId="{B9869770-D63A-48A8-902B-B8466ACE9F25}" dt="2021-08-12T08:05:06.041" v="568" actId="1076"/>
-          <ac:picMkLst>
-            <pc:docMk/>
-            <pc:sldMk cId="138813403" sldId="288"/>
-            <ac:picMk id="6" creationId="{5E06AA65-3C39-469B-9A64-8C9D2DD6D5AE}"/>
-          </ac:picMkLst>
-        </pc:picChg>
-      </pc:sldChg>
-      <pc:sldChg chg="del">
-        <pc:chgData name="Li Lixiang" userId="6104bbfcb56aea79" providerId="LiveId" clId="{B9869770-D63A-48A8-902B-B8466ACE9F25}" dt="2021-08-12T07:36:47.666" v="0" actId="2696"/>
-        <pc:sldMkLst>
-          <pc:docMk/>
-          <pc:sldMk cId="1466285209" sldId="288"/>
-        </pc:sldMkLst>
-      </pc:sldChg>
-      <pc:sldChg chg="addSp delSp modSp add mod">
-        <pc:chgData name="Li Lixiang" userId="6104bbfcb56aea79" providerId="LiveId" clId="{B9869770-D63A-48A8-902B-B8466ACE9F25}" dt="2021-08-12T08:06:06.387" v="572" actId="1076"/>
-        <pc:sldMkLst>
-          <pc:docMk/>
-          <pc:sldMk cId="3838781653" sldId="289"/>
-        </pc:sldMkLst>
-        <pc:spChg chg="mod">
-          <ac:chgData name="Li Lixiang" userId="6104bbfcb56aea79" providerId="LiveId" clId="{B9869770-D63A-48A8-902B-B8466ACE9F25}" dt="2021-08-12T07:59:20.578" v="558" actId="20577"/>
-          <ac:spMkLst>
-            <pc:docMk/>
-            <pc:sldMk cId="3838781653" sldId="289"/>
-            <ac:spMk id="2" creationId="{D947D2DF-FCBF-47C3-9EC9-872096C568C7}"/>
-          </ac:spMkLst>
-        </pc:spChg>
-        <pc:spChg chg="mod">
-          <ac:chgData name="Li Lixiang" userId="6104bbfcb56aea79" providerId="LiveId" clId="{B9869770-D63A-48A8-902B-B8466ACE9F25}" dt="2021-08-12T07:58:30.894" v="520" actId="20577"/>
-          <ac:spMkLst>
-            <pc:docMk/>
-            <pc:sldMk cId="3838781653" sldId="289"/>
-            <ac:spMk id="28" creationId="{39D71EE6-7BB9-465D-AA60-A5E6C460D83A}"/>
-          </ac:spMkLst>
-        </pc:spChg>
-        <pc:picChg chg="add del mod">
-          <ac:chgData name="Li Lixiang" userId="6104bbfcb56aea79" providerId="LiveId" clId="{B9869770-D63A-48A8-902B-B8466ACE9F25}" dt="2021-08-12T08:06:01.407" v="569" actId="478"/>
-          <ac:picMkLst>
-            <pc:docMk/>
-            <pc:sldMk cId="3838781653" sldId="289"/>
-            <ac:picMk id="4" creationId="{9EC372EC-AC5C-48B5-801C-EEFCF524F461}"/>
-          </ac:picMkLst>
-        </pc:picChg>
-        <pc:picChg chg="add mod">
-          <ac:chgData name="Li Lixiang" userId="6104bbfcb56aea79" providerId="LiveId" clId="{B9869770-D63A-48A8-902B-B8466ACE9F25}" dt="2021-08-12T08:06:06.387" v="572" actId="1076"/>
-          <ac:picMkLst>
-            <pc:docMk/>
-            <pc:sldMk cId="3838781653" sldId="289"/>
-            <ac:picMk id="5" creationId="{23A6D3FD-0510-4045-BA2A-CA4A2485A7FB}"/>
-          </ac:picMkLst>
-        </pc:picChg>
-      </pc:sldChg>
-    </pc:docChg>
-  </pc:docChgLst>
-  <pc:docChgLst>
     <pc:chgData name="Li Lixiang" userId="6104bbfcb56aea79" providerId="LiveId" clId="{5AB3C5AF-EDB0-41A6-82FB-01EC5FD91863}"/>
     <pc:docChg chg="custSel addSld delSld modSld">
       <pc:chgData name="Li Lixiang" userId="6104bbfcb56aea79" providerId="LiveId" clId="{5AB3C5AF-EDB0-41A6-82FB-01EC5FD91863}" dt="2021-10-13T06:34:30.151" v="391" actId="20577"/>
@@ -682,20 +397,20 @@
     </pc:docChg>
   </pc:docChgLst>
   <pc:docChgLst>
-    <pc:chgData name="Li Lixiang" userId="6104bbfcb56aea79" providerId="LiveId" clId="{8FDA4049-A4B3-4306-826F-C3083162CE01}"/>
-    <pc:docChg chg="custSel addSld delSld modSld">
-      <pc:chgData name="Li Lixiang" userId="6104bbfcb56aea79" providerId="LiveId" clId="{8FDA4049-A4B3-4306-826F-C3083162CE01}" dt="2021-07-02T12:17:05.686" v="756" actId="1076"/>
+    <pc:chgData name="Li Lixiang" userId="6104bbfcb56aea79" providerId="LiveId" clId="{640B396F-0376-46E5-A91B-FD17D6CDFD5B}"/>
+    <pc:docChg chg="modSld">
+      <pc:chgData name="Li Lixiang" userId="6104bbfcb56aea79" providerId="LiveId" clId="{640B396F-0376-46E5-A91B-FD17D6CDFD5B}" dt="2023-04-26T02:05:30.561" v="1" actId="20577"/>
       <pc:docMkLst>
         <pc:docMk/>
       </pc:docMkLst>
       <pc:sldChg chg="modSp mod">
-        <pc:chgData name="Li Lixiang" userId="6104bbfcb56aea79" providerId="LiveId" clId="{8FDA4049-A4B3-4306-826F-C3083162CE01}" dt="2021-06-28T11:55:49.711" v="7" actId="20577"/>
+        <pc:chgData name="Li Lixiang" userId="6104bbfcb56aea79" providerId="LiveId" clId="{640B396F-0376-46E5-A91B-FD17D6CDFD5B}" dt="2023-04-26T02:05:30.561" v="1" actId="20577"/>
         <pc:sldMkLst>
           <pc:docMk/>
           <pc:sldMk cId="3650079851" sldId="256"/>
         </pc:sldMkLst>
         <pc:spChg chg="mod">
-          <ac:chgData name="Li Lixiang" userId="6104bbfcb56aea79" providerId="LiveId" clId="{8FDA4049-A4B3-4306-826F-C3083162CE01}" dt="2021-06-28T11:55:49.711" v="7" actId="20577"/>
+          <ac:chgData name="Li Lixiang" userId="6104bbfcb56aea79" providerId="LiveId" clId="{640B396F-0376-46E5-A91B-FD17D6CDFD5B}" dt="2023-04-26T02:05:30.561" v="1" actId="20577"/>
           <ac:spMkLst>
             <pc:docMk/>
             <pc:sldMk cId="3650079851" sldId="256"/>
@@ -703,98 +418,1168 @@
           </ac:spMkLst>
         </pc:spChg>
       </pc:sldChg>
-      <pc:sldChg chg="delSp modSp add mod">
-        <pc:chgData name="Li Lixiang" userId="6104bbfcb56aea79" providerId="LiveId" clId="{8FDA4049-A4B3-4306-826F-C3083162CE01}" dt="2021-07-02T08:16:19.879" v="519" actId="20577"/>
+    </pc:docChg>
+  </pc:docChgLst>
+  <pc:docChgLst>
+    <pc:chgData name="Li Lixiang" userId="6104bbfcb56aea79" providerId="LiveId" clId="{195C821F-1926-4771-8AF3-DE34471BCA3B}"/>
+    <pc:docChg chg="custSel addSld modSld sldOrd">
+      <pc:chgData name="Li Lixiang" userId="6104bbfcb56aea79" providerId="LiveId" clId="{195C821F-1926-4771-8AF3-DE34471BCA3B}" dt="2021-04-21T11:57:25.193" v="2223" actId="20577"/>
+      <pc:docMkLst>
+        <pc:docMk/>
+      </pc:docMkLst>
+      <pc:sldChg chg="modSp mod">
+        <pc:chgData name="Li Lixiang" userId="6104bbfcb56aea79" providerId="LiveId" clId="{195C821F-1926-4771-8AF3-DE34471BCA3B}" dt="2021-02-09T07:46:33.305" v="1313" actId="1076"/>
         <pc:sldMkLst>
           <pc:docMk/>
-          <pc:sldMk cId="907979361" sldId="287"/>
+          <pc:sldMk cId="2854580649" sldId="257"/>
+        </pc:sldMkLst>
+        <pc:spChg chg="mod ord">
+          <ac:chgData name="Li Lixiang" userId="6104bbfcb56aea79" providerId="LiveId" clId="{195C821F-1926-4771-8AF3-DE34471BCA3B}" dt="2021-02-09T07:46:26.326" v="1311" actId="167"/>
+          <ac:spMkLst>
+            <pc:docMk/>
+            <pc:sldMk cId="2854580649" sldId="257"/>
+            <ac:spMk id="3" creationId="{7060439F-2729-478E-B95F-230482B50AA1}"/>
+          </ac:spMkLst>
+        </pc:spChg>
+        <pc:spChg chg="mod">
+          <ac:chgData name="Li Lixiang" userId="6104bbfcb56aea79" providerId="LiveId" clId="{195C821F-1926-4771-8AF3-DE34471BCA3B}" dt="2021-02-09T07:46:33.305" v="1313" actId="1076"/>
+          <ac:spMkLst>
+            <pc:docMk/>
+            <pc:sldMk cId="2854580649" sldId="257"/>
+            <ac:spMk id="5" creationId="{26928568-CB66-459F-99EA-7CB2555F4D7F}"/>
+          </ac:spMkLst>
+        </pc:spChg>
+        <pc:picChg chg="mod">
+          <ac:chgData name="Li Lixiang" userId="6104bbfcb56aea79" providerId="LiveId" clId="{195C821F-1926-4771-8AF3-DE34471BCA3B}" dt="2021-02-09T07:46:29.401" v="1312" actId="1076"/>
+          <ac:picMkLst>
+            <pc:docMk/>
+            <pc:sldMk cId="2854580649" sldId="257"/>
+            <ac:picMk id="6" creationId="{F83CCE3F-562B-45E2-AC5D-E13C127B03DA}"/>
+          </ac:picMkLst>
+        </pc:picChg>
+      </pc:sldChg>
+      <pc:sldChg chg="addSp delSp modSp mod">
+        <pc:chgData name="Li Lixiang" userId="6104bbfcb56aea79" providerId="LiveId" clId="{195C821F-1926-4771-8AF3-DE34471BCA3B}" dt="2021-04-03T11:16:58.436" v="1534" actId="478"/>
+        <pc:sldMkLst>
+          <pc:docMk/>
+          <pc:sldMk cId="3903523967" sldId="258"/>
         </pc:sldMkLst>
         <pc:spChg chg="mod">
-          <ac:chgData name="Li Lixiang" userId="6104bbfcb56aea79" providerId="LiveId" clId="{8FDA4049-A4B3-4306-826F-C3083162CE01}" dt="2021-06-28T12:17:27.913" v="317" actId="20577"/>
+          <ac:chgData name="Li Lixiang" userId="6104bbfcb56aea79" providerId="LiveId" clId="{195C821F-1926-4771-8AF3-DE34471BCA3B}" dt="2021-01-19T02:34:16.254" v="16" actId="20577"/>
           <ac:spMkLst>
             <pc:docMk/>
-            <pc:sldMk cId="907979361" sldId="287"/>
+            <pc:sldMk cId="3903523967" sldId="258"/>
+            <ac:spMk id="3" creationId="{7060439F-2729-478E-B95F-230482B50AA1}"/>
+          </ac:spMkLst>
+        </pc:spChg>
+        <pc:spChg chg="del">
+          <ac:chgData name="Li Lixiang" userId="6104bbfcb56aea79" providerId="LiveId" clId="{195C821F-1926-4771-8AF3-DE34471BCA3B}" dt="2021-01-19T02:34:21.762" v="18" actId="478"/>
+          <ac:spMkLst>
+            <pc:docMk/>
+            <pc:sldMk cId="3903523967" sldId="258"/>
+            <ac:spMk id="6" creationId="{E4DBFA76-697A-4623-9E8D-2FFA324C5F1E}"/>
+          </ac:spMkLst>
+        </pc:spChg>
+        <pc:picChg chg="del">
+          <ac:chgData name="Li Lixiang" userId="6104bbfcb56aea79" providerId="LiveId" clId="{195C821F-1926-4771-8AF3-DE34471BCA3B}" dt="2021-01-19T02:34:20.149" v="17" actId="478"/>
+          <ac:picMkLst>
+            <pc:docMk/>
+            <pc:sldMk cId="3903523967" sldId="258"/>
+            <ac:picMk id="7" creationId="{F528F419-646C-4121-9531-6A58ECF5D916}"/>
+          </ac:picMkLst>
+        </pc:picChg>
+        <pc:picChg chg="add mod">
+          <ac:chgData name="Li Lixiang" userId="6104bbfcb56aea79" providerId="LiveId" clId="{195C821F-1926-4771-8AF3-DE34471BCA3B}" dt="2021-01-19T02:34:25.884" v="19" actId="14100"/>
+          <ac:picMkLst>
+            <pc:docMk/>
+            <pc:sldMk cId="3903523967" sldId="258"/>
+            <ac:picMk id="1026" creationId="{52F45C9F-3865-41B0-ACE6-90BA792701EF}"/>
+          </ac:picMkLst>
+        </pc:picChg>
+        <pc:inkChg chg="add del">
+          <ac:chgData name="Li Lixiang" userId="6104bbfcb56aea79" providerId="LiveId" clId="{195C821F-1926-4771-8AF3-DE34471BCA3B}" dt="2021-02-13T09:48:02.624" v="1316" actId="478"/>
+          <ac:inkMkLst>
+            <pc:docMk/>
+            <pc:sldMk cId="3903523967" sldId="258"/>
+            <ac:inkMk id="4" creationId="{0DF619EA-1F5C-47D1-82C9-95A03EAD2679}"/>
+          </ac:inkMkLst>
+        </pc:inkChg>
+        <pc:inkChg chg="add del">
+          <ac:chgData name="Li Lixiang" userId="6104bbfcb56aea79" providerId="LiveId" clId="{195C821F-1926-4771-8AF3-DE34471BCA3B}" dt="2021-04-03T11:16:58.436" v="1534" actId="478"/>
+          <ac:inkMkLst>
+            <pc:docMk/>
+            <pc:sldMk cId="3903523967" sldId="258"/>
+            <ac:inkMk id="4" creationId="{6914EE9E-FEAC-45FF-8992-B82FF321FF50}"/>
+          </ac:inkMkLst>
+        </pc:inkChg>
+      </pc:sldChg>
+      <pc:sldChg chg="addSp delSp mod">
+        <pc:chgData name="Li Lixiang" userId="6104bbfcb56aea79" providerId="LiveId" clId="{195C821F-1926-4771-8AF3-DE34471BCA3B}" dt="2021-04-03T11:10:15.431" v="1532" actId="478"/>
+        <pc:sldMkLst>
+          <pc:docMk/>
+          <pc:sldMk cId="647322237" sldId="259"/>
+        </pc:sldMkLst>
+        <pc:inkChg chg="add del">
+          <ac:chgData name="Li Lixiang" userId="6104bbfcb56aea79" providerId="LiveId" clId="{195C821F-1926-4771-8AF3-DE34471BCA3B}" dt="2021-04-03T11:10:15.431" v="1532" actId="478"/>
+          <ac:inkMkLst>
+            <pc:docMk/>
+            <pc:sldMk cId="647322237" sldId="259"/>
+            <ac:inkMk id="4" creationId="{CD82BB32-7956-44C1-96D4-04458022C85A}"/>
+          </ac:inkMkLst>
+        </pc:inkChg>
+      </pc:sldChg>
+      <pc:sldChg chg="addSp delSp mod">
+        <pc:chgData name="Li Lixiang" userId="6104bbfcb56aea79" providerId="LiveId" clId="{195C821F-1926-4771-8AF3-DE34471BCA3B}" dt="2021-02-18T08:18:24.232" v="1318" actId="478"/>
+        <pc:sldMkLst>
+          <pc:docMk/>
+          <pc:sldMk cId="1167250398" sldId="260"/>
+        </pc:sldMkLst>
+        <pc:inkChg chg="add del">
+          <ac:chgData name="Li Lixiang" userId="6104bbfcb56aea79" providerId="LiveId" clId="{195C821F-1926-4771-8AF3-DE34471BCA3B}" dt="2021-02-18T08:18:24.232" v="1318" actId="478"/>
+          <ac:inkMkLst>
+            <pc:docMk/>
+            <pc:sldMk cId="1167250398" sldId="260"/>
+            <ac:inkMk id="4" creationId="{99AADF1E-63F7-4990-A08C-3DDE0074AE08}"/>
+          </ac:inkMkLst>
+        </pc:inkChg>
+      </pc:sldChg>
+      <pc:sldChg chg="modSp mod">
+        <pc:chgData name="Li Lixiang" userId="6104bbfcb56aea79" providerId="LiveId" clId="{195C821F-1926-4771-8AF3-DE34471BCA3B}" dt="2021-01-05T04:01:19.613" v="1" actId="732"/>
+        <pc:sldMkLst>
+          <pc:docMk/>
+          <pc:sldMk cId="2998306887" sldId="266"/>
+        </pc:sldMkLst>
+        <pc:picChg chg="mod modCrop">
+          <ac:chgData name="Li Lixiang" userId="6104bbfcb56aea79" providerId="LiveId" clId="{195C821F-1926-4771-8AF3-DE34471BCA3B}" dt="2021-01-05T04:01:19.613" v="1" actId="732"/>
+          <ac:picMkLst>
+            <pc:docMk/>
+            <pc:sldMk cId="2998306887" sldId="266"/>
+            <ac:picMk id="5" creationId="{13607EAE-1653-4C12-B8D5-0FC08194D12C}"/>
+          </ac:picMkLst>
+        </pc:picChg>
+      </pc:sldChg>
+      <pc:sldChg chg="addSp mod">
+        <pc:chgData name="Li Lixiang" userId="6104bbfcb56aea79" providerId="LiveId" clId="{195C821F-1926-4771-8AF3-DE34471BCA3B}" dt="2021-02-02T13:55:29.251" v="252" actId="9405"/>
+        <pc:sldMkLst>
+          <pc:docMk/>
+          <pc:sldMk cId="2133616112" sldId="267"/>
+        </pc:sldMkLst>
+        <pc:inkChg chg="add">
+          <ac:chgData name="Li Lixiang" userId="6104bbfcb56aea79" providerId="LiveId" clId="{195C821F-1926-4771-8AF3-DE34471BCA3B}" dt="2021-02-02T13:55:29.251" v="252" actId="9405"/>
+          <ac:inkMkLst>
+            <pc:docMk/>
+            <pc:sldMk cId="2133616112" sldId="267"/>
+            <ac:inkMk id="5" creationId="{725CE1A2-0EAB-4903-A990-E1B99EF21BB3}"/>
+          </ac:inkMkLst>
+        </pc:inkChg>
+      </pc:sldChg>
+      <pc:sldChg chg="addSp delSp modSp add mod">
+        <pc:chgData name="Li Lixiang" userId="6104bbfcb56aea79" providerId="LiveId" clId="{195C821F-1926-4771-8AF3-DE34471BCA3B}" dt="2021-02-09T08:22:32.982" v="1315" actId="9405"/>
+        <pc:sldMkLst>
+          <pc:docMk/>
+          <pc:sldMk cId="3450450490" sldId="268"/>
+        </pc:sldMkLst>
+        <pc:spChg chg="mod">
+          <ac:chgData name="Li Lixiang" userId="6104bbfcb56aea79" providerId="LiveId" clId="{195C821F-1926-4771-8AF3-DE34471BCA3B}" dt="2021-02-06T12:31:50.308" v="264" actId="14100"/>
+          <ac:spMkLst>
+            <pc:docMk/>
+            <pc:sldMk cId="3450450490" sldId="268"/>
+            <ac:spMk id="6" creationId="{E4DBFA76-697A-4623-9E8D-2FFA324C5F1E}"/>
+          </ac:spMkLst>
+        </pc:spChg>
+        <pc:picChg chg="add del ord">
+          <ac:chgData name="Li Lixiang" userId="6104bbfcb56aea79" providerId="LiveId" clId="{195C821F-1926-4771-8AF3-DE34471BCA3B}" dt="2021-02-06T12:31:41.670" v="261" actId="478"/>
+          <ac:picMkLst>
+            <pc:docMk/>
+            <pc:sldMk cId="3450450490" sldId="268"/>
+            <ac:picMk id="5" creationId="{70291EF7-72DF-4DD3-B564-C8EA10E727D4}"/>
+          </ac:picMkLst>
+        </pc:picChg>
+        <pc:picChg chg="del">
+          <ac:chgData name="Li Lixiang" userId="6104bbfcb56aea79" providerId="LiveId" clId="{195C821F-1926-4771-8AF3-DE34471BCA3B}" dt="2021-02-06T12:29:10.636" v="253" actId="478"/>
+          <ac:picMkLst>
+            <pc:docMk/>
+            <pc:sldMk cId="3450450490" sldId="268"/>
+            <ac:picMk id="7" creationId="{F528F419-646C-4121-9531-6A58ECF5D916}"/>
+          </ac:picMkLst>
+        </pc:picChg>
+        <pc:picChg chg="add mod ord">
+          <ac:chgData name="Li Lixiang" userId="6104bbfcb56aea79" providerId="LiveId" clId="{195C821F-1926-4771-8AF3-DE34471BCA3B}" dt="2021-02-06T12:31:46.541" v="263" actId="1076"/>
+          <ac:picMkLst>
+            <pc:docMk/>
+            <pc:sldMk cId="3450450490" sldId="268"/>
+            <ac:picMk id="9" creationId="{9EA71C3C-F5F7-4DEC-A1C8-A141A1515314}"/>
+          </ac:picMkLst>
+        </pc:picChg>
+        <pc:picChg chg="del">
+          <ac:chgData name="Li Lixiang" userId="6104bbfcb56aea79" providerId="LiveId" clId="{195C821F-1926-4771-8AF3-DE34471BCA3B}" dt="2021-01-19T02:34:03.687" v="4" actId="478"/>
+          <ac:picMkLst>
+            <pc:docMk/>
+            <pc:sldMk cId="3450450490" sldId="268"/>
+            <ac:picMk id="1026" creationId="{52F45C9F-3865-41B0-ACE6-90BA792701EF}"/>
+          </ac:picMkLst>
+        </pc:picChg>
+        <pc:inkChg chg="add">
+          <ac:chgData name="Li Lixiang" userId="6104bbfcb56aea79" providerId="LiveId" clId="{195C821F-1926-4771-8AF3-DE34471BCA3B}" dt="2021-02-09T08:22:32.982" v="1315" actId="9405"/>
+          <ac:inkMkLst>
+            <pc:docMk/>
+            <pc:sldMk cId="3450450490" sldId="268"/>
+            <ac:inkMk id="4" creationId="{2CCD9326-0229-4263-8D81-3D8917EA5A88}"/>
+          </ac:inkMkLst>
+        </pc:inkChg>
+      </pc:sldChg>
+      <pc:sldChg chg="add">
+        <pc:chgData name="Li Lixiang" userId="6104bbfcb56aea79" providerId="LiveId" clId="{195C821F-1926-4771-8AF3-DE34471BCA3B}" dt="2021-01-30T04:52:06.175" v="20"/>
+        <pc:sldMkLst>
+          <pc:docMk/>
+          <pc:sldMk cId="1777997471" sldId="269"/>
+        </pc:sldMkLst>
+      </pc:sldChg>
+      <pc:sldChg chg="addSp delSp add mod">
+        <pc:chgData name="Li Lixiang" userId="6104bbfcb56aea79" providerId="LiveId" clId="{195C821F-1926-4771-8AF3-DE34471BCA3B}" dt="2021-02-18T08:23:01.821" v="1320" actId="478"/>
+        <pc:sldMkLst>
+          <pc:docMk/>
+          <pc:sldMk cId="237728322" sldId="270"/>
+        </pc:sldMkLst>
+        <pc:inkChg chg="add del">
+          <ac:chgData name="Li Lixiang" userId="6104bbfcb56aea79" providerId="LiveId" clId="{195C821F-1926-4771-8AF3-DE34471BCA3B}" dt="2021-02-18T08:23:01.821" v="1320" actId="478"/>
+          <ac:inkMkLst>
+            <pc:docMk/>
+            <pc:sldMk cId="237728322" sldId="270"/>
+            <ac:inkMk id="5" creationId="{272BF278-179C-4028-9276-326ABE6978AE}"/>
+          </ac:inkMkLst>
+        </pc:inkChg>
+      </pc:sldChg>
+      <pc:sldChg chg="addSp delSp modSp add mod">
+        <pc:chgData name="Li Lixiang" userId="6104bbfcb56aea79" providerId="LiveId" clId="{195C821F-1926-4771-8AF3-DE34471BCA3B}" dt="2021-02-02T10:41:00.805" v="251" actId="20577"/>
+        <pc:sldMkLst>
+          <pc:docMk/>
+          <pc:sldMk cId="584544023" sldId="271"/>
+        </pc:sldMkLst>
+        <pc:spChg chg="mod">
+          <ac:chgData name="Li Lixiang" userId="6104bbfcb56aea79" providerId="LiveId" clId="{195C821F-1926-4771-8AF3-DE34471BCA3B}" dt="2021-02-02T10:41:00.805" v="251" actId="20577"/>
+          <ac:spMkLst>
+            <pc:docMk/>
+            <pc:sldMk cId="584544023" sldId="271"/>
+            <ac:spMk id="3" creationId="{7060439F-2729-478E-B95F-230482B50AA1}"/>
+          </ac:spMkLst>
+        </pc:spChg>
+        <pc:picChg chg="del">
+          <ac:chgData name="Li Lixiang" userId="6104bbfcb56aea79" providerId="LiveId" clId="{195C821F-1926-4771-8AF3-DE34471BCA3B}" dt="2021-02-02T10:29:56.870" v="35" actId="478"/>
+          <ac:picMkLst>
+            <pc:docMk/>
+            <pc:sldMk cId="584544023" sldId="271"/>
+            <ac:picMk id="5" creationId="{1D894D49-A68F-4EBD-9C2A-4095DC4B6C25}"/>
+          </ac:picMkLst>
+        </pc:picChg>
+        <pc:picChg chg="add mod">
+          <ac:chgData name="Li Lixiang" userId="6104bbfcb56aea79" providerId="LiveId" clId="{195C821F-1926-4771-8AF3-DE34471BCA3B}" dt="2021-02-02T10:39:37.096" v="190" actId="1076"/>
+          <ac:picMkLst>
+            <pc:docMk/>
+            <pc:sldMk cId="584544023" sldId="271"/>
+            <ac:picMk id="6" creationId="{1B87C686-F99F-4BE2-B83A-C389598920D6}"/>
+          </ac:picMkLst>
+        </pc:picChg>
+      </pc:sldChg>
+      <pc:sldChg chg="addSp delSp modSp add mod ord">
+        <pc:chgData name="Li Lixiang" userId="6104bbfcb56aea79" providerId="LiveId" clId="{195C821F-1926-4771-8AF3-DE34471BCA3B}" dt="2021-04-21T11:51:01.379" v="1936" actId="20577"/>
+        <pc:sldMkLst>
+          <pc:docMk/>
+          <pc:sldMk cId="3132061225" sldId="272"/>
+        </pc:sldMkLst>
+        <pc:spChg chg="mod">
+          <ac:chgData name="Li Lixiang" userId="6104bbfcb56aea79" providerId="LiveId" clId="{195C821F-1926-4771-8AF3-DE34471BCA3B}" dt="2021-04-21T11:36:24.966" v="1587" actId="20577"/>
+          <ac:spMkLst>
+            <pc:docMk/>
+            <pc:sldMk cId="3132061225" sldId="272"/>
+            <ac:spMk id="2" creationId="{5EC01E2D-9CFE-4D5D-8863-3BA90731F07B}"/>
+          </ac:spMkLst>
+        </pc:spChg>
+        <pc:spChg chg="mod">
+          <ac:chgData name="Li Lixiang" userId="6104bbfcb56aea79" providerId="LiveId" clId="{195C821F-1926-4771-8AF3-DE34471BCA3B}" dt="2021-04-21T11:51:01.379" v="1936" actId="20577"/>
+          <ac:spMkLst>
+            <pc:docMk/>
+            <pc:sldMk cId="3132061225" sldId="272"/>
+            <ac:spMk id="3" creationId="{7060439F-2729-478E-B95F-230482B50AA1}"/>
+          </ac:spMkLst>
+        </pc:spChg>
+        <pc:picChg chg="add mod">
+          <ac:chgData name="Li Lixiang" userId="6104bbfcb56aea79" providerId="LiveId" clId="{195C821F-1926-4771-8AF3-DE34471BCA3B}" dt="2021-02-07T14:16:18.505" v="485" actId="1076"/>
+          <ac:picMkLst>
+            <pc:docMk/>
+            <pc:sldMk cId="3132061225" sldId="272"/>
+            <ac:picMk id="5" creationId="{908D5F42-F128-41C6-901B-32741920691C}"/>
+          </ac:picMkLst>
+        </pc:picChg>
+        <pc:picChg chg="del">
+          <ac:chgData name="Li Lixiang" userId="6104bbfcb56aea79" providerId="LiveId" clId="{195C821F-1926-4771-8AF3-DE34471BCA3B}" dt="2021-02-07T13:04:47.705" v="274" actId="478"/>
+          <ac:picMkLst>
+            <pc:docMk/>
+            <pc:sldMk cId="3132061225" sldId="272"/>
+            <ac:picMk id="7" creationId="{0E87A0D6-15A7-456C-81C7-000C78E2DA00}"/>
+          </ac:picMkLst>
+        </pc:picChg>
+      </pc:sldChg>
+      <pc:sldChg chg="addSp delSp modSp add mod">
+        <pc:chgData name="Li Lixiang" userId="6104bbfcb56aea79" providerId="LiveId" clId="{195C821F-1926-4771-8AF3-DE34471BCA3B}" dt="2021-03-02T08:31:32.267" v="1339" actId="20577"/>
+        <pc:sldMkLst>
+          <pc:docMk/>
+          <pc:sldMk cId="3363691834" sldId="273"/>
+        </pc:sldMkLst>
+        <pc:spChg chg="mod">
+          <ac:chgData name="Li Lixiang" userId="6104bbfcb56aea79" providerId="LiveId" clId="{195C821F-1926-4771-8AF3-DE34471BCA3B}" dt="2021-02-07T23:04:34.949" v="760" actId="20577"/>
+          <ac:spMkLst>
+            <pc:docMk/>
+            <pc:sldMk cId="3363691834" sldId="273"/>
+            <ac:spMk id="2" creationId="{5EC01E2D-9CFE-4D5D-8863-3BA90731F07B}"/>
+          </ac:spMkLst>
+        </pc:spChg>
+        <pc:spChg chg="mod">
+          <ac:chgData name="Li Lixiang" userId="6104bbfcb56aea79" providerId="LiveId" clId="{195C821F-1926-4771-8AF3-DE34471BCA3B}" dt="2021-03-02T08:31:32.267" v="1339" actId="20577"/>
+          <ac:spMkLst>
+            <pc:docMk/>
+            <pc:sldMk cId="3363691834" sldId="273"/>
+            <ac:spMk id="3" creationId="{7060439F-2729-478E-B95F-230482B50AA1}"/>
+          </ac:spMkLst>
+        </pc:spChg>
+        <pc:grpChg chg="del mod">
+          <ac:chgData name="Li Lixiang" userId="6104bbfcb56aea79" providerId="LiveId" clId="{195C821F-1926-4771-8AF3-DE34471BCA3B}" dt="2021-02-18T08:36:18.254" v="1335" actId="478"/>
+          <ac:grpSpMkLst>
+            <pc:docMk/>
+            <pc:sldMk cId="3363691834" sldId="273"/>
+            <ac:grpSpMk id="18" creationId="{811237F5-10B5-4289-86E0-F499EE247AEB}"/>
+          </ac:grpSpMkLst>
+        </pc:grpChg>
+        <pc:picChg chg="del">
+          <ac:chgData name="Li Lixiang" userId="6104bbfcb56aea79" providerId="LiveId" clId="{195C821F-1926-4771-8AF3-DE34471BCA3B}" dt="2021-02-07T16:16:52.918" v="700" actId="478"/>
+          <ac:picMkLst>
+            <pc:docMk/>
+            <pc:sldMk cId="3363691834" sldId="273"/>
+            <ac:picMk id="4" creationId="{E6E0ADD3-234C-4276-A71D-680100949D67}"/>
+          </ac:picMkLst>
+        </pc:picChg>
+        <pc:picChg chg="del">
+          <ac:chgData name="Li Lixiang" userId="6104bbfcb56aea79" providerId="LiveId" clId="{195C821F-1926-4771-8AF3-DE34471BCA3B}" dt="2021-02-07T16:16:53.642" v="701" actId="478"/>
+          <ac:picMkLst>
+            <pc:docMk/>
+            <pc:sldMk cId="3363691834" sldId="273"/>
+            <ac:picMk id="5" creationId="{13607EAE-1653-4C12-B8D5-0FC08194D12C}"/>
+          </ac:picMkLst>
+        </pc:picChg>
+        <pc:picChg chg="add mod">
+          <ac:chgData name="Li Lixiang" userId="6104bbfcb56aea79" providerId="LiveId" clId="{195C821F-1926-4771-8AF3-DE34471BCA3B}" dt="2021-02-07T23:07:39.472" v="1182" actId="1076"/>
+          <ac:picMkLst>
+            <pc:docMk/>
+            <pc:sldMk cId="3363691834" sldId="273"/>
+            <ac:picMk id="7" creationId="{1B852F2C-B36A-4A6D-8B38-9B31899B8FA6}"/>
+          </ac:picMkLst>
+        </pc:picChg>
+        <pc:inkChg chg="add del">
+          <ac:chgData name="Li Lixiang" userId="6104bbfcb56aea79" providerId="LiveId" clId="{195C821F-1926-4771-8AF3-DE34471BCA3B}" dt="2021-03-02T08:24:47.382" v="1337" actId="478"/>
+          <ac:inkMkLst>
+            <pc:docMk/>
+            <pc:sldMk cId="3363691834" sldId="273"/>
+            <ac:inkMk id="4" creationId="{363C64BF-BA4F-4528-9699-A73B96B29E62}"/>
+          </ac:inkMkLst>
+        </pc:inkChg>
+        <pc:inkChg chg="add mod">
+          <ac:chgData name="Li Lixiang" userId="6104bbfcb56aea79" providerId="LiveId" clId="{195C821F-1926-4771-8AF3-DE34471BCA3B}" dt="2021-02-18T08:36:06.757" v="1334"/>
+          <ac:inkMkLst>
+            <pc:docMk/>
+            <pc:sldMk cId="3363691834" sldId="273"/>
+            <ac:inkMk id="4" creationId="{6A6E8F62-4724-45FC-B8E6-C7F3086A93BA}"/>
+          </ac:inkMkLst>
+        </pc:inkChg>
+        <pc:inkChg chg="add mod">
+          <ac:chgData name="Li Lixiang" userId="6104bbfcb56aea79" providerId="LiveId" clId="{195C821F-1926-4771-8AF3-DE34471BCA3B}" dt="2021-02-18T08:36:06.757" v="1334"/>
+          <ac:inkMkLst>
+            <pc:docMk/>
+            <pc:sldMk cId="3363691834" sldId="273"/>
+            <ac:inkMk id="5" creationId="{31AA2D2D-4BAB-496A-A34E-1D989B73F4E5}"/>
+          </ac:inkMkLst>
+        </pc:inkChg>
+        <pc:inkChg chg="add mod">
+          <ac:chgData name="Li Lixiang" userId="6104bbfcb56aea79" providerId="LiveId" clId="{195C821F-1926-4771-8AF3-DE34471BCA3B}" dt="2021-02-18T08:36:06.757" v="1334"/>
+          <ac:inkMkLst>
+            <pc:docMk/>
+            <pc:sldMk cId="3363691834" sldId="273"/>
+            <ac:inkMk id="6" creationId="{AE63B066-B6A8-498B-9797-1F523D0C942D}"/>
+          </ac:inkMkLst>
+        </pc:inkChg>
+        <pc:inkChg chg="add mod">
+          <ac:chgData name="Li Lixiang" userId="6104bbfcb56aea79" providerId="LiveId" clId="{195C821F-1926-4771-8AF3-DE34471BCA3B}" dt="2021-02-18T08:36:06.757" v="1334"/>
+          <ac:inkMkLst>
+            <pc:docMk/>
+            <pc:sldMk cId="3363691834" sldId="273"/>
+            <ac:inkMk id="8" creationId="{FEA15D0C-80C7-45B4-A8BE-8D57ABDDD256}"/>
+          </ac:inkMkLst>
+        </pc:inkChg>
+        <pc:inkChg chg="add mod">
+          <ac:chgData name="Li Lixiang" userId="6104bbfcb56aea79" providerId="LiveId" clId="{195C821F-1926-4771-8AF3-DE34471BCA3B}" dt="2021-02-18T08:36:06.757" v="1334"/>
+          <ac:inkMkLst>
+            <pc:docMk/>
+            <pc:sldMk cId="3363691834" sldId="273"/>
+            <ac:inkMk id="9" creationId="{BFD4C135-42A3-43A6-927D-D8DDE44D005A}"/>
+          </ac:inkMkLst>
+        </pc:inkChg>
+        <pc:inkChg chg="add mod">
+          <ac:chgData name="Li Lixiang" userId="6104bbfcb56aea79" providerId="LiveId" clId="{195C821F-1926-4771-8AF3-DE34471BCA3B}" dt="2021-02-18T08:36:06.757" v="1334"/>
+          <ac:inkMkLst>
+            <pc:docMk/>
+            <pc:sldMk cId="3363691834" sldId="273"/>
+            <ac:inkMk id="10" creationId="{8E8D9F76-864C-4AC2-B55A-0E67C6E8AFBD}"/>
+          </ac:inkMkLst>
+        </pc:inkChg>
+        <pc:inkChg chg="add mod">
+          <ac:chgData name="Li Lixiang" userId="6104bbfcb56aea79" providerId="LiveId" clId="{195C821F-1926-4771-8AF3-DE34471BCA3B}" dt="2021-02-18T08:36:06.757" v="1334"/>
+          <ac:inkMkLst>
+            <pc:docMk/>
+            <pc:sldMk cId="3363691834" sldId="273"/>
+            <ac:inkMk id="11" creationId="{B962EFA2-2C25-49B6-99EF-B1C2C62C031C}"/>
+          </ac:inkMkLst>
+        </pc:inkChg>
+        <pc:inkChg chg="add mod">
+          <ac:chgData name="Li Lixiang" userId="6104bbfcb56aea79" providerId="LiveId" clId="{195C821F-1926-4771-8AF3-DE34471BCA3B}" dt="2021-02-18T08:36:06.757" v="1334"/>
+          <ac:inkMkLst>
+            <pc:docMk/>
+            <pc:sldMk cId="3363691834" sldId="273"/>
+            <ac:inkMk id="12" creationId="{6A26A69D-507C-4F73-9B26-B41034D69808}"/>
+          </ac:inkMkLst>
+        </pc:inkChg>
+        <pc:inkChg chg="add mod">
+          <ac:chgData name="Li Lixiang" userId="6104bbfcb56aea79" providerId="LiveId" clId="{195C821F-1926-4771-8AF3-DE34471BCA3B}" dt="2021-02-18T08:36:06.757" v="1334"/>
+          <ac:inkMkLst>
+            <pc:docMk/>
+            <pc:sldMk cId="3363691834" sldId="273"/>
+            <ac:inkMk id="13" creationId="{19954703-C256-470B-B8BD-ABB9352F94FE}"/>
+          </ac:inkMkLst>
+        </pc:inkChg>
+        <pc:inkChg chg="add mod">
+          <ac:chgData name="Li Lixiang" userId="6104bbfcb56aea79" providerId="LiveId" clId="{195C821F-1926-4771-8AF3-DE34471BCA3B}" dt="2021-02-18T08:36:06.757" v="1334"/>
+          <ac:inkMkLst>
+            <pc:docMk/>
+            <pc:sldMk cId="3363691834" sldId="273"/>
+            <ac:inkMk id="14" creationId="{62961DA8-97BB-470F-BB0C-9C8770AF4956}"/>
+          </ac:inkMkLst>
+        </pc:inkChg>
+        <pc:inkChg chg="add mod">
+          <ac:chgData name="Li Lixiang" userId="6104bbfcb56aea79" providerId="LiveId" clId="{195C821F-1926-4771-8AF3-DE34471BCA3B}" dt="2021-02-18T08:36:06.757" v="1334"/>
+          <ac:inkMkLst>
+            <pc:docMk/>
+            <pc:sldMk cId="3363691834" sldId="273"/>
+            <ac:inkMk id="15" creationId="{D93E9F0E-7CA4-45F8-9E19-4B8A851D8D57}"/>
+          </ac:inkMkLst>
+        </pc:inkChg>
+        <pc:inkChg chg="add mod">
+          <ac:chgData name="Li Lixiang" userId="6104bbfcb56aea79" providerId="LiveId" clId="{195C821F-1926-4771-8AF3-DE34471BCA3B}" dt="2021-02-18T08:36:06.757" v="1334"/>
+          <ac:inkMkLst>
+            <pc:docMk/>
+            <pc:sldMk cId="3363691834" sldId="273"/>
+            <ac:inkMk id="16" creationId="{96281312-CD78-4FCC-A8BF-D42ED3239AAB}"/>
+          </ac:inkMkLst>
+        </pc:inkChg>
+        <pc:inkChg chg="add mod">
+          <ac:chgData name="Li Lixiang" userId="6104bbfcb56aea79" providerId="LiveId" clId="{195C821F-1926-4771-8AF3-DE34471BCA3B}" dt="2021-02-18T08:36:06.757" v="1334"/>
+          <ac:inkMkLst>
+            <pc:docMk/>
+            <pc:sldMk cId="3363691834" sldId="273"/>
+            <ac:inkMk id="17" creationId="{E2A77390-FE99-4A8E-AFD5-D84350FF2696}"/>
+          </ac:inkMkLst>
+        </pc:inkChg>
+      </pc:sldChg>
+      <pc:sldChg chg="add">
+        <pc:chgData name="Li Lixiang" userId="6104bbfcb56aea79" providerId="LiveId" clId="{195C821F-1926-4771-8AF3-DE34471BCA3B}" dt="2021-03-04T06:21:58.700" v="1340"/>
+        <pc:sldMkLst>
+          <pc:docMk/>
+          <pc:sldMk cId="3705451296" sldId="276"/>
+        </pc:sldMkLst>
+      </pc:sldChg>
+      <pc:sldChg chg="add">
+        <pc:chgData name="Li Lixiang" userId="6104bbfcb56aea79" providerId="LiveId" clId="{195C821F-1926-4771-8AF3-DE34471BCA3B}" dt="2021-03-04T06:21:58.700" v="1340"/>
+        <pc:sldMkLst>
+          <pc:docMk/>
+          <pc:sldMk cId="236255252" sldId="277"/>
+        </pc:sldMkLst>
+      </pc:sldChg>
+      <pc:sldChg chg="addSp modSp add mod">
+        <pc:chgData name="Li Lixiang" userId="6104bbfcb56aea79" providerId="LiveId" clId="{195C821F-1926-4771-8AF3-DE34471BCA3B}" dt="2021-03-09T08:24:39.294" v="1481" actId="9405"/>
+        <pc:sldMkLst>
+          <pc:docMk/>
+          <pc:sldMk cId="3382715189" sldId="278"/>
+        </pc:sldMkLst>
+        <pc:spChg chg="mod">
+          <ac:chgData name="Li Lixiang" userId="6104bbfcb56aea79" providerId="LiveId" clId="{195C821F-1926-4771-8AF3-DE34471BCA3B}" dt="2021-03-09T08:23:34.131" v="1479" actId="20577"/>
+          <ac:spMkLst>
+            <pc:docMk/>
+            <pc:sldMk cId="3382715189" sldId="278"/>
+            <ac:spMk id="6" creationId="{EC7E49AC-AA90-4955-A874-01EA25A7FD1A}"/>
+          </ac:spMkLst>
+        </pc:spChg>
+        <pc:spChg chg="mod">
+          <ac:chgData name="Li Lixiang" userId="6104bbfcb56aea79" providerId="LiveId" clId="{195C821F-1926-4771-8AF3-DE34471BCA3B}" dt="2021-03-09T08:23:36.267" v="1480" actId="20577"/>
+          <ac:spMkLst>
+            <pc:docMk/>
+            <pc:sldMk cId="3382715189" sldId="278"/>
+            <ac:spMk id="20" creationId="{453F1D08-A157-46E4-848C-C4178F2EECC2}"/>
+          </ac:spMkLst>
+        </pc:spChg>
+        <pc:spChg chg="mod">
+          <ac:chgData name="Li Lixiang" userId="6104bbfcb56aea79" providerId="LiveId" clId="{195C821F-1926-4771-8AF3-DE34471BCA3B}" dt="2021-03-09T08:23:30.948" v="1478" actId="20577"/>
+          <ac:spMkLst>
+            <pc:docMk/>
+            <pc:sldMk cId="3382715189" sldId="278"/>
+            <ac:spMk id="26" creationId="{EEA3ADC2-BCDD-4416-9184-995966377ADD}"/>
+          </ac:spMkLst>
+        </pc:spChg>
+        <pc:inkChg chg="add">
+          <ac:chgData name="Li Lixiang" userId="6104bbfcb56aea79" providerId="LiveId" clId="{195C821F-1926-4771-8AF3-DE34471BCA3B}" dt="2021-03-09T08:24:39.294" v="1481" actId="9405"/>
+          <ac:inkMkLst>
+            <pc:docMk/>
+            <pc:sldMk cId="3382715189" sldId="278"/>
+            <ac:inkMk id="2" creationId="{2FBA5FE7-4846-4634-A0F9-60BA1D6CA186}"/>
+          </ac:inkMkLst>
+        </pc:inkChg>
+      </pc:sldChg>
+      <pc:sldChg chg="addSp modSp add mod">
+        <pc:chgData name="Li Lixiang" userId="6104bbfcb56aea79" providerId="LiveId" clId="{195C821F-1926-4771-8AF3-DE34471BCA3B}" dt="2021-03-09T07:27:37.304" v="1374" actId="14100"/>
+        <pc:sldMkLst>
+          <pc:docMk/>
+          <pc:sldMk cId="3644787234" sldId="279"/>
+        </pc:sldMkLst>
+        <pc:spChg chg="mod">
+          <ac:chgData name="Li Lixiang" userId="6104bbfcb56aea79" providerId="LiveId" clId="{195C821F-1926-4771-8AF3-DE34471BCA3B}" dt="2021-03-09T07:27:14.098" v="1366" actId="20577"/>
+          <ac:spMkLst>
+            <pc:docMk/>
+            <pc:sldMk cId="3644787234" sldId="279"/>
+            <ac:spMk id="12" creationId="{359852D0-62F3-449C-9A3C-37EDC2BA791D}"/>
+          </ac:spMkLst>
+        </pc:spChg>
+        <pc:cxnChg chg="add mod">
+          <ac:chgData name="Li Lixiang" userId="6104bbfcb56aea79" providerId="LiveId" clId="{195C821F-1926-4771-8AF3-DE34471BCA3B}" dt="2021-03-09T07:26:40.071" v="1345" actId="14100"/>
+          <ac:cxnSpMkLst>
+            <pc:docMk/>
+            <pc:sldMk cId="3644787234" sldId="279"/>
+            <ac:cxnSpMk id="28" creationId="{2644271E-D836-4B39-8748-161641279B52}"/>
+          </ac:cxnSpMkLst>
+        </pc:cxnChg>
+        <pc:cxnChg chg="mod">
+          <ac:chgData name="Li Lixiang" userId="6104bbfcb56aea79" providerId="LiveId" clId="{195C821F-1926-4771-8AF3-DE34471BCA3B}" dt="2021-03-09T07:27:37.304" v="1374" actId="14100"/>
+          <ac:cxnSpMkLst>
+            <pc:docMk/>
+            <pc:sldMk cId="3644787234" sldId="279"/>
+            <ac:cxnSpMk id="31" creationId="{0B326028-8702-4326-A1A6-5FE462B6BCE1}"/>
+          </ac:cxnSpMkLst>
+        </pc:cxnChg>
+        <pc:cxnChg chg="add mod">
+          <ac:chgData name="Li Lixiang" userId="6104bbfcb56aea79" providerId="LiveId" clId="{195C821F-1926-4771-8AF3-DE34471BCA3B}" dt="2021-03-09T07:27:06.397" v="1353" actId="14100"/>
+          <ac:cxnSpMkLst>
+            <pc:docMk/>
+            <pc:sldMk cId="3644787234" sldId="279"/>
+            <ac:cxnSpMk id="32" creationId="{06AADE20-D76E-4253-9764-732C4E45C766}"/>
+          </ac:cxnSpMkLst>
+        </pc:cxnChg>
+        <pc:cxnChg chg="add mod">
+          <ac:chgData name="Li Lixiang" userId="6104bbfcb56aea79" providerId="LiveId" clId="{195C821F-1926-4771-8AF3-DE34471BCA3B}" dt="2021-03-09T07:27:03.450" v="1352" actId="14100"/>
+          <ac:cxnSpMkLst>
+            <pc:docMk/>
+            <pc:sldMk cId="3644787234" sldId="279"/>
+            <ac:cxnSpMk id="34" creationId="{0DBA160D-623D-4D3C-96F4-2892396462DB}"/>
+          </ac:cxnSpMkLst>
+        </pc:cxnChg>
+        <pc:cxnChg chg="mod">
+          <ac:chgData name="Li Lixiang" userId="6104bbfcb56aea79" providerId="LiveId" clId="{195C821F-1926-4771-8AF3-DE34471BCA3B}" dt="2021-03-09T07:26:32.613" v="1342" actId="14100"/>
+          <ac:cxnSpMkLst>
+            <pc:docMk/>
+            <pc:sldMk cId="3644787234" sldId="279"/>
+            <ac:cxnSpMk id="35" creationId="{FD171C20-EAB2-402A-8E4E-E449D2250A04}"/>
+          </ac:cxnSpMkLst>
+        </pc:cxnChg>
+        <pc:cxnChg chg="add mod">
+          <ac:chgData name="Li Lixiang" userId="6104bbfcb56aea79" providerId="LiveId" clId="{195C821F-1926-4771-8AF3-DE34471BCA3B}" dt="2021-03-09T07:27:35.318" v="1373" actId="1076"/>
+          <ac:cxnSpMkLst>
+            <pc:docMk/>
+            <pc:sldMk cId="3644787234" sldId="279"/>
+            <ac:cxnSpMk id="38" creationId="{6F0B6288-9D7C-465D-8C0A-AC99D68095EB}"/>
+          </ac:cxnSpMkLst>
+        </pc:cxnChg>
+      </pc:sldChg>
+      <pc:sldChg chg="addSp modSp add mod">
+        <pc:chgData name="Li Lixiang" userId="6104bbfcb56aea79" providerId="LiveId" clId="{195C821F-1926-4771-8AF3-DE34471BCA3B}" dt="2021-03-09T07:28:35.151" v="1388" actId="1076"/>
+        <pc:sldMkLst>
+          <pc:docMk/>
+          <pc:sldMk cId="2458152062" sldId="280"/>
+        </pc:sldMkLst>
+        <pc:spChg chg="mod">
+          <ac:chgData name="Li Lixiang" userId="6104bbfcb56aea79" providerId="LiveId" clId="{195C821F-1926-4771-8AF3-DE34471BCA3B}" dt="2021-03-09T07:28:35.151" v="1388" actId="1076"/>
+          <ac:spMkLst>
+            <pc:docMk/>
+            <pc:sldMk cId="2458152062" sldId="280"/>
+            <ac:spMk id="13" creationId="{0EA72161-C1EA-40C0-8FAC-5C968E34C1C9}"/>
+          </ac:spMkLst>
+        </pc:spChg>
+        <pc:cxnChg chg="mod">
+          <ac:chgData name="Li Lixiang" userId="6104bbfcb56aea79" providerId="LiveId" clId="{195C821F-1926-4771-8AF3-DE34471BCA3B}" dt="2021-03-09T07:27:56.996" v="1375" actId="14100"/>
+          <ac:cxnSpMkLst>
+            <pc:docMk/>
+            <pc:sldMk cId="2458152062" sldId="280"/>
+            <ac:cxnSpMk id="26" creationId="{12617041-DC45-4440-BA90-FB7B34E7F8B0}"/>
+          </ac:cxnSpMkLst>
+        </pc:cxnChg>
+        <pc:cxnChg chg="add mod">
+          <ac:chgData name="Li Lixiang" userId="6104bbfcb56aea79" providerId="LiveId" clId="{195C821F-1926-4771-8AF3-DE34471BCA3B}" dt="2021-03-09T07:28:04.867" v="1378" actId="14100"/>
+          <ac:cxnSpMkLst>
+            <pc:docMk/>
+            <pc:sldMk cId="2458152062" sldId="280"/>
+            <ac:cxnSpMk id="28" creationId="{62707383-3601-4D0F-8D3A-295135011D27}"/>
+          </ac:cxnSpMkLst>
+        </pc:cxnChg>
+        <pc:cxnChg chg="add mod">
+          <ac:chgData name="Li Lixiang" userId="6104bbfcb56aea79" providerId="LiveId" clId="{195C821F-1926-4771-8AF3-DE34471BCA3B}" dt="2021-03-09T07:28:13.237" v="1381" actId="14100"/>
+          <ac:cxnSpMkLst>
+            <pc:docMk/>
+            <pc:sldMk cId="2458152062" sldId="280"/>
+            <ac:cxnSpMk id="29" creationId="{778E111C-279D-439B-8C20-F3FD6D8B6784}"/>
+          </ac:cxnSpMkLst>
+        </pc:cxnChg>
+        <pc:cxnChg chg="add mod">
+          <ac:chgData name="Li Lixiang" userId="6104bbfcb56aea79" providerId="LiveId" clId="{195C821F-1926-4771-8AF3-DE34471BCA3B}" dt="2021-03-09T07:28:21.235" v="1384" actId="14100"/>
+          <ac:cxnSpMkLst>
+            <pc:docMk/>
+            <pc:sldMk cId="2458152062" sldId="280"/>
+            <ac:cxnSpMk id="30" creationId="{A88D8729-0E30-4A32-9D34-CE8A509266F1}"/>
+          </ac:cxnSpMkLst>
+        </pc:cxnChg>
+        <pc:cxnChg chg="add mod">
+          <ac:chgData name="Li Lixiang" userId="6104bbfcb56aea79" providerId="LiveId" clId="{195C821F-1926-4771-8AF3-DE34471BCA3B}" dt="2021-03-09T07:28:28.361" v="1387" actId="14100"/>
+          <ac:cxnSpMkLst>
+            <pc:docMk/>
+            <pc:sldMk cId="2458152062" sldId="280"/>
+            <ac:cxnSpMk id="31" creationId="{10DDFD75-ABC1-44D7-9075-E2B336D7C793}"/>
+          </ac:cxnSpMkLst>
+        </pc:cxnChg>
+      </pc:sldChg>
+      <pc:sldChg chg="addSp delSp modSp add mod">
+        <pc:chgData name="Li Lixiang" userId="6104bbfcb56aea79" providerId="LiveId" clId="{195C821F-1926-4771-8AF3-DE34471BCA3B}" dt="2021-03-09T08:57:17.039" v="1530" actId="1076"/>
+        <pc:sldMkLst>
+          <pc:docMk/>
+          <pc:sldMk cId="285537872" sldId="281"/>
+        </pc:sldMkLst>
+        <pc:spChg chg="mod">
+          <ac:chgData name="Li Lixiang" userId="6104bbfcb56aea79" providerId="LiveId" clId="{195C821F-1926-4771-8AF3-DE34471BCA3B}" dt="2021-03-09T07:29:25.066" v="1393" actId="1076"/>
+          <ac:spMkLst>
+            <pc:docMk/>
+            <pc:sldMk cId="285537872" sldId="281"/>
+            <ac:spMk id="6" creationId="{FC0D0CCC-2669-4BEA-A601-191B398B36E1}"/>
+          </ac:spMkLst>
+        </pc:spChg>
+        <pc:spChg chg="mod">
+          <ac:chgData name="Li Lixiang" userId="6104bbfcb56aea79" providerId="LiveId" clId="{195C821F-1926-4771-8AF3-DE34471BCA3B}" dt="2021-03-09T07:29:25.066" v="1393" actId="1076"/>
+          <ac:spMkLst>
+            <pc:docMk/>
+            <pc:sldMk cId="285537872" sldId="281"/>
+            <ac:spMk id="7" creationId="{A746A457-C064-4608-A75D-14BEAD167399}"/>
+          </ac:spMkLst>
+        </pc:spChg>
+        <pc:spChg chg="mod">
+          <ac:chgData name="Li Lixiang" userId="6104bbfcb56aea79" providerId="LiveId" clId="{195C821F-1926-4771-8AF3-DE34471BCA3B}" dt="2021-03-09T07:29:25.066" v="1393" actId="1076"/>
+          <ac:spMkLst>
+            <pc:docMk/>
+            <pc:sldMk cId="285537872" sldId="281"/>
+            <ac:spMk id="8" creationId="{9212197E-F0EC-40DC-B152-B3FF50CD06A2}"/>
+          </ac:spMkLst>
+        </pc:spChg>
+        <pc:spChg chg="mod">
+          <ac:chgData name="Li Lixiang" userId="6104bbfcb56aea79" providerId="LiveId" clId="{195C821F-1926-4771-8AF3-DE34471BCA3B}" dt="2021-03-09T07:30:27.952" v="1428" actId="20577"/>
+          <ac:spMkLst>
+            <pc:docMk/>
+            <pc:sldMk cId="285537872" sldId="281"/>
+            <ac:spMk id="9" creationId="{30257987-5DAD-4BA9-A19E-34AE3588C3FA}"/>
+          </ac:spMkLst>
+        </pc:spChg>
+        <pc:spChg chg="mod">
+          <ac:chgData name="Li Lixiang" userId="6104bbfcb56aea79" providerId="LiveId" clId="{195C821F-1926-4771-8AF3-DE34471BCA3B}" dt="2021-03-09T07:29:25.066" v="1393" actId="1076"/>
+          <ac:spMkLst>
+            <pc:docMk/>
+            <pc:sldMk cId="285537872" sldId="281"/>
+            <ac:spMk id="12" creationId="{F3D6C0E8-2A0F-474F-AB5C-1591CE9F7BA4}"/>
+          </ac:spMkLst>
+        </pc:spChg>
+        <pc:spChg chg="mod">
+          <ac:chgData name="Li Lixiang" userId="6104bbfcb56aea79" providerId="LiveId" clId="{195C821F-1926-4771-8AF3-DE34471BCA3B}" dt="2021-03-09T07:29:25.066" v="1393" actId="1076"/>
+          <ac:spMkLst>
+            <pc:docMk/>
+            <pc:sldMk cId="285537872" sldId="281"/>
+            <ac:spMk id="13" creationId="{BD5B4E6B-DF6F-4677-8F67-77480FEF4F81}"/>
+          </ac:spMkLst>
+        </pc:spChg>
+        <pc:spChg chg="mod">
+          <ac:chgData name="Li Lixiang" userId="6104bbfcb56aea79" providerId="LiveId" clId="{195C821F-1926-4771-8AF3-DE34471BCA3B}" dt="2021-03-09T08:56:23.325" v="1515" actId="1035"/>
+          <ac:spMkLst>
+            <pc:docMk/>
+            <pc:sldMk cId="285537872" sldId="281"/>
+            <ac:spMk id="15" creationId="{5958AB10-02A6-4C5A-8A2B-B02B08F72D77}"/>
+          </ac:spMkLst>
+        </pc:spChg>
+        <pc:spChg chg="mod">
+          <ac:chgData name="Li Lixiang" userId="6104bbfcb56aea79" providerId="LiveId" clId="{195C821F-1926-4771-8AF3-DE34471BCA3B}" dt="2021-03-09T08:56:23.325" v="1515" actId="1035"/>
+          <ac:spMkLst>
+            <pc:docMk/>
+            <pc:sldMk cId="285537872" sldId="281"/>
+            <ac:spMk id="16" creationId="{FAC802A5-0CD8-4EF7-AE34-50E9AB57E124}"/>
+          </ac:spMkLst>
+        </pc:spChg>
+        <pc:spChg chg="mod">
+          <ac:chgData name="Li Lixiang" userId="6104bbfcb56aea79" providerId="LiveId" clId="{195C821F-1926-4771-8AF3-DE34471BCA3B}" dt="2021-03-09T08:56:16.164" v="1487" actId="1076"/>
+          <ac:spMkLst>
+            <pc:docMk/>
+            <pc:sldMk cId="285537872" sldId="281"/>
+            <ac:spMk id="22" creationId="{EAA6405C-ED05-4EDD-B178-DC8CC115F19E}"/>
+          </ac:spMkLst>
+        </pc:spChg>
+        <pc:spChg chg="mod">
+          <ac:chgData name="Li Lixiang" userId="6104bbfcb56aea79" providerId="LiveId" clId="{195C821F-1926-4771-8AF3-DE34471BCA3B}" dt="2021-03-09T08:56:16.164" v="1487" actId="1076"/>
+          <ac:spMkLst>
+            <pc:docMk/>
+            <pc:sldMk cId="285537872" sldId="281"/>
+            <ac:spMk id="23" creationId="{5B6C7A4B-5BA3-443E-9E9E-C0611BF48403}"/>
+          </ac:spMkLst>
+        </pc:spChg>
+        <pc:spChg chg="mod">
+          <ac:chgData name="Li Lixiang" userId="6104bbfcb56aea79" providerId="LiveId" clId="{195C821F-1926-4771-8AF3-DE34471BCA3B}" dt="2021-03-09T07:29:25.066" v="1393" actId="1076"/>
+          <ac:spMkLst>
+            <pc:docMk/>
+            <pc:sldMk cId="285537872" sldId="281"/>
+            <ac:spMk id="25" creationId="{09B7A4DE-2355-4DD5-BCF8-A15F6CFBF7C2}"/>
+          </ac:spMkLst>
+        </pc:spChg>
+        <pc:spChg chg="mod">
+          <ac:chgData name="Li Lixiang" userId="6104bbfcb56aea79" providerId="LiveId" clId="{195C821F-1926-4771-8AF3-DE34471BCA3B}" dt="2021-03-09T08:55:52.317" v="1482" actId="1076"/>
+          <ac:spMkLst>
+            <pc:docMk/>
+            <pc:sldMk cId="285537872" sldId="281"/>
+            <ac:spMk id="26" creationId="{6AAF631B-B978-44F0-B1E3-3DBFEF31F077}"/>
+          </ac:spMkLst>
+        </pc:spChg>
+        <pc:spChg chg="mod">
+          <ac:chgData name="Li Lixiang" userId="6104bbfcb56aea79" providerId="LiveId" clId="{195C821F-1926-4771-8AF3-DE34471BCA3B}" dt="2021-03-09T08:56:08.008" v="1485" actId="1076"/>
+          <ac:spMkLst>
+            <pc:docMk/>
+            <pc:sldMk cId="285537872" sldId="281"/>
+            <ac:spMk id="34" creationId="{F6621DD6-D25D-44E1-A83A-F2563D1E2B38}"/>
+          </ac:spMkLst>
+        </pc:spChg>
+        <pc:cxnChg chg="mod">
+          <ac:chgData name="Li Lixiang" userId="6104bbfcb56aea79" providerId="LiveId" clId="{195C821F-1926-4771-8AF3-DE34471BCA3B}" dt="2021-03-09T07:29:25.066" v="1393" actId="1076"/>
+          <ac:cxnSpMkLst>
+            <pc:docMk/>
+            <pc:sldMk cId="285537872" sldId="281"/>
+            <ac:cxnSpMk id="5" creationId="{8325B56B-D1AC-4695-8640-7C03829625A6}"/>
+          </ac:cxnSpMkLst>
+        </pc:cxnChg>
+        <pc:cxnChg chg="mod">
+          <ac:chgData name="Li Lixiang" userId="6104bbfcb56aea79" providerId="LiveId" clId="{195C821F-1926-4771-8AF3-DE34471BCA3B}" dt="2021-03-09T07:29:25.066" v="1393" actId="1076"/>
+          <ac:cxnSpMkLst>
+            <pc:docMk/>
+            <pc:sldMk cId="285537872" sldId="281"/>
+            <ac:cxnSpMk id="10" creationId="{9ED289DF-696E-4540-A9FF-9E633C550570}"/>
+          </ac:cxnSpMkLst>
+        </pc:cxnChg>
+        <pc:cxnChg chg="mod">
+          <ac:chgData name="Li Lixiang" userId="6104bbfcb56aea79" providerId="LiveId" clId="{195C821F-1926-4771-8AF3-DE34471BCA3B}" dt="2021-03-09T07:29:25.066" v="1393" actId="1076"/>
+          <ac:cxnSpMkLst>
+            <pc:docMk/>
+            <pc:sldMk cId="285537872" sldId="281"/>
+            <ac:cxnSpMk id="11" creationId="{98082AB3-1EB6-4C6B-A40F-107875C4A3D6}"/>
+          </ac:cxnSpMkLst>
+        </pc:cxnChg>
+        <pc:cxnChg chg="mod">
+          <ac:chgData name="Li Lixiang" userId="6104bbfcb56aea79" providerId="LiveId" clId="{195C821F-1926-4771-8AF3-DE34471BCA3B}" dt="2021-03-09T08:56:40.624" v="1519" actId="14100"/>
+          <ac:cxnSpMkLst>
+            <pc:docMk/>
+            <pc:sldMk cId="285537872" sldId="281"/>
+            <ac:cxnSpMk id="14" creationId="{11A77050-2D33-45BB-B660-851CB91A6836}"/>
+          </ac:cxnSpMkLst>
+        </pc:cxnChg>
+        <pc:cxnChg chg="mod">
+          <ac:chgData name="Li Lixiang" userId="6104bbfcb56aea79" providerId="LiveId" clId="{195C821F-1926-4771-8AF3-DE34471BCA3B}" dt="2021-03-09T08:57:06.972" v="1527" actId="14100"/>
+          <ac:cxnSpMkLst>
+            <pc:docMk/>
+            <pc:sldMk cId="285537872" sldId="281"/>
+            <ac:cxnSpMk id="17" creationId="{04E85CB1-8137-4003-A3F8-FCF9B3009718}"/>
+          </ac:cxnSpMkLst>
+        </pc:cxnChg>
+        <pc:cxnChg chg="mod">
+          <ac:chgData name="Li Lixiang" userId="6104bbfcb56aea79" providerId="LiveId" clId="{195C821F-1926-4771-8AF3-DE34471BCA3B}" dt="2021-03-09T08:57:09.137" v="1528" actId="1076"/>
+          <ac:cxnSpMkLst>
+            <pc:docMk/>
+            <pc:sldMk cId="285537872" sldId="281"/>
+            <ac:cxnSpMk id="18" creationId="{314FB4ED-227F-4BBB-A0D5-56128173FE68}"/>
+          </ac:cxnSpMkLst>
+        </pc:cxnChg>
+        <pc:cxnChg chg="mod">
+          <ac:chgData name="Li Lixiang" userId="6104bbfcb56aea79" providerId="LiveId" clId="{195C821F-1926-4771-8AF3-DE34471BCA3B}" dt="2021-03-09T08:56:59.148" v="1525" actId="14100"/>
+          <ac:cxnSpMkLst>
+            <pc:docMk/>
+            <pc:sldMk cId="285537872" sldId="281"/>
+            <ac:cxnSpMk id="27" creationId="{D06EBD9A-3D81-41A2-BB4F-1A70BCF60EB0}"/>
+          </ac:cxnSpMkLst>
+        </pc:cxnChg>
+        <pc:cxnChg chg="add mod">
+          <ac:chgData name="Li Lixiang" userId="6104bbfcb56aea79" providerId="LiveId" clId="{195C821F-1926-4771-8AF3-DE34471BCA3B}" dt="2021-03-09T08:57:03.211" v="1526" actId="14100"/>
+          <ac:cxnSpMkLst>
+            <pc:docMk/>
+            <pc:sldMk cId="285537872" sldId="281"/>
+            <ac:cxnSpMk id="28" creationId="{B772D5BB-1828-4E84-96C2-22401232B89E}"/>
+          </ac:cxnSpMkLst>
+        </pc:cxnChg>
+        <pc:cxnChg chg="mod">
+          <ac:chgData name="Li Lixiang" userId="6104bbfcb56aea79" providerId="LiveId" clId="{195C821F-1926-4771-8AF3-DE34471BCA3B}" dt="2021-03-09T08:56:52.790" v="1523" actId="1076"/>
+          <ac:cxnSpMkLst>
+            <pc:docMk/>
+            <pc:sldMk cId="285537872" sldId="281"/>
+            <ac:cxnSpMk id="30" creationId="{12048B38-71EC-4D93-BF08-D0AFA8091354}"/>
+          </ac:cxnSpMkLst>
+        </pc:cxnChg>
+        <pc:cxnChg chg="add mod">
+          <ac:chgData name="Li Lixiang" userId="6104bbfcb56aea79" providerId="LiveId" clId="{195C821F-1926-4771-8AF3-DE34471BCA3B}" dt="2021-03-09T07:29:46.878" v="1401" actId="14100"/>
+          <ac:cxnSpMkLst>
+            <pc:docMk/>
+            <pc:sldMk cId="285537872" sldId="281"/>
+            <ac:cxnSpMk id="31" creationId="{53E443F1-F449-411D-BCD0-DD7FEDA204AD}"/>
+          </ac:cxnSpMkLst>
+        </pc:cxnChg>
+        <pc:cxnChg chg="mod">
+          <ac:chgData name="Li Lixiang" userId="6104bbfcb56aea79" providerId="LiveId" clId="{195C821F-1926-4771-8AF3-DE34471BCA3B}" dt="2021-03-09T07:29:25.066" v="1393" actId="1076"/>
+          <ac:cxnSpMkLst>
+            <pc:docMk/>
+            <pc:sldMk cId="285537872" sldId="281"/>
+            <ac:cxnSpMk id="35" creationId="{D43F7C11-7FB4-44A3-9FEF-D23988968543}"/>
+          </ac:cxnSpMkLst>
+        </pc:cxnChg>
+        <pc:cxnChg chg="mod">
+          <ac:chgData name="Li Lixiang" userId="6104bbfcb56aea79" providerId="LiveId" clId="{195C821F-1926-4771-8AF3-DE34471BCA3B}" dt="2021-03-09T08:56:36.396" v="1518" actId="14100"/>
+          <ac:cxnSpMkLst>
+            <pc:docMk/>
+            <pc:sldMk cId="285537872" sldId="281"/>
+            <ac:cxnSpMk id="37" creationId="{C57E4C2F-39B9-4760-BBF8-151F3595360B}"/>
+          </ac:cxnSpMkLst>
+        </pc:cxnChg>
+        <pc:cxnChg chg="add mod">
+          <ac:chgData name="Li Lixiang" userId="6104bbfcb56aea79" providerId="LiveId" clId="{195C821F-1926-4771-8AF3-DE34471BCA3B}" dt="2021-03-09T08:57:17.039" v="1530" actId="1076"/>
+          <ac:cxnSpMkLst>
+            <pc:docMk/>
+            <pc:sldMk cId="285537872" sldId="281"/>
+            <ac:cxnSpMk id="38" creationId="{C415907B-D1F5-4495-921A-9F0CBAC202B7}"/>
+          </ac:cxnSpMkLst>
+        </pc:cxnChg>
+        <pc:cxnChg chg="del mod">
+          <ac:chgData name="Li Lixiang" userId="6104bbfcb56aea79" providerId="LiveId" clId="{195C821F-1926-4771-8AF3-DE34471BCA3B}" dt="2021-03-09T07:29:59.876" v="1404" actId="478"/>
+          <ac:cxnSpMkLst>
+            <pc:docMk/>
+            <pc:sldMk cId="285537872" sldId="281"/>
+            <ac:cxnSpMk id="39" creationId="{90CD62E6-DAB2-4904-BC5C-AE6EF319F7FD}"/>
+          </ac:cxnSpMkLst>
+        </pc:cxnChg>
+      </pc:sldChg>
+      <pc:sldChg chg="addSp modSp add mod">
+        <pc:chgData name="Li Lixiang" userId="6104bbfcb56aea79" providerId="LiveId" clId="{195C821F-1926-4771-8AF3-DE34471BCA3B}" dt="2021-03-09T07:32:05.458" v="1476" actId="14100"/>
+        <pc:sldMkLst>
+          <pc:docMk/>
+          <pc:sldMk cId="1892396108" sldId="282"/>
+        </pc:sldMkLst>
+        <pc:spChg chg="mod">
+          <ac:chgData name="Li Lixiang" userId="6104bbfcb56aea79" providerId="LiveId" clId="{195C821F-1926-4771-8AF3-DE34471BCA3B}" dt="2021-03-09T07:30:38.353" v="1448" actId="20577"/>
+          <ac:spMkLst>
+            <pc:docMk/>
+            <pc:sldMk cId="1892396108" sldId="282"/>
+            <ac:spMk id="5" creationId="{D94FFDDE-535E-4D07-B182-BD631BF44496}"/>
+          </ac:spMkLst>
+        </pc:spChg>
+        <pc:spChg chg="mod">
+          <ac:chgData name="Li Lixiang" userId="6104bbfcb56aea79" providerId="LiveId" clId="{195C821F-1926-4771-8AF3-DE34471BCA3B}" dt="2021-03-09T07:31:54.206" v="1471" actId="1036"/>
+          <ac:spMkLst>
+            <pc:docMk/>
+            <pc:sldMk cId="1892396108" sldId="282"/>
+            <ac:spMk id="15" creationId="{AC59B6B3-C02F-4BD0-9A4C-15B6C4436BE5}"/>
+          </ac:spMkLst>
+        </pc:spChg>
+        <pc:spChg chg="mod">
+          <ac:chgData name="Li Lixiang" userId="6104bbfcb56aea79" providerId="LiveId" clId="{195C821F-1926-4771-8AF3-DE34471BCA3B}" dt="2021-03-09T07:31:54.206" v="1471" actId="1036"/>
+          <ac:spMkLst>
+            <pc:docMk/>
+            <pc:sldMk cId="1892396108" sldId="282"/>
+            <ac:spMk id="16" creationId="{F64131FC-0923-4D66-9833-72B2FCF513AB}"/>
+          </ac:spMkLst>
+        </pc:spChg>
+        <pc:cxnChg chg="mod">
+          <ac:chgData name="Li Lixiang" userId="6104bbfcb56aea79" providerId="LiveId" clId="{195C821F-1926-4771-8AF3-DE34471BCA3B}" dt="2021-03-09T07:31:56.684" v="1472" actId="14100"/>
+          <ac:cxnSpMkLst>
+            <pc:docMk/>
+            <pc:sldMk cId="1892396108" sldId="282"/>
+            <ac:cxnSpMk id="14" creationId="{9441F248-E968-4E40-9E77-CF1CB29F3067}"/>
+          </ac:cxnSpMkLst>
+        </pc:cxnChg>
+        <pc:cxnChg chg="mod">
+          <ac:chgData name="Li Lixiang" userId="6104bbfcb56aea79" providerId="LiveId" clId="{195C821F-1926-4771-8AF3-DE34471BCA3B}" dt="2021-03-09T07:31:59.185" v="1473" actId="1076"/>
+          <ac:cxnSpMkLst>
+            <pc:docMk/>
+            <pc:sldMk cId="1892396108" sldId="282"/>
+            <ac:cxnSpMk id="17" creationId="{AFB67960-98DE-4EA6-8FF5-1D3649D95746}"/>
+          </ac:cxnSpMkLst>
+        </pc:cxnChg>
+        <pc:cxnChg chg="mod">
+          <ac:chgData name="Li Lixiang" userId="6104bbfcb56aea79" providerId="LiveId" clId="{195C821F-1926-4771-8AF3-DE34471BCA3B}" dt="2021-03-09T07:31:33.020" v="1451" actId="14100"/>
+          <ac:cxnSpMkLst>
+            <pc:docMk/>
+            <pc:sldMk cId="1892396108" sldId="282"/>
+            <ac:cxnSpMk id="18" creationId="{CA38E5EA-9BA7-4219-90E4-9BCB71450CEB}"/>
+          </ac:cxnSpMkLst>
+        </pc:cxnChg>
+        <pc:cxnChg chg="add mod">
+          <ac:chgData name="Li Lixiang" userId="6104bbfcb56aea79" providerId="LiveId" clId="{195C821F-1926-4771-8AF3-DE34471BCA3B}" dt="2021-03-09T07:31:48.086" v="1456" actId="14100"/>
+          <ac:cxnSpMkLst>
+            <pc:docMk/>
+            <pc:sldMk cId="1892396108" sldId="282"/>
+            <ac:cxnSpMk id="29" creationId="{BF356109-5CBD-45B5-B8BC-CCFBEE083AF4}"/>
+          </ac:cxnSpMkLst>
+        </pc:cxnChg>
+        <pc:cxnChg chg="add mod">
+          <ac:chgData name="Li Lixiang" userId="6104bbfcb56aea79" providerId="LiveId" clId="{195C821F-1926-4771-8AF3-DE34471BCA3B}" dt="2021-03-09T07:32:05.458" v="1476" actId="14100"/>
+          <ac:cxnSpMkLst>
+            <pc:docMk/>
+            <pc:sldMk cId="1892396108" sldId="282"/>
+            <ac:cxnSpMk id="34" creationId="{BC1BEA40-776B-4C96-A76E-DC0F971EF9E9}"/>
+          </ac:cxnSpMkLst>
+        </pc:cxnChg>
+      </pc:sldChg>
+      <pc:sldChg chg="addSp modSp new mod">
+        <pc:chgData name="Li Lixiang" userId="6104bbfcb56aea79" providerId="LiveId" clId="{195C821F-1926-4771-8AF3-DE34471BCA3B}" dt="2021-04-21T11:48:17.938" v="1798" actId="20577"/>
+        <pc:sldMkLst>
+          <pc:docMk/>
+          <pc:sldMk cId="669132949" sldId="283"/>
+        </pc:sldMkLst>
+        <pc:spChg chg="mod">
+          <ac:chgData name="Li Lixiang" userId="6104bbfcb56aea79" providerId="LiveId" clId="{195C821F-1926-4771-8AF3-DE34471BCA3B}" dt="2021-04-21T11:36:36.373" v="1597" actId="20577"/>
+          <ac:spMkLst>
+            <pc:docMk/>
+            <pc:sldMk cId="669132949" sldId="283"/>
+            <ac:spMk id="2" creationId="{14EFA843-92B7-4487-8339-8E373E6C34B3}"/>
+          </ac:spMkLst>
+        </pc:spChg>
+        <pc:spChg chg="mod">
+          <ac:chgData name="Li Lixiang" userId="6104bbfcb56aea79" providerId="LiveId" clId="{195C821F-1926-4771-8AF3-DE34471BCA3B}" dt="2021-04-21T11:48:17.938" v="1798" actId="20577"/>
+          <ac:spMkLst>
+            <pc:docMk/>
+            <pc:sldMk cId="669132949" sldId="283"/>
+            <ac:spMk id="3" creationId="{A2885D93-780F-42B8-9741-8CE90F391413}"/>
+          </ac:spMkLst>
+        </pc:spChg>
+        <pc:picChg chg="add mod">
+          <ac:chgData name="Li Lixiang" userId="6104bbfcb56aea79" providerId="LiveId" clId="{195C821F-1926-4771-8AF3-DE34471BCA3B}" dt="2021-04-21T11:47:59.782" v="1790" actId="1076"/>
+          <ac:picMkLst>
+            <pc:docMk/>
+            <pc:sldMk cId="669132949" sldId="283"/>
+            <ac:picMk id="5" creationId="{2914B5C8-9E72-45D8-95C5-FD2BA37DF8C0}"/>
+          </ac:picMkLst>
+        </pc:picChg>
+      </pc:sldChg>
+      <pc:sldChg chg="addSp delSp modSp add mod">
+        <pc:chgData name="Li Lixiang" userId="6104bbfcb56aea79" providerId="LiveId" clId="{195C821F-1926-4771-8AF3-DE34471BCA3B}" dt="2021-04-21T11:57:25.193" v="2223" actId="20577"/>
+        <pc:sldMkLst>
+          <pc:docMk/>
+          <pc:sldMk cId="2287529749" sldId="284"/>
+        </pc:sldMkLst>
+        <pc:spChg chg="mod">
+          <ac:chgData name="Li Lixiang" userId="6104bbfcb56aea79" providerId="LiveId" clId="{195C821F-1926-4771-8AF3-DE34471BCA3B}" dt="2021-04-21T11:49:41.970" v="1818" actId="20577"/>
+          <ac:spMkLst>
+            <pc:docMk/>
+            <pc:sldMk cId="2287529749" sldId="284"/>
+            <ac:spMk id="2" creationId="{5EC01E2D-9CFE-4D5D-8863-3BA90731F07B}"/>
+          </ac:spMkLst>
+        </pc:spChg>
+        <pc:spChg chg="mod">
+          <ac:chgData name="Li Lixiang" userId="6104bbfcb56aea79" providerId="LiveId" clId="{195C821F-1926-4771-8AF3-DE34471BCA3B}" dt="2021-04-21T11:57:25.193" v="2223" actId="20577"/>
+          <ac:spMkLst>
+            <pc:docMk/>
+            <pc:sldMk cId="2287529749" sldId="284"/>
+            <ac:spMk id="3" creationId="{7060439F-2729-478E-B95F-230482B50AA1}"/>
+          </ac:spMkLst>
+        </pc:spChg>
+        <pc:picChg chg="del">
+          <ac:chgData name="Li Lixiang" userId="6104bbfcb56aea79" providerId="LiveId" clId="{195C821F-1926-4771-8AF3-DE34471BCA3B}" dt="2021-04-21T11:49:46.138" v="1819" actId="478"/>
+          <ac:picMkLst>
+            <pc:docMk/>
+            <pc:sldMk cId="2287529749" sldId="284"/>
+            <ac:picMk id="5" creationId="{908D5F42-F128-41C6-901B-32741920691C}"/>
+          </ac:picMkLst>
+        </pc:picChg>
+        <pc:picChg chg="add mod">
+          <ac:chgData name="Li Lixiang" userId="6104bbfcb56aea79" providerId="LiveId" clId="{195C821F-1926-4771-8AF3-DE34471BCA3B}" dt="2021-04-21T11:55:40.654" v="1939" actId="1076"/>
+          <ac:picMkLst>
+            <pc:docMk/>
+            <pc:sldMk cId="2287529749" sldId="284"/>
+            <ac:picMk id="6" creationId="{CBC54361-79AA-4580-8754-25F061500C04}"/>
+          </ac:picMkLst>
+        </pc:picChg>
+      </pc:sldChg>
+    </pc:docChg>
+  </pc:docChgLst>
+  <pc:docChgLst>
+    <pc:chgData name="Li Lixiang" userId="6104bbfcb56aea79" providerId="LiveId" clId="{F70298FD-2AD7-45D7-8088-58CB9EF43D13}"/>
+    <pc:docChg chg="custSel addSld delSld modSld">
+      <pc:chgData name="Li Lixiang" userId="6104bbfcb56aea79" providerId="LiveId" clId="{F70298FD-2AD7-45D7-8088-58CB9EF43D13}" dt="2021-05-31T09:36:09.176" v="622" actId="1076"/>
+      <pc:docMkLst>
+        <pc:docMk/>
+      </pc:docMkLst>
+      <pc:sldChg chg="modSp mod">
+        <pc:chgData name="Li Lixiang" userId="6104bbfcb56aea79" providerId="LiveId" clId="{F70298FD-2AD7-45D7-8088-58CB9EF43D13}" dt="2021-05-31T09:15:34.148" v="17" actId="6549"/>
+        <pc:sldMkLst>
+          <pc:docMk/>
+          <pc:sldMk cId="3650079851" sldId="256"/>
+        </pc:sldMkLst>
+        <pc:spChg chg="mod">
+          <ac:chgData name="Li Lixiang" userId="6104bbfcb56aea79" providerId="LiveId" clId="{F70298FD-2AD7-45D7-8088-58CB9EF43D13}" dt="2021-05-31T09:15:34.148" v="17" actId="6549"/>
+          <ac:spMkLst>
+            <pc:docMk/>
+            <pc:sldMk cId="3650079851" sldId="256"/>
+            <ac:spMk id="4" creationId="{8DE6899A-D842-4C9E-ADC1-B0C1377122EA}"/>
+          </ac:spMkLst>
+        </pc:spChg>
+      </pc:sldChg>
+      <pc:sldChg chg="addSp modSp mod">
+        <pc:chgData name="Li Lixiang" userId="6104bbfcb56aea79" providerId="LiveId" clId="{F70298FD-2AD7-45D7-8088-58CB9EF43D13}" dt="2021-05-31T09:27:54.694" v="431" actId="20577"/>
+        <pc:sldMkLst>
+          <pc:docMk/>
+          <pc:sldMk cId="3575300521" sldId="285"/>
+        </pc:sldMkLst>
+        <pc:spChg chg="mod">
+          <ac:chgData name="Li Lixiang" userId="6104bbfcb56aea79" providerId="LiveId" clId="{F70298FD-2AD7-45D7-8088-58CB9EF43D13}" dt="2021-05-31T09:15:46.123" v="35" actId="20577"/>
+          <ac:spMkLst>
+            <pc:docMk/>
+            <pc:sldMk cId="3575300521" sldId="285"/>
             <ac:spMk id="2" creationId="{D947D2DF-FCBF-47C3-9EC9-872096C568C7}"/>
           </ac:spMkLst>
         </pc:spChg>
         <pc:spChg chg="mod">
-          <ac:chgData name="Li Lixiang" userId="6104bbfcb56aea79" providerId="LiveId" clId="{8FDA4049-A4B3-4306-826F-C3083162CE01}" dt="2021-07-02T08:16:19.879" v="519" actId="20577"/>
+          <ac:chgData name="Li Lixiang" userId="6104bbfcb56aea79" providerId="LiveId" clId="{F70298FD-2AD7-45D7-8088-58CB9EF43D13}" dt="2021-05-31T09:27:54.694" v="431" actId="20577"/>
           <ac:spMkLst>
             <pc:docMk/>
-            <pc:sldMk cId="907979361" sldId="287"/>
+            <pc:sldMk cId="3575300521" sldId="285"/>
+            <ac:spMk id="28" creationId="{39D71EE6-7BB9-465D-AA60-A5E6C460D83A}"/>
+          </ac:spMkLst>
+        </pc:spChg>
+        <pc:picChg chg="add mod">
+          <ac:chgData name="Li Lixiang" userId="6104bbfcb56aea79" providerId="LiveId" clId="{F70298FD-2AD7-45D7-8088-58CB9EF43D13}" dt="2021-05-31T09:27:14.269" v="423" actId="1076"/>
+          <ac:picMkLst>
+            <pc:docMk/>
+            <pc:sldMk cId="3575300521" sldId="285"/>
+            <ac:picMk id="4" creationId="{CBA96F0E-66EF-4C03-92BD-9F4C88643A77}"/>
+          </ac:picMkLst>
+        </pc:picChg>
+      </pc:sldChg>
+      <pc:sldChg chg="del">
+        <pc:chgData name="Li Lixiang" userId="6104bbfcb56aea79" providerId="LiveId" clId="{F70298FD-2AD7-45D7-8088-58CB9EF43D13}" dt="2021-05-31T09:27:25.409" v="424" actId="47"/>
+        <pc:sldMkLst>
+          <pc:docMk/>
+          <pc:sldMk cId="1893043477" sldId="286"/>
+        </pc:sldMkLst>
+      </pc:sldChg>
+      <pc:sldChg chg="addSp delSp modSp add mod">
+        <pc:chgData name="Li Lixiang" userId="6104bbfcb56aea79" providerId="LiveId" clId="{F70298FD-2AD7-45D7-8088-58CB9EF43D13}" dt="2021-05-31T09:36:09.176" v="622" actId="1076"/>
+        <pc:sldMkLst>
+          <pc:docMk/>
+          <pc:sldMk cId="3697431923" sldId="286"/>
+        </pc:sldMkLst>
+        <pc:spChg chg="mod">
+          <ac:chgData name="Li Lixiang" userId="6104bbfcb56aea79" providerId="LiveId" clId="{F70298FD-2AD7-45D7-8088-58CB9EF43D13}" dt="2021-05-31T09:30:39.355" v="611" actId="14100"/>
+          <ac:spMkLst>
+            <pc:docMk/>
+            <pc:sldMk cId="3697431923" sldId="286"/>
             <ac:spMk id="28" creationId="{39D71EE6-7BB9-465D-AA60-A5E6C460D83A}"/>
           </ac:spMkLst>
         </pc:spChg>
         <pc:picChg chg="del">
-          <ac:chgData name="Li Lixiang" userId="6104bbfcb56aea79" providerId="LiveId" clId="{8FDA4049-A4B3-4306-826F-C3083162CE01}" dt="2021-06-28T11:55:59.999" v="9" actId="478"/>
+          <ac:chgData name="Li Lixiang" userId="6104bbfcb56aea79" providerId="LiveId" clId="{F70298FD-2AD7-45D7-8088-58CB9EF43D13}" dt="2021-05-31T09:28:18.567" v="433" actId="478"/>
           <ac:picMkLst>
             <pc:docMk/>
-            <pc:sldMk cId="907979361" sldId="287"/>
+            <pc:sldMk cId="3697431923" sldId="286"/>
+            <ac:picMk id="4" creationId="{CBA96F0E-66EF-4C03-92BD-9F4C88643A77}"/>
+          </ac:picMkLst>
+        </pc:picChg>
+        <pc:picChg chg="add del mod">
+          <ac:chgData name="Li Lixiang" userId="6104bbfcb56aea79" providerId="LiveId" clId="{F70298FD-2AD7-45D7-8088-58CB9EF43D13}" dt="2021-05-31T09:33:19.756" v="614" actId="478"/>
+          <ac:picMkLst>
+            <pc:docMk/>
+            <pc:sldMk cId="3697431923" sldId="286"/>
+            <ac:picMk id="5" creationId="{009D0F03-7E58-4563-9E29-585C6C90A1A2}"/>
+          </ac:picMkLst>
+        </pc:picChg>
+        <pc:picChg chg="add mod">
+          <ac:chgData name="Li Lixiang" userId="6104bbfcb56aea79" providerId="LiveId" clId="{F70298FD-2AD7-45D7-8088-58CB9EF43D13}" dt="2021-05-31T09:34:35.535" v="617" actId="1076"/>
+          <ac:picMkLst>
+            <pc:docMk/>
+            <pc:sldMk cId="3697431923" sldId="286"/>
             <ac:picMk id="7" creationId="{F4A33654-7407-409D-B3F9-2C7A99630B34}"/>
           </ac:picMkLst>
         </pc:picChg>
-        <pc:picChg chg="del">
-          <ac:chgData name="Li Lixiang" userId="6104bbfcb56aea79" providerId="LiveId" clId="{8FDA4049-A4B3-4306-826F-C3083162CE01}" dt="2021-06-28T11:55:59.999" v="9" actId="478"/>
+        <pc:picChg chg="add del mod">
+          <ac:chgData name="Li Lixiang" userId="6104bbfcb56aea79" providerId="LiveId" clId="{F70298FD-2AD7-45D7-8088-58CB9EF43D13}" dt="2021-05-31T09:34:58.364" v="620" actId="478"/>
           <ac:picMkLst>
             <pc:docMk/>
-            <pc:sldMk cId="907979361" sldId="287"/>
+            <pc:sldMk cId="3697431923" sldId="286"/>
+            <ac:picMk id="9" creationId="{50215898-C093-4DC4-8D62-89F2AA57748B}"/>
+          </ac:picMkLst>
+        </pc:picChg>
+        <pc:picChg chg="add mod">
+          <ac:chgData name="Li Lixiang" userId="6104bbfcb56aea79" providerId="LiveId" clId="{F70298FD-2AD7-45D7-8088-58CB9EF43D13}" dt="2021-05-31T09:36:09.176" v="622" actId="1076"/>
+          <ac:picMkLst>
+            <pc:docMk/>
+            <pc:sldMk cId="3697431923" sldId="286"/>
             <ac:picMk id="10" creationId="{55ACCF36-8E04-4DBB-BE49-9E6FB5883DB3}"/>
           </ac:picMkLst>
         </pc:picChg>
       </pc:sldChg>
-      <pc:sldChg chg="modSp new del mod">
-        <pc:chgData name="Li Lixiang" userId="6104bbfcb56aea79" providerId="LiveId" clId="{8FDA4049-A4B3-4306-826F-C3083162CE01}" dt="2021-06-28T13:23:40.074" v="408" actId="47"/>
+      <pc:sldChg chg="del">
+        <pc:chgData name="Li Lixiang" userId="6104bbfcb56aea79" providerId="LiveId" clId="{F70298FD-2AD7-45D7-8088-58CB9EF43D13}" dt="2021-05-31T09:27:26.477" v="425" actId="47"/>
         <pc:sldMkLst>
           <pc:docMk/>
-          <pc:sldMk cId="43952292" sldId="288"/>
+          <pc:sldMk cId="1566997948" sldId="287"/>
         </pc:sldMkLst>
-        <pc:spChg chg="mod">
-          <ac:chgData name="Li Lixiang" userId="6104bbfcb56aea79" providerId="LiveId" clId="{8FDA4049-A4B3-4306-826F-C3083162CE01}" dt="2021-06-28T12:42:03.837" v="341" actId="20577"/>
-          <ac:spMkLst>
-            <pc:docMk/>
-            <pc:sldMk cId="43952292" sldId="288"/>
-            <ac:spMk id="2" creationId="{D834CD72-5B31-4229-B37C-22F80A745995}"/>
-          </ac:spMkLst>
-        </pc:spChg>
-        <pc:spChg chg="mod">
-          <ac:chgData name="Li Lixiang" userId="6104bbfcb56aea79" providerId="LiveId" clId="{8FDA4049-A4B3-4306-826F-C3083162CE01}" dt="2021-06-28T12:43:32.713" v="407" actId="20577"/>
-          <ac:spMkLst>
-            <pc:docMk/>
-            <pc:sldMk cId="43952292" sldId="288"/>
-            <ac:spMk id="3" creationId="{16B8BCD1-B805-41D0-86C5-EBCA9F7794A7}"/>
-          </ac:spMkLst>
-        </pc:spChg>
       </pc:sldChg>
-      <pc:sldChg chg="addSp modSp new mod">
-        <pc:chgData name="Li Lixiang" userId="6104bbfcb56aea79" providerId="LiveId" clId="{8FDA4049-A4B3-4306-826F-C3083162CE01}" dt="2021-07-02T12:17:05.686" v="756" actId="1076"/>
+      <pc:sldChg chg="del">
+        <pc:chgData name="Li Lixiang" userId="6104bbfcb56aea79" providerId="LiveId" clId="{F70298FD-2AD7-45D7-8088-58CB9EF43D13}" dt="2021-05-31T09:27:27.420" v="426" actId="47"/>
         <pc:sldMkLst>
           <pc:docMk/>
-          <pc:sldMk cId="1466285209" sldId="288"/>
+          <pc:sldMk cId="1052484605" sldId="288"/>
         </pc:sldMkLst>
-        <pc:spChg chg="mod">
-          <ac:chgData name="Li Lixiang" userId="6104bbfcb56aea79" providerId="LiveId" clId="{8FDA4049-A4B3-4306-826F-C3083162CE01}" dt="2021-07-02T12:06:55.193" v="554" actId="20577"/>
-          <ac:spMkLst>
-            <pc:docMk/>
-            <pc:sldMk cId="1466285209" sldId="288"/>
-            <ac:spMk id="2" creationId="{71EFE268-ED58-459E-9A77-F9480181D00F}"/>
-          </ac:spMkLst>
-        </pc:spChg>
-        <pc:spChg chg="mod">
-          <ac:chgData name="Li Lixiang" userId="6104bbfcb56aea79" providerId="LiveId" clId="{8FDA4049-A4B3-4306-826F-C3083162CE01}" dt="2021-07-02T12:17:04.309" v="755" actId="14100"/>
-          <ac:spMkLst>
-            <pc:docMk/>
-            <pc:sldMk cId="1466285209" sldId="288"/>
-            <ac:spMk id="3" creationId="{8F4FCF12-98B7-4059-8206-23321D32FA7E}"/>
-          </ac:spMkLst>
-        </pc:spChg>
-        <pc:picChg chg="add mod">
-          <ac:chgData name="Li Lixiang" userId="6104bbfcb56aea79" providerId="LiveId" clId="{8FDA4049-A4B3-4306-826F-C3083162CE01}" dt="2021-07-02T12:17:05.686" v="756" actId="1076"/>
-          <ac:picMkLst>
-            <pc:docMk/>
-            <pc:sldMk cId="1466285209" sldId="288"/>
-            <ac:picMk id="5" creationId="{EAA02629-8430-4591-90E9-F5F6DBED5BBE}"/>
-          </ac:picMkLst>
-        </pc:picChg>
+      </pc:sldChg>
+      <pc:sldChg chg="del">
+        <pc:chgData name="Li Lixiang" userId="6104bbfcb56aea79" providerId="LiveId" clId="{F70298FD-2AD7-45D7-8088-58CB9EF43D13}" dt="2021-05-31T09:27:28.444" v="427" actId="47"/>
+        <pc:sldMkLst>
+          <pc:docMk/>
+          <pc:sldMk cId="2441130311" sldId="289"/>
+        </pc:sldMkLst>
+      </pc:sldChg>
+      <pc:sldChg chg="del">
+        <pc:chgData name="Li Lixiang" userId="6104bbfcb56aea79" providerId="LiveId" clId="{F70298FD-2AD7-45D7-8088-58CB9EF43D13}" dt="2021-05-31T09:27:29.558" v="428" actId="47"/>
+        <pc:sldMkLst>
+          <pc:docMk/>
+          <pc:sldMk cId="1241975191" sldId="290"/>
+        </pc:sldMkLst>
+      </pc:sldChg>
+      <pc:sldChg chg="del">
+        <pc:chgData name="Li Lixiang" userId="6104bbfcb56aea79" providerId="LiveId" clId="{F70298FD-2AD7-45D7-8088-58CB9EF43D13}" dt="2021-05-31T09:27:30.433" v="429" actId="47"/>
+        <pc:sldMkLst>
+          <pc:docMk/>
+          <pc:sldMk cId="926358613" sldId="291"/>
+        </pc:sldMkLst>
+      </pc:sldChg>
+      <pc:sldChg chg="del">
+        <pc:chgData name="Li Lixiang" userId="6104bbfcb56aea79" providerId="LiveId" clId="{F70298FD-2AD7-45D7-8088-58CB9EF43D13}" dt="2021-05-31T09:27:31.451" v="430" actId="47"/>
+        <pc:sldMkLst>
+          <pc:docMk/>
+          <pc:sldMk cId="2762807510" sldId="292"/>
+        </pc:sldMkLst>
       </pc:sldChg>
     </pc:docChg>
   </pc:docChgLst>
@@ -864,1004 +1649,235 @@
     </pc:docChg>
   </pc:docChgLst>
   <pc:docChgLst>
-    <pc:chgData name="Li Lixiang" userId="6104bbfcb56aea79" providerId="LiveId" clId="{195C821F-1926-4771-8AF3-DE34471BCA3B}"/>
-    <pc:docChg chg="custSel addSld modSld sldOrd">
-      <pc:chgData name="Li Lixiang" userId="6104bbfcb56aea79" providerId="LiveId" clId="{195C821F-1926-4771-8AF3-DE34471BCA3B}" dt="2021-04-21T11:57:25.193" v="2223" actId="20577"/>
+    <pc:chgData name="Li Lixiang" userId="6104bbfcb56aea79" providerId="LiveId" clId="{8FDA4049-A4B3-4306-826F-C3083162CE01}"/>
+    <pc:docChg chg="custSel addSld delSld modSld">
+      <pc:chgData name="Li Lixiang" userId="6104bbfcb56aea79" providerId="LiveId" clId="{8FDA4049-A4B3-4306-826F-C3083162CE01}" dt="2021-07-02T12:17:05.686" v="756" actId="1076"/>
       <pc:docMkLst>
         <pc:docMk/>
       </pc:docMkLst>
       <pc:sldChg chg="modSp mod">
-        <pc:chgData name="Li Lixiang" userId="6104bbfcb56aea79" providerId="LiveId" clId="{195C821F-1926-4771-8AF3-DE34471BCA3B}" dt="2021-02-09T07:46:33.305" v="1313" actId="1076"/>
+        <pc:chgData name="Li Lixiang" userId="6104bbfcb56aea79" providerId="LiveId" clId="{8FDA4049-A4B3-4306-826F-C3083162CE01}" dt="2021-06-28T11:55:49.711" v="7" actId="20577"/>
         <pc:sldMkLst>
           <pc:docMk/>
-          <pc:sldMk cId="2854580649" sldId="257"/>
+          <pc:sldMk cId="3650079851" sldId="256"/>
         </pc:sldMkLst>
-        <pc:spChg chg="mod ord">
-          <ac:chgData name="Li Lixiang" userId="6104bbfcb56aea79" providerId="LiveId" clId="{195C821F-1926-4771-8AF3-DE34471BCA3B}" dt="2021-02-09T07:46:26.326" v="1311" actId="167"/>
+        <pc:spChg chg="mod">
+          <ac:chgData name="Li Lixiang" userId="6104bbfcb56aea79" providerId="LiveId" clId="{8FDA4049-A4B3-4306-826F-C3083162CE01}" dt="2021-06-28T11:55:49.711" v="7" actId="20577"/>
           <ac:spMkLst>
             <pc:docMk/>
-            <pc:sldMk cId="2854580649" sldId="257"/>
-            <ac:spMk id="3" creationId="{7060439F-2729-478E-B95F-230482B50AA1}"/>
+            <pc:sldMk cId="3650079851" sldId="256"/>
+            <ac:spMk id="4" creationId="{8DE6899A-D842-4C9E-ADC1-B0C1377122EA}"/>
+          </ac:spMkLst>
+        </pc:spChg>
+      </pc:sldChg>
+      <pc:sldChg chg="delSp modSp add mod">
+        <pc:chgData name="Li Lixiang" userId="6104bbfcb56aea79" providerId="LiveId" clId="{8FDA4049-A4B3-4306-826F-C3083162CE01}" dt="2021-07-02T08:16:19.879" v="519" actId="20577"/>
+        <pc:sldMkLst>
+          <pc:docMk/>
+          <pc:sldMk cId="907979361" sldId="287"/>
+        </pc:sldMkLst>
+        <pc:spChg chg="mod">
+          <ac:chgData name="Li Lixiang" userId="6104bbfcb56aea79" providerId="LiveId" clId="{8FDA4049-A4B3-4306-826F-C3083162CE01}" dt="2021-06-28T12:17:27.913" v="317" actId="20577"/>
+          <ac:spMkLst>
+            <pc:docMk/>
+            <pc:sldMk cId="907979361" sldId="287"/>
+            <ac:spMk id="2" creationId="{D947D2DF-FCBF-47C3-9EC9-872096C568C7}"/>
           </ac:spMkLst>
         </pc:spChg>
         <pc:spChg chg="mod">
-          <ac:chgData name="Li Lixiang" userId="6104bbfcb56aea79" providerId="LiveId" clId="{195C821F-1926-4771-8AF3-DE34471BCA3B}" dt="2021-02-09T07:46:33.305" v="1313" actId="1076"/>
+          <ac:chgData name="Li Lixiang" userId="6104bbfcb56aea79" providerId="LiveId" clId="{8FDA4049-A4B3-4306-826F-C3083162CE01}" dt="2021-07-02T08:16:19.879" v="519" actId="20577"/>
           <ac:spMkLst>
             <pc:docMk/>
-            <pc:sldMk cId="2854580649" sldId="257"/>
-            <ac:spMk id="5" creationId="{26928568-CB66-459F-99EA-7CB2555F4D7F}"/>
+            <pc:sldMk cId="907979361" sldId="287"/>
+            <ac:spMk id="28" creationId="{39D71EE6-7BB9-465D-AA60-A5E6C460D83A}"/>
           </ac:spMkLst>
         </pc:spChg>
-        <pc:picChg chg="mod">
-          <ac:chgData name="Li Lixiang" userId="6104bbfcb56aea79" providerId="LiveId" clId="{195C821F-1926-4771-8AF3-DE34471BCA3B}" dt="2021-02-09T07:46:29.401" v="1312" actId="1076"/>
+        <pc:picChg chg="del">
+          <ac:chgData name="Li Lixiang" userId="6104bbfcb56aea79" providerId="LiveId" clId="{8FDA4049-A4B3-4306-826F-C3083162CE01}" dt="2021-06-28T11:55:59.999" v="9" actId="478"/>
           <ac:picMkLst>
             <pc:docMk/>
-            <pc:sldMk cId="2854580649" sldId="257"/>
-            <ac:picMk id="6" creationId="{F83CCE3F-562B-45E2-AC5D-E13C127B03DA}"/>
+            <pc:sldMk cId="907979361" sldId="287"/>
+            <ac:picMk id="7" creationId="{F4A33654-7407-409D-B3F9-2C7A99630B34}"/>
+          </ac:picMkLst>
+        </pc:picChg>
+        <pc:picChg chg="del">
+          <ac:chgData name="Li Lixiang" userId="6104bbfcb56aea79" providerId="LiveId" clId="{8FDA4049-A4B3-4306-826F-C3083162CE01}" dt="2021-06-28T11:55:59.999" v="9" actId="478"/>
+          <ac:picMkLst>
+            <pc:docMk/>
+            <pc:sldMk cId="907979361" sldId="287"/>
+            <ac:picMk id="10" creationId="{55ACCF36-8E04-4DBB-BE49-9E6FB5883DB3}"/>
           </ac:picMkLst>
         </pc:picChg>
       </pc:sldChg>
-      <pc:sldChg chg="addSp delSp modSp mod">
-        <pc:chgData name="Li Lixiang" userId="6104bbfcb56aea79" providerId="LiveId" clId="{195C821F-1926-4771-8AF3-DE34471BCA3B}" dt="2021-04-03T11:16:58.436" v="1534" actId="478"/>
+      <pc:sldChg chg="modSp new del mod">
+        <pc:chgData name="Li Lixiang" userId="6104bbfcb56aea79" providerId="LiveId" clId="{8FDA4049-A4B3-4306-826F-C3083162CE01}" dt="2021-06-28T13:23:40.074" v="408" actId="47"/>
         <pc:sldMkLst>
           <pc:docMk/>
-          <pc:sldMk cId="3903523967" sldId="258"/>
+          <pc:sldMk cId="43952292" sldId="288"/>
         </pc:sldMkLst>
         <pc:spChg chg="mod">
-          <ac:chgData name="Li Lixiang" userId="6104bbfcb56aea79" providerId="LiveId" clId="{195C821F-1926-4771-8AF3-DE34471BCA3B}" dt="2021-01-19T02:34:16.254" v="16" actId="20577"/>
+          <ac:chgData name="Li Lixiang" userId="6104bbfcb56aea79" providerId="LiveId" clId="{8FDA4049-A4B3-4306-826F-C3083162CE01}" dt="2021-06-28T12:42:03.837" v="341" actId="20577"/>
           <ac:spMkLst>
             <pc:docMk/>
-            <pc:sldMk cId="3903523967" sldId="258"/>
-            <ac:spMk id="3" creationId="{7060439F-2729-478E-B95F-230482B50AA1}"/>
+            <pc:sldMk cId="43952292" sldId="288"/>
+            <ac:spMk id="2" creationId="{D834CD72-5B31-4229-B37C-22F80A745995}"/>
           </ac:spMkLst>
         </pc:spChg>
-        <pc:spChg chg="del">
-          <ac:chgData name="Li Lixiang" userId="6104bbfcb56aea79" providerId="LiveId" clId="{195C821F-1926-4771-8AF3-DE34471BCA3B}" dt="2021-01-19T02:34:21.762" v="18" actId="478"/>
+        <pc:spChg chg="mod">
+          <ac:chgData name="Li Lixiang" userId="6104bbfcb56aea79" providerId="LiveId" clId="{8FDA4049-A4B3-4306-826F-C3083162CE01}" dt="2021-06-28T12:43:32.713" v="407" actId="20577"/>
           <ac:spMkLst>
             <pc:docMk/>
-            <pc:sldMk cId="3903523967" sldId="258"/>
-            <ac:spMk id="6" creationId="{E4DBFA76-697A-4623-9E8D-2FFA324C5F1E}"/>
+            <pc:sldMk cId="43952292" sldId="288"/>
+            <ac:spMk id="3" creationId="{16B8BCD1-B805-41D0-86C5-EBCA9F7794A7}"/>
           </ac:spMkLst>
         </pc:spChg>
-        <pc:picChg chg="del">
-          <ac:chgData name="Li Lixiang" userId="6104bbfcb56aea79" providerId="LiveId" clId="{195C821F-1926-4771-8AF3-DE34471BCA3B}" dt="2021-01-19T02:34:20.149" v="17" actId="478"/>
+      </pc:sldChg>
+      <pc:sldChg chg="addSp modSp new mod">
+        <pc:chgData name="Li Lixiang" userId="6104bbfcb56aea79" providerId="LiveId" clId="{8FDA4049-A4B3-4306-826F-C3083162CE01}" dt="2021-07-02T12:17:05.686" v="756" actId="1076"/>
+        <pc:sldMkLst>
+          <pc:docMk/>
+          <pc:sldMk cId="1466285209" sldId="288"/>
+        </pc:sldMkLst>
+        <pc:spChg chg="mod">
+          <ac:chgData name="Li Lixiang" userId="6104bbfcb56aea79" providerId="LiveId" clId="{8FDA4049-A4B3-4306-826F-C3083162CE01}" dt="2021-07-02T12:06:55.193" v="554" actId="20577"/>
+          <ac:spMkLst>
+            <pc:docMk/>
+            <pc:sldMk cId="1466285209" sldId="288"/>
+            <ac:spMk id="2" creationId="{71EFE268-ED58-459E-9A77-F9480181D00F}"/>
+          </ac:spMkLst>
+        </pc:spChg>
+        <pc:spChg chg="mod">
+          <ac:chgData name="Li Lixiang" userId="6104bbfcb56aea79" providerId="LiveId" clId="{8FDA4049-A4B3-4306-826F-C3083162CE01}" dt="2021-07-02T12:17:04.309" v="755" actId="14100"/>
+          <ac:spMkLst>
+            <pc:docMk/>
+            <pc:sldMk cId="1466285209" sldId="288"/>
+            <ac:spMk id="3" creationId="{8F4FCF12-98B7-4059-8206-23321D32FA7E}"/>
+          </ac:spMkLst>
+        </pc:spChg>
+        <pc:picChg chg="add mod">
+          <ac:chgData name="Li Lixiang" userId="6104bbfcb56aea79" providerId="LiveId" clId="{8FDA4049-A4B3-4306-826F-C3083162CE01}" dt="2021-07-02T12:17:05.686" v="756" actId="1076"/>
           <ac:picMkLst>
             <pc:docMk/>
-            <pc:sldMk cId="3903523967" sldId="258"/>
-            <ac:picMk id="7" creationId="{F528F419-646C-4121-9531-6A58ECF5D916}"/>
+            <pc:sldMk cId="1466285209" sldId="288"/>
+            <ac:picMk id="5" creationId="{EAA02629-8430-4591-90E9-F5F6DBED5BBE}"/>
+          </ac:picMkLst>
+        </pc:picChg>
+      </pc:sldChg>
+    </pc:docChg>
+  </pc:docChgLst>
+  <pc:docChgLst>
+    <pc:chgData name="Li Lixiang" userId="6104bbfcb56aea79" providerId="LiveId" clId="{B9869770-D63A-48A8-902B-B8466ACE9F25}"/>
+    <pc:docChg chg="undo custSel addSld delSld modSld">
+      <pc:chgData name="Li Lixiang" userId="6104bbfcb56aea79" providerId="LiveId" clId="{B9869770-D63A-48A8-902B-B8466ACE9F25}" dt="2021-08-12T08:06:06.387" v="572" actId="1076"/>
+      <pc:docMkLst>
+        <pc:docMk/>
+      </pc:docMkLst>
+      <pc:sldChg chg="addSp delSp modSp new mod">
+        <pc:chgData name="Li Lixiang" userId="6104bbfcb56aea79" providerId="LiveId" clId="{B9869770-D63A-48A8-902B-B8466ACE9F25}" dt="2021-08-12T08:05:06.041" v="568" actId="1076"/>
+        <pc:sldMkLst>
+          <pc:docMk/>
+          <pc:sldMk cId="138813403" sldId="288"/>
+        </pc:sldMkLst>
+        <pc:spChg chg="mod">
+          <ac:chgData name="Li Lixiang" userId="6104bbfcb56aea79" providerId="LiveId" clId="{B9869770-D63A-48A8-902B-B8466ACE9F25}" dt="2021-08-12T07:51:51.553" v="18" actId="20577"/>
+          <ac:spMkLst>
+            <pc:docMk/>
+            <pc:sldMk cId="138813403" sldId="288"/>
+            <ac:spMk id="2" creationId="{48E3133C-2D11-4AD1-B0B5-30549934DD31}"/>
+          </ac:spMkLst>
+        </pc:spChg>
+        <pc:spChg chg="add del mod">
+          <ac:chgData name="Li Lixiang" userId="6104bbfcb56aea79" providerId="LiveId" clId="{B9869770-D63A-48A8-902B-B8466ACE9F25}" dt="2021-08-12T07:57:14.019" v="315" actId="14100"/>
+          <ac:spMkLst>
+            <pc:docMk/>
+            <pc:sldMk cId="138813403" sldId="288"/>
+            <ac:spMk id="3" creationId="{17D0C3F3-5065-4C0B-9C49-527158490795}"/>
+          </ac:spMkLst>
+        </pc:spChg>
+        <pc:spChg chg="add del mod">
+          <ac:chgData name="Li Lixiang" userId="6104bbfcb56aea79" providerId="LiveId" clId="{B9869770-D63A-48A8-902B-B8466ACE9F25}" dt="2021-08-12T07:56:53.541" v="311" actId="478"/>
+          <ac:spMkLst>
+            <pc:docMk/>
+            <pc:sldMk cId="138813403" sldId="288"/>
+            <ac:spMk id="6" creationId="{88220F0E-E491-432A-BB7E-4122145D2DE2}"/>
+          </ac:spMkLst>
+        </pc:spChg>
+        <pc:spChg chg="add del mod">
+          <ac:chgData name="Li Lixiang" userId="6104bbfcb56aea79" providerId="LiveId" clId="{B9869770-D63A-48A8-902B-B8466ACE9F25}" dt="2021-08-12T07:56:51.341" v="310" actId="478"/>
+          <ac:spMkLst>
+            <pc:docMk/>
+            <pc:sldMk cId="138813403" sldId="288"/>
+            <ac:spMk id="7" creationId="{31FA97AA-272F-4A33-AB99-162408BFE507}"/>
+          </ac:spMkLst>
+        </pc:spChg>
+        <pc:spChg chg="add del mod">
+          <ac:chgData name="Li Lixiang" userId="6104bbfcb56aea79" providerId="LiveId" clId="{B9869770-D63A-48A8-902B-B8466ACE9F25}" dt="2021-08-12T07:55:42.502" v="296" actId="21"/>
+          <ac:spMkLst>
+            <pc:docMk/>
+            <pc:sldMk cId="138813403" sldId="288"/>
+            <ac:spMk id="8" creationId="{5C8AF123-B5C8-494E-AB8B-5327ECBE529B}"/>
+          </ac:spMkLst>
+        </pc:spChg>
+        <pc:picChg chg="add del mod">
+          <ac:chgData name="Li Lixiang" userId="6104bbfcb56aea79" providerId="LiveId" clId="{B9869770-D63A-48A8-902B-B8466ACE9F25}" dt="2021-08-12T08:05:00.488" v="564" actId="478"/>
+          <ac:picMkLst>
+            <pc:docMk/>
+            <pc:sldMk cId="138813403" sldId="288"/>
+            <ac:picMk id="5" creationId="{BD0CE8F1-939D-4B87-9ED9-55EFEB6461C7}"/>
           </ac:picMkLst>
         </pc:picChg>
         <pc:picChg chg="add mod">
-          <ac:chgData name="Li Lixiang" userId="6104bbfcb56aea79" providerId="LiveId" clId="{195C821F-1926-4771-8AF3-DE34471BCA3B}" dt="2021-01-19T02:34:25.884" v="19" actId="14100"/>
+          <ac:chgData name="Li Lixiang" userId="6104bbfcb56aea79" providerId="LiveId" clId="{B9869770-D63A-48A8-902B-B8466ACE9F25}" dt="2021-08-12T08:05:06.041" v="568" actId="1076"/>
           <ac:picMkLst>
             <pc:docMk/>
-            <pc:sldMk cId="3903523967" sldId="258"/>
-            <ac:picMk id="1026" creationId="{52F45C9F-3865-41B0-ACE6-90BA792701EF}"/>
-          </ac:picMkLst>
-        </pc:picChg>
-        <pc:inkChg chg="add del">
-          <ac:chgData name="Li Lixiang" userId="6104bbfcb56aea79" providerId="LiveId" clId="{195C821F-1926-4771-8AF3-DE34471BCA3B}" dt="2021-02-13T09:48:02.624" v="1316" actId="478"/>
-          <ac:inkMkLst>
-            <pc:docMk/>
-            <pc:sldMk cId="3903523967" sldId="258"/>
-            <ac:inkMk id="4" creationId="{0DF619EA-1F5C-47D1-82C9-95A03EAD2679}"/>
-          </ac:inkMkLst>
-        </pc:inkChg>
-        <pc:inkChg chg="add del">
-          <ac:chgData name="Li Lixiang" userId="6104bbfcb56aea79" providerId="LiveId" clId="{195C821F-1926-4771-8AF3-DE34471BCA3B}" dt="2021-04-03T11:16:58.436" v="1534" actId="478"/>
-          <ac:inkMkLst>
-            <pc:docMk/>
-            <pc:sldMk cId="3903523967" sldId="258"/>
-            <ac:inkMk id="4" creationId="{6914EE9E-FEAC-45FF-8992-B82FF321FF50}"/>
-          </ac:inkMkLst>
-        </pc:inkChg>
-      </pc:sldChg>
-      <pc:sldChg chg="addSp delSp mod">
-        <pc:chgData name="Li Lixiang" userId="6104bbfcb56aea79" providerId="LiveId" clId="{195C821F-1926-4771-8AF3-DE34471BCA3B}" dt="2021-04-03T11:10:15.431" v="1532" actId="478"/>
-        <pc:sldMkLst>
-          <pc:docMk/>
-          <pc:sldMk cId="647322237" sldId="259"/>
-        </pc:sldMkLst>
-        <pc:inkChg chg="add del">
-          <ac:chgData name="Li Lixiang" userId="6104bbfcb56aea79" providerId="LiveId" clId="{195C821F-1926-4771-8AF3-DE34471BCA3B}" dt="2021-04-03T11:10:15.431" v="1532" actId="478"/>
-          <ac:inkMkLst>
-            <pc:docMk/>
-            <pc:sldMk cId="647322237" sldId="259"/>
-            <ac:inkMk id="4" creationId="{CD82BB32-7956-44C1-96D4-04458022C85A}"/>
-          </ac:inkMkLst>
-        </pc:inkChg>
-      </pc:sldChg>
-      <pc:sldChg chg="addSp delSp mod">
-        <pc:chgData name="Li Lixiang" userId="6104bbfcb56aea79" providerId="LiveId" clId="{195C821F-1926-4771-8AF3-DE34471BCA3B}" dt="2021-02-18T08:18:24.232" v="1318" actId="478"/>
-        <pc:sldMkLst>
-          <pc:docMk/>
-          <pc:sldMk cId="1167250398" sldId="260"/>
-        </pc:sldMkLst>
-        <pc:inkChg chg="add del">
-          <ac:chgData name="Li Lixiang" userId="6104bbfcb56aea79" providerId="LiveId" clId="{195C821F-1926-4771-8AF3-DE34471BCA3B}" dt="2021-02-18T08:18:24.232" v="1318" actId="478"/>
-          <ac:inkMkLst>
-            <pc:docMk/>
-            <pc:sldMk cId="1167250398" sldId="260"/>
-            <ac:inkMk id="4" creationId="{99AADF1E-63F7-4990-A08C-3DDE0074AE08}"/>
-          </ac:inkMkLst>
-        </pc:inkChg>
-      </pc:sldChg>
-      <pc:sldChg chg="modSp mod">
-        <pc:chgData name="Li Lixiang" userId="6104bbfcb56aea79" providerId="LiveId" clId="{195C821F-1926-4771-8AF3-DE34471BCA3B}" dt="2021-01-05T04:01:19.613" v="1" actId="732"/>
-        <pc:sldMkLst>
-          <pc:docMk/>
-          <pc:sldMk cId="2998306887" sldId="266"/>
-        </pc:sldMkLst>
-        <pc:picChg chg="mod modCrop">
-          <ac:chgData name="Li Lixiang" userId="6104bbfcb56aea79" providerId="LiveId" clId="{195C821F-1926-4771-8AF3-DE34471BCA3B}" dt="2021-01-05T04:01:19.613" v="1" actId="732"/>
-          <ac:picMkLst>
-            <pc:docMk/>
-            <pc:sldMk cId="2998306887" sldId="266"/>
-            <ac:picMk id="5" creationId="{13607EAE-1653-4C12-B8D5-0FC08194D12C}"/>
+            <pc:sldMk cId="138813403" sldId="288"/>
+            <ac:picMk id="6" creationId="{5E06AA65-3C39-469B-9A64-8C9D2DD6D5AE}"/>
           </ac:picMkLst>
         </pc:picChg>
       </pc:sldChg>
-      <pc:sldChg chg="addSp mod">
-        <pc:chgData name="Li Lixiang" userId="6104bbfcb56aea79" providerId="LiveId" clId="{195C821F-1926-4771-8AF3-DE34471BCA3B}" dt="2021-02-02T13:55:29.251" v="252" actId="9405"/>
+      <pc:sldChg chg="del">
+        <pc:chgData name="Li Lixiang" userId="6104bbfcb56aea79" providerId="LiveId" clId="{B9869770-D63A-48A8-902B-B8466ACE9F25}" dt="2021-08-12T07:36:47.666" v="0" actId="2696"/>
         <pc:sldMkLst>
           <pc:docMk/>
-          <pc:sldMk cId="2133616112" sldId="267"/>
+          <pc:sldMk cId="1466285209" sldId="288"/>
         </pc:sldMkLst>
-        <pc:inkChg chg="add">
-          <ac:chgData name="Li Lixiang" userId="6104bbfcb56aea79" providerId="LiveId" clId="{195C821F-1926-4771-8AF3-DE34471BCA3B}" dt="2021-02-02T13:55:29.251" v="252" actId="9405"/>
-          <ac:inkMkLst>
-            <pc:docMk/>
-            <pc:sldMk cId="2133616112" sldId="267"/>
-            <ac:inkMk id="5" creationId="{725CE1A2-0EAB-4903-A990-E1B99EF21BB3}"/>
-          </ac:inkMkLst>
-        </pc:inkChg>
       </pc:sldChg>
       <pc:sldChg chg="addSp delSp modSp add mod">
-        <pc:chgData name="Li Lixiang" userId="6104bbfcb56aea79" providerId="LiveId" clId="{195C821F-1926-4771-8AF3-DE34471BCA3B}" dt="2021-02-09T08:22:32.982" v="1315" actId="9405"/>
+        <pc:chgData name="Li Lixiang" userId="6104bbfcb56aea79" providerId="LiveId" clId="{B9869770-D63A-48A8-902B-B8466ACE9F25}" dt="2021-08-12T08:06:06.387" v="572" actId="1076"/>
         <pc:sldMkLst>
           <pc:docMk/>
-          <pc:sldMk cId="3450450490" sldId="268"/>
+          <pc:sldMk cId="3838781653" sldId="289"/>
         </pc:sldMkLst>
         <pc:spChg chg="mod">
-          <ac:chgData name="Li Lixiang" userId="6104bbfcb56aea79" providerId="LiveId" clId="{195C821F-1926-4771-8AF3-DE34471BCA3B}" dt="2021-02-06T12:31:50.308" v="264" actId="14100"/>
+          <ac:chgData name="Li Lixiang" userId="6104bbfcb56aea79" providerId="LiveId" clId="{B9869770-D63A-48A8-902B-B8466ACE9F25}" dt="2021-08-12T07:59:20.578" v="558" actId="20577"/>
           <ac:spMkLst>
             <pc:docMk/>
-            <pc:sldMk cId="3450450490" sldId="268"/>
-            <ac:spMk id="6" creationId="{E4DBFA76-697A-4623-9E8D-2FFA324C5F1E}"/>
+            <pc:sldMk cId="3838781653" sldId="289"/>
+            <ac:spMk id="2" creationId="{D947D2DF-FCBF-47C3-9EC9-872096C568C7}"/>
           </ac:spMkLst>
         </pc:spChg>
-        <pc:picChg chg="add del ord">
-          <ac:chgData name="Li Lixiang" userId="6104bbfcb56aea79" providerId="LiveId" clId="{195C821F-1926-4771-8AF3-DE34471BCA3B}" dt="2021-02-06T12:31:41.670" v="261" actId="478"/>
-          <ac:picMkLst>
-            <pc:docMk/>
-            <pc:sldMk cId="3450450490" sldId="268"/>
-            <ac:picMk id="5" creationId="{70291EF7-72DF-4DD3-B564-C8EA10E727D4}"/>
-          </ac:picMkLst>
-        </pc:picChg>
-        <pc:picChg chg="del">
-          <ac:chgData name="Li Lixiang" userId="6104bbfcb56aea79" providerId="LiveId" clId="{195C821F-1926-4771-8AF3-DE34471BCA3B}" dt="2021-02-06T12:29:10.636" v="253" actId="478"/>
-          <ac:picMkLst>
-            <pc:docMk/>
-            <pc:sldMk cId="3450450490" sldId="268"/>
-            <ac:picMk id="7" creationId="{F528F419-646C-4121-9531-6A58ECF5D916}"/>
-          </ac:picMkLst>
-        </pc:picChg>
-        <pc:picChg chg="add mod ord">
-          <ac:chgData name="Li Lixiang" userId="6104bbfcb56aea79" providerId="LiveId" clId="{195C821F-1926-4771-8AF3-DE34471BCA3B}" dt="2021-02-06T12:31:46.541" v="263" actId="1076"/>
-          <ac:picMkLst>
-            <pc:docMk/>
-            <pc:sldMk cId="3450450490" sldId="268"/>
-            <ac:picMk id="9" creationId="{9EA71C3C-F5F7-4DEC-A1C8-A141A1515314}"/>
-          </ac:picMkLst>
-        </pc:picChg>
-        <pc:picChg chg="del">
-          <ac:chgData name="Li Lixiang" userId="6104bbfcb56aea79" providerId="LiveId" clId="{195C821F-1926-4771-8AF3-DE34471BCA3B}" dt="2021-01-19T02:34:03.687" v="4" actId="478"/>
-          <ac:picMkLst>
-            <pc:docMk/>
-            <pc:sldMk cId="3450450490" sldId="268"/>
-            <ac:picMk id="1026" creationId="{52F45C9F-3865-41B0-ACE6-90BA792701EF}"/>
-          </ac:picMkLst>
-        </pc:picChg>
-        <pc:inkChg chg="add">
-          <ac:chgData name="Li Lixiang" userId="6104bbfcb56aea79" providerId="LiveId" clId="{195C821F-1926-4771-8AF3-DE34471BCA3B}" dt="2021-02-09T08:22:32.982" v="1315" actId="9405"/>
-          <ac:inkMkLst>
-            <pc:docMk/>
-            <pc:sldMk cId="3450450490" sldId="268"/>
-            <ac:inkMk id="4" creationId="{2CCD9326-0229-4263-8D81-3D8917EA5A88}"/>
-          </ac:inkMkLst>
-        </pc:inkChg>
-      </pc:sldChg>
-      <pc:sldChg chg="add">
-        <pc:chgData name="Li Lixiang" userId="6104bbfcb56aea79" providerId="LiveId" clId="{195C821F-1926-4771-8AF3-DE34471BCA3B}" dt="2021-01-30T04:52:06.175" v="20"/>
-        <pc:sldMkLst>
-          <pc:docMk/>
-          <pc:sldMk cId="1777997471" sldId="269"/>
-        </pc:sldMkLst>
-      </pc:sldChg>
-      <pc:sldChg chg="addSp delSp add mod">
-        <pc:chgData name="Li Lixiang" userId="6104bbfcb56aea79" providerId="LiveId" clId="{195C821F-1926-4771-8AF3-DE34471BCA3B}" dt="2021-02-18T08:23:01.821" v="1320" actId="478"/>
-        <pc:sldMkLst>
-          <pc:docMk/>
-          <pc:sldMk cId="237728322" sldId="270"/>
-        </pc:sldMkLst>
-        <pc:inkChg chg="add del">
-          <ac:chgData name="Li Lixiang" userId="6104bbfcb56aea79" providerId="LiveId" clId="{195C821F-1926-4771-8AF3-DE34471BCA3B}" dt="2021-02-18T08:23:01.821" v="1320" actId="478"/>
-          <ac:inkMkLst>
-            <pc:docMk/>
-            <pc:sldMk cId="237728322" sldId="270"/>
-            <ac:inkMk id="5" creationId="{272BF278-179C-4028-9276-326ABE6978AE}"/>
-          </ac:inkMkLst>
-        </pc:inkChg>
-      </pc:sldChg>
-      <pc:sldChg chg="addSp delSp modSp add mod">
-        <pc:chgData name="Li Lixiang" userId="6104bbfcb56aea79" providerId="LiveId" clId="{195C821F-1926-4771-8AF3-DE34471BCA3B}" dt="2021-02-02T10:41:00.805" v="251" actId="20577"/>
-        <pc:sldMkLst>
-          <pc:docMk/>
-          <pc:sldMk cId="584544023" sldId="271"/>
-        </pc:sldMkLst>
         <pc:spChg chg="mod">
-          <ac:chgData name="Li Lixiang" userId="6104bbfcb56aea79" providerId="LiveId" clId="{195C821F-1926-4771-8AF3-DE34471BCA3B}" dt="2021-02-02T10:41:00.805" v="251" actId="20577"/>
+          <ac:chgData name="Li Lixiang" userId="6104bbfcb56aea79" providerId="LiveId" clId="{B9869770-D63A-48A8-902B-B8466ACE9F25}" dt="2021-08-12T07:58:30.894" v="520" actId="20577"/>
           <ac:spMkLst>
             <pc:docMk/>
-            <pc:sldMk cId="584544023" sldId="271"/>
-            <ac:spMk id="3" creationId="{7060439F-2729-478E-B95F-230482B50AA1}"/>
+            <pc:sldMk cId="3838781653" sldId="289"/>
+            <ac:spMk id="28" creationId="{39D71EE6-7BB9-465D-AA60-A5E6C460D83A}"/>
           </ac:spMkLst>
         </pc:spChg>
-        <pc:picChg chg="del">
-          <ac:chgData name="Li Lixiang" userId="6104bbfcb56aea79" providerId="LiveId" clId="{195C821F-1926-4771-8AF3-DE34471BCA3B}" dt="2021-02-02T10:29:56.870" v="35" actId="478"/>
+        <pc:picChg chg="add del mod">
+          <ac:chgData name="Li Lixiang" userId="6104bbfcb56aea79" providerId="LiveId" clId="{B9869770-D63A-48A8-902B-B8466ACE9F25}" dt="2021-08-12T08:06:01.407" v="569" actId="478"/>
           <ac:picMkLst>
             <pc:docMk/>
-            <pc:sldMk cId="584544023" sldId="271"/>
-            <ac:picMk id="5" creationId="{1D894D49-A68F-4EBD-9C2A-4095DC4B6C25}"/>
+            <pc:sldMk cId="3838781653" sldId="289"/>
+            <ac:picMk id="4" creationId="{9EC372EC-AC5C-48B5-801C-EEFCF524F461}"/>
           </ac:picMkLst>
         </pc:picChg>
         <pc:picChg chg="add mod">
-          <ac:chgData name="Li Lixiang" userId="6104bbfcb56aea79" providerId="LiveId" clId="{195C821F-1926-4771-8AF3-DE34471BCA3B}" dt="2021-02-02T10:39:37.096" v="190" actId="1076"/>
+          <ac:chgData name="Li Lixiang" userId="6104bbfcb56aea79" providerId="LiveId" clId="{B9869770-D63A-48A8-902B-B8466ACE9F25}" dt="2021-08-12T08:06:06.387" v="572" actId="1076"/>
           <ac:picMkLst>
             <pc:docMk/>
-            <pc:sldMk cId="584544023" sldId="271"/>
-            <ac:picMk id="6" creationId="{1B87C686-F99F-4BE2-B83A-C389598920D6}"/>
-          </ac:picMkLst>
-        </pc:picChg>
-      </pc:sldChg>
-      <pc:sldChg chg="addSp delSp modSp add mod ord">
-        <pc:chgData name="Li Lixiang" userId="6104bbfcb56aea79" providerId="LiveId" clId="{195C821F-1926-4771-8AF3-DE34471BCA3B}" dt="2021-04-21T11:51:01.379" v="1936" actId="20577"/>
-        <pc:sldMkLst>
-          <pc:docMk/>
-          <pc:sldMk cId="3132061225" sldId="272"/>
-        </pc:sldMkLst>
-        <pc:spChg chg="mod">
-          <ac:chgData name="Li Lixiang" userId="6104bbfcb56aea79" providerId="LiveId" clId="{195C821F-1926-4771-8AF3-DE34471BCA3B}" dt="2021-04-21T11:36:24.966" v="1587" actId="20577"/>
-          <ac:spMkLst>
-            <pc:docMk/>
-            <pc:sldMk cId="3132061225" sldId="272"/>
-            <ac:spMk id="2" creationId="{5EC01E2D-9CFE-4D5D-8863-3BA90731F07B}"/>
-          </ac:spMkLst>
-        </pc:spChg>
-        <pc:spChg chg="mod">
-          <ac:chgData name="Li Lixiang" userId="6104bbfcb56aea79" providerId="LiveId" clId="{195C821F-1926-4771-8AF3-DE34471BCA3B}" dt="2021-04-21T11:51:01.379" v="1936" actId="20577"/>
-          <ac:spMkLst>
-            <pc:docMk/>
-            <pc:sldMk cId="3132061225" sldId="272"/>
-            <ac:spMk id="3" creationId="{7060439F-2729-478E-B95F-230482B50AA1}"/>
-          </ac:spMkLst>
-        </pc:spChg>
-        <pc:picChg chg="add mod">
-          <ac:chgData name="Li Lixiang" userId="6104bbfcb56aea79" providerId="LiveId" clId="{195C821F-1926-4771-8AF3-DE34471BCA3B}" dt="2021-02-07T14:16:18.505" v="485" actId="1076"/>
-          <ac:picMkLst>
-            <pc:docMk/>
-            <pc:sldMk cId="3132061225" sldId="272"/>
-            <ac:picMk id="5" creationId="{908D5F42-F128-41C6-901B-32741920691C}"/>
-          </ac:picMkLst>
-        </pc:picChg>
-        <pc:picChg chg="del">
-          <ac:chgData name="Li Lixiang" userId="6104bbfcb56aea79" providerId="LiveId" clId="{195C821F-1926-4771-8AF3-DE34471BCA3B}" dt="2021-02-07T13:04:47.705" v="274" actId="478"/>
-          <ac:picMkLst>
-            <pc:docMk/>
-            <pc:sldMk cId="3132061225" sldId="272"/>
-            <ac:picMk id="7" creationId="{0E87A0D6-15A7-456C-81C7-000C78E2DA00}"/>
-          </ac:picMkLst>
-        </pc:picChg>
-      </pc:sldChg>
-      <pc:sldChg chg="addSp delSp modSp add mod">
-        <pc:chgData name="Li Lixiang" userId="6104bbfcb56aea79" providerId="LiveId" clId="{195C821F-1926-4771-8AF3-DE34471BCA3B}" dt="2021-03-02T08:31:32.267" v="1339" actId="20577"/>
-        <pc:sldMkLst>
-          <pc:docMk/>
-          <pc:sldMk cId="3363691834" sldId="273"/>
-        </pc:sldMkLst>
-        <pc:spChg chg="mod">
-          <ac:chgData name="Li Lixiang" userId="6104bbfcb56aea79" providerId="LiveId" clId="{195C821F-1926-4771-8AF3-DE34471BCA3B}" dt="2021-02-07T23:04:34.949" v="760" actId="20577"/>
-          <ac:spMkLst>
-            <pc:docMk/>
-            <pc:sldMk cId="3363691834" sldId="273"/>
-            <ac:spMk id="2" creationId="{5EC01E2D-9CFE-4D5D-8863-3BA90731F07B}"/>
-          </ac:spMkLst>
-        </pc:spChg>
-        <pc:spChg chg="mod">
-          <ac:chgData name="Li Lixiang" userId="6104bbfcb56aea79" providerId="LiveId" clId="{195C821F-1926-4771-8AF3-DE34471BCA3B}" dt="2021-03-02T08:31:32.267" v="1339" actId="20577"/>
-          <ac:spMkLst>
-            <pc:docMk/>
-            <pc:sldMk cId="3363691834" sldId="273"/>
-            <ac:spMk id="3" creationId="{7060439F-2729-478E-B95F-230482B50AA1}"/>
-          </ac:spMkLst>
-        </pc:spChg>
-        <pc:grpChg chg="del mod">
-          <ac:chgData name="Li Lixiang" userId="6104bbfcb56aea79" providerId="LiveId" clId="{195C821F-1926-4771-8AF3-DE34471BCA3B}" dt="2021-02-18T08:36:18.254" v="1335" actId="478"/>
-          <ac:grpSpMkLst>
-            <pc:docMk/>
-            <pc:sldMk cId="3363691834" sldId="273"/>
-            <ac:grpSpMk id="18" creationId="{811237F5-10B5-4289-86E0-F499EE247AEB}"/>
-          </ac:grpSpMkLst>
-        </pc:grpChg>
-        <pc:picChg chg="del">
-          <ac:chgData name="Li Lixiang" userId="6104bbfcb56aea79" providerId="LiveId" clId="{195C821F-1926-4771-8AF3-DE34471BCA3B}" dt="2021-02-07T16:16:52.918" v="700" actId="478"/>
-          <ac:picMkLst>
-            <pc:docMk/>
-            <pc:sldMk cId="3363691834" sldId="273"/>
-            <ac:picMk id="4" creationId="{E6E0ADD3-234C-4276-A71D-680100949D67}"/>
-          </ac:picMkLst>
-        </pc:picChg>
-        <pc:picChg chg="del">
-          <ac:chgData name="Li Lixiang" userId="6104bbfcb56aea79" providerId="LiveId" clId="{195C821F-1926-4771-8AF3-DE34471BCA3B}" dt="2021-02-07T16:16:53.642" v="701" actId="478"/>
-          <ac:picMkLst>
-            <pc:docMk/>
-            <pc:sldMk cId="3363691834" sldId="273"/>
-            <ac:picMk id="5" creationId="{13607EAE-1653-4C12-B8D5-0FC08194D12C}"/>
-          </ac:picMkLst>
-        </pc:picChg>
-        <pc:picChg chg="add mod">
-          <ac:chgData name="Li Lixiang" userId="6104bbfcb56aea79" providerId="LiveId" clId="{195C821F-1926-4771-8AF3-DE34471BCA3B}" dt="2021-02-07T23:07:39.472" v="1182" actId="1076"/>
-          <ac:picMkLst>
-            <pc:docMk/>
-            <pc:sldMk cId="3363691834" sldId="273"/>
-            <ac:picMk id="7" creationId="{1B852F2C-B36A-4A6D-8B38-9B31899B8FA6}"/>
-          </ac:picMkLst>
-        </pc:picChg>
-        <pc:inkChg chg="add del">
-          <ac:chgData name="Li Lixiang" userId="6104bbfcb56aea79" providerId="LiveId" clId="{195C821F-1926-4771-8AF3-DE34471BCA3B}" dt="2021-03-02T08:24:47.382" v="1337" actId="478"/>
-          <ac:inkMkLst>
-            <pc:docMk/>
-            <pc:sldMk cId="3363691834" sldId="273"/>
-            <ac:inkMk id="4" creationId="{363C64BF-BA4F-4528-9699-A73B96B29E62}"/>
-          </ac:inkMkLst>
-        </pc:inkChg>
-        <pc:inkChg chg="add mod">
-          <ac:chgData name="Li Lixiang" userId="6104bbfcb56aea79" providerId="LiveId" clId="{195C821F-1926-4771-8AF3-DE34471BCA3B}" dt="2021-02-18T08:36:06.757" v="1334"/>
-          <ac:inkMkLst>
-            <pc:docMk/>
-            <pc:sldMk cId="3363691834" sldId="273"/>
-            <ac:inkMk id="4" creationId="{6A6E8F62-4724-45FC-B8E6-C7F3086A93BA}"/>
-          </ac:inkMkLst>
-        </pc:inkChg>
-        <pc:inkChg chg="add mod">
-          <ac:chgData name="Li Lixiang" userId="6104bbfcb56aea79" providerId="LiveId" clId="{195C821F-1926-4771-8AF3-DE34471BCA3B}" dt="2021-02-18T08:36:06.757" v="1334"/>
-          <ac:inkMkLst>
-            <pc:docMk/>
-            <pc:sldMk cId="3363691834" sldId="273"/>
-            <ac:inkMk id="5" creationId="{31AA2D2D-4BAB-496A-A34E-1D989B73F4E5}"/>
-          </ac:inkMkLst>
-        </pc:inkChg>
-        <pc:inkChg chg="add mod">
-          <ac:chgData name="Li Lixiang" userId="6104bbfcb56aea79" providerId="LiveId" clId="{195C821F-1926-4771-8AF3-DE34471BCA3B}" dt="2021-02-18T08:36:06.757" v="1334"/>
-          <ac:inkMkLst>
-            <pc:docMk/>
-            <pc:sldMk cId="3363691834" sldId="273"/>
-            <ac:inkMk id="6" creationId="{AE63B066-B6A8-498B-9797-1F523D0C942D}"/>
-          </ac:inkMkLst>
-        </pc:inkChg>
-        <pc:inkChg chg="add mod">
-          <ac:chgData name="Li Lixiang" userId="6104bbfcb56aea79" providerId="LiveId" clId="{195C821F-1926-4771-8AF3-DE34471BCA3B}" dt="2021-02-18T08:36:06.757" v="1334"/>
-          <ac:inkMkLst>
-            <pc:docMk/>
-            <pc:sldMk cId="3363691834" sldId="273"/>
-            <ac:inkMk id="8" creationId="{FEA15D0C-80C7-45B4-A8BE-8D57ABDDD256}"/>
-          </ac:inkMkLst>
-        </pc:inkChg>
-        <pc:inkChg chg="add mod">
-          <ac:chgData name="Li Lixiang" userId="6104bbfcb56aea79" providerId="LiveId" clId="{195C821F-1926-4771-8AF3-DE34471BCA3B}" dt="2021-02-18T08:36:06.757" v="1334"/>
-          <ac:inkMkLst>
-            <pc:docMk/>
-            <pc:sldMk cId="3363691834" sldId="273"/>
-            <ac:inkMk id="9" creationId="{BFD4C135-42A3-43A6-927D-D8DDE44D005A}"/>
-          </ac:inkMkLst>
-        </pc:inkChg>
-        <pc:inkChg chg="add mod">
-          <ac:chgData name="Li Lixiang" userId="6104bbfcb56aea79" providerId="LiveId" clId="{195C821F-1926-4771-8AF3-DE34471BCA3B}" dt="2021-02-18T08:36:06.757" v="1334"/>
-          <ac:inkMkLst>
-            <pc:docMk/>
-            <pc:sldMk cId="3363691834" sldId="273"/>
-            <ac:inkMk id="10" creationId="{8E8D9F76-864C-4AC2-B55A-0E67C6E8AFBD}"/>
-          </ac:inkMkLst>
-        </pc:inkChg>
-        <pc:inkChg chg="add mod">
-          <ac:chgData name="Li Lixiang" userId="6104bbfcb56aea79" providerId="LiveId" clId="{195C821F-1926-4771-8AF3-DE34471BCA3B}" dt="2021-02-18T08:36:06.757" v="1334"/>
-          <ac:inkMkLst>
-            <pc:docMk/>
-            <pc:sldMk cId="3363691834" sldId="273"/>
-            <ac:inkMk id="11" creationId="{B962EFA2-2C25-49B6-99EF-B1C2C62C031C}"/>
-          </ac:inkMkLst>
-        </pc:inkChg>
-        <pc:inkChg chg="add mod">
-          <ac:chgData name="Li Lixiang" userId="6104bbfcb56aea79" providerId="LiveId" clId="{195C821F-1926-4771-8AF3-DE34471BCA3B}" dt="2021-02-18T08:36:06.757" v="1334"/>
-          <ac:inkMkLst>
-            <pc:docMk/>
-            <pc:sldMk cId="3363691834" sldId="273"/>
-            <ac:inkMk id="12" creationId="{6A26A69D-507C-4F73-9B26-B41034D69808}"/>
-          </ac:inkMkLst>
-        </pc:inkChg>
-        <pc:inkChg chg="add mod">
-          <ac:chgData name="Li Lixiang" userId="6104bbfcb56aea79" providerId="LiveId" clId="{195C821F-1926-4771-8AF3-DE34471BCA3B}" dt="2021-02-18T08:36:06.757" v="1334"/>
-          <ac:inkMkLst>
-            <pc:docMk/>
-            <pc:sldMk cId="3363691834" sldId="273"/>
-            <ac:inkMk id="13" creationId="{19954703-C256-470B-B8BD-ABB9352F94FE}"/>
-          </ac:inkMkLst>
-        </pc:inkChg>
-        <pc:inkChg chg="add mod">
-          <ac:chgData name="Li Lixiang" userId="6104bbfcb56aea79" providerId="LiveId" clId="{195C821F-1926-4771-8AF3-DE34471BCA3B}" dt="2021-02-18T08:36:06.757" v="1334"/>
-          <ac:inkMkLst>
-            <pc:docMk/>
-            <pc:sldMk cId="3363691834" sldId="273"/>
-            <ac:inkMk id="14" creationId="{62961DA8-97BB-470F-BB0C-9C8770AF4956}"/>
-          </ac:inkMkLst>
-        </pc:inkChg>
-        <pc:inkChg chg="add mod">
-          <ac:chgData name="Li Lixiang" userId="6104bbfcb56aea79" providerId="LiveId" clId="{195C821F-1926-4771-8AF3-DE34471BCA3B}" dt="2021-02-18T08:36:06.757" v="1334"/>
-          <ac:inkMkLst>
-            <pc:docMk/>
-            <pc:sldMk cId="3363691834" sldId="273"/>
-            <ac:inkMk id="15" creationId="{D93E9F0E-7CA4-45F8-9E19-4B8A851D8D57}"/>
-          </ac:inkMkLst>
-        </pc:inkChg>
-        <pc:inkChg chg="add mod">
-          <ac:chgData name="Li Lixiang" userId="6104bbfcb56aea79" providerId="LiveId" clId="{195C821F-1926-4771-8AF3-DE34471BCA3B}" dt="2021-02-18T08:36:06.757" v="1334"/>
-          <ac:inkMkLst>
-            <pc:docMk/>
-            <pc:sldMk cId="3363691834" sldId="273"/>
-            <ac:inkMk id="16" creationId="{96281312-CD78-4FCC-A8BF-D42ED3239AAB}"/>
-          </ac:inkMkLst>
-        </pc:inkChg>
-        <pc:inkChg chg="add mod">
-          <ac:chgData name="Li Lixiang" userId="6104bbfcb56aea79" providerId="LiveId" clId="{195C821F-1926-4771-8AF3-DE34471BCA3B}" dt="2021-02-18T08:36:06.757" v="1334"/>
-          <ac:inkMkLst>
-            <pc:docMk/>
-            <pc:sldMk cId="3363691834" sldId="273"/>
-            <ac:inkMk id="17" creationId="{E2A77390-FE99-4A8E-AFD5-D84350FF2696}"/>
-          </ac:inkMkLst>
-        </pc:inkChg>
-      </pc:sldChg>
-      <pc:sldChg chg="add">
-        <pc:chgData name="Li Lixiang" userId="6104bbfcb56aea79" providerId="LiveId" clId="{195C821F-1926-4771-8AF3-DE34471BCA3B}" dt="2021-03-04T06:21:58.700" v="1340"/>
-        <pc:sldMkLst>
-          <pc:docMk/>
-          <pc:sldMk cId="3705451296" sldId="276"/>
-        </pc:sldMkLst>
-      </pc:sldChg>
-      <pc:sldChg chg="add">
-        <pc:chgData name="Li Lixiang" userId="6104bbfcb56aea79" providerId="LiveId" clId="{195C821F-1926-4771-8AF3-DE34471BCA3B}" dt="2021-03-04T06:21:58.700" v="1340"/>
-        <pc:sldMkLst>
-          <pc:docMk/>
-          <pc:sldMk cId="236255252" sldId="277"/>
-        </pc:sldMkLst>
-      </pc:sldChg>
-      <pc:sldChg chg="addSp modSp add mod">
-        <pc:chgData name="Li Lixiang" userId="6104bbfcb56aea79" providerId="LiveId" clId="{195C821F-1926-4771-8AF3-DE34471BCA3B}" dt="2021-03-09T08:24:39.294" v="1481" actId="9405"/>
-        <pc:sldMkLst>
-          <pc:docMk/>
-          <pc:sldMk cId="3382715189" sldId="278"/>
-        </pc:sldMkLst>
-        <pc:spChg chg="mod">
-          <ac:chgData name="Li Lixiang" userId="6104bbfcb56aea79" providerId="LiveId" clId="{195C821F-1926-4771-8AF3-DE34471BCA3B}" dt="2021-03-09T08:23:34.131" v="1479" actId="20577"/>
-          <ac:spMkLst>
-            <pc:docMk/>
-            <pc:sldMk cId="3382715189" sldId="278"/>
-            <ac:spMk id="6" creationId="{EC7E49AC-AA90-4955-A874-01EA25A7FD1A}"/>
-          </ac:spMkLst>
-        </pc:spChg>
-        <pc:spChg chg="mod">
-          <ac:chgData name="Li Lixiang" userId="6104bbfcb56aea79" providerId="LiveId" clId="{195C821F-1926-4771-8AF3-DE34471BCA3B}" dt="2021-03-09T08:23:36.267" v="1480" actId="20577"/>
-          <ac:spMkLst>
-            <pc:docMk/>
-            <pc:sldMk cId="3382715189" sldId="278"/>
-            <ac:spMk id="20" creationId="{453F1D08-A157-46E4-848C-C4178F2EECC2}"/>
-          </ac:spMkLst>
-        </pc:spChg>
-        <pc:spChg chg="mod">
-          <ac:chgData name="Li Lixiang" userId="6104bbfcb56aea79" providerId="LiveId" clId="{195C821F-1926-4771-8AF3-DE34471BCA3B}" dt="2021-03-09T08:23:30.948" v="1478" actId="20577"/>
-          <ac:spMkLst>
-            <pc:docMk/>
-            <pc:sldMk cId="3382715189" sldId="278"/>
-            <ac:spMk id="26" creationId="{EEA3ADC2-BCDD-4416-9184-995966377ADD}"/>
-          </ac:spMkLst>
-        </pc:spChg>
-        <pc:inkChg chg="add">
-          <ac:chgData name="Li Lixiang" userId="6104bbfcb56aea79" providerId="LiveId" clId="{195C821F-1926-4771-8AF3-DE34471BCA3B}" dt="2021-03-09T08:24:39.294" v="1481" actId="9405"/>
-          <ac:inkMkLst>
-            <pc:docMk/>
-            <pc:sldMk cId="3382715189" sldId="278"/>
-            <ac:inkMk id="2" creationId="{2FBA5FE7-4846-4634-A0F9-60BA1D6CA186}"/>
-          </ac:inkMkLst>
-        </pc:inkChg>
-      </pc:sldChg>
-      <pc:sldChg chg="addSp modSp add mod">
-        <pc:chgData name="Li Lixiang" userId="6104bbfcb56aea79" providerId="LiveId" clId="{195C821F-1926-4771-8AF3-DE34471BCA3B}" dt="2021-03-09T07:27:37.304" v="1374" actId="14100"/>
-        <pc:sldMkLst>
-          <pc:docMk/>
-          <pc:sldMk cId="3644787234" sldId="279"/>
-        </pc:sldMkLst>
-        <pc:spChg chg="mod">
-          <ac:chgData name="Li Lixiang" userId="6104bbfcb56aea79" providerId="LiveId" clId="{195C821F-1926-4771-8AF3-DE34471BCA3B}" dt="2021-03-09T07:27:14.098" v="1366" actId="20577"/>
-          <ac:spMkLst>
-            <pc:docMk/>
-            <pc:sldMk cId="3644787234" sldId="279"/>
-            <ac:spMk id="12" creationId="{359852D0-62F3-449C-9A3C-37EDC2BA791D}"/>
-          </ac:spMkLst>
-        </pc:spChg>
-        <pc:cxnChg chg="add mod">
-          <ac:chgData name="Li Lixiang" userId="6104bbfcb56aea79" providerId="LiveId" clId="{195C821F-1926-4771-8AF3-DE34471BCA3B}" dt="2021-03-09T07:26:40.071" v="1345" actId="14100"/>
-          <ac:cxnSpMkLst>
-            <pc:docMk/>
-            <pc:sldMk cId="3644787234" sldId="279"/>
-            <ac:cxnSpMk id="28" creationId="{2644271E-D836-4B39-8748-161641279B52}"/>
-          </ac:cxnSpMkLst>
-        </pc:cxnChg>
-        <pc:cxnChg chg="mod">
-          <ac:chgData name="Li Lixiang" userId="6104bbfcb56aea79" providerId="LiveId" clId="{195C821F-1926-4771-8AF3-DE34471BCA3B}" dt="2021-03-09T07:27:37.304" v="1374" actId="14100"/>
-          <ac:cxnSpMkLst>
-            <pc:docMk/>
-            <pc:sldMk cId="3644787234" sldId="279"/>
-            <ac:cxnSpMk id="31" creationId="{0B326028-8702-4326-A1A6-5FE462B6BCE1}"/>
-          </ac:cxnSpMkLst>
-        </pc:cxnChg>
-        <pc:cxnChg chg="add mod">
-          <ac:chgData name="Li Lixiang" userId="6104bbfcb56aea79" providerId="LiveId" clId="{195C821F-1926-4771-8AF3-DE34471BCA3B}" dt="2021-03-09T07:27:06.397" v="1353" actId="14100"/>
-          <ac:cxnSpMkLst>
-            <pc:docMk/>
-            <pc:sldMk cId="3644787234" sldId="279"/>
-            <ac:cxnSpMk id="32" creationId="{06AADE20-D76E-4253-9764-732C4E45C766}"/>
-          </ac:cxnSpMkLst>
-        </pc:cxnChg>
-        <pc:cxnChg chg="add mod">
-          <ac:chgData name="Li Lixiang" userId="6104bbfcb56aea79" providerId="LiveId" clId="{195C821F-1926-4771-8AF3-DE34471BCA3B}" dt="2021-03-09T07:27:03.450" v="1352" actId="14100"/>
-          <ac:cxnSpMkLst>
-            <pc:docMk/>
-            <pc:sldMk cId="3644787234" sldId="279"/>
-            <ac:cxnSpMk id="34" creationId="{0DBA160D-623D-4D3C-96F4-2892396462DB}"/>
-          </ac:cxnSpMkLst>
-        </pc:cxnChg>
-        <pc:cxnChg chg="mod">
-          <ac:chgData name="Li Lixiang" userId="6104bbfcb56aea79" providerId="LiveId" clId="{195C821F-1926-4771-8AF3-DE34471BCA3B}" dt="2021-03-09T07:26:32.613" v="1342" actId="14100"/>
-          <ac:cxnSpMkLst>
-            <pc:docMk/>
-            <pc:sldMk cId="3644787234" sldId="279"/>
-            <ac:cxnSpMk id="35" creationId="{FD171C20-EAB2-402A-8E4E-E449D2250A04}"/>
-          </ac:cxnSpMkLst>
-        </pc:cxnChg>
-        <pc:cxnChg chg="add mod">
-          <ac:chgData name="Li Lixiang" userId="6104bbfcb56aea79" providerId="LiveId" clId="{195C821F-1926-4771-8AF3-DE34471BCA3B}" dt="2021-03-09T07:27:35.318" v="1373" actId="1076"/>
-          <ac:cxnSpMkLst>
-            <pc:docMk/>
-            <pc:sldMk cId="3644787234" sldId="279"/>
-            <ac:cxnSpMk id="38" creationId="{6F0B6288-9D7C-465D-8C0A-AC99D68095EB}"/>
-          </ac:cxnSpMkLst>
-        </pc:cxnChg>
-      </pc:sldChg>
-      <pc:sldChg chg="addSp modSp add mod">
-        <pc:chgData name="Li Lixiang" userId="6104bbfcb56aea79" providerId="LiveId" clId="{195C821F-1926-4771-8AF3-DE34471BCA3B}" dt="2021-03-09T07:28:35.151" v="1388" actId="1076"/>
-        <pc:sldMkLst>
-          <pc:docMk/>
-          <pc:sldMk cId="2458152062" sldId="280"/>
-        </pc:sldMkLst>
-        <pc:spChg chg="mod">
-          <ac:chgData name="Li Lixiang" userId="6104bbfcb56aea79" providerId="LiveId" clId="{195C821F-1926-4771-8AF3-DE34471BCA3B}" dt="2021-03-09T07:28:35.151" v="1388" actId="1076"/>
-          <ac:spMkLst>
-            <pc:docMk/>
-            <pc:sldMk cId="2458152062" sldId="280"/>
-            <ac:spMk id="13" creationId="{0EA72161-C1EA-40C0-8FAC-5C968E34C1C9}"/>
-          </ac:spMkLst>
-        </pc:spChg>
-        <pc:cxnChg chg="mod">
-          <ac:chgData name="Li Lixiang" userId="6104bbfcb56aea79" providerId="LiveId" clId="{195C821F-1926-4771-8AF3-DE34471BCA3B}" dt="2021-03-09T07:27:56.996" v="1375" actId="14100"/>
-          <ac:cxnSpMkLst>
-            <pc:docMk/>
-            <pc:sldMk cId="2458152062" sldId="280"/>
-            <ac:cxnSpMk id="26" creationId="{12617041-DC45-4440-BA90-FB7B34E7F8B0}"/>
-          </ac:cxnSpMkLst>
-        </pc:cxnChg>
-        <pc:cxnChg chg="add mod">
-          <ac:chgData name="Li Lixiang" userId="6104bbfcb56aea79" providerId="LiveId" clId="{195C821F-1926-4771-8AF3-DE34471BCA3B}" dt="2021-03-09T07:28:04.867" v="1378" actId="14100"/>
-          <ac:cxnSpMkLst>
-            <pc:docMk/>
-            <pc:sldMk cId="2458152062" sldId="280"/>
-            <ac:cxnSpMk id="28" creationId="{62707383-3601-4D0F-8D3A-295135011D27}"/>
-          </ac:cxnSpMkLst>
-        </pc:cxnChg>
-        <pc:cxnChg chg="add mod">
-          <ac:chgData name="Li Lixiang" userId="6104bbfcb56aea79" providerId="LiveId" clId="{195C821F-1926-4771-8AF3-DE34471BCA3B}" dt="2021-03-09T07:28:13.237" v="1381" actId="14100"/>
-          <ac:cxnSpMkLst>
-            <pc:docMk/>
-            <pc:sldMk cId="2458152062" sldId="280"/>
-            <ac:cxnSpMk id="29" creationId="{778E111C-279D-439B-8C20-F3FD6D8B6784}"/>
-          </ac:cxnSpMkLst>
-        </pc:cxnChg>
-        <pc:cxnChg chg="add mod">
-          <ac:chgData name="Li Lixiang" userId="6104bbfcb56aea79" providerId="LiveId" clId="{195C821F-1926-4771-8AF3-DE34471BCA3B}" dt="2021-03-09T07:28:21.235" v="1384" actId="14100"/>
-          <ac:cxnSpMkLst>
-            <pc:docMk/>
-            <pc:sldMk cId="2458152062" sldId="280"/>
-            <ac:cxnSpMk id="30" creationId="{A88D8729-0E30-4A32-9D34-CE8A509266F1}"/>
-          </ac:cxnSpMkLst>
-        </pc:cxnChg>
-        <pc:cxnChg chg="add mod">
-          <ac:chgData name="Li Lixiang" userId="6104bbfcb56aea79" providerId="LiveId" clId="{195C821F-1926-4771-8AF3-DE34471BCA3B}" dt="2021-03-09T07:28:28.361" v="1387" actId="14100"/>
-          <ac:cxnSpMkLst>
-            <pc:docMk/>
-            <pc:sldMk cId="2458152062" sldId="280"/>
-            <ac:cxnSpMk id="31" creationId="{10DDFD75-ABC1-44D7-9075-E2B336D7C793}"/>
-          </ac:cxnSpMkLst>
-        </pc:cxnChg>
-      </pc:sldChg>
-      <pc:sldChg chg="addSp delSp modSp add mod">
-        <pc:chgData name="Li Lixiang" userId="6104bbfcb56aea79" providerId="LiveId" clId="{195C821F-1926-4771-8AF3-DE34471BCA3B}" dt="2021-03-09T08:57:17.039" v="1530" actId="1076"/>
-        <pc:sldMkLst>
-          <pc:docMk/>
-          <pc:sldMk cId="285537872" sldId="281"/>
-        </pc:sldMkLst>
-        <pc:spChg chg="mod">
-          <ac:chgData name="Li Lixiang" userId="6104bbfcb56aea79" providerId="LiveId" clId="{195C821F-1926-4771-8AF3-DE34471BCA3B}" dt="2021-03-09T07:29:25.066" v="1393" actId="1076"/>
-          <ac:spMkLst>
-            <pc:docMk/>
-            <pc:sldMk cId="285537872" sldId="281"/>
-            <ac:spMk id="6" creationId="{FC0D0CCC-2669-4BEA-A601-191B398B36E1}"/>
-          </ac:spMkLst>
-        </pc:spChg>
-        <pc:spChg chg="mod">
-          <ac:chgData name="Li Lixiang" userId="6104bbfcb56aea79" providerId="LiveId" clId="{195C821F-1926-4771-8AF3-DE34471BCA3B}" dt="2021-03-09T07:29:25.066" v="1393" actId="1076"/>
-          <ac:spMkLst>
-            <pc:docMk/>
-            <pc:sldMk cId="285537872" sldId="281"/>
-            <ac:spMk id="7" creationId="{A746A457-C064-4608-A75D-14BEAD167399}"/>
-          </ac:spMkLst>
-        </pc:spChg>
-        <pc:spChg chg="mod">
-          <ac:chgData name="Li Lixiang" userId="6104bbfcb56aea79" providerId="LiveId" clId="{195C821F-1926-4771-8AF3-DE34471BCA3B}" dt="2021-03-09T07:29:25.066" v="1393" actId="1076"/>
-          <ac:spMkLst>
-            <pc:docMk/>
-            <pc:sldMk cId="285537872" sldId="281"/>
-            <ac:spMk id="8" creationId="{9212197E-F0EC-40DC-B152-B3FF50CD06A2}"/>
-          </ac:spMkLst>
-        </pc:spChg>
-        <pc:spChg chg="mod">
-          <ac:chgData name="Li Lixiang" userId="6104bbfcb56aea79" providerId="LiveId" clId="{195C821F-1926-4771-8AF3-DE34471BCA3B}" dt="2021-03-09T07:30:27.952" v="1428" actId="20577"/>
-          <ac:spMkLst>
-            <pc:docMk/>
-            <pc:sldMk cId="285537872" sldId="281"/>
-            <ac:spMk id="9" creationId="{30257987-5DAD-4BA9-A19E-34AE3588C3FA}"/>
-          </ac:spMkLst>
-        </pc:spChg>
-        <pc:spChg chg="mod">
-          <ac:chgData name="Li Lixiang" userId="6104bbfcb56aea79" providerId="LiveId" clId="{195C821F-1926-4771-8AF3-DE34471BCA3B}" dt="2021-03-09T07:29:25.066" v="1393" actId="1076"/>
-          <ac:spMkLst>
-            <pc:docMk/>
-            <pc:sldMk cId="285537872" sldId="281"/>
-            <ac:spMk id="12" creationId="{F3D6C0E8-2A0F-474F-AB5C-1591CE9F7BA4}"/>
-          </ac:spMkLst>
-        </pc:spChg>
-        <pc:spChg chg="mod">
-          <ac:chgData name="Li Lixiang" userId="6104bbfcb56aea79" providerId="LiveId" clId="{195C821F-1926-4771-8AF3-DE34471BCA3B}" dt="2021-03-09T07:29:25.066" v="1393" actId="1076"/>
-          <ac:spMkLst>
-            <pc:docMk/>
-            <pc:sldMk cId="285537872" sldId="281"/>
-            <ac:spMk id="13" creationId="{BD5B4E6B-DF6F-4677-8F67-77480FEF4F81}"/>
-          </ac:spMkLst>
-        </pc:spChg>
-        <pc:spChg chg="mod">
-          <ac:chgData name="Li Lixiang" userId="6104bbfcb56aea79" providerId="LiveId" clId="{195C821F-1926-4771-8AF3-DE34471BCA3B}" dt="2021-03-09T08:56:23.325" v="1515" actId="1035"/>
-          <ac:spMkLst>
-            <pc:docMk/>
-            <pc:sldMk cId="285537872" sldId="281"/>
-            <ac:spMk id="15" creationId="{5958AB10-02A6-4C5A-8A2B-B02B08F72D77}"/>
-          </ac:spMkLst>
-        </pc:spChg>
-        <pc:spChg chg="mod">
-          <ac:chgData name="Li Lixiang" userId="6104bbfcb56aea79" providerId="LiveId" clId="{195C821F-1926-4771-8AF3-DE34471BCA3B}" dt="2021-03-09T08:56:23.325" v="1515" actId="1035"/>
-          <ac:spMkLst>
-            <pc:docMk/>
-            <pc:sldMk cId="285537872" sldId="281"/>
-            <ac:spMk id="16" creationId="{FAC802A5-0CD8-4EF7-AE34-50E9AB57E124}"/>
-          </ac:spMkLst>
-        </pc:spChg>
-        <pc:spChg chg="mod">
-          <ac:chgData name="Li Lixiang" userId="6104bbfcb56aea79" providerId="LiveId" clId="{195C821F-1926-4771-8AF3-DE34471BCA3B}" dt="2021-03-09T08:56:16.164" v="1487" actId="1076"/>
-          <ac:spMkLst>
-            <pc:docMk/>
-            <pc:sldMk cId="285537872" sldId="281"/>
-            <ac:spMk id="22" creationId="{EAA6405C-ED05-4EDD-B178-DC8CC115F19E}"/>
-          </ac:spMkLst>
-        </pc:spChg>
-        <pc:spChg chg="mod">
-          <ac:chgData name="Li Lixiang" userId="6104bbfcb56aea79" providerId="LiveId" clId="{195C821F-1926-4771-8AF3-DE34471BCA3B}" dt="2021-03-09T08:56:16.164" v="1487" actId="1076"/>
-          <ac:spMkLst>
-            <pc:docMk/>
-            <pc:sldMk cId="285537872" sldId="281"/>
-            <ac:spMk id="23" creationId="{5B6C7A4B-5BA3-443E-9E9E-C0611BF48403}"/>
-          </ac:spMkLst>
-        </pc:spChg>
-        <pc:spChg chg="mod">
-          <ac:chgData name="Li Lixiang" userId="6104bbfcb56aea79" providerId="LiveId" clId="{195C821F-1926-4771-8AF3-DE34471BCA3B}" dt="2021-03-09T07:29:25.066" v="1393" actId="1076"/>
-          <ac:spMkLst>
-            <pc:docMk/>
-            <pc:sldMk cId="285537872" sldId="281"/>
-            <ac:spMk id="25" creationId="{09B7A4DE-2355-4DD5-BCF8-A15F6CFBF7C2}"/>
-          </ac:spMkLst>
-        </pc:spChg>
-        <pc:spChg chg="mod">
-          <ac:chgData name="Li Lixiang" userId="6104bbfcb56aea79" providerId="LiveId" clId="{195C821F-1926-4771-8AF3-DE34471BCA3B}" dt="2021-03-09T08:55:52.317" v="1482" actId="1076"/>
-          <ac:spMkLst>
-            <pc:docMk/>
-            <pc:sldMk cId="285537872" sldId="281"/>
-            <ac:spMk id="26" creationId="{6AAF631B-B978-44F0-B1E3-3DBFEF31F077}"/>
-          </ac:spMkLst>
-        </pc:spChg>
-        <pc:spChg chg="mod">
-          <ac:chgData name="Li Lixiang" userId="6104bbfcb56aea79" providerId="LiveId" clId="{195C821F-1926-4771-8AF3-DE34471BCA3B}" dt="2021-03-09T08:56:08.008" v="1485" actId="1076"/>
-          <ac:spMkLst>
-            <pc:docMk/>
-            <pc:sldMk cId="285537872" sldId="281"/>
-            <ac:spMk id="34" creationId="{F6621DD6-D25D-44E1-A83A-F2563D1E2B38}"/>
-          </ac:spMkLst>
-        </pc:spChg>
-        <pc:cxnChg chg="mod">
-          <ac:chgData name="Li Lixiang" userId="6104bbfcb56aea79" providerId="LiveId" clId="{195C821F-1926-4771-8AF3-DE34471BCA3B}" dt="2021-03-09T07:29:25.066" v="1393" actId="1076"/>
-          <ac:cxnSpMkLst>
-            <pc:docMk/>
-            <pc:sldMk cId="285537872" sldId="281"/>
-            <ac:cxnSpMk id="5" creationId="{8325B56B-D1AC-4695-8640-7C03829625A6}"/>
-          </ac:cxnSpMkLst>
-        </pc:cxnChg>
-        <pc:cxnChg chg="mod">
-          <ac:chgData name="Li Lixiang" userId="6104bbfcb56aea79" providerId="LiveId" clId="{195C821F-1926-4771-8AF3-DE34471BCA3B}" dt="2021-03-09T07:29:25.066" v="1393" actId="1076"/>
-          <ac:cxnSpMkLst>
-            <pc:docMk/>
-            <pc:sldMk cId="285537872" sldId="281"/>
-            <ac:cxnSpMk id="10" creationId="{9ED289DF-696E-4540-A9FF-9E633C550570}"/>
-          </ac:cxnSpMkLst>
-        </pc:cxnChg>
-        <pc:cxnChg chg="mod">
-          <ac:chgData name="Li Lixiang" userId="6104bbfcb56aea79" providerId="LiveId" clId="{195C821F-1926-4771-8AF3-DE34471BCA3B}" dt="2021-03-09T07:29:25.066" v="1393" actId="1076"/>
-          <ac:cxnSpMkLst>
-            <pc:docMk/>
-            <pc:sldMk cId="285537872" sldId="281"/>
-            <ac:cxnSpMk id="11" creationId="{98082AB3-1EB6-4C6B-A40F-107875C4A3D6}"/>
-          </ac:cxnSpMkLst>
-        </pc:cxnChg>
-        <pc:cxnChg chg="mod">
-          <ac:chgData name="Li Lixiang" userId="6104bbfcb56aea79" providerId="LiveId" clId="{195C821F-1926-4771-8AF3-DE34471BCA3B}" dt="2021-03-09T08:56:40.624" v="1519" actId="14100"/>
-          <ac:cxnSpMkLst>
-            <pc:docMk/>
-            <pc:sldMk cId="285537872" sldId="281"/>
-            <ac:cxnSpMk id="14" creationId="{11A77050-2D33-45BB-B660-851CB91A6836}"/>
-          </ac:cxnSpMkLst>
-        </pc:cxnChg>
-        <pc:cxnChg chg="mod">
-          <ac:chgData name="Li Lixiang" userId="6104bbfcb56aea79" providerId="LiveId" clId="{195C821F-1926-4771-8AF3-DE34471BCA3B}" dt="2021-03-09T08:57:06.972" v="1527" actId="14100"/>
-          <ac:cxnSpMkLst>
-            <pc:docMk/>
-            <pc:sldMk cId="285537872" sldId="281"/>
-            <ac:cxnSpMk id="17" creationId="{04E85CB1-8137-4003-A3F8-FCF9B3009718}"/>
-          </ac:cxnSpMkLst>
-        </pc:cxnChg>
-        <pc:cxnChg chg="mod">
-          <ac:chgData name="Li Lixiang" userId="6104bbfcb56aea79" providerId="LiveId" clId="{195C821F-1926-4771-8AF3-DE34471BCA3B}" dt="2021-03-09T08:57:09.137" v="1528" actId="1076"/>
-          <ac:cxnSpMkLst>
-            <pc:docMk/>
-            <pc:sldMk cId="285537872" sldId="281"/>
-            <ac:cxnSpMk id="18" creationId="{314FB4ED-227F-4BBB-A0D5-56128173FE68}"/>
-          </ac:cxnSpMkLst>
-        </pc:cxnChg>
-        <pc:cxnChg chg="mod">
-          <ac:chgData name="Li Lixiang" userId="6104bbfcb56aea79" providerId="LiveId" clId="{195C821F-1926-4771-8AF3-DE34471BCA3B}" dt="2021-03-09T08:56:59.148" v="1525" actId="14100"/>
-          <ac:cxnSpMkLst>
-            <pc:docMk/>
-            <pc:sldMk cId="285537872" sldId="281"/>
-            <ac:cxnSpMk id="27" creationId="{D06EBD9A-3D81-41A2-BB4F-1A70BCF60EB0}"/>
-          </ac:cxnSpMkLst>
-        </pc:cxnChg>
-        <pc:cxnChg chg="add mod">
-          <ac:chgData name="Li Lixiang" userId="6104bbfcb56aea79" providerId="LiveId" clId="{195C821F-1926-4771-8AF3-DE34471BCA3B}" dt="2021-03-09T08:57:03.211" v="1526" actId="14100"/>
-          <ac:cxnSpMkLst>
-            <pc:docMk/>
-            <pc:sldMk cId="285537872" sldId="281"/>
-            <ac:cxnSpMk id="28" creationId="{B772D5BB-1828-4E84-96C2-22401232B89E}"/>
-          </ac:cxnSpMkLst>
-        </pc:cxnChg>
-        <pc:cxnChg chg="mod">
-          <ac:chgData name="Li Lixiang" userId="6104bbfcb56aea79" providerId="LiveId" clId="{195C821F-1926-4771-8AF3-DE34471BCA3B}" dt="2021-03-09T08:56:52.790" v="1523" actId="1076"/>
-          <ac:cxnSpMkLst>
-            <pc:docMk/>
-            <pc:sldMk cId="285537872" sldId="281"/>
-            <ac:cxnSpMk id="30" creationId="{12048B38-71EC-4D93-BF08-D0AFA8091354}"/>
-          </ac:cxnSpMkLst>
-        </pc:cxnChg>
-        <pc:cxnChg chg="add mod">
-          <ac:chgData name="Li Lixiang" userId="6104bbfcb56aea79" providerId="LiveId" clId="{195C821F-1926-4771-8AF3-DE34471BCA3B}" dt="2021-03-09T07:29:46.878" v="1401" actId="14100"/>
-          <ac:cxnSpMkLst>
-            <pc:docMk/>
-            <pc:sldMk cId="285537872" sldId="281"/>
-            <ac:cxnSpMk id="31" creationId="{53E443F1-F449-411D-BCD0-DD7FEDA204AD}"/>
-          </ac:cxnSpMkLst>
-        </pc:cxnChg>
-        <pc:cxnChg chg="mod">
-          <ac:chgData name="Li Lixiang" userId="6104bbfcb56aea79" providerId="LiveId" clId="{195C821F-1926-4771-8AF3-DE34471BCA3B}" dt="2021-03-09T07:29:25.066" v="1393" actId="1076"/>
-          <ac:cxnSpMkLst>
-            <pc:docMk/>
-            <pc:sldMk cId="285537872" sldId="281"/>
-            <ac:cxnSpMk id="35" creationId="{D43F7C11-7FB4-44A3-9FEF-D23988968543}"/>
-          </ac:cxnSpMkLst>
-        </pc:cxnChg>
-        <pc:cxnChg chg="mod">
-          <ac:chgData name="Li Lixiang" userId="6104bbfcb56aea79" providerId="LiveId" clId="{195C821F-1926-4771-8AF3-DE34471BCA3B}" dt="2021-03-09T08:56:36.396" v="1518" actId="14100"/>
-          <ac:cxnSpMkLst>
-            <pc:docMk/>
-            <pc:sldMk cId="285537872" sldId="281"/>
-            <ac:cxnSpMk id="37" creationId="{C57E4C2F-39B9-4760-BBF8-151F3595360B}"/>
-          </ac:cxnSpMkLst>
-        </pc:cxnChg>
-        <pc:cxnChg chg="add mod">
-          <ac:chgData name="Li Lixiang" userId="6104bbfcb56aea79" providerId="LiveId" clId="{195C821F-1926-4771-8AF3-DE34471BCA3B}" dt="2021-03-09T08:57:17.039" v="1530" actId="1076"/>
-          <ac:cxnSpMkLst>
-            <pc:docMk/>
-            <pc:sldMk cId="285537872" sldId="281"/>
-            <ac:cxnSpMk id="38" creationId="{C415907B-D1F5-4495-921A-9F0CBAC202B7}"/>
-          </ac:cxnSpMkLst>
-        </pc:cxnChg>
-        <pc:cxnChg chg="del mod">
-          <ac:chgData name="Li Lixiang" userId="6104bbfcb56aea79" providerId="LiveId" clId="{195C821F-1926-4771-8AF3-DE34471BCA3B}" dt="2021-03-09T07:29:59.876" v="1404" actId="478"/>
-          <ac:cxnSpMkLst>
-            <pc:docMk/>
-            <pc:sldMk cId="285537872" sldId="281"/>
-            <ac:cxnSpMk id="39" creationId="{90CD62E6-DAB2-4904-BC5C-AE6EF319F7FD}"/>
-          </ac:cxnSpMkLst>
-        </pc:cxnChg>
-      </pc:sldChg>
-      <pc:sldChg chg="addSp modSp add mod">
-        <pc:chgData name="Li Lixiang" userId="6104bbfcb56aea79" providerId="LiveId" clId="{195C821F-1926-4771-8AF3-DE34471BCA3B}" dt="2021-03-09T07:32:05.458" v="1476" actId="14100"/>
-        <pc:sldMkLst>
-          <pc:docMk/>
-          <pc:sldMk cId="1892396108" sldId="282"/>
-        </pc:sldMkLst>
-        <pc:spChg chg="mod">
-          <ac:chgData name="Li Lixiang" userId="6104bbfcb56aea79" providerId="LiveId" clId="{195C821F-1926-4771-8AF3-DE34471BCA3B}" dt="2021-03-09T07:30:38.353" v="1448" actId="20577"/>
-          <ac:spMkLst>
-            <pc:docMk/>
-            <pc:sldMk cId="1892396108" sldId="282"/>
-            <ac:spMk id="5" creationId="{D94FFDDE-535E-4D07-B182-BD631BF44496}"/>
-          </ac:spMkLst>
-        </pc:spChg>
-        <pc:spChg chg="mod">
-          <ac:chgData name="Li Lixiang" userId="6104bbfcb56aea79" providerId="LiveId" clId="{195C821F-1926-4771-8AF3-DE34471BCA3B}" dt="2021-03-09T07:31:54.206" v="1471" actId="1036"/>
-          <ac:spMkLst>
-            <pc:docMk/>
-            <pc:sldMk cId="1892396108" sldId="282"/>
-            <ac:spMk id="15" creationId="{AC59B6B3-C02F-4BD0-9A4C-15B6C4436BE5}"/>
-          </ac:spMkLst>
-        </pc:spChg>
-        <pc:spChg chg="mod">
-          <ac:chgData name="Li Lixiang" userId="6104bbfcb56aea79" providerId="LiveId" clId="{195C821F-1926-4771-8AF3-DE34471BCA3B}" dt="2021-03-09T07:31:54.206" v="1471" actId="1036"/>
-          <ac:spMkLst>
-            <pc:docMk/>
-            <pc:sldMk cId="1892396108" sldId="282"/>
-            <ac:spMk id="16" creationId="{F64131FC-0923-4D66-9833-72B2FCF513AB}"/>
-          </ac:spMkLst>
-        </pc:spChg>
-        <pc:cxnChg chg="mod">
-          <ac:chgData name="Li Lixiang" userId="6104bbfcb56aea79" providerId="LiveId" clId="{195C821F-1926-4771-8AF3-DE34471BCA3B}" dt="2021-03-09T07:31:56.684" v="1472" actId="14100"/>
-          <ac:cxnSpMkLst>
-            <pc:docMk/>
-            <pc:sldMk cId="1892396108" sldId="282"/>
-            <ac:cxnSpMk id="14" creationId="{9441F248-E968-4E40-9E77-CF1CB29F3067}"/>
-          </ac:cxnSpMkLst>
-        </pc:cxnChg>
-        <pc:cxnChg chg="mod">
-          <ac:chgData name="Li Lixiang" userId="6104bbfcb56aea79" providerId="LiveId" clId="{195C821F-1926-4771-8AF3-DE34471BCA3B}" dt="2021-03-09T07:31:59.185" v="1473" actId="1076"/>
-          <ac:cxnSpMkLst>
-            <pc:docMk/>
-            <pc:sldMk cId="1892396108" sldId="282"/>
-            <ac:cxnSpMk id="17" creationId="{AFB67960-98DE-4EA6-8FF5-1D3649D95746}"/>
-          </ac:cxnSpMkLst>
-        </pc:cxnChg>
-        <pc:cxnChg chg="mod">
-          <ac:chgData name="Li Lixiang" userId="6104bbfcb56aea79" providerId="LiveId" clId="{195C821F-1926-4771-8AF3-DE34471BCA3B}" dt="2021-03-09T07:31:33.020" v="1451" actId="14100"/>
-          <ac:cxnSpMkLst>
-            <pc:docMk/>
-            <pc:sldMk cId="1892396108" sldId="282"/>
-            <ac:cxnSpMk id="18" creationId="{CA38E5EA-9BA7-4219-90E4-9BCB71450CEB}"/>
-          </ac:cxnSpMkLst>
-        </pc:cxnChg>
-        <pc:cxnChg chg="add mod">
-          <ac:chgData name="Li Lixiang" userId="6104bbfcb56aea79" providerId="LiveId" clId="{195C821F-1926-4771-8AF3-DE34471BCA3B}" dt="2021-03-09T07:31:48.086" v="1456" actId="14100"/>
-          <ac:cxnSpMkLst>
-            <pc:docMk/>
-            <pc:sldMk cId="1892396108" sldId="282"/>
-            <ac:cxnSpMk id="29" creationId="{BF356109-5CBD-45B5-B8BC-CCFBEE083AF4}"/>
-          </ac:cxnSpMkLst>
-        </pc:cxnChg>
-        <pc:cxnChg chg="add mod">
-          <ac:chgData name="Li Lixiang" userId="6104bbfcb56aea79" providerId="LiveId" clId="{195C821F-1926-4771-8AF3-DE34471BCA3B}" dt="2021-03-09T07:32:05.458" v="1476" actId="14100"/>
-          <ac:cxnSpMkLst>
-            <pc:docMk/>
-            <pc:sldMk cId="1892396108" sldId="282"/>
-            <ac:cxnSpMk id="34" creationId="{BC1BEA40-776B-4C96-A76E-DC0F971EF9E9}"/>
-          </ac:cxnSpMkLst>
-        </pc:cxnChg>
-      </pc:sldChg>
-      <pc:sldChg chg="addSp modSp new mod">
-        <pc:chgData name="Li Lixiang" userId="6104bbfcb56aea79" providerId="LiveId" clId="{195C821F-1926-4771-8AF3-DE34471BCA3B}" dt="2021-04-21T11:48:17.938" v="1798" actId="20577"/>
-        <pc:sldMkLst>
-          <pc:docMk/>
-          <pc:sldMk cId="669132949" sldId="283"/>
-        </pc:sldMkLst>
-        <pc:spChg chg="mod">
-          <ac:chgData name="Li Lixiang" userId="6104bbfcb56aea79" providerId="LiveId" clId="{195C821F-1926-4771-8AF3-DE34471BCA3B}" dt="2021-04-21T11:36:36.373" v="1597" actId="20577"/>
-          <ac:spMkLst>
-            <pc:docMk/>
-            <pc:sldMk cId="669132949" sldId="283"/>
-            <ac:spMk id="2" creationId="{14EFA843-92B7-4487-8339-8E373E6C34B3}"/>
-          </ac:spMkLst>
-        </pc:spChg>
-        <pc:spChg chg="mod">
-          <ac:chgData name="Li Lixiang" userId="6104bbfcb56aea79" providerId="LiveId" clId="{195C821F-1926-4771-8AF3-DE34471BCA3B}" dt="2021-04-21T11:48:17.938" v="1798" actId="20577"/>
-          <ac:spMkLst>
-            <pc:docMk/>
-            <pc:sldMk cId="669132949" sldId="283"/>
-            <ac:spMk id="3" creationId="{A2885D93-780F-42B8-9741-8CE90F391413}"/>
-          </ac:spMkLst>
-        </pc:spChg>
-        <pc:picChg chg="add mod">
-          <ac:chgData name="Li Lixiang" userId="6104bbfcb56aea79" providerId="LiveId" clId="{195C821F-1926-4771-8AF3-DE34471BCA3B}" dt="2021-04-21T11:47:59.782" v="1790" actId="1076"/>
-          <ac:picMkLst>
-            <pc:docMk/>
-            <pc:sldMk cId="669132949" sldId="283"/>
-            <ac:picMk id="5" creationId="{2914B5C8-9E72-45D8-95C5-FD2BA37DF8C0}"/>
-          </ac:picMkLst>
-        </pc:picChg>
-      </pc:sldChg>
-      <pc:sldChg chg="addSp delSp modSp add mod">
-        <pc:chgData name="Li Lixiang" userId="6104bbfcb56aea79" providerId="LiveId" clId="{195C821F-1926-4771-8AF3-DE34471BCA3B}" dt="2021-04-21T11:57:25.193" v="2223" actId="20577"/>
-        <pc:sldMkLst>
-          <pc:docMk/>
-          <pc:sldMk cId="2287529749" sldId="284"/>
-        </pc:sldMkLst>
-        <pc:spChg chg="mod">
-          <ac:chgData name="Li Lixiang" userId="6104bbfcb56aea79" providerId="LiveId" clId="{195C821F-1926-4771-8AF3-DE34471BCA3B}" dt="2021-04-21T11:49:41.970" v="1818" actId="20577"/>
-          <ac:spMkLst>
-            <pc:docMk/>
-            <pc:sldMk cId="2287529749" sldId="284"/>
-            <ac:spMk id="2" creationId="{5EC01E2D-9CFE-4D5D-8863-3BA90731F07B}"/>
-          </ac:spMkLst>
-        </pc:spChg>
-        <pc:spChg chg="mod">
-          <ac:chgData name="Li Lixiang" userId="6104bbfcb56aea79" providerId="LiveId" clId="{195C821F-1926-4771-8AF3-DE34471BCA3B}" dt="2021-04-21T11:57:25.193" v="2223" actId="20577"/>
-          <ac:spMkLst>
-            <pc:docMk/>
-            <pc:sldMk cId="2287529749" sldId="284"/>
-            <ac:spMk id="3" creationId="{7060439F-2729-478E-B95F-230482B50AA1}"/>
-          </ac:spMkLst>
-        </pc:spChg>
-        <pc:picChg chg="del">
-          <ac:chgData name="Li Lixiang" userId="6104bbfcb56aea79" providerId="LiveId" clId="{195C821F-1926-4771-8AF3-DE34471BCA3B}" dt="2021-04-21T11:49:46.138" v="1819" actId="478"/>
-          <ac:picMkLst>
-            <pc:docMk/>
-            <pc:sldMk cId="2287529749" sldId="284"/>
-            <ac:picMk id="5" creationId="{908D5F42-F128-41C6-901B-32741920691C}"/>
-          </ac:picMkLst>
-        </pc:picChg>
-        <pc:picChg chg="add mod">
-          <ac:chgData name="Li Lixiang" userId="6104bbfcb56aea79" providerId="LiveId" clId="{195C821F-1926-4771-8AF3-DE34471BCA3B}" dt="2021-04-21T11:55:40.654" v="1939" actId="1076"/>
-          <ac:picMkLst>
-            <pc:docMk/>
-            <pc:sldMk cId="2287529749" sldId="284"/>
-            <ac:picMk id="6" creationId="{CBC54361-79AA-4580-8754-25F061500C04}"/>
+            <pc:sldMk cId="3838781653" sldId="289"/>
+            <ac:picMk id="5" creationId="{23A6D3FD-0510-4045-BA2A-CA4A2485A7FB}"/>
           </ac:picMkLst>
         </pc:picChg>
       </pc:sldChg>
@@ -2100,7 +2116,7 @@
             <a:fld id="{B61BEF0D-F0BB-DE4B-95CE-6DB70DBA9567}" type="datetimeFigureOut">
               <a:rPr lang="en-US" dirty="0"/>
               <a:pPr/>
-              <a:t>10/13/2021</a:t>
+              <a:t>4/26/2023</a:t>
             </a:fld>
             <a:endParaRPr lang="en-US" dirty="0"/>
           </a:p>
@@ -2431,7 +2447,7 @@
             <a:fld id="{B61BEF0D-F0BB-DE4B-95CE-6DB70DBA9567}" type="datetimeFigureOut">
               <a:rPr lang="en-US" dirty="0"/>
               <a:pPr/>
-              <a:t>10/13/2021</a:t>
+              <a:t>4/26/2023</a:t>
             </a:fld>
             <a:endParaRPr lang="en-US" dirty="0"/>
           </a:p>
@@ -2706,7 +2722,7 @@
             <a:fld id="{B61BEF0D-F0BB-DE4B-95CE-6DB70DBA9567}" type="datetimeFigureOut">
               <a:rPr lang="en-US" dirty="0"/>
               <a:pPr/>
-              <a:t>10/13/2021</a:t>
+              <a:t>4/26/2023</a:t>
             </a:fld>
             <a:endParaRPr lang="en-US" dirty="0"/>
           </a:p>
@@ -3271,7 +3287,7 @@
             <a:fld id="{B61BEF0D-F0BB-DE4B-95CE-6DB70DBA9567}" type="datetimeFigureOut">
               <a:rPr lang="en-US" dirty="0"/>
               <a:pPr/>
-              <a:t>10/13/2021</a:t>
+              <a:t>4/26/2023</a:t>
             </a:fld>
             <a:endParaRPr lang="en-US" dirty="0"/>
           </a:p>
@@ -3546,7 +3562,7 @@
             <a:fld id="{B61BEF0D-F0BB-DE4B-95CE-6DB70DBA9567}" type="datetimeFigureOut">
               <a:rPr lang="en-US" dirty="0"/>
               <a:pPr/>
-              <a:t>10/13/2021</a:t>
+              <a:t>4/26/2023</a:t>
             </a:fld>
             <a:endParaRPr lang="en-US" dirty="0"/>
           </a:p>
@@ -4105,7 +4121,7 @@
             <a:fld id="{B61BEF0D-F0BB-DE4B-95CE-6DB70DBA9567}" type="datetimeFigureOut">
               <a:rPr lang="en-US" dirty="0"/>
               <a:pPr/>
-              <a:t>10/13/2021</a:t>
+              <a:t>4/26/2023</a:t>
             </a:fld>
             <a:endParaRPr lang="en-US" dirty="0"/>
           </a:p>
@@ -4429,7 +4445,7 @@
             <a:fld id="{B61BEF0D-F0BB-DE4B-95CE-6DB70DBA9567}" type="datetimeFigureOut">
               <a:rPr lang="en-US" dirty="0"/>
               <a:pPr/>
-              <a:t>10/13/2021</a:t>
+              <a:t>4/26/2023</a:t>
             </a:fld>
             <a:endParaRPr lang="en-US" dirty="0"/>
           </a:p>
@@ -4603,7 +4619,7 @@
             <a:fld id="{B61BEF0D-F0BB-DE4B-95CE-6DB70DBA9567}" type="datetimeFigureOut">
               <a:rPr lang="en-US" dirty="0"/>
               <a:pPr/>
-              <a:t>10/13/2021</a:t>
+              <a:t>4/26/2023</a:t>
             </a:fld>
             <a:endParaRPr lang="en-US" dirty="0"/>
           </a:p>
@@ -4838,7 +4854,7 @@
             <a:fld id="{B61BEF0D-F0BB-DE4B-95CE-6DB70DBA9567}" type="datetimeFigureOut">
               <a:rPr lang="en-US" dirty="0"/>
               <a:pPr/>
-              <a:t>10/13/2021</a:t>
+              <a:t>4/26/2023</a:t>
             </a:fld>
             <a:endParaRPr lang="en-US" dirty="0"/>
           </a:p>
@@ -5035,7 +5051,7 @@
             <a:fld id="{B61BEF0D-F0BB-DE4B-95CE-6DB70DBA9567}" type="datetimeFigureOut">
               <a:rPr lang="en-US" dirty="0"/>
               <a:pPr/>
-              <a:t>10/13/2021</a:t>
+              <a:t>4/26/2023</a:t>
             </a:fld>
             <a:endParaRPr lang="en-US" dirty="0"/>
           </a:p>
@@ -5308,7 +5324,7 @@
             <a:fld id="{B61BEF0D-F0BB-DE4B-95CE-6DB70DBA9567}" type="datetimeFigureOut">
               <a:rPr lang="en-US" dirty="0"/>
               <a:pPr/>
-              <a:t>10/13/2021</a:t>
+              <a:t>4/26/2023</a:t>
             </a:fld>
             <a:endParaRPr lang="en-US" dirty="0"/>
           </a:p>
@@ -5571,7 +5587,7 @@
             <a:fld id="{B61BEF0D-F0BB-DE4B-95CE-6DB70DBA9567}" type="datetimeFigureOut">
               <a:rPr lang="en-US" dirty="0"/>
               <a:pPr/>
-              <a:t>10/13/2021</a:t>
+              <a:t>4/26/2023</a:t>
             </a:fld>
             <a:endParaRPr lang="en-US" dirty="0"/>
           </a:p>
@@ -5942,7 +5958,7 @@
             <a:fld id="{B61BEF0D-F0BB-DE4B-95CE-6DB70DBA9567}" type="datetimeFigureOut">
               <a:rPr lang="en-US" dirty="0"/>
               <a:pPr/>
-              <a:t>10/13/2021</a:t>
+              <a:t>4/26/2023</a:t>
             </a:fld>
             <a:endParaRPr lang="en-US" dirty="0"/>
           </a:p>
@@ -6087,7 +6103,7 @@
             <a:fld id="{B61BEF0D-F0BB-DE4B-95CE-6DB70DBA9567}" type="datetimeFigureOut">
               <a:rPr lang="en-US" dirty="0"/>
               <a:pPr/>
-              <a:t>10/13/2021</a:t>
+              <a:t>4/26/2023</a:t>
             </a:fld>
             <a:endParaRPr lang="en-US" dirty="0"/>
           </a:p>
@@ -6209,7 +6225,7 @@
             <a:fld id="{B61BEF0D-F0BB-DE4B-95CE-6DB70DBA9567}" type="datetimeFigureOut">
               <a:rPr lang="en-US" dirty="0"/>
               <a:pPr/>
-              <a:t>10/13/2021</a:t>
+              <a:t>4/26/2023</a:t>
             </a:fld>
             <a:endParaRPr lang="en-US" dirty="0"/>
           </a:p>
@@ -6491,7 +6507,7 @@
             <a:fld id="{B61BEF0D-F0BB-DE4B-95CE-6DB70DBA9567}" type="datetimeFigureOut">
               <a:rPr lang="en-US" dirty="0"/>
               <a:pPr/>
-              <a:t>10/13/2021</a:t>
+              <a:t>4/26/2023</a:t>
             </a:fld>
             <a:endParaRPr lang="en-US" dirty="0"/>
           </a:p>
@@ -6812,7 +6828,7 @@
             <a:fld id="{B61BEF0D-F0BB-DE4B-95CE-6DB70DBA9567}" type="datetimeFigureOut">
               <a:rPr lang="en-US" dirty="0"/>
               <a:pPr/>
-              <a:t>10/13/2021</a:t>
+              <a:t>4/26/2023</a:t>
             </a:fld>
             <a:endParaRPr lang="en-US" dirty="0"/>
           </a:p>
@@ -7023,7 +7039,7 @@
             <a:fld id="{B61BEF0D-F0BB-DE4B-95CE-6DB70DBA9567}" type="datetimeFigureOut">
               <a:rPr lang="en-US" dirty="0"/>
               <a:pPr/>
-              <a:t>10/13/2021</a:t>
+              <a:t>4/26/2023</a:t>
             </a:fld>
             <a:endParaRPr lang="en-US" dirty="0"/>
           </a:p>
@@ -7583,8 +7599,12 @@
           <a:lstStyle/>
           <a:p>
             <a:r>
+              <a:rPr lang="en-MY"/>
+              <a:t>unit 3c </a:t>
+            </a:r>
+            <a:r>
               <a:rPr lang="en-MY" dirty="0"/>
-              <a:t>unit 3a – stdin/</a:t>
+              <a:t>– stdin/</a:t>
             </a:r>
             <a:r>
               <a:rPr lang="en-MY" dirty="0" err="1"/>
